--- a/chapter_1/pptx/1_intro.pptx
+++ b/chapter_1/pptx/1_intro.pptx
@@ -7,21 +7,29 @@
     <p:sldMasterId id="2147483664" r:id="rId3"/>
   </p:sldMasterIdLst>
   <p:notesMasterIdLst>
-    <p:notesMasterId r:id="rId16"/>
+    <p:notesMasterId r:id="rId24"/>
   </p:notesMasterIdLst>
   <p:sldIdLst>
     <p:sldId id="258" r:id="rId4"/>
-    <p:sldId id="267" r:id="rId5"/>
-    <p:sldId id="314" r:id="rId6"/>
-    <p:sldId id="310" r:id="rId7"/>
-    <p:sldId id="323" r:id="rId8"/>
-    <p:sldId id="315" r:id="rId9"/>
-    <p:sldId id="274" r:id="rId10"/>
-    <p:sldId id="322" r:id="rId11"/>
-    <p:sldId id="316" r:id="rId12"/>
-    <p:sldId id="302" r:id="rId13"/>
-    <p:sldId id="317" r:id="rId14"/>
-    <p:sldId id="320" r:id="rId15"/>
+    <p:sldId id="300" r:id="rId5"/>
+    <p:sldId id="267" r:id="rId6"/>
+    <p:sldId id="314" r:id="rId7"/>
+    <p:sldId id="325" r:id="rId8"/>
+    <p:sldId id="323" r:id="rId9"/>
+    <p:sldId id="315" r:id="rId10"/>
+    <p:sldId id="274" r:id="rId11"/>
+    <p:sldId id="322" r:id="rId12"/>
+    <p:sldId id="316" r:id="rId13"/>
+    <p:sldId id="302" r:id="rId14"/>
+    <p:sldId id="303" r:id="rId15"/>
+    <p:sldId id="309" r:id="rId16"/>
+    <p:sldId id="306" r:id="rId17"/>
+    <p:sldId id="311" r:id="rId18"/>
+    <p:sldId id="292" r:id="rId19"/>
+    <p:sldId id="312" r:id="rId20"/>
+    <p:sldId id="313" r:id="rId21"/>
+    <p:sldId id="317" r:id="rId22"/>
+    <p:sldId id="320" r:id="rId23"/>
   </p:sldIdLst>
   <p:sldSz cx="18288000" cy="10285413"/>
   <p:notesSz cx="6858000" cy="9144000"/>
@@ -221,7 +229,7 @@
           <a:p>
             <a:fld id="{9325ABCC-732D-4DFB-BF35-D5B0D3F49F74}" type="datetimeFigureOut">
               <a:rPr kumimoji="1" lang="ja-JP" altLang="en-US" smtClean="0"/>
-              <a:t>2020/5/26</a:t>
+              <a:t>2020/5/31</a:t>
             </a:fld>
             <a:endParaRPr kumimoji="1" lang="ja-JP" altLang="en-US"/>
           </a:p>
@@ -600,7 +608,7 @@
           <a:p>
             <a:r>
               <a:rPr kumimoji="1" lang="en-US" altLang="ja-JP"/>
-              <a:t>©︎Takato Matsumoto, 2019</a:t>
+              <a:t>@Takato Matsumoto, 2020</a:t>
             </a:r>
             <a:endParaRPr kumimoji="1" lang="ja-JP" altLang="en-US" dirty="0"/>
           </a:p>
@@ -699,7 +707,7 @@
           <a:p>
             <a:r>
               <a:rPr kumimoji="1" lang="en-US" altLang="ja-JP"/>
-              <a:t>©︎Takato Matsumoto, 2019</a:t>
+              <a:t>@Takato Matsumoto, 2020</a:t>
             </a:r>
             <a:endParaRPr kumimoji="1" lang="ja-JP" altLang="en-US" dirty="0"/>
           </a:p>
@@ -1173,7 +1181,7 @@
           <a:p>
             <a:r>
               <a:rPr kumimoji="1" lang="en-US" altLang="ja-JP"/>
-              <a:t>©︎Takato Matsumoto, 2019</a:t>
+              <a:t>@Takato Matsumoto, 2020</a:t>
             </a:r>
             <a:endParaRPr kumimoji="1" lang="ja-JP" altLang="en-US" dirty="0"/>
           </a:p>
@@ -1772,7 +1780,7 @@
           <a:p>
             <a:r>
               <a:rPr kumimoji="1" lang="en-US" altLang="ja-JP"/>
-              <a:t>©︎Takato Matsumoto, 2019</a:t>
+              <a:t>@Takato Matsumoto, 2020</a:t>
             </a:r>
             <a:endParaRPr kumimoji="1" lang="ja-JP" altLang="en-US" dirty="0"/>
           </a:p>
@@ -2496,7 +2504,7 @@
           <a:p>
             <a:r>
               <a:rPr kumimoji="1" lang="en-US" altLang="ja-JP"/>
-              <a:t>©︎Takato Matsumoto, 2019</a:t>
+              <a:t>@Takato Matsumoto, 2020</a:t>
             </a:r>
             <a:endParaRPr kumimoji="1" lang="ja-JP" altLang="en-US" dirty="0"/>
           </a:p>
@@ -2697,7 +2705,7 @@
           <a:p>
             <a:r>
               <a:rPr kumimoji="1" lang="en-US" altLang="ja-JP"/>
-              <a:t>©︎Takato Matsumoto, 2019</a:t>
+              <a:t>@Takato Matsumoto, 2020</a:t>
             </a:r>
             <a:endParaRPr kumimoji="1" lang="ja-JP" altLang="en-US" dirty="0"/>
           </a:p>
@@ -2939,7 +2947,7 @@
           <a:p>
             <a:r>
               <a:rPr kumimoji="1" lang="en-US" altLang="ja-JP"/>
-              <a:t>©︎Takato Matsumoto, 2019</a:t>
+              <a:t>@Takato Matsumoto, 2020</a:t>
             </a:r>
             <a:endParaRPr kumimoji="1" lang="ja-JP" altLang="en-US" dirty="0"/>
           </a:p>
@@ -3324,7 +3332,7 @@
           <a:p>
             <a:r>
               <a:rPr kumimoji="1" lang="en-US" altLang="ja-JP"/>
-              <a:t>©︎Takato Matsumoto, 2019</a:t>
+              <a:t>@Takato Matsumoto, 2020</a:t>
             </a:r>
             <a:endParaRPr kumimoji="1" lang="ja-JP" altLang="en-US" dirty="0"/>
           </a:p>
@@ -3597,7 +3605,7 @@
           <a:p>
             <a:r>
               <a:rPr kumimoji="1" lang="en-US" altLang="ja-JP"/>
-              <a:t>©︎Takato Matsumoto, 2019</a:t>
+              <a:t>@Takato Matsumoto, 2020</a:t>
             </a:r>
             <a:endParaRPr kumimoji="1" lang="ja-JP" altLang="en-US" dirty="0"/>
           </a:p>
@@ -3744,7 +3752,7 @@
           <a:p>
             <a:r>
               <a:rPr kumimoji="1" lang="en-US" altLang="ja-JP"/>
-              <a:t>©︎Takato Matsumoto, 2019</a:t>
+              <a:t>@Takato Matsumoto, 2020</a:t>
             </a:r>
             <a:endParaRPr kumimoji="1" lang="ja-JP" altLang="en-US" dirty="0"/>
           </a:p>
@@ -3997,6 +4005,309 @@
 </file>
 
 <file path=ppt/slideLayouts/slideLayout19.xml><?xml version="1.0" encoding="utf-8"?>
+<p:sldLayout xmlns:a="http://schemas.openxmlformats.org/drawingml/2006/main" xmlns:r="http://schemas.openxmlformats.org/officeDocument/2006/relationships" xmlns:p="http://schemas.openxmlformats.org/presentationml/2006/main" userDrawn="1">
+  <p:cSld name="タイトルスライド - サブタイトル 2">
+    <p:spTree>
+      <p:nvGrpSpPr>
+        <p:cNvPr id="1" name=""/>
+        <p:cNvGrpSpPr/>
+        <p:nvPr/>
+      </p:nvGrpSpPr>
+      <p:grpSpPr>
+        <a:xfrm>
+          <a:off x="0" y="0"/>
+          <a:ext cx="0" cy="0"/>
+          <a:chOff x="0" y="0"/>
+          <a:chExt cx="0" cy="0"/>
+        </a:xfrm>
+      </p:grpSpPr>
+      <p:sp>
+        <p:nvSpPr>
+          <p:cNvPr id="2" name="タイトル 1"/>
+          <p:cNvSpPr>
+            <a:spLocks noGrp="1"/>
+          </p:cNvSpPr>
+          <p:nvPr>
+            <p:ph type="title" hasCustomPrompt="1"/>
+          </p:nvPr>
+        </p:nvSpPr>
+        <p:spPr>
+          <a:xfrm>
+            <a:off x="704850" y="4846596"/>
+            <a:ext cx="16878300" cy="1338304"/>
+          </a:xfrm>
+        </p:spPr>
+        <p:txBody>
+          <a:bodyPr anchor="t">
+            <a:normAutofit/>
+          </a:bodyPr>
+          <a:lstStyle>
+            <a:lvl1pPr algn="ctr">
+              <a:lnSpc>
+                <a:spcPct val="100000"/>
+              </a:lnSpc>
+              <a:defRPr sz="5400">
+                <a:latin typeface="Spica Neue P Bold" panose="02000803000000000000" pitchFamily="2" charset="-128"/>
+                <a:ea typeface="Spica Neue P Bold" panose="02000803000000000000" pitchFamily="2" charset="-128"/>
+                <a:cs typeface="Spica Neue P Bold" panose="02000803000000000000" pitchFamily="2" charset="-128"/>
+              </a:defRPr>
+            </a:lvl1pPr>
+          </a:lstStyle>
+          <a:p>
+            <a:r>
+              <a:rPr kumimoji="1" lang="ja-JP" altLang="en-US" dirty="0"/>
+              <a:t>プレゼンテーションタイトル</a:t>
+            </a:r>
+          </a:p>
+        </p:txBody>
+      </p:sp>
+      <p:sp>
+        <p:nvSpPr>
+          <p:cNvPr id="3" name="テキスト プレースホルダー 5"/>
+          <p:cNvSpPr>
+            <a:spLocks noGrp="1"/>
+          </p:cNvSpPr>
+          <p:nvPr>
+            <p:ph type="body" sz="quarter" idx="12" hasCustomPrompt="1"/>
+          </p:nvPr>
+        </p:nvSpPr>
+        <p:spPr>
+          <a:xfrm>
+            <a:off x="2628900" y="7924800"/>
+            <a:ext cx="13030200" cy="2024856"/>
+          </a:xfrm>
+        </p:spPr>
+        <p:txBody>
+          <a:bodyPr anchor="b">
+            <a:normAutofit/>
+          </a:bodyPr>
+          <a:lstStyle>
+            <a:lvl1pPr marL="0" indent="0" algn="ctr">
+              <a:lnSpc>
+                <a:spcPct val="130000"/>
+              </a:lnSpc>
+              <a:spcBef>
+                <a:spcPts val="0"/>
+              </a:spcBef>
+              <a:buNone/>
+              <a:defRPr sz="2400">
+                <a:solidFill>
+                  <a:schemeClr val="tx2"/>
+                </a:solidFill>
+              </a:defRPr>
+            </a:lvl1pPr>
+          </a:lstStyle>
+          <a:p>
+            <a:pPr lvl="0"/>
+            <a:r>
+              <a:rPr kumimoji="1" lang="ja-JP" altLang="en-US" dirty="0"/>
+              <a:t>テキストを入力</a:t>
+            </a:r>
+            <a:endParaRPr kumimoji="1" lang="en-US" altLang="ja-JP" dirty="0"/>
+          </a:p>
+        </p:txBody>
+      </p:sp>
+      <p:sp>
+        <p:nvSpPr>
+          <p:cNvPr id="4" name="テキスト プレースホルダー 5"/>
+          <p:cNvSpPr>
+            <a:spLocks noGrp="1"/>
+          </p:cNvSpPr>
+          <p:nvPr>
+            <p:ph type="body" sz="quarter" idx="13" hasCustomPrompt="1"/>
+          </p:nvPr>
+        </p:nvSpPr>
+        <p:spPr>
+          <a:xfrm>
+            <a:off x="2628900" y="3937000"/>
+            <a:ext cx="13030200" cy="909596"/>
+          </a:xfrm>
+        </p:spPr>
+        <p:txBody>
+          <a:bodyPr anchor="b">
+            <a:normAutofit/>
+          </a:bodyPr>
+          <a:lstStyle>
+            <a:lvl1pPr marL="0" indent="0" algn="ctr">
+              <a:lnSpc>
+                <a:spcPct val="130000"/>
+              </a:lnSpc>
+              <a:spcBef>
+                <a:spcPts val="0"/>
+              </a:spcBef>
+              <a:buNone/>
+              <a:defRPr sz="2800">
+                <a:solidFill>
+                  <a:schemeClr val="tx1"/>
+                </a:solidFill>
+              </a:defRPr>
+            </a:lvl1pPr>
+          </a:lstStyle>
+          <a:p>
+            <a:pPr lvl="0"/>
+            <a:r>
+              <a:rPr kumimoji="1" lang="ja-JP" altLang="en-US" dirty="0"/>
+              <a:t>サブタイトル</a:t>
+            </a:r>
+            <a:endParaRPr kumimoji="1" lang="en-US" altLang="ja-JP" dirty="0"/>
+          </a:p>
+        </p:txBody>
+      </p:sp>
+    </p:spTree>
+    <p:extLst>
+      <p:ext uri="{BB962C8B-B14F-4D97-AF65-F5344CB8AC3E}">
+        <p14:creationId xmlns:p14="http://schemas.microsoft.com/office/powerpoint/2010/main" val="2828434423"/>
+      </p:ext>
+    </p:extLst>
+  </p:cSld>
+  <p:clrMapOvr>
+    <a:masterClrMapping/>
+  </p:clrMapOvr>
+</p:sldLayout>
+</file>
+
+<file path=ppt/slideLayouts/slideLayout2.xml><?xml version="1.0" encoding="utf-8"?>
+<p:sldLayout xmlns:a="http://schemas.openxmlformats.org/drawingml/2006/main" xmlns:r="http://schemas.openxmlformats.org/officeDocument/2006/relationships" xmlns:p="http://schemas.openxmlformats.org/presentationml/2006/main" preserve="1" userDrawn="1">
+  <p:cSld name="テキストのみ">
+    <p:spTree>
+      <p:nvGrpSpPr>
+        <p:cNvPr id="1" name=""/>
+        <p:cNvGrpSpPr/>
+        <p:nvPr/>
+      </p:nvGrpSpPr>
+      <p:grpSpPr>
+        <a:xfrm>
+          <a:off x="0" y="0"/>
+          <a:ext cx="0" cy="0"/>
+          <a:chOff x="0" y="0"/>
+          <a:chExt cx="0" cy="0"/>
+        </a:xfrm>
+      </p:grpSpPr>
+      <p:sp>
+        <p:nvSpPr>
+          <p:cNvPr id="2" name="タイトル 1"/>
+          <p:cNvSpPr>
+            <a:spLocks noGrp="1"/>
+          </p:cNvSpPr>
+          <p:nvPr>
+            <p:ph type="title" hasCustomPrompt="1"/>
+          </p:nvPr>
+        </p:nvSpPr>
+        <p:spPr/>
+        <p:txBody>
+          <a:bodyPr/>
+          <a:lstStyle/>
+          <a:p>
+            <a:r>
+              <a:rPr kumimoji="1" lang="ja-JP" altLang="en-US" dirty="0"/>
+              <a:t>スライドのタイトル</a:t>
+            </a:r>
+          </a:p>
+        </p:txBody>
+      </p:sp>
+      <p:sp>
+        <p:nvSpPr>
+          <p:cNvPr id="3" name="スライド番号プレースホルダー 2"/>
+          <p:cNvSpPr>
+            <a:spLocks noGrp="1"/>
+          </p:cNvSpPr>
+          <p:nvPr>
+            <p:ph type="sldNum" sz="quarter" idx="10"/>
+          </p:nvPr>
+        </p:nvSpPr>
+        <p:spPr/>
+        <p:txBody>
+          <a:bodyPr/>
+          <a:lstStyle/>
+          <a:p>
+            <a:fld id="{D28C7C6D-0F52-4FBA-8358-35C6083C2133}" type="slidenum">
+              <a:rPr kumimoji="1" lang="ja-JP" altLang="en-US" smtClean="0"/>
+              <a:pPr/>
+              <a:t>‹#›</a:t>
+            </a:fld>
+            <a:endParaRPr kumimoji="1" lang="ja-JP" altLang="en-US"/>
+          </a:p>
+        </p:txBody>
+      </p:sp>
+      <p:sp>
+        <p:nvSpPr>
+          <p:cNvPr id="4" name="フッター プレースホルダー 3"/>
+          <p:cNvSpPr>
+            <a:spLocks noGrp="1"/>
+          </p:cNvSpPr>
+          <p:nvPr>
+            <p:ph type="ftr" sz="quarter" idx="11"/>
+          </p:nvPr>
+        </p:nvSpPr>
+        <p:spPr/>
+        <p:txBody>
+          <a:bodyPr/>
+          <a:lstStyle/>
+          <a:p>
+            <a:r>
+              <a:rPr kumimoji="1" lang="en-US" altLang="ja-JP"/>
+              <a:t>@Takato Matsumoto, 2020</a:t>
+            </a:r>
+            <a:endParaRPr kumimoji="1" lang="ja-JP" altLang="en-US" dirty="0"/>
+          </a:p>
+        </p:txBody>
+      </p:sp>
+      <p:sp>
+        <p:nvSpPr>
+          <p:cNvPr id="6" name="テキスト プレースホルダー 5"/>
+          <p:cNvSpPr>
+            <a:spLocks noGrp="1"/>
+          </p:cNvSpPr>
+          <p:nvPr>
+            <p:ph type="body" sz="quarter" idx="12" hasCustomPrompt="1"/>
+          </p:nvPr>
+        </p:nvSpPr>
+        <p:spPr>
+          <a:xfrm>
+            <a:off x="2628900" y="3053556"/>
+            <a:ext cx="13030200" cy="4178300"/>
+          </a:xfrm>
+        </p:spPr>
+        <p:txBody>
+          <a:bodyPr anchor="ctr">
+            <a:normAutofit/>
+          </a:bodyPr>
+          <a:lstStyle>
+            <a:lvl1pPr marL="0" indent="0" algn="ctr">
+              <a:lnSpc>
+                <a:spcPct val="120000"/>
+              </a:lnSpc>
+              <a:spcBef>
+                <a:spcPts val="0"/>
+              </a:spcBef>
+              <a:buNone/>
+              <a:defRPr sz="3200"/>
+            </a:lvl1pPr>
+          </a:lstStyle>
+          <a:p>
+            <a:pPr lvl="0"/>
+            <a:r>
+              <a:rPr kumimoji="1" lang="ja-JP" altLang="en-US" dirty="0"/>
+              <a:t>テキストを入力</a:t>
+            </a:r>
+            <a:endParaRPr kumimoji="1" lang="en-US" altLang="ja-JP" dirty="0"/>
+          </a:p>
+        </p:txBody>
+      </p:sp>
+    </p:spTree>
+    <p:extLst>
+      <p:ext uri="{BB962C8B-B14F-4D97-AF65-F5344CB8AC3E}">
+        <p14:creationId xmlns:p14="http://schemas.microsoft.com/office/powerpoint/2010/main" val="4246948141"/>
+      </p:ext>
+    </p:extLst>
+  </p:cSld>
+  <p:clrMapOvr>
+    <a:masterClrMapping/>
+  </p:clrMapOvr>
+</p:sldLayout>
+</file>
+
+<file path=ppt/slideLayouts/slideLayout20.xml><?xml version="1.0" encoding="utf-8"?>
 <p:sldLayout xmlns:a="http://schemas.openxmlformats.org/drawingml/2006/main" xmlns:r="http://schemas.openxmlformats.org/officeDocument/2006/relationships" xmlns:p="http://schemas.openxmlformats.org/presentationml/2006/main" preserve="1" userDrawn="1">
   <p:cSld name="左右 - 番号付き箇条書き">
     <p:spTree>
@@ -4137,7 +4448,7 @@
           <a:p>
             <a:r>
               <a:rPr kumimoji="1" lang="en-US" altLang="ja-JP"/>
-              <a:t>©︎Takato Matsumoto, 2019</a:t>
+              <a:t>@Takato Matsumoto, 2020</a:t>
             </a:r>
             <a:endParaRPr kumimoji="1" lang="ja-JP" altLang="en-US" dirty="0"/>
           </a:p>
@@ -4226,148 +4537,7 @@
 </p:sldLayout>
 </file>
 
-<file path=ppt/slideLayouts/slideLayout2.xml><?xml version="1.0" encoding="utf-8"?>
-<p:sldLayout xmlns:a="http://schemas.openxmlformats.org/drawingml/2006/main" xmlns:r="http://schemas.openxmlformats.org/officeDocument/2006/relationships" xmlns:p="http://schemas.openxmlformats.org/presentationml/2006/main" preserve="1" userDrawn="1">
-  <p:cSld name="テキストのみ">
-    <p:spTree>
-      <p:nvGrpSpPr>
-        <p:cNvPr id="1" name=""/>
-        <p:cNvGrpSpPr/>
-        <p:nvPr/>
-      </p:nvGrpSpPr>
-      <p:grpSpPr>
-        <a:xfrm>
-          <a:off x="0" y="0"/>
-          <a:ext cx="0" cy="0"/>
-          <a:chOff x="0" y="0"/>
-          <a:chExt cx="0" cy="0"/>
-        </a:xfrm>
-      </p:grpSpPr>
-      <p:sp>
-        <p:nvSpPr>
-          <p:cNvPr id="2" name="タイトル 1"/>
-          <p:cNvSpPr>
-            <a:spLocks noGrp="1"/>
-          </p:cNvSpPr>
-          <p:nvPr>
-            <p:ph type="title" hasCustomPrompt="1"/>
-          </p:nvPr>
-        </p:nvSpPr>
-        <p:spPr/>
-        <p:txBody>
-          <a:bodyPr/>
-          <a:lstStyle/>
-          <a:p>
-            <a:r>
-              <a:rPr kumimoji="1" lang="ja-JP" altLang="en-US" dirty="0"/>
-              <a:t>スライドのタイトル</a:t>
-            </a:r>
-          </a:p>
-        </p:txBody>
-      </p:sp>
-      <p:sp>
-        <p:nvSpPr>
-          <p:cNvPr id="3" name="スライド番号プレースホルダー 2"/>
-          <p:cNvSpPr>
-            <a:spLocks noGrp="1"/>
-          </p:cNvSpPr>
-          <p:nvPr>
-            <p:ph type="sldNum" sz="quarter" idx="10"/>
-          </p:nvPr>
-        </p:nvSpPr>
-        <p:spPr/>
-        <p:txBody>
-          <a:bodyPr/>
-          <a:lstStyle/>
-          <a:p>
-            <a:fld id="{D28C7C6D-0F52-4FBA-8358-35C6083C2133}" type="slidenum">
-              <a:rPr kumimoji="1" lang="ja-JP" altLang="en-US" smtClean="0"/>
-              <a:pPr/>
-              <a:t>‹#›</a:t>
-            </a:fld>
-            <a:endParaRPr kumimoji="1" lang="ja-JP" altLang="en-US"/>
-          </a:p>
-        </p:txBody>
-      </p:sp>
-      <p:sp>
-        <p:nvSpPr>
-          <p:cNvPr id="4" name="フッター プレースホルダー 3"/>
-          <p:cNvSpPr>
-            <a:spLocks noGrp="1"/>
-          </p:cNvSpPr>
-          <p:nvPr>
-            <p:ph type="ftr" sz="quarter" idx="11"/>
-          </p:nvPr>
-        </p:nvSpPr>
-        <p:spPr/>
-        <p:txBody>
-          <a:bodyPr/>
-          <a:lstStyle/>
-          <a:p>
-            <a:r>
-              <a:rPr kumimoji="1" lang="en-US" altLang="ja-JP"/>
-              <a:t>©︎Takato Matsumoto, 2019</a:t>
-            </a:r>
-            <a:endParaRPr kumimoji="1" lang="ja-JP" altLang="en-US" dirty="0"/>
-          </a:p>
-        </p:txBody>
-      </p:sp>
-      <p:sp>
-        <p:nvSpPr>
-          <p:cNvPr id="6" name="テキスト プレースホルダー 5"/>
-          <p:cNvSpPr>
-            <a:spLocks noGrp="1"/>
-          </p:cNvSpPr>
-          <p:nvPr>
-            <p:ph type="body" sz="quarter" idx="12" hasCustomPrompt="1"/>
-          </p:nvPr>
-        </p:nvSpPr>
-        <p:spPr>
-          <a:xfrm>
-            <a:off x="2628900" y="3053556"/>
-            <a:ext cx="13030200" cy="4178300"/>
-          </a:xfrm>
-        </p:spPr>
-        <p:txBody>
-          <a:bodyPr anchor="ctr">
-            <a:normAutofit/>
-          </a:bodyPr>
-          <a:lstStyle>
-            <a:lvl1pPr marL="0" indent="0" algn="ctr">
-              <a:lnSpc>
-                <a:spcPct val="120000"/>
-              </a:lnSpc>
-              <a:spcBef>
-                <a:spcPts val="0"/>
-              </a:spcBef>
-              <a:buNone/>
-              <a:defRPr sz="3200"/>
-            </a:lvl1pPr>
-          </a:lstStyle>
-          <a:p>
-            <a:pPr lvl="0"/>
-            <a:r>
-              <a:rPr kumimoji="1" lang="ja-JP" altLang="en-US" dirty="0"/>
-              <a:t>テキストを入力</a:t>
-            </a:r>
-            <a:endParaRPr kumimoji="1" lang="en-US" altLang="ja-JP" dirty="0"/>
-          </a:p>
-        </p:txBody>
-      </p:sp>
-    </p:spTree>
-    <p:extLst>
-      <p:ext uri="{BB962C8B-B14F-4D97-AF65-F5344CB8AC3E}">
-        <p14:creationId xmlns:p14="http://schemas.microsoft.com/office/powerpoint/2010/main" val="4246948141"/>
-      </p:ext>
-    </p:extLst>
-  </p:cSld>
-  <p:clrMapOvr>
-    <a:masterClrMapping/>
-  </p:clrMapOvr>
-</p:sldLayout>
-</file>
-
-<file path=ppt/slideLayouts/slideLayout20.xml><?xml version="1.0" encoding="utf-8"?>
+<file path=ppt/slideLayouts/slideLayout21.xml><?xml version="1.0" encoding="utf-8"?>
 <p:sldLayout xmlns:a="http://schemas.openxmlformats.org/drawingml/2006/main" xmlns:r="http://schemas.openxmlformats.org/officeDocument/2006/relationships" xmlns:p="http://schemas.openxmlformats.org/presentationml/2006/main" preserve="1" userDrawn="1">
   <p:cSld name="画像が左半分を占めるレイアウト">
     <p:spTree>
@@ -4425,7 +4595,7 @@
           <a:p>
             <a:r>
               <a:rPr kumimoji="1" lang="en-US" altLang="ja-JP"/>
-              <a:t>©︎Takato Matsumoto, 2019</a:t>
+              <a:t>@Takato Matsumoto, 2020</a:t>
             </a:r>
             <a:endParaRPr kumimoji="1" lang="ja-JP" altLang="en-US" dirty="0"/>
           </a:p>
@@ -4677,7 +4847,7 @@
 </p:sldLayout>
 </file>
 
-<file path=ppt/slideLayouts/slideLayout21.xml><?xml version="1.0" encoding="utf-8"?>
+<file path=ppt/slideLayouts/slideLayout22.xml><?xml version="1.0" encoding="utf-8"?>
 <p:sldLayout xmlns:a="http://schemas.openxmlformats.org/drawingml/2006/main" xmlns:r="http://schemas.openxmlformats.org/officeDocument/2006/relationships" xmlns:p="http://schemas.openxmlformats.org/presentationml/2006/main" preserve="1" userDrawn="1">
   <p:cSld name="画像が上半分を占めるレイアウト">
     <p:spTree>
@@ -4735,7 +4905,7 @@
           <a:p>
             <a:r>
               <a:rPr kumimoji="1" lang="en-US" altLang="ja-JP"/>
-              <a:t>©︎Takato Matsumoto, 2019</a:t>
+              <a:t>@Takato Matsumoto, 2020</a:t>
             </a:r>
             <a:endParaRPr kumimoji="1" lang="ja-JP" altLang="en-US" dirty="0"/>
           </a:p>
@@ -4916,7 +5086,7 @@
 </p:sldLayout>
 </file>
 
-<file path=ppt/slideLayouts/slideLayout22.xml><?xml version="1.0" encoding="utf-8"?>
+<file path=ppt/slideLayouts/slideLayout23.xml><?xml version="1.0" encoding="utf-8"?>
 <p:sldLayout xmlns:a="http://schemas.openxmlformats.org/drawingml/2006/main" xmlns:r="http://schemas.openxmlformats.org/officeDocument/2006/relationships" xmlns:p="http://schemas.openxmlformats.org/presentationml/2006/main" preserve="1" userDrawn="1">
   <p:cSld name="スライドタイトルとテキスト - 中央寄り">
     <p:spTree>
@@ -5008,7 +5178,7 @@
           <a:p>
             <a:r>
               <a:rPr kumimoji="1" lang="en-US" altLang="ja-JP"/>
-              <a:t>©︎Takato Matsumoto, 2019</a:t>
+              <a:t>@Takato Matsumoto, 2020</a:t>
             </a:r>
             <a:endParaRPr kumimoji="1" lang="ja-JP" altLang="en-US" dirty="0"/>
           </a:p>
@@ -5103,7 +5273,7 @@
 </p:sldLayout>
 </file>
 
-<file path=ppt/slideLayouts/slideLayout23.xml><?xml version="1.0" encoding="utf-8"?>
+<file path=ppt/slideLayouts/slideLayout24.xml><?xml version="1.0" encoding="utf-8"?>
 <p:sldLayout xmlns:a="http://schemas.openxmlformats.org/drawingml/2006/main" xmlns:r="http://schemas.openxmlformats.org/officeDocument/2006/relationships" xmlns:p="http://schemas.openxmlformats.org/presentationml/2006/main" preserve="1" userDrawn="1">
   <p:cSld name="テキストのみ">
     <p:spTree>
@@ -5161,7 +5331,7 @@
           <a:p>
             <a:r>
               <a:rPr kumimoji="1" lang="en-US" altLang="ja-JP"/>
-              <a:t>©︎Takato Matsumoto, 2019</a:t>
+              <a:t>@Takato Matsumoto, 2020</a:t>
             </a:r>
             <a:endParaRPr kumimoji="1" lang="ja-JP" altLang="en-US" dirty="0"/>
           </a:p>
@@ -5226,7 +5396,7 @@
 </p:sldLayout>
 </file>
 
-<file path=ppt/slideLayouts/slideLayout24.xml><?xml version="1.0" encoding="utf-8"?>
+<file path=ppt/slideLayouts/slideLayout25.xml><?xml version="1.0" encoding="utf-8"?>
 <p:sldLayout xmlns:a="http://schemas.openxmlformats.org/drawingml/2006/main" xmlns:r="http://schemas.openxmlformats.org/officeDocument/2006/relationships" xmlns:p="http://schemas.openxmlformats.org/presentationml/2006/main" preserve="1" userDrawn="1">
   <p:cSld name="印象的なテキスト">
     <p:spTree>
@@ -5284,7 +5454,7 @@
           <a:p>
             <a:r>
               <a:rPr kumimoji="1" lang="en-US" altLang="ja-JP"/>
-              <a:t>©︎Takato Matsumoto, 2019</a:t>
+              <a:t>@Takato Matsumoto, 2020</a:t>
             </a:r>
             <a:endParaRPr kumimoji="1" lang="ja-JP" altLang="en-US" dirty="0"/>
           </a:p>
@@ -5453,7 +5623,7 @@
 </p:sldLayout>
 </file>
 
-<file path=ppt/slideLayouts/slideLayout25.xml><?xml version="1.0" encoding="utf-8"?>
+<file path=ppt/slideLayouts/slideLayout26.xml><?xml version="1.0" encoding="utf-8"?>
 <p:sldLayout xmlns:a="http://schemas.openxmlformats.org/drawingml/2006/main" xmlns:r="http://schemas.openxmlformats.org/officeDocument/2006/relationships" xmlns:p="http://schemas.openxmlformats.org/presentationml/2006/main" preserve="1" userDrawn="1">
   <p:cSld name="補足">
     <p:bg>
@@ -5530,7 +5700,7 @@
           <a:p>
             <a:r>
               <a:rPr kumimoji="1" lang="en-US" altLang="ja-JP"/>
-              <a:t>©︎Takato Matsumoto, 2019</a:t>
+              <a:t>@Takato Matsumoto, 2020</a:t>
             </a:r>
             <a:endParaRPr kumimoji="1" lang="ja-JP" altLang="en-US" dirty="0"/>
           </a:p>
@@ -5726,7 +5896,208 @@
 </p:sldLayout>
 </file>
 
-<file path=ppt/slideLayouts/slideLayout26.xml><?xml version="1.0" encoding="utf-8"?>
+<file path=ppt/slideLayouts/slideLayout27.xml><?xml version="1.0" encoding="utf-8"?>
+<p:sldLayout xmlns:a="http://schemas.openxmlformats.org/drawingml/2006/main" xmlns:r="http://schemas.openxmlformats.org/officeDocument/2006/relationships" xmlns:p="http://schemas.openxmlformats.org/presentationml/2006/main" userDrawn="1">
+  <p:cSld name="箇条書きスライド - 画面いっぱい">
+    <p:spTree>
+      <p:nvGrpSpPr>
+        <p:cNvPr id="1" name=""/>
+        <p:cNvGrpSpPr/>
+        <p:nvPr/>
+      </p:nvGrpSpPr>
+      <p:grpSpPr>
+        <a:xfrm>
+          <a:off x="0" y="0"/>
+          <a:ext cx="0" cy="0"/>
+          <a:chOff x="0" y="0"/>
+          <a:chExt cx="0" cy="0"/>
+        </a:xfrm>
+      </p:grpSpPr>
+      <p:sp>
+        <p:nvSpPr>
+          <p:cNvPr id="2" name="タイトル 1"/>
+          <p:cNvSpPr>
+            <a:spLocks noGrp="1"/>
+          </p:cNvSpPr>
+          <p:nvPr>
+            <p:ph type="title" hasCustomPrompt="1"/>
+          </p:nvPr>
+        </p:nvSpPr>
+        <p:spPr/>
+        <p:txBody>
+          <a:bodyPr/>
+          <a:lstStyle/>
+          <a:p>
+            <a:r>
+              <a:rPr kumimoji="1" lang="ja-JP" altLang="en-US" dirty="0"/>
+              <a:t>スライドのタイトル</a:t>
+            </a:r>
+          </a:p>
+        </p:txBody>
+      </p:sp>
+      <p:sp>
+        <p:nvSpPr>
+          <p:cNvPr id="3" name="スライド番号プレースホルダー 2"/>
+          <p:cNvSpPr>
+            <a:spLocks noGrp="1"/>
+          </p:cNvSpPr>
+          <p:nvPr>
+            <p:ph type="sldNum" sz="quarter" idx="10"/>
+          </p:nvPr>
+        </p:nvSpPr>
+        <p:spPr/>
+        <p:txBody>
+          <a:bodyPr/>
+          <a:lstStyle/>
+          <a:p>
+            <a:fld id="{D28C7C6D-0F52-4FBA-8358-35C6083C2133}" type="slidenum">
+              <a:rPr kumimoji="1" lang="ja-JP" altLang="en-US" smtClean="0"/>
+              <a:pPr/>
+              <a:t>‹#›</a:t>
+            </a:fld>
+            <a:endParaRPr kumimoji="1" lang="ja-JP" altLang="en-US"/>
+          </a:p>
+        </p:txBody>
+      </p:sp>
+      <p:sp>
+        <p:nvSpPr>
+          <p:cNvPr id="4" name="フッター プレースホルダー 3"/>
+          <p:cNvSpPr>
+            <a:spLocks noGrp="1"/>
+          </p:cNvSpPr>
+          <p:nvPr>
+            <p:ph type="ftr" sz="quarter" idx="11"/>
+          </p:nvPr>
+        </p:nvSpPr>
+        <p:spPr/>
+        <p:txBody>
+          <a:bodyPr/>
+          <a:lstStyle/>
+          <a:p>
+            <a:r>
+              <a:rPr kumimoji="1" lang="en-US" altLang="ja-JP"/>
+              <a:t>@Takato Matsumoto, 2020</a:t>
+            </a:r>
+            <a:endParaRPr kumimoji="1" lang="ja-JP" altLang="en-US" dirty="0"/>
+          </a:p>
+        </p:txBody>
+      </p:sp>
+      <p:sp>
+        <p:nvSpPr>
+          <p:cNvPr id="6" name="テキスト プレースホルダー 5"/>
+          <p:cNvSpPr>
+            <a:spLocks noGrp="1"/>
+          </p:cNvSpPr>
+          <p:nvPr>
+            <p:ph type="body" sz="quarter" idx="12" hasCustomPrompt="1"/>
+          </p:nvPr>
+        </p:nvSpPr>
+        <p:spPr>
+          <a:xfrm>
+            <a:off x="2628900" y="1549400"/>
+            <a:ext cx="13030200" cy="8072438"/>
+          </a:xfrm>
+        </p:spPr>
+        <p:txBody>
+          <a:bodyPr anchor="ctr">
+            <a:normAutofit/>
+          </a:bodyPr>
+          <a:lstStyle>
+            <a:lvl1pPr marL="457200" indent="-457200" algn="l">
+              <a:lnSpc>
+                <a:spcPct val="120000"/>
+              </a:lnSpc>
+              <a:spcBef>
+                <a:spcPts val="2400"/>
+              </a:spcBef>
+              <a:buClr>
+                <a:schemeClr val="accent1"/>
+              </a:buClr>
+              <a:buFont typeface="Wingdings" panose="05000000000000000000" pitchFamily="2" charset="2"/>
+              <a:buChar char="n"/>
+              <a:defRPr sz="3200"/>
+            </a:lvl1pPr>
+            <a:lvl2pPr>
+              <a:lnSpc>
+                <a:spcPct val="120000"/>
+              </a:lnSpc>
+              <a:defRPr/>
+            </a:lvl2pPr>
+            <a:lvl3pPr>
+              <a:lnSpc>
+                <a:spcPct val="120000"/>
+              </a:lnSpc>
+              <a:defRPr>
+                <a:solidFill>
+                  <a:schemeClr val="tx2"/>
+                </a:solidFill>
+              </a:defRPr>
+            </a:lvl3pPr>
+          </a:lstStyle>
+          <a:p>
+            <a:pPr lvl="0"/>
+            <a:r>
+              <a:rPr kumimoji="1" lang="ja-JP" altLang="en-US" dirty="0"/>
+              <a:t>第</a:t>
+            </a:r>
+            <a:r>
+              <a:rPr kumimoji="1" lang="en-US" altLang="ja-JP" dirty="0"/>
+              <a:t>1</a:t>
+            </a:r>
+            <a:r>
+              <a:rPr kumimoji="1" lang="ja-JP" altLang="en-US" dirty="0"/>
+              <a:t>レベル</a:t>
+            </a:r>
+            <a:endParaRPr kumimoji="1" lang="en-US" altLang="ja-JP" dirty="0"/>
+          </a:p>
+          <a:p>
+            <a:pPr lvl="1"/>
+            <a:r>
+              <a:rPr kumimoji="1" lang="ja-JP" altLang="en-US" dirty="0"/>
+              <a:t>第</a:t>
+            </a:r>
+            <a:r>
+              <a:rPr kumimoji="1" lang="en-US" altLang="ja-JP" dirty="0"/>
+              <a:t>2</a:t>
+            </a:r>
+            <a:r>
+              <a:rPr kumimoji="1" lang="ja-JP" altLang="en-US" dirty="0"/>
+              <a:t>レベル</a:t>
+            </a:r>
+            <a:endParaRPr kumimoji="1" lang="en-US" altLang="ja-JP" dirty="0"/>
+          </a:p>
+          <a:p>
+            <a:pPr lvl="2"/>
+            <a:r>
+              <a:rPr kumimoji="1" lang="ja-JP" altLang="en-US" dirty="0"/>
+              <a:t>第</a:t>
+            </a:r>
+            <a:r>
+              <a:rPr kumimoji="1" lang="en-US" altLang="ja-JP" dirty="0"/>
+              <a:t>3</a:t>
+            </a:r>
+            <a:r>
+              <a:rPr kumimoji="1" lang="ja-JP" altLang="en-US" dirty="0"/>
+              <a:t>レベル</a:t>
+            </a:r>
+            <a:endParaRPr kumimoji="1" lang="en-US" altLang="ja-JP" dirty="0"/>
+          </a:p>
+        </p:txBody>
+      </p:sp>
+    </p:spTree>
+    <p:extLst>
+      <p:ext uri="{BB962C8B-B14F-4D97-AF65-F5344CB8AC3E}">
+        <p14:creationId xmlns:p14="http://schemas.microsoft.com/office/powerpoint/2010/main" val="3001922134"/>
+      </p:ext>
+    </p:extLst>
+  </p:cSld>
+  <p:clrMapOvr>
+    <a:masterClrMapping/>
+  </p:clrMapOvr>
+</p:sldLayout>
+</file>
+
+<file path=ppt/slideLayouts/slideLayout28.xml><?xml version="1.0" encoding="utf-8"?>
 <p:sldLayout xmlns:a="http://schemas.openxmlformats.org/drawingml/2006/main" xmlns:r="http://schemas.openxmlformats.org/officeDocument/2006/relationships" xmlns:p="http://schemas.openxmlformats.org/presentationml/2006/main" preserve="1" userDrawn="1">
   <p:cSld name="タイトルスライド - シンプル">
     <p:spTree>
@@ -5842,7 +6213,7 @@
 </p:sldLayout>
 </file>
 
-<file path=ppt/slideLayouts/slideLayout27.xml><?xml version="1.0" encoding="utf-8"?>
+<file path=ppt/slideLayouts/slideLayout29.xml><?xml version="1.0" encoding="utf-8"?>
 <p:sldLayout xmlns:a="http://schemas.openxmlformats.org/drawingml/2006/main" xmlns:r="http://schemas.openxmlformats.org/officeDocument/2006/relationships" xmlns:p="http://schemas.openxmlformats.org/presentationml/2006/main" preserve="1" userDrawn="1">
   <p:cSld name="タイトルスライド - サブタイトル 1">
     <p:spTree>
@@ -5995,361 +6366,6 @@
     <p:extLst>
       <p:ext uri="{BB962C8B-B14F-4D97-AF65-F5344CB8AC3E}">
         <p14:creationId xmlns:p14="http://schemas.microsoft.com/office/powerpoint/2010/main" val="2971916450"/>
-      </p:ext>
-    </p:extLst>
-  </p:cSld>
-  <p:clrMapOvr>
-    <a:masterClrMapping/>
-  </p:clrMapOvr>
-</p:sldLayout>
-</file>
-
-<file path=ppt/slideLayouts/slideLayout28.xml><?xml version="1.0" encoding="utf-8"?>
-<p:sldLayout xmlns:a="http://schemas.openxmlformats.org/drawingml/2006/main" xmlns:r="http://schemas.openxmlformats.org/officeDocument/2006/relationships" xmlns:p="http://schemas.openxmlformats.org/presentationml/2006/main" preserve="1" userDrawn="1">
-  <p:cSld name="タイトルスライド - サブタイトル 2">
-    <p:spTree>
-      <p:nvGrpSpPr>
-        <p:cNvPr id="1" name=""/>
-        <p:cNvGrpSpPr/>
-        <p:nvPr/>
-      </p:nvGrpSpPr>
-      <p:grpSpPr>
-        <a:xfrm>
-          <a:off x="0" y="0"/>
-          <a:ext cx="0" cy="0"/>
-          <a:chOff x="0" y="0"/>
-          <a:chExt cx="0" cy="0"/>
-        </a:xfrm>
-      </p:grpSpPr>
-      <p:sp>
-        <p:nvSpPr>
-          <p:cNvPr id="2" name="タイトル 1"/>
-          <p:cNvSpPr>
-            <a:spLocks noGrp="1"/>
-          </p:cNvSpPr>
-          <p:nvPr>
-            <p:ph type="title" hasCustomPrompt="1"/>
-          </p:nvPr>
-        </p:nvSpPr>
-        <p:spPr>
-          <a:xfrm>
-            <a:off x="704850" y="4846596"/>
-            <a:ext cx="16878300" cy="1338304"/>
-          </a:xfrm>
-        </p:spPr>
-        <p:txBody>
-          <a:bodyPr anchor="t">
-            <a:normAutofit/>
-          </a:bodyPr>
-          <a:lstStyle>
-            <a:lvl1pPr algn="ctr">
-              <a:lnSpc>
-                <a:spcPct val="100000"/>
-              </a:lnSpc>
-              <a:defRPr sz="5400">
-                <a:latin typeface="Spica Neue P Bold" panose="02000803000000000000" pitchFamily="2" charset="-128"/>
-                <a:ea typeface="Spica Neue P Bold" panose="02000803000000000000" pitchFamily="2" charset="-128"/>
-                <a:cs typeface="Spica Neue P Bold" panose="02000803000000000000" pitchFamily="2" charset="-128"/>
-              </a:defRPr>
-            </a:lvl1pPr>
-          </a:lstStyle>
-          <a:p>
-            <a:r>
-              <a:rPr kumimoji="1" lang="ja-JP" altLang="en-US" dirty="0"/>
-              <a:t>プレゼンテーションタイトル</a:t>
-            </a:r>
-          </a:p>
-        </p:txBody>
-      </p:sp>
-      <p:sp>
-        <p:nvSpPr>
-          <p:cNvPr id="3" name="テキスト プレースホルダー 5"/>
-          <p:cNvSpPr>
-            <a:spLocks noGrp="1"/>
-          </p:cNvSpPr>
-          <p:nvPr>
-            <p:ph type="body" sz="quarter" idx="12" hasCustomPrompt="1"/>
-          </p:nvPr>
-        </p:nvSpPr>
-        <p:spPr>
-          <a:xfrm>
-            <a:off x="2628900" y="7924800"/>
-            <a:ext cx="13030200" cy="2024856"/>
-          </a:xfrm>
-        </p:spPr>
-        <p:txBody>
-          <a:bodyPr anchor="b">
-            <a:normAutofit/>
-          </a:bodyPr>
-          <a:lstStyle>
-            <a:lvl1pPr marL="0" indent="0" algn="ctr">
-              <a:lnSpc>
-                <a:spcPct val="130000"/>
-              </a:lnSpc>
-              <a:spcBef>
-                <a:spcPts val="0"/>
-              </a:spcBef>
-              <a:buNone/>
-              <a:defRPr sz="2400">
-                <a:solidFill>
-                  <a:schemeClr val="tx2"/>
-                </a:solidFill>
-              </a:defRPr>
-            </a:lvl1pPr>
-          </a:lstStyle>
-          <a:p>
-            <a:pPr lvl="0"/>
-            <a:r>
-              <a:rPr kumimoji="1" lang="ja-JP" altLang="en-US" dirty="0"/>
-              <a:t>テキストを入力</a:t>
-            </a:r>
-            <a:endParaRPr kumimoji="1" lang="en-US" altLang="ja-JP" dirty="0"/>
-          </a:p>
-        </p:txBody>
-      </p:sp>
-      <p:sp>
-        <p:nvSpPr>
-          <p:cNvPr id="4" name="テキスト プレースホルダー 5"/>
-          <p:cNvSpPr>
-            <a:spLocks noGrp="1"/>
-          </p:cNvSpPr>
-          <p:nvPr>
-            <p:ph type="body" sz="quarter" idx="13" hasCustomPrompt="1"/>
-          </p:nvPr>
-        </p:nvSpPr>
-        <p:spPr>
-          <a:xfrm>
-            <a:off x="2628900" y="3937000"/>
-            <a:ext cx="13030200" cy="909596"/>
-          </a:xfrm>
-        </p:spPr>
-        <p:txBody>
-          <a:bodyPr anchor="b">
-            <a:normAutofit/>
-          </a:bodyPr>
-          <a:lstStyle>
-            <a:lvl1pPr marL="0" indent="0" algn="ctr">
-              <a:lnSpc>
-                <a:spcPct val="130000"/>
-              </a:lnSpc>
-              <a:spcBef>
-                <a:spcPts val="0"/>
-              </a:spcBef>
-              <a:buNone/>
-              <a:defRPr sz="2800">
-                <a:solidFill>
-                  <a:schemeClr val="tx1"/>
-                </a:solidFill>
-              </a:defRPr>
-            </a:lvl1pPr>
-          </a:lstStyle>
-          <a:p>
-            <a:pPr lvl="0"/>
-            <a:r>
-              <a:rPr kumimoji="1" lang="ja-JP" altLang="en-US" dirty="0"/>
-              <a:t>サブタイトル</a:t>
-            </a:r>
-            <a:endParaRPr kumimoji="1" lang="en-US" altLang="ja-JP" dirty="0"/>
-          </a:p>
-        </p:txBody>
-      </p:sp>
-    </p:spTree>
-    <p:extLst>
-      <p:ext uri="{BB962C8B-B14F-4D97-AF65-F5344CB8AC3E}">
-        <p14:creationId xmlns:p14="http://schemas.microsoft.com/office/powerpoint/2010/main" val="3234456315"/>
-      </p:ext>
-    </p:extLst>
-  </p:cSld>
-  <p:clrMapOvr>
-    <a:masterClrMapping/>
-  </p:clrMapOvr>
-</p:sldLayout>
-</file>
-
-<file path=ppt/slideLayouts/slideLayout29.xml><?xml version="1.0" encoding="utf-8"?>
-<p:sldLayout xmlns:a="http://schemas.openxmlformats.org/drawingml/2006/main" xmlns:r="http://schemas.openxmlformats.org/officeDocument/2006/relationships" xmlns:p="http://schemas.openxmlformats.org/presentationml/2006/main" preserve="1" userDrawn="1">
-  <p:cSld name="タイトルスライド - サブタイトル 3">
-    <p:spTree>
-      <p:nvGrpSpPr>
-        <p:cNvPr id="1" name=""/>
-        <p:cNvGrpSpPr/>
-        <p:nvPr/>
-      </p:nvGrpSpPr>
-      <p:grpSpPr>
-        <a:xfrm>
-          <a:off x="0" y="0"/>
-          <a:ext cx="0" cy="0"/>
-          <a:chOff x="0" y="0"/>
-          <a:chExt cx="0" cy="0"/>
-        </a:xfrm>
-      </p:grpSpPr>
-      <p:sp>
-        <p:nvSpPr>
-          <p:cNvPr id="2" name="タイトル 1"/>
-          <p:cNvSpPr>
-            <a:spLocks noGrp="1"/>
-          </p:cNvSpPr>
-          <p:nvPr>
-            <p:ph type="title" hasCustomPrompt="1"/>
-          </p:nvPr>
-        </p:nvSpPr>
-        <p:spPr>
-          <a:xfrm>
-            <a:off x="704850" y="4846596"/>
-            <a:ext cx="16878300" cy="1338304"/>
-          </a:xfrm>
-        </p:spPr>
-        <p:txBody>
-          <a:bodyPr anchor="t">
-            <a:normAutofit/>
-          </a:bodyPr>
-          <a:lstStyle>
-            <a:lvl1pPr algn="ctr">
-              <a:lnSpc>
-                <a:spcPct val="100000"/>
-              </a:lnSpc>
-              <a:defRPr sz="5400">
-                <a:latin typeface="Spica Neue P Bold" panose="02000803000000000000" pitchFamily="2" charset="-128"/>
-                <a:ea typeface="Spica Neue P Bold" panose="02000803000000000000" pitchFamily="2" charset="-128"/>
-                <a:cs typeface="Spica Neue P Bold" panose="02000803000000000000" pitchFamily="2" charset="-128"/>
-              </a:defRPr>
-            </a:lvl1pPr>
-          </a:lstStyle>
-          <a:p>
-            <a:r>
-              <a:rPr kumimoji="1" lang="ja-JP" altLang="en-US" dirty="0"/>
-              <a:t>プレゼンテーションタイトル</a:t>
-            </a:r>
-          </a:p>
-        </p:txBody>
-      </p:sp>
-      <p:sp>
-        <p:nvSpPr>
-          <p:cNvPr id="3" name="テキスト プレースホルダー 5"/>
-          <p:cNvSpPr>
-            <a:spLocks noGrp="1"/>
-          </p:cNvSpPr>
-          <p:nvPr>
-            <p:ph type="body" sz="quarter" idx="12" hasCustomPrompt="1"/>
-          </p:nvPr>
-        </p:nvSpPr>
-        <p:spPr>
-          <a:xfrm>
-            <a:off x="2628900" y="7924800"/>
-            <a:ext cx="13030200" cy="2024856"/>
-          </a:xfrm>
-        </p:spPr>
-        <p:txBody>
-          <a:bodyPr anchor="b">
-            <a:normAutofit/>
-          </a:bodyPr>
-          <a:lstStyle>
-            <a:lvl1pPr marL="0" indent="0" algn="ctr">
-              <a:lnSpc>
-                <a:spcPct val="130000"/>
-              </a:lnSpc>
-              <a:spcBef>
-                <a:spcPts val="0"/>
-              </a:spcBef>
-              <a:buNone/>
-              <a:defRPr sz="2400">
-                <a:solidFill>
-                  <a:schemeClr val="tx2"/>
-                </a:solidFill>
-              </a:defRPr>
-            </a:lvl1pPr>
-          </a:lstStyle>
-          <a:p>
-            <a:pPr lvl="0"/>
-            <a:r>
-              <a:rPr kumimoji="1" lang="ja-JP" altLang="en-US" dirty="0"/>
-              <a:t>テキストを入力</a:t>
-            </a:r>
-            <a:endParaRPr kumimoji="1" lang="en-US" altLang="ja-JP" dirty="0"/>
-          </a:p>
-        </p:txBody>
-      </p:sp>
-      <p:sp>
-        <p:nvSpPr>
-          <p:cNvPr id="4" name="テキスト プレースホルダー 5"/>
-          <p:cNvSpPr>
-            <a:spLocks noGrp="1"/>
-          </p:cNvSpPr>
-          <p:nvPr>
-            <p:ph type="body" sz="quarter" idx="13" hasCustomPrompt="1"/>
-          </p:nvPr>
-        </p:nvSpPr>
-        <p:spPr>
-          <a:xfrm>
-            <a:off x="2628900" y="3937000"/>
-            <a:ext cx="13030200" cy="909596"/>
-          </a:xfrm>
-        </p:spPr>
-        <p:txBody>
-          <a:bodyPr anchor="b">
-            <a:normAutofit/>
-          </a:bodyPr>
-          <a:lstStyle>
-            <a:lvl1pPr marL="0" indent="0" algn="ctr">
-              <a:lnSpc>
-                <a:spcPct val="130000"/>
-              </a:lnSpc>
-              <a:spcBef>
-                <a:spcPts val="0"/>
-              </a:spcBef>
-              <a:buNone/>
-              <a:defRPr sz="2800">
-                <a:solidFill>
-                  <a:schemeClr val="tx1"/>
-                </a:solidFill>
-              </a:defRPr>
-            </a:lvl1pPr>
-          </a:lstStyle>
-          <a:p>
-            <a:pPr lvl="0"/>
-            <a:r>
-              <a:rPr kumimoji="1" lang="ja-JP" altLang="en-US" dirty="0"/>
-              <a:t>サブタイトル</a:t>
-            </a:r>
-            <a:endParaRPr kumimoji="1" lang="en-US" altLang="ja-JP" dirty="0"/>
-          </a:p>
-        </p:txBody>
-      </p:sp>
-      <p:sp>
-        <p:nvSpPr>
-          <p:cNvPr id="5" name="図プレースホルダー 4"/>
-          <p:cNvSpPr>
-            <a:spLocks noGrp="1"/>
-          </p:cNvSpPr>
-          <p:nvPr>
-            <p:ph type="pic" sz="quarter" idx="14"/>
-          </p:nvPr>
-        </p:nvSpPr>
-        <p:spPr>
-          <a:xfrm>
-            <a:off x="8570687" y="2790374"/>
-            <a:ext cx="1146627" cy="1146626"/>
-          </a:xfrm>
-          <a:noFill/>
-        </p:spPr>
-        <p:txBody>
-          <a:bodyPr>
-            <a:normAutofit/>
-          </a:bodyPr>
-          <a:lstStyle>
-            <a:lvl1pPr>
-              <a:defRPr sz="1800"/>
-            </a:lvl1pPr>
-          </a:lstStyle>
-          <a:p>
-            <a:endParaRPr kumimoji="1" lang="ja-JP" altLang="en-US" dirty="0"/>
-          </a:p>
-        </p:txBody>
-      </p:sp>
-    </p:spTree>
-    <p:extLst>
-      <p:ext uri="{BB962C8B-B14F-4D97-AF65-F5344CB8AC3E}">
-        <p14:creationId xmlns:p14="http://schemas.microsoft.com/office/powerpoint/2010/main" val="3483472668"/>
       </p:ext>
     </p:extLst>
   </p:cSld>
@@ -6439,7 +6455,7 @@
           <a:p>
             <a:r>
               <a:rPr kumimoji="1" lang="en-US" altLang="ja-JP"/>
-              <a:t>©︎Takato Matsumoto, 2019</a:t>
+              <a:t>@Takato Matsumoto, 2020</a:t>
             </a:r>
             <a:endParaRPr kumimoji="1" lang="ja-JP" altLang="en-US" dirty="0"/>
           </a:p>
@@ -6585,6 +6601,361 @@
 
 <file path=ppt/slideLayouts/slideLayout30.xml><?xml version="1.0" encoding="utf-8"?>
 <p:sldLayout xmlns:a="http://schemas.openxmlformats.org/drawingml/2006/main" xmlns:r="http://schemas.openxmlformats.org/officeDocument/2006/relationships" xmlns:p="http://schemas.openxmlformats.org/presentationml/2006/main" preserve="1" userDrawn="1">
+  <p:cSld name="タイトルスライド - サブタイトル 2">
+    <p:spTree>
+      <p:nvGrpSpPr>
+        <p:cNvPr id="1" name=""/>
+        <p:cNvGrpSpPr/>
+        <p:nvPr/>
+      </p:nvGrpSpPr>
+      <p:grpSpPr>
+        <a:xfrm>
+          <a:off x="0" y="0"/>
+          <a:ext cx="0" cy="0"/>
+          <a:chOff x="0" y="0"/>
+          <a:chExt cx="0" cy="0"/>
+        </a:xfrm>
+      </p:grpSpPr>
+      <p:sp>
+        <p:nvSpPr>
+          <p:cNvPr id="2" name="タイトル 1"/>
+          <p:cNvSpPr>
+            <a:spLocks noGrp="1"/>
+          </p:cNvSpPr>
+          <p:nvPr>
+            <p:ph type="title" hasCustomPrompt="1"/>
+          </p:nvPr>
+        </p:nvSpPr>
+        <p:spPr>
+          <a:xfrm>
+            <a:off x="704850" y="4846596"/>
+            <a:ext cx="16878300" cy="1338304"/>
+          </a:xfrm>
+        </p:spPr>
+        <p:txBody>
+          <a:bodyPr anchor="t">
+            <a:normAutofit/>
+          </a:bodyPr>
+          <a:lstStyle>
+            <a:lvl1pPr algn="ctr">
+              <a:lnSpc>
+                <a:spcPct val="100000"/>
+              </a:lnSpc>
+              <a:defRPr sz="5400">
+                <a:latin typeface="Spica Neue P Bold" panose="02000803000000000000" pitchFamily="2" charset="-128"/>
+                <a:ea typeface="Spica Neue P Bold" panose="02000803000000000000" pitchFamily="2" charset="-128"/>
+                <a:cs typeface="Spica Neue P Bold" panose="02000803000000000000" pitchFamily="2" charset="-128"/>
+              </a:defRPr>
+            </a:lvl1pPr>
+          </a:lstStyle>
+          <a:p>
+            <a:r>
+              <a:rPr kumimoji="1" lang="ja-JP" altLang="en-US" dirty="0"/>
+              <a:t>プレゼンテーションタイトル</a:t>
+            </a:r>
+          </a:p>
+        </p:txBody>
+      </p:sp>
+      <p:sp>
+        <p:nvSpPr>
+          <p:cNvPr id="3" name="テキスト プレースホルダー 5"/>
+          <p:cNvSpPr>
+            <a:spLocks noGrp="1"/>
+          </p:cNvSpPr>
+          <p:nvPr>
+            <p:ph type="body" sz="quarter" idx="12" hasCustomPrompt="1"/>
+          </p:nvPr>
+        </p:nvSpPr>
+        <p:spPr>
+          <a:xfrm>
+            <a:off x="2628900" y="7924800"/>
+            <a:ext cx="13030200" cy="2024856"/>
+          </a:xfrm>
+        </p:spPr>
+        <p:txBody>
+          <a:bodyPr anchor="b">
+            <a:normAutofit/>
+          </a:bodyPr>
+          <a:lstStyle>
+            <a:lvl1pPr marL="0" indent="0" algn="ctr">
+              <a:lnSpc>
+                <a:spcPct val="130000"/>
+              </a:lnSpc>
+              <a:spcBef>
+                <a:spcPts val="0"/>
+              </a:spcBef>
+              <a:buNone/>
+              <a:defRPr sz="2400">
+                <a:solidFill>
+                  <a:schemeClr val="tx2"/>
+                </a:solidFill>
+              </a:defRPr>
+            </a:lvl1pPr>
+          </a:lstStyle>
+          <a:p>
+            <a:pPr lvl="0"/>
+            <a:r>
+              <a:rPr kumimoji="1" lang="ja-JP" altLang="en-US" dirty="0"/>
+              <a:t>テキストを入力</a:t>
+            </a:r>
+            <a:endParaRPr kumimoji="1" lang="en-US" altLang="ja-JP" dirty="0"/>
+          </a:p>
+        </p:txBody>
+      </p:sp>
+      <p:sp>
+        <p:nvSpPr>
+          <p:cNvPr id="4" name="テキスト プレースホルダー 5"/>
+          <p:cNvSpPr>
+            <a:spLocks noGrp="1"/>
+          </p:cNvSpPr>
+          <p:nvPr>
+            <p:ph type="body" sz="quarter" idx="13" hasCustomPrompt="1"/>
+          </p:nvPr>
+        </p:nvSpPr>
+        <p:spPr>
+          <a:xfrm>
+            <a:off x="2628900" y="3937000"/>
+            <a:ext cx="13030200" cy="909596"/>
+          </a:xfrm>
+        </p:spPr>
+        <p:txBody>
+          <a:bodyPr anchor="b">
+            <a:normAutofit/>
+          </a:bodyPr>
+          <a:lstStyle>
+            <a:lvl1pPr marL="0" indent="0" algn="ctr">
+              <a:lnSpc>
+                <a:spcPct val="130000"/>
+              </a:lnSpc>
+              <a:spcBef>
+                <a:spcPts val="0"/>
+              </a:spcBef>
+              <a:buNone/>
+              <a:defRPr sz="2800">
+                <a:solidFill>
+                  <a:schemeClr val="tx1"/>
+                </a:solidFill>
+              </a:defRPr>
+            </a:lvl1pPr>
+          </a:lstStyle>
+          <a:p>
+            <a:pPr lvl="0"/>
+            <a:r>
+              <a:rPr kumimoji="1" lang="ja-JP" altLang="en-US" dirty="0"/>
+              <a:t>サブタイトル</a:t>
+            </a:r>
+            <a:endParaRPr kumimoji="1" lang="en-US" altLang="ja-JP" dirty="0"/>
+          </a:p>
+        </p:txBody>
+      </p:sp>
+    </p:spTree>
+    <p:extLst>
+      <p:ext uri="{BB962C8B-B14F-4D97-AF65-F5344CB8AC3E}">
+        <p14:creationId xmlns:p14="http://schemas.microsoft.com/office/powerpoint/2010/main" val="3234456315"/>
+      </p:ext>
+    </p:extLst>
+  </p:cSld>
+  <p:clrMapOvr>
+    <a:masterClrMapping/>
+  </p:clrMapOvr>
+</p:sldLayout>
+</file>
+
+<file path=ppt/slideLayouts/slideLayout31.xml><?xml version="1.0" encoding="utf-8"?>
+<p:sldLayout xmlns:a="http://schemas.openxmlformats.org/drawingml/2006/main" xmlns:r="http://schemas.openxmlformats.org/officeDocument/2006/relationships" xmlns:p="http://schemas.openxmlformats.org/presentationml/2006/main" preserve="1" userDrawn="1">
+  <p:cSld name="タイトルスライド - サブタイトル 3">
+    <p:spTree>
+      <p:nvGrpSpPr>
+        <p:cNvPr id="1" name=""/>
+        <p:cNvGrpSpPr/>
+        <p:nvPr/>
+      </p:nvGrpSpPr>
+      <p:grpSpPr>
+        <a:xfrm>
+          <a:off x="0" y="0"/>
+          <a:ext cx="0" cy="0"/>
+          <a:chOff x="0" y="0"/>
+          <a:chExt cx="0" cy="0"/>
+        </a:xfrm>
+      </p:grpSpPr>
+      <p:sp>
+        <p:nvSpPr>
+          <p:cNvPr id="2" name="タイトル 1"/>
+          <p:cNvSpPr>
+            <a:spLocks noGrp="1"/>
+          </p:cNvSpPr>
+          <p:nvPr>
+            <p:ph type="title" hasCustomPrompt="1"/>
+          </p:nvPr>
+        </p:nvSpPr>
+        <p:spPr>
+          <a:xfrm>
+            <a:off x="704850" y="4846596"/>
+            <a:ext cx="16878300" cy="1338304"/>
+          </a:xfrm>
+        </p:spPr>
+        <p:txBody>
+          <a:bodyPr anchor="t">
+            <a:normAutofit/>
+          </a:bodyPr>
+          <a:lstStyle>
+            <a:lvl1pPr algn="ctr">
+              <a:lnSpc>
+                <a:spcPct val="100000"/>
+              </a:lnSpc>
+              <a:defRPr sz="5400">
+                <a:latin typeface="Spica Neue P Bold" panose="02000803000000000000" pitchFamily="2" charset="-128"/>
+                <a:ea typeface="Spica Neue P Bold" panose="02000803000000000000" pitchFamily="2" charset="-128"/>
+                <a:cs typeface="Spica Neue P Bold" panose="02000803000000000000" pitchFamily="2" charset="-128"/>
+              </a:defRPr>
+            </a:lvl1pPr>
+          </a:lstStyle>
+          <a:p>
+            <a:r>
+              <a:rPr kumimoji="1" lang="ja-JP" altLang="en-US" dirty="0"/>
+              <a:t>プレゼンテーションタイトル</a:t>
+            </a:r>
+          </a:p>
+        </p:txBody>
+      </p:sp>
+      <p:sp>
+        <p:nvSpPr>
+          <p:cNvPr id="3" name="テキスト プレースホルダー 5"/>
+          <p:cNvSpPr>
+            <a:spLocks noGrp="1"/>
+          </p:cNvSpPr>
+          <p:nvPr>
+            <p:ph type="body" sz="quarter" idx="12" hasCustomPrompt="1"/>
+          </p:nvPr>
+        </p:nvSpPr>
+        <p:spPr>
+          <a:xfrm>
+            <a:off x="2628900" y="7924800"/>
+            <a:ext cx="13030200" cy="2024856"/>
+          </a:xfrm>
+        </p:spPr>
+        <p:txBody>
+          <a:bodyPr anchor="b">
+            <a:normAutofit/>
+          </a:bodyPr>
+          <a:lstStyle>
+            <a:lvl1pPr marL="0" indent="0" algn="ctr">
+              <a:lnSpc>
+                <a:spcPct val="130000"/>
+              </a:lnSpc>
+              <a:spcBef>
+                <a:spcPts val="0"/>
+              </a:spcBef>
+              <a:buNone/>
+              <a:defRPr sz="2400">
+                <a:solidFill>
+                  <a:schemeClr val="tx2"/>
+                </a:solidFill>
+              </a:defRPr>
+            </a:lvl1pPr>
+          </a:lstStyle>
+          <a:p>
+            <a:pPr lvl="0"/>
+            <a:r>
+              <a:rPr kumimoji="1" lang="ja-JP" altLang="en-US" dirty="0"/>
+              <a:t>テキストを入力</a:t>
+            </a:r>
+            <a:endParaRPr kumimoji="1" lang="en-US" altLang="ja-JP" dirty="0"/>
+          </a:p>
+        </p:txBody>
+      </p:sp>
+      <p:sp>
+        <p:nvSpPr>
+          <p:cNvPr id="4" name="テキスト プレースホルダー 5"/>
+          <p:cNvSpPr>
+            <a:spLocks noGrp="1"/>
+          </p:cNvSpPr>
+          <p:nvPr>
+            <p:ph type="body" sz="quarter" idx="13" hasCustomPrompt="1"/>
+          </p:nvPr>
+        </p:nvSpPr>
+        <p:spPr>
+          <a:xfrm>
+            <a:off x="2628900" y="3937000"/>
+            <a:ext cx="13030200" cy="909596"/>
+          </a:xfrm>
+        </p:spPr>
+        <p:txBody>
+          <a:bodyPr anchor="b">
+            <a:normAutofit/>
+          </a:bodyPr>
+          <a:lstStyle>
+            <a:lvl1pPr marL="0" indent="0" algn="ctr">
+              <a:lnSpc>
+                <a:spcPct val="130000"/>
+              </a:lnSpc>
+              <a:spcBef>
+                <a:spcPts val="0"/>
+              </a:spcBef>
+              <a:buNone/>
+              <a:defRPr sz="2800">
+                <a:solidFill>
+                  <a:schemeClr val="tx1"/>
+                </a:solidFill>
+              </a:defRPr>
+            </a:lvl1pPr>
+          </a:lstStyle>
+          <a:p>
+            <a:pPr lvl="0"/>
+            <a:r>
+              <a:rPr kumimoji="1" lang="ja-JP" altLang="en-US" dirty="0"/>
+              <a:t>サブタイトル</a:t>
+            </a:r>
+            <a:endParaRPr kumimoji="1" lang="en-US" altLang="ja-JP" dirty="0"/>
+          </a:p>
+        </p:txBody>
+      </p:sp>
+      <p:sp>
+        <p:nvSpPr>
+          <p:cNvPr id="5" name="図プレースホルダー 4"/>
+          <p:cNvSpPr>
+            <a:spLocks noGrp="1"/>
+          </p:cNvSpPr>
+          <p:nvPr>
+            <p:ph type="pic" sz="quarter" idx="14"/>
+          </p:nvPr>
+        </p:nvSpPr>
+        <p:spPr>
+          <a:xfrm>
+            <a:off x="8570687" y="2790374"/>
+            <a:ext cx="1146627" cy="1146626"/>
+          </a:xfrm>
+          <a:noFill/>
+        </p:spPr>
+        <p:txBody>
+          <a:bodyPr>
+            <a:normAutofit/>
+          </a:bodyPr>
+          <a:lstStyle>
+            <a:lvl1pPr>
+              <a:defRPr sz="1800"/>
+            </a:lvl1pPr>
+          </a:lstStyle>
+          <a:p>
+            <a:endParaRPr kumimoji="1" lang="ja-JP" altLang="en-US" dirty="0"/>
+          </a:p>
+        </p:txBody>
+      </p:sp>
+    </p:spTree>
+    <p:extLst>
+      <p:ext uri="{BB962C8B-B14F-4D97-AF65-F5344CB8AC3E}">
+        <p14:creationId xmlns:p14="http://schemas.microsoft.com/office/powerpoint/2010/main" val="3483472668"/>
+      </p:ext>
+    </p:extLst>
+  </p:cSld>
+  <p:clrMapOvr>
+    <a:masterClrMapping/>
+  </p:clrMapOvr>
+</p:sldLayout>
+</file>
+
+<file path=ppt/slideLayouts/slideLayout32.xml><?xml version="1.0" encoding="utf-8"?>
+<p:sldLayout xmlns:a="http://schemas.openxmlformats.org/drawingml/2006/main" xmlns:r="http://schemas.openxmlformats.org/officeDocument/2006/relationships" xmlns:p="http://schemas.openxmlformats.org/presentationml/2006/main" preserve="1" userDrawn="1">
   <p:cSld name="タイトルスライド - 矩形">
     <p:spTree>
       <p:nvGrpSpPr>
@@ -6742,7 +7113,7 @@
 </p:sldLayout>
 </file>
 
-<file path=ppt/slideLayouts/slideLayout31.xml><?xml version="1.0" encoding="utf-8"?>
+<file path=ppt/slideLayouts/slideLayout33.xml><?xml version="1.0" encoding="utf-8"?>
 <p:sldLayout xmlns:a="http://schemas.openxmlformats.org/drawingml/2006/main" xmlns:r="http://schemas.openxmlformats.org/officeDocument/2006/relationships" xmlns:p="http://schemas.openxmlformats.org/presentationml/2006/main" preserve="1" userDrawn="1">
   <p:cSld name="タイトルスライド - 矩形とサブタイトル">
     <p:spTree>
@@ -6947,7 +7318,7 @@
 </p:sldLayout>
 </file>
 
-<file path=ppt/slideLayouts/slideLayout32.xml><?xml version="1.0" encoding="utf-8"?>
+<file path=ppt/slideLayouts/slideLayout34.xml><?xml version="1.0" encoding="utf-8"?>
 <p:sldLayout xmlns:a="http://schemas.openxmlformats.org/drawingml/2006/main" xmlns:r="http://schemas.openxmlformats.org/officeDocument/2006/relationships" xmlns:p="http://schemas.openxmlformats.org/presentationml/2006/main" preserve="1" userDrawn="1">
   <p:cSld name="タイトルスライド - 画像 - 1">
     <p:spTree>
@@ -7198,7 +7569,7 @@
 </p:sldLayout>
 </file>
 
-<file path=ppt/slideLayouts/slideLayout33.xml><?xml version="1.0" encoding="utf-8"?>
+<file path=ppt/slideLayouts/slideLayout35.xml><?xml version="1.0" encoding="utf-8"?>
 <p:sldLayout xmlns:a="http://schemas.openxmlformats.org/drawingml/2006/main" xmlns:r="http://schemas.openxmlformats.org/officeDocument/2006/relationships" xmlns:p="http://schemas.openxmlformats.org/presentationml/2006/main" preserve="1" userDrawn="1">
   <p:cSld name="タイトルスライド - 画像 - 2">
     <p:spTree>
@@ -7449,7 +7820,7 @@
 </p:sldLayout>
 </file>
 
-<file path=ppt/slideLayouts/slideLayout34.xml><?xml version="1.0" encoding="utf-8"?>
+<file path=ppt/slideLayouts/slideLayout36.xml><?xml version="1.0" encoding="utf-8"?>
 <p:sldLayout xmlns:a="http://schemas.openxmlformats.org/drawingml/2006/main" xmlns:r="http://schemas.openxmlformats.org/officeDocument/2006/relationships" xmlns:p="http://schemas.openxmlformats.org/presentationml/2006/main" preserve="1" userDrawn="1">
   <p:cSld name="おわりに - 1">
     <p:spTree>
@@ -7565,7 +7936,7 @@
 </p:sldLayout>
 </file>
 
-<file path=ppt/slideLayouts/slideLayout35.xml><?xml version="1.0" encoding="utf-8"?>
+<file path=ppt/slideLayouts/slideLayout37.xml><?xml version="1.0" encoding="utf-8"?>
 <p:sldLayout xmlns:a="http://schemas.openxmlformats.org/drawingml/2006/main" xmlns:r="http://schemas.openxmlformats.org/officeDocument/2006/relationships" xmlns:p="http://schemas.openxmlformats.org/presentationml/2006/main" preserve="1" userDrawn="1">
   <p:cSld name="おわりに - 2">
     <p:spTree>
@@ -7712,7 +8083,7 @@
 </p:sldLayout>
 </file>
 
-<file path=ppt/slideLayouts/slideLayout36.xml><?xml version="1.0" encoding="utf-8"?>
+<file path=ppt/slideLayouts/slideLayout38.xml><?xml version="1.0" encoding="utf-8"?>
 <p:sldLayout xmlns:a="http://schemas.openxmlformats.org/drawingml/2006/main" xmlns:r="http://schemas.openxmlformats.org/officeDocument/2006/relationships" xmlns:p="http://schemas.openxmlformats.org/presentationml/2006/main" preserve="1" userDrawn="1">
   <p:cSld name="補足 - メインカラーの背景 - 1">
     <p:bg>
@@ -7964,7 +8335,7 @@
 </p:sldLayout>
 </file>
 
-<file path=ppt/slideLayouts/slideLayout37.xml><?xml version="1.0" encoding="utf-8"?>
+<file path=ppt/slideLayouts/slideLayout39.xml><?xml version="1.0" encoding="utf-8"?>
 <p:sldLayout xmlns:a="http://schemas.openxmlformats.org/drawingml/2006/main" xmlns:r="http://schemas.openxmlformats.org/officeDocument/2006/relationships" xmlns:p="http://schemas.openxmlformats.org/presentationml/2006/main" preserve="1" userDrawn="1">
   <p:cSld name="補足 - メインカラーの背景 - 2">
     <p:bg>
@@ -8148,249 +8519,6 @@
 </p:sldLayout>
 </file>
 
-<file path=ppt/slideLayouts/slideLayout38.xml><?xml version="1.0" encoding="utf-8"?>
-<p:sldLayout xmlns:a="http://schemas.openxmlformats.org/drawingml/2006/main" xmlns:r="http://schemas.openxmlformats.org/officeDocument/2006/relationships" xmlns:p="http://schemas.openxmlformats.org/presentationml/2006/main" preserve="1" userDrawn="1">
-  <p:cSld name="セクションブレイク">
-    <p:bg>
-      <p:bgPr>
-        <a:solidFill>
-          <a:schemeClr val="accent1"/>
-        </a:solidFill>
-        <a:effectLst/>
-      </p:bgPr>
-    </p:bg>
-    <p:spTree>
-      <p:nvGrpSpPr>
-        <p:cNvPr id="1" name=""/>
-        <p:cNvGrpSpPr/>
-        <p:nvPr/>
-      </p:nvGrpSpPr>
-      <p:grpSpPr>
-        <a:xfrm>
-          <a:off x="0" y="0"/>
-          <a:ext cx="0" cy="0"/>
-          <a:chOff x="0" y="0"/>
-          <a:chExt cx="0" cy="0"/>
-        </a:xfrm>
-      </p:grpSpPr>
-      <p:sp>
-        <p:nvSpPr>
-          <p:cNvPr id="2" name="タイトル 1"/>
-          <p:cNvSpPr>
-            <a:spLocks noGrp="1"/>
-          </p:cNvSpPr>
-          <p:nvPr>
-            <p:ph type="title" hasCustomPrompt="1"/>
-          </p:nvPr>
-        </p:nvSpPr>
-        <p:spPr>
-          <a:xfrm>
-            <a:off x="2628900" y="8124859"/>
-            <a:ext cx="15659100" cy="1077996"/>
-          </a:xfrm>
-        </p:spPr>
-        <p:txBody>
-          <a:bodyPr/>
-          <a:lstStyle>
-            <a:lvl1pPr>
-              <a:defRPr>
-                <a:solidFill>
-                  <a:schemeClr val="bg1"/>
-                </a:solidFill>
-              </a:defRPr>
-            </a:lvl1pPr>
-          </a:lstStyle>
-          <a:p>
-            <a:r>
-              <a:rPr kumimoji="1" lang="ja-JP" altLang="en-US" dirty="0"/>
-              <a:t>セクションタイトル</a:t>
-            </a:r>
-          </a:p>
-        </p:txBody>
-      </p:sp>
-      <p:cxnSp>
-        <p:nvCxnSpPr>
-          <p:cNvPr id="3" name="直線コネクタ 2"/>
-          <p:cNvCxnSpPr/>
-          <p:nvPr userDrawn="1"/>
-        </p:nvCxnSpPr>
-        <p:spPr>
-          <a:xfrm>
-            <a:off x="2628900" y="7994650"/>
-            <a:ext cx="15659100" cy="0"/>
-          </a:xfrm>
-          <a:prstGeom prst="line">
-            <a:avLst/>
-          </a:prstGeom>
-          <a:ln>
-            <a:solidFill>
-              <a:schemeClr val="bg1"/>
-            </a:solidFill>
-          </a:ln>
-        </p:spPr>
-        <p:style>
-          <a:lnRef idx="1">
-            <a:schemeClr val="accent1"/>
-          </a:lnRef>
-          <a:fillRef idx="0">
-            <a:schemeClr val="accent1"/>
-          </a:fillRef>
-          <a:effectRef idx="0">
-            <a:schemeClr val="accent1"/>
-          </a:effectRef>
-          <a:fontRef idx="minor">
-            <a:schemeClr val="tx1"/>
-          </a:fontRef>
-        </p:style>
-      </p:cxnSp>
-    </p:spTree>
-    <p:extLst>
-      <p:ext uri="{BB962C8B-B14F-4D97-AF65-F5344CB8AC3E}">
-        <p14:creationId xmlns:p14="http://schemas.microsoft.com/office/powerpoint/2010/main" val="2693105137"/>
-      </p:ext>
-    </p:extLst>
-  </p:cSld>
-  <p:clrMapOvr>
-    <a:masterClrMapping/>
-  </p:clrMapOvr>
-</p:sldLayout>
-</file>
-
-<file path=ppt/slideLayouts/slideLayout39.xml><?xml version="1.0" encoding="utf-8"?>
-<p:sldLayout xmlns:a="http://schemas.openxmlformats.org/drawingml/2006/main" xmlns:r="http://schemas.openxmlformats.org/officeDocument/2006/relationships" xmlns:p="http://schemas.openxmlformats.org/presentationml/2006/main" preserve="1" userDrawn="1">
-  <p:cSld name="見出しとテキスト - メインカラーの背景">
-    <p:bg>
-      <p:bgPr>
-        <a:solidFill>
-          <a:schemeClr val="accent1"/>
-        </a:solidFill>
-        <a:effectLst/>
-      </p:bgPr>
-    </p:bg>
-    <p:spTree>
-      <p:nvGrpSpPr>
-        <p:cNvPr id="1" name=""/>
-        <p:cNvGrpSpPr/>
-        <p:nvPr/>
-      </p:nvGrpSpPr>
-      <p:grpSpPr>
-        <a:xfrm>
-          <a:off x="0" y="0"/>
-          <a:ext cx="0" cy="0"/>
-          <a:chOff x="0" y="0"/>
-          <a:chExt cx="0" cy="0"/>
-        </a:xfrm>
-      </p:grpSpPr>
-      <p:sp>
-        <p:nvSpPr>
-          <p:cNvPr id="2" name="タイトル 1"/>
-          <p:cNvSpPr>
-            <a:spLocks noGrp="1"/>
-          </p:cNvSpPr>
-          <p:nvPr>
-            <p:ph type="title" hasCustomPrompt="1"/>
-          </p:nvPr>
-        </p:nvSpPr>
-        <p:spPr>
-          <a:xfrm>
-            <a:off x="1314450" y="3733231"/>
-            <a:ext cx="15659100" cy="1292568"/>
-          </a:xfrm>
-        </p:spPr>
-        <p:txBody>
-          <a:bodyPr anchor="b"/>
-          <a:lstStyle>
-            <a:lvl1pPr algn="ctr">
-              <a:defRPr>
-                <a:solidFill>
-                  <a:schemeClr val="bg1"/>
-                </a:solidFill>
-              </a:defRPr>
-            </a:lvl1pPr>
-          </a:lstStyle>
-          <a:p>
-            <a:r>
-              <a:rPr kumimoji="1" lang="ja-JP" altLang="en-US" dirty="0"/>
-              <a:t>見出しを入力</a:t>
-            </a:r>
-          </a:p>
-        </p:txBody>
-      </p:sp>
-      <p:sp>
-        <p:nvSpPr>
-          <p:cNvPr id="4" name="テキスト プレースホルダー 5"/>
-          <p:cNvSpPr>
-            <a:spLocks noGrp="1"/>
-          </p:cNvSpPr>
-          <p:nvPr>
-            <p:ph type="body" sz="quarter" idx="12" hasCustomPrompt="1"/>
-          </p:nvPr>
-        </p:nvSpPr>
-        <p:spPr>
-          <a:xfrm>
-            <a:off x="2628900" y="5221798"/>
-            <a:ext cx="13030200" cy="1989931"/>
-          </a:xfrm>
-        </p:spPr>
-        <p:txBody>
-          <a:bodyPr anchor="t">
-            <a:normAutofit/>
-          </a:bodyPr>
-          <a:lstStyle>
-            <a:lvl1pPr marL="0" indent="0" algn="ctr">
-              <a:lnSpc>
-                <a:spcPct val="120000"/>
-              </a:lnSpc>
-              <a:spcBef>
-                <a:spcPts val="0"/>
-              </a:spcBef>
-              <a:buNone/>
-              <a:defRPr sz="3200">
-                <a:solidFill>
-                  <a:schemeClr val="bg1"/>
-                </a:solidFill>
-              </a:defRPr>
-            </a:lvl1pPr>
-          </a:lstStyle>
-          <a:p>
-            <a:pPr lvl="0"/>
-            <a:r>
-              <a:rPr kumimoji="1" lang="ja-JP" altLang="en-US" dirty="0"/>
-              <a:t>テキストを入力</a:t>
-            </a:r>
-            <a:endParaRPr kumimoji="1" lang="en-US" altLang="ja-JP" dirty="0"/>
-          </a:p>
-        </p:txBody>
-      </p:sp>
-    </p:spTree>
-    <p:extLst>
-      <p:ext uri="{BB962C8B-B14F-4D97-AF65-F5344CB8AC3E}">
-        <p14:creationId xmlns:p14="http://schemas.microsoft.com/office/powerpoint/2010/main" val="2465799792"/>
-      </p:ext>
-    </p:extLst>
-  </p:cSld>
-  <p:clrMapOvr>
-    <a:masterClrMapping/>
-  </p:clrMapOvr>
-  <p:extLst>
-    <p:ext uri="{DCECCB84-F9BA-43D5-87BE-67443E8EF086}">
-      <p15:sldGuideLst xmlns:p15="http://schemas.microsoft.com/office/powerpoint/2012/main">
-        <p15:guide id="1" orient="horz" pos="3239" userDrawn="1">
-          <p15:clr>
-            <a:srgbClr val="FBAE40"/>
-          </p15:clr>
-        </p15:guide>
-        <p15:guide id="2" pos="5760" userDrawn="1">
-          <p15:clr>
-            <a:srgbClr val="FBAE40"/>
-          </p15:clr>
-        </p15:guide>
-      </p15:sldGuideLst>
-    </p:ext>
-  </p:extLst>
-</p:sldLayout>
-</file>
-
 <file path=ppt/slideLayouts/slideLayout4.xml><?xml version="1.0" encoding="utf-8"?>
 <p:sldLayout xmlns:a="http://schemas.openxmlformats.org/drawingml/2006/main" xmlns:r="http://schemas.openxmlformats.org/officeDocument/2006/relationships" xmlns:p="http://schemas.openxmlformats.org/presentationml/2006/main" preserve="1" userDrawn="1">
   <p:cSld name="順番説明用 - 1">
@@ -8471,7 +8599,7 @@
           <a:p>
             <a:r>
               <a:rPr kumimoji="1" lang="en-US" altLang="ja-JP"/>
-              <a:t>©︎Takato Matsumoto, 2019</a:t>
+              <a:t>@Takato Matsumoto, 2020</a:t>
             </a:r>
             <a:endParaRPr kumimoji="1" lang="ja-JP" altLang="en-US" dirty="0"/>
           </a:p>
@@ -8619,6 +8747,249 @@
 
 <file path=ppt/slideLayouts/slideLayout40.xml><?xml version="1.0" encoding="utf-8"?>
 <p:sldLayout xmlns:a="http://schemas.openxmlformats.org/drawingml/2006/main" xmlns:r="http://schemas.openxmlformats.org/officeDocument/2006/relationships" xmlns:p="http://schemas.openxmlformats.org/presentationml/2006/main" preserve="1" userDrawn="1">
+  <p:cSld name="セクションブレイク">
+    <p:bg>
+      <p:bgPr>
+        <a:solidFill>
+          <a:schemeClr val="accent1"/>
+        </a:solidFill>
+        <a:effectLst/>
+      </p:bgPr>
+    </p:bg>
+    <p:spTree>
+      <p:nvGrpSpPr>
+        <p:cNvPr id="1" name=""/>
+        <p:cNvGrpSpPr/>
+        <p:nvPr/>
+      </p:nvGrpSpPr>
+      <p:grpSpPr>
+        <a:xfrm>
+          <a:off x="0" y="0"/>
+          <a:ext cx="0" cy="0"/>
+          <a:chOff x="0" y="0"/>
+          <a:chExt cx="0" cy="0"/>
+        </a:xfrm>
+      </p:grpSpPr>
+      <p:sp>
+        <p:nvSpPr>
+          <p:cNvPr id="2" name="タイトル 1"/>
+          <p:cNvSpPr>
+            <a:spLocks noGrp="1"/>
+          </p:cNvSpPr>
+          <p:nvPr>
+            <p:ph type="title" hasCustomPrompt="1"/>
+          </p:nvPr>
+        </p:nvSpPr>
+        <p:spPr>
+          <a:xfrm>
+            <a:off x="2628900" y="8124859"/>
+            <a:ext cx="15659100" cy="1077996"/>
+          </a:xfrm>
+        </p:spPr>
+        <p:txBody>
+          <a:bodyPr/>
+          <a:lstStyle>
+            <a:lvl1pPr>
+              <a:defRPr>
+                <a:solidFill>
+                  <a:schemeClr val="bg1"/>
+                </a:solidFill>
+              </a:defRPr>
+            </a:lvl1pPr>
+          </a:lstStyle>
+          <a:p>
+            <a:r>
+              <a:rPr kumimoji="1" lang="ja-JP" altLang="en-US" dirty="0"/>
+              <a:t>セクションタイトル</a:t>
+            </a:r>
+          </a:p>
+        </p:txBody>
+      </p:sp>
+      <p:cxnSp>
+        <p:nvCxnSpPr>
+          <p:cNvPr id="3" name="直線コネクタ 2"/>
+          <p:cNvCxnSpPr/>
+          <p:nvPr userDrawn="1"/>
+        </p:nvCxnSpPr>
+        <p:spPr>
+          <a:xfrm>
+            <a:off x="2628900" y="7994650"/>
+            <a:ext cx="15659100" cy="0"/>
+          </a:xfrm>
+          <a:prstGeom prst="line">
+            <a:avLst/>
+          </a:prstGeom>
+          <a:ln>
+            <a:solidFill>
+              <a:schemeClr val="bg1"/>
+            </a:solidFill>
+          </a:ln>
+        </p:spPr>
+        <p:style>
+          <a:lnRef idx="1">
+            <a:schemeClr val="accent1"/>
+          </a:lnRef>
+          <a:fillRef idx="0">
+            <a:schemeClr val="accent1"/>
+          </a:fillRef>
+          <a:effectRef idx="0">
+            <a:schemeClr val="accent1"/>
+          </a:effectRef>
+          <a:fontRef idx="minor">
+            <a:schemeClr val="tx1"/>
+          </a:fontRef>
+        </p:style>
+      </p:cxnSp>
+    </p:spTree>
+    <p:extLst>
+      <p:ext uri="{BB962C8B-B14F-4D97-AF65-F5344CB8AC3E}">
+        <p14:creationId xmlns:p14="http://schemas.microsoft.com/office/powerpoint/2010/main" val="2693105137"/>
+      </p:ext>
+    </p:extLst>
+  </p:cSld>
+  <p:clrMapOvr>
+    <a:masterClrMapping/>
+  </p:clrMapOvr>
+</p:sldLayout>
+</file>
+
+<file path=ppt/slideLayouts/slideLayout41.xml><?xml version="1.0" encoding="utf-8"?>
+<p:sldLayout xmlns:a="http://schemas.openxmlformats.org/drawingml/2006/main" xmlns:r="http://schemas.openxmlformats.org/officeDocument/2006/relationships" xmlns:p="http://schemas.openxmlformats.org/presentationml/2006/main" preserve="1" userDrawn="1">
+  <p:cSld name="見出しとテキスト - メインカラーの背景">
+    <p:bg>
+      <p:bgPr>
+        <a:solidFill>
+          <a:schemeClr val="accent1"/>
+        </a:solidFill>
+        <a:effectLst/>
+      </p:bgPr>
+    </p:bg>
+    <p:spTree>
+      <p:nvGrpSpPr>
+        <p:cNvPr id="1" name=""/>
+        <p:cNvGrpSpPr/>
+        <p:nvPr/>
+      </p:nvGrpSpPr>
+      <p:grpSpPr>
+        <a:xfrm>
+          <a:off x="0" y="0"/>
+          <a:ext cx="0" cy="0"/>
+          <a:chOff x="0" y="0"/>
+          <a:chExt cx="0" cy="0"/>
+        </a:xfrm>
+      </p:grpSpPr>
+      <p:sp>
+        <p:nvSpPr>
+          <p:cNvPr id="2" name="タイトル 1"/>
+          <p:cNvSpPr>
+            <a:spLocks noGrp="1"/>
+          </p:cNvSpPr>
+          <p:nvPr>
+            <p:ph type="title" hasCustomPrompt="1"/>
+          </p:nvPr>
+        </p:nvSpPr>
+        <p:spPr>
+          <a:xfrm>
+            <a:off x="1314450" y="3733231"/>
+            <a:ext cx="15659100" cy="1292568"/>
+          </a:xfrm>
+        </p:spPr>
+        <p:txBody>
+          <a:bodyPr anchor="b"/>
+          <a:lstStyle>
+            <a:lvl1pPr algn="ctr">
+              <a:defRPr>
+                <a:solidFill>
+                  <a:schemeClr val="bg1"/>
+                </a:solidFill>
+              </a:defRPr>
+            </a:lvl1pPr>
+          </a:lstStyle>
+          <a:p>
+            <a:r>
+              <a:rPr kumimoji="1" lang="ja-JP" altLang="en-US" dirty="0"/>
+              <a:t>見出しを入力</a:t>
+            </a:r>
+          </a:p>
+        </p:txBody>
+      </p:sp>
+      <p:sp>
+        <p:nvSpPr>
+          <p:cNvPr id="4" name="テキスト プレースホルダー 5"/>
+          <p:cNvSpPr>
+            <a:spLocks noGrp="1"/>
+          </p:cNvSpPr>
+          <p:nvPr>
+            <p:ph type="body" sz="quarter" idx="12" hasCustomPrompt="1"/>
+          </p:nvPr>
+        </p:nvSpPr>
+        <p:spPr>
+          <a:xfrm>
+            <a:off x="2628900" y="5221798"/>
+            <a:ext cx="13030200" cy="1989931"/>
+          </a:xfrm>
+        </p:spPr>
+        <p:txBody>
+          <a:bodyPr anchor="t">
+            <a:normAutofit/>
+          </a:bodyPr>
+          <a:lstStyle>
+            <a:lvl1pPr marL="0" indent="0" algn="ctr">
+              <a:lnSpc>
+                <a:spcPct val="120000"/>
+              </a:lnSpc>
+              <a:spcBef>
+                <a:spcPts val="0"/>
+              </a:spcBef>
+              <a:buNone/>
+              <a:defRPr sz="3200">
+                <a:solidFill>
+                  <a:schemeClr val="bg1"/>
+                </a:solidFill>
+              </a:defRPr>
+            </a:lvl1pPr>
+          </a:lstStyle>
+          <a:p>
+            <a:pPr lvl="0"/>
+            <a:r>
+              <a:rPr kumimoji="1" lang="ja-JP" altLang="en-US" dirty="0"/>
+              <a:t>テキストを入力</a:t>
+            </a:r>
+            <a:endParaRPr kumimoji="1" lang="en-US" altLang="ja-JP" dirty="0"/>
+          </a:p>
+        </p:txBody>
+      </p:sp>
+    </p:spTree>
+    <p:extLst>
+      <p:ext uri="{BB962C8B-B14F-4D97-AF65-F5344CB8AC3E}">
+        <p14:creationId xmlns:p14="http://schemas.microsoft.com/office/powerpoint/2010/main" val="2465799792"/>
+      </p:ext>
+    </p:extLst>
+  </p:cSld>
+  <p:clrMapOvr>
+    <a:masterClrMapping/>
+  </p:clrMapOvr>
+  <p:extLst>
+    <p:ext uri="{DCECCB84-F9BA-43D5-87BE-67443E8EF086}">
+      <p15:sldGuideLst xmlns:p15="http://schemas.microsoft.com/office/powerpoint/2012/main">
+        <p15:guide id="1" orient="horz" pos="3239" userDrawn="1">
+          <p15:clr>
+            <a:srgbClr val="FBAE40"/>
+          </p15:clr>
+        </p15:guide>
+        <p15:guide id="2" pos="5760" userDrawn="1">
+          <p15:clr>
+            <a:srgbClr val="FBAE40"/>
+          </p15:clr>
+        </p15:guide>
+      </p15:sldGuideLst>
+    </p:ext>
+  </p:extLst>
+</p:sldLayout>
+</file>
+
+<file path=ppt/slideLayouts/slideLayout42.xml><?xml version="1.0" encoding="utf-8"?>
+<p:sldLayout xmlns:a="http://schemas.openxmlformats.org/drawingml/2006/main" xmlns:r="http://schemas.openxmlformats.org/officeDocument/2006/relationships" xmlns:p="http://schemas.openxmlformats.org/presentationml/2006/main" preserve="1" userDrawn="1">
   <p:cSld name="フルスクリーン画像">
     <p:spTree>
       <p:nvGrpSpPr>
@@ -8683,7 +9054,7 @@
 </p:sldLayout>
 </file>
 
-<file path=ppt/slideLayouts/slideLayout41.xml><?xml version="1.0" encoding="utf-8"?>
+<file path=ppt/slideLayouts/slideLayout43.xml><?xml version="1.0" encoding="utf-8"?>
 <p:sldLayout xmlns:a="http://schemas.openxmlformats.org/drawingml/2006/main" xmlns:r="http://schemas.openxmlformats.org/officeDocument/2006/relationships" xmlns:p="http://schemas.openxmlformats.org/presentationml/2006/main" preserve="1" userDrawn="1">
   <p:cSld name="フルスクリーン画像とタイトル">
     <p:spTree>
@@ -8789,7 +9160,7 @@
 </p:sldLayout>
 </file>
 
-<file path=ppt/slideLayouts/slideLayout42.xml><?xml version="1.0" encoding="utf-8"?>
+<file path=ppt/slideLayouts/slideLayout44.xml><?xml version="1.0" encoding="utf-8"?>
 <p:sldLayout xmlns:a="http://schemas.openxmlformats.org/drawingml/2006/main" xmlns:r="http://schemas.openxmlformats.org/officeDocument/2006/relationships" xmlns:p="http://schemas.openxmlformats.org/presentationml/2006/main" preserve="1" userDrawn="1">
   <p:cSld name="フルスクリーン画像とタイトルおよびテキスト">
     <p:spTree>
@@ -9067,7 +9438,7 @@
           <a:p>
             <a:r>
               <a:rPr kumimoji="1" lang="en-US" altLang="ja-JP"/>
-              <a:t>©︎Takato Matsumoto, 2019</a:t>
+              <a:t>@Takato Matsumoto, 2020</a:t>
             </a:r>
             <a:endParaRPr kumimoji="1" lang="ja-JP" altLang="en-US" dirty="0"/>
           </a:p>
@@ -9342,7 +9713,7 @@
           <a:p>
             <a:r>
               <a:rPr kumimoji="1" lang="en-US" altLang="ja-JP"/>
-              <a:t>©︎Takato Matsumoto, 2019</a:t>
+              <a:t>@Takato Matsumoto, 2020</a:t>
             </a:r>
             <a:endParaRPr kumimoji="1" lang="ja-JP" altLang="en-US" dirty="0"/>
           </a:p>
@@ -9517,7 +9888,7 @@
           <a:p>
             <a:r>
               <a:rPr kumimoji="1" lang="en-US" altLang="ja-JP"/>
-              <a:t>©︎Takato Matsumoto, 2019</a:t>
+              <a:t>@Takato Matsumoto, 2020</a:t>
             </a:r>
             <a:endParaRPr kumimoji="1" lang="ja-JP" altLang="en-US" dirty="0"/>
           </a:p>
@@ -9748,7 +10119,7 @@
           <a:p>
             <a:r>
               <a:rPr kumimoji="1" lang="en-US" altLang="ja-JP"/>
-              <a:t>©︎Takato Matsumoto, 2019</a:t>
+              <a:t>@Takato Matsumoto, 2020</a:t>
             </a:r>
             <a:endParaRPr kumimoji="1" lang="ja-JP" altLang="en-US" dirty="0"/>
           </a:p>
@@ -9979,7 +10350,7 @@
           <a:p>
             <a:r>
               <a:rPr kumimoji="1" lang="en-US" altLang="ja-JP"/>
-              <a:t>©︎Takato Matsumoto, 2019</a:t>
+              <a:t>@Takato Matsumoto, 2020</a:t>
             </a:r>
             <a:endParaRPr kumimoji="1" lang="ja-JP" altLang="en-US" dirty="0"/>
           </a:p>
@@ -10567,7 +10938,7 @@
           <a:p>
             <a:r>
               <a:rPr kumimoji="1" lang="en-US" altLang="ja-JP"/>
-              <a:t>©︎Takato Matsumoto, 2019</a:t>
+              <a:t>@Takato Matsumoto, 2020</a:t>
             </a:r>
             <a:endParaRPr kumimoji="1" lang="ja-JP" altLang="en-US" dirty="0"/>
           </a:p>
@@ -10643,6 +11014,7 @@
     <p:sldLayoutId id="2147483680" r:id="rId16"/>
     <p:sldLayoutId id="2147483706" r:id="rId17"/>
     <p:sldLayoutId id="2147483707" r:id="rId18"/>
+    <p:sldLayoutId id="2147483709" r:id="rId19"/>
   </p:sldLayoutIdLst>
   <p:hf hdr="0" dt="0"/>
   <p:txStyles>
@@ -11135,7 +11507,7 @@
           <a:p>
             <a:r>
               <a:rPr kumimoji="1" lang="en-US" altLang="ja-JP"/>
-              <a:t>©︎Takato Matsumoto, 2019</a:t>
+              <a:t>@Takato Matsumoto, 2020</a:t>
             </a:r>
             <a:endParaRPr kumimoji="1" lang="ja-JP" altLang="en-US" dirty="0"/>
           </a:p>
@@ -11157,6 +11529,7 @@
     <p:sldLayoutId id="2147483686" r:id="rId5"/>
     <p:sldLayoutId id="2147483696" r:id="rId6"/>
     <p:sldLayoutId id="2147483697" r:id="rId7"/>
+    <p:sldLayoutId id="2147483708" r:id="rId8"/>
   </p:sldLayoutIdLst>
   <p:hf hdr="0" dt="0"/>
   <p:txStyles>
@@ -11979,6 +12352,221 @@
 </file>
 
 <file path=ppt/slides/slide10.xml><?xml version="1.0" encoding="utf-8"?>
+<p:sld xmlns:a="http://schemas.openxmlformats.org/drawingml/2006/main" xmlns:r="http://schemas.openxmlformats.org/officeDocument/2006/relationships" xmlns:p="http://schemas.openxmlformats.org/presentationml/2006/main">
+  <p:cSld>
+    <p:spTree>
+      <p:nvGrpSpPr>
+        <p:cNvPr id="1" name=""/>
+        <p:cNvGrpSpPr/>
+        <p:nvPr/>
+      </p:nvGrpSpPr>
+      <p:grpSpPr>
+        <a:xfrm>
+          <a:off x="0" y="0"/>
+          <a:ext cx="0" cy="0"/>
+          <a:chOff x="0" y="0"/>
+          <a:chExt cx="0" cy="0"/>
+        </a:xfrm>
+      </p:grpSpPr>
+      <p:sp>
+        <p:nvSpPr>
+          <p:cNvPr id="5" name="タイトル 4"/>
+          <p:cNvSpPr>
+            <a:spLocks noGrp="1"/>
+          </p:cNvSpPr>
+          <p:nvPr>
+            <p:ph type="title"/>
+          </p:nvPr>
+        </p:nvSpPr>
+        <p:spPr/>
+        <p:txBody>
+          <a:bodyPr>
+            <a:normAutofit/>
+          </a:bodyPr>
+          <a:lstStyle/>
+          <a:p>
+            <a:r>
+              <a:rPr kumimoji="1" lang="ja-JP" altLang="en-US" sz="6600" dirty="0"/>
+              <a:t>コンテンツ</a:t>
+            </a:r>
+          </a:p>
+        </p:txBody>
+      </p:sp>
+      <p:sp>
+        <p:nvSpPr>
+          <p:cNvPr id="6" name="テキスト プレースホルダー 5"/>
+          <p:cNvSpPr>
+            <a:spLocks noGrp="1"/>
+          </p:cNvSpPr>
+          <p:nvPr>
+            <p:ph type="body" sz="quarter" idx="12"/>
+          </p:nvPr>
+        </p:nvSpPr>
+        <p:spPr>
+          <a:xfrm>
+            <a:off x="7709647" y="1783556"/>
+            <a:ext cx="10578353" cy="6718300"/>
+          </a:xfrm>
+        </p:spPr>
+        <p:txBody>
+          <a:bodyPr>
+            <a:normAutofit/>
+          </a:bodyPr>
+          <a:lstStyle/>
+          <a:p>
+            <a:r>
+              <a:rPr lang="ja" altLang="en-US" sz="4200" dirty="0"/>
+              <a:t>自己紹介</a:t>
+            </a:r>
+            <a:endParaRPr lang="en-US" altLang="ja" sz="4200" dirty="0"/>
+          </a:p>
+          <a:p>
+            <a:r>
+              <a:rPr lang="ja-JP" altLang="en-US" sz="4200"/>
+              <a:t>データ</a:t>
+            </a:r>
+            <a:r>
+              <a:rPr lang="ja" altLang="en-US" sz="4200" dirty="0"/>
+              <a:t>アントレプレナーフェロープログラム</a:t>
+            </a:r>
+            <a:r>
+              <a:rPr lang="en-US" altLang="ja" sz="4200" dirty="0"/>
+              <a:t>(</a:t>
+            </a:r>
+            <a:r>
+              <a:rPr lang="en-US" altLang="ja" sz="4200" dirty="0" err="1"/>
+              <a:t>Defp</a:t>
+            </a:r>
+            <a:r>
+              <a:rPr lang="en-US" altLang="ja" sz="4200" dirty="0"/>
+              <a:t>)</a:t>
+            </a:r>
+            <a:r>
+              <a:rPr lang="ja-JP" altLang="en-US" sz="4200"/>
+              <a:t>の紹介</a:t>
+            </a:r>
+            <a:endParaRPr lang="en-US" altLang="ja-JP" sz="4200" dirty="0"/>
+          </a:p>
+          <a:p>
+            <a:r>
+              <a:rPr kumimoji="1" lang="ja" altLang="en-US" sz="4200" dirty="0">
+                <a:solidFill>
+                  <a:schemeClr val="accent1"/>
+                </a:solidFill>
+              </a:rPr>
+              <a:t>データアントレプレナー</a:t>
+            </a:r>
+            <a:r>
+              <a:rPr kumimoji="1" lang="ja-JP" altLang="en-US" sz="4200">
+                <a:solidFill>
+                  <a:schemeClr val="accent1"/>
+                </a:solidFill>
+              </a:rPr>
+              <a:t>実践論</a:t>
+            </a:r>
+            <a:endParaRPr kumimoji="1" lang="en-US" altLang="ja-JP" sz="4200" dirty="0">
+              <a:solidFill>
+                <a:schemeClr val="accent1"/>
+              </a:solidFill>
+            </a:endParaRPr>
+          </a:p>
+          <a:p>
+            <a:r>
+              <a:rPr kumimoji="1" lang="ja" altLang="en-US" sz="4200" dirty="0"/>
+              <a:t>データサイエンティスト</a:t>
+            </a:r>
+            <a:r>
+              <a:rPr kumimoji="1" lang="ja-JP" altLang="en-US" sz="4200"/>
+              <a:t>特論</a:t>
+            </a:r>
+            <a:endParaRPr kumimoji="1" lang="en-US" altLang="ja-JP" sz="4200" dirty="0"/>
+          </a:p>
+          <a:p>
+            <a:r>
+              <a:rPr lang="ja" altLang="en-US" sz="4200" dirty="0"/>
+              <a:t>データサイエンス</a:t>
+            </a:r>
+            <a:r>
+              <a:rPr lang="ja-JP" altLang="en-US" sz="4200"/>
+              <a:t>の楽しさ</a:t>
+            </a:r>
+            <a:endParaRPr lang="en-US" altLang="ja-JP" sz="4200" dirty="0"/>
+          </a:p>
+        </p:txBody>
+      </p:sp>
+      <p:sp>
+        <p:nvSpPr>
+          <p:cNvPr id="4" name="Slide Number Placeholder 3">
+            <a:extLst>
+              <a:ext uri="{FF2B5EF4-FFF2-40B4-BE49-F238E27FC236}">
+                <a16:creationId xmlns:a16="http://schemas.microsoft.com/office/drawing/2014/main" id="{2609AABE-6F30-964C-BFF9-F1149E15C42E}"/>
+              </a:ext>
+            </a:extLst>
+          </p:cNvPr>
+          <p:cNvSpPr>
+            <a:spLocks noGrp="1"/>
+          </p:cNvSpPr>
+          <p:nvPr>
+            <p:ph type="sldNum" sz="quarter" idx="10"/>
+          </p:nvPr>
+        </p:nvSpPr>
+        <p:spPr/>
+        <p:txBody>
+          <a:bodyPr/>
+          <a:lstStyle/>
+          <a:p>
+            <a:fld id="{D28C7C6D-0F52-4FBA-8358-35C6083C2133}" type="slidenum">
+              <a:rPr kumimoji="1" lang="ja-JP" altLang="en-US" smtClean="0"/>
+              <a:pPr/>
+              <a:t>10</a:t>
+            </a:fld>
+            <a:endParaRPr kumimoji="1" lang="ja-JP" altLang="en-US"/>
+          </a:p>
+        </p:txBody>
+      </p:sp>
+      <p:sp>
+        <p:nvSpPr>
+          <p:cNvPr id="7" name="Footer Placeholder 6">
+            <a:extLst>
+              <a:ext uri="{FF2B5EF4-FFF2-40B4-BE49-F238E27FC236}">
+                <a16:creationId xmlns:a16="http://schemas.microsoft.com/office/drawing/2014/main" id="{5398061E-1F68-D14D-B3F0-08CC642BF815}"/>
+              </a:ext>
+            </a:extLst>
+          </p:cNvPr>
+          <p:cNvSpPr>
+            <a:spLocks noGrp="1"/>
+          </p:cNvSpPr>
+          <p:nvPr>
+            <p:ph type="ftr" sz="quarter" idx="11"/>
+          </p:nvPr>
+        </p:nvSpPr>
+        <p:spPr/>
+        <p:txBody>
+          <a:bodyPr/>
+          <a:lstStyle/>
+          <a:p>
+            <a:r>
+              <a:rPr kumimoji="1" lang="en-US" altLang="ja-JP"/>
+              <a:t>@Takato Matsumoto, 2020</a:t>
+            </a:r>
+            <a:endParaRPr kumimoji="1" lang="ja-JP" altLang="en-US" dirty="0"/>
+          </a:p>
+        </p:txBody>
+      </p:sp>
+    </p:spTree>
+    <p:extLst>
+      <p:ext uri="{BB962C8B-B14F-4D97-AF65-F5344CB8AC3E}">
+        <p14:creationId xmlns:p14="http://schemas.microsoft.com/office/powerpoint/2010/main" val="3392845961"/>
+      </p:ext>
+    </p:extLst>
+  </p:cSld>
+  <p:clrMapOvr>
+    <a:masterClrMapping/>
+  </p:clrMapOvr>
+</p:sld>
+</file>
+
+<file path=ppt/slides/slide11.xml><?xml version="1.0" encoding="utf-8"?>
 <p:sld xmlns:a="http://schemas.openxmlformats.org/drawingml/2006/main" xmlns:r="http://schemas.openxmlformats.org/officeDocument/2006/relationships" xmlns:p="http://schemas.openxmlformats.org/presentationml/2006/main">
   <p:cSld>
     <p:spTree>
@@ -12758,7 +13346,7 @@
             <a:fld id="{D28C7C6D-0F52-4FBA-8358-35C6083C2133}" type="slidenum">
               <a:rPr kumimoji="1" lang="ja-JP" altLang="en-US" smtClean="0"/>
               <a:pPr/>
-              <a:t>10</a:t>
+              <a:t>11</a:t>
             </a:fld>
             <a:endParaRPr kumimoji="1" lang="ja-JP" altLang="en-US"/>
           </a:p>
@@ -12787,7 +13375,7 @@
           <a:p>
             <a:r>
               <a:rPr kumimoji="1" lang="en-US" altLang="ja-JP"/>
-              <a:t>©︎Takato Matsumoto, 2019</a:t>
+              <a:t>@Takato Matsumoto, 2020</a:t>
             </a:r>
             <a:endParaRPr kumimoji="1" lang="ja-JP" altLang="en-US" dirty="0"/>
           </a:p>
@@ -12797,221 +13385,6 @@
     <p:extLst>
       <p:ext uri="{BB962C8B-B14F-4D97-AF65-F5344CB8AC3E}">
         <p14:creationId xmlns:p14="http://schemas.microsoft.com/office/powerpoint/2010/main" val="412911817"/>
-      </p:ext>
-    </p:extLst>
-  </p:cSld>
-  <p:clrMapOvr>
-    <a:masterClrMapping/>
-  </p:clrMapOvr>
-</p:sld>
-</file>
-
-<file path=ppt/slides/slide11.xml><?xml version="1.0" encoding="utf-8"?>
-<p:sld xmlns:a="http://schemas.openxmlformats.org/drawingml/2006/main" xmlns:r="http://schemas.openxmlformats.org/officeDocument/2006/relationships" xmlns:p="http://schemas.openxmlformats.org/presentationml/2006/main">
-  <p:cSld>
-    <p:spTree>
-      <p:nvGrpSpPr>
-        <p:cNvPr id="1" name=""/>
-        <p:cNvGrpSpPr/>
-        <p:nvPr/>
-      </p:nvGrpSpPr>
-      <p:grpSpPr>
-        <a:xfrm>
-          <a:off x="0" y="0"/>
-          <a:ext cx="0" cy="0"/>
-          <a:chOff x="0" y="0"/>
-          <a:chExt cx="0" cy="0"/>
-        </a:xfrm>
-      </p:grpSpPr>
-      <p:sp>
-        <p:nvSpPr>
-          <p:cNvPr id="5" name="タイトル 4"/>
-          <p:cNvSpPr>
-            <a:spLocks noGrp="1"/>
-          </p:cNvSpPr>
-          <p:nvPr>
-            <p:ph type="title"/>
-          </p:nvPr>
-        </p:nvSpPr>
-        <p:spPr/>
-        <p:txBody>
-          <a:bodyPr>
-            <a:normAutofit/>
-          </a:bodyPr>
-          <a:lstStyle/>
-          <a:p>
-            <a:r>
-              <a:rPr kumimoji="1" lang="ja-JP" altLang="en-US" sz="6600" dirty="0"/>
-              <a:t>コンテンツ</a:t>
-            </a:r>
-          </a:p>
-        </p:txBody>
-      </p:sp>
-      <p:sp>
-        <p:nvSpPr>
-          <p:cNvPr id="6" name="テキスト プレースホルダー 5"/>
-          <p:cNvSpPr>
-            <a:spLocks noGrp="1"/>
-          </p:cNvSpPr>
-          <p:nvPr>
-            <p:ph type="body" sz="quarter" idx="12"/>
-          </p:nvPr>
-        </p:nvSpPr>
-        <p:spPr>
-          <a:xfrm>
-            <a:off x="7709647" y="1783556"/>
-            <a:ext cx="10578353" cy="6718300"/>
-          </a:xfrm>
-        </p:spPr>
-        <p:txBody>
-          <a:bodyPr>
-            <a:normAutofit/>
-          </a:bodyPr>
-          <a:lstStyle/>
-          <a:p>
-            <a:r>
-              <a:rPr lang="ja" altLang="en-US" sz="4200" dirty="0"/>
-              <a:t>自己紹介</a:t>
-            </a:r>
-            <a:endParaRPr lang="en-US" altLang="ja" sz="4200" dirty="0"/>
-          </a:p>
-          <a:p>
-            <a:r>
-              <a:rPr lang="ja-JP" altLang="en-US" sz="4200"/>
-              <a:t>データ</a:t>
-            </a:r>
-            <a:r>
-              <a:rPr lang="ja" altLang="en-US" sz="4200" dirty="0"/>
-              <a:t>アントレプレナーフェロープログラム</a:t>
-            </a:r>
-            <a:r>
-              <a:rPr lang="en-US" altLang="ja" sz="4200" dirty="0"/>
-              <a:t>(</a:t>
-            </a:r>
-            <a:r>
-              <a:rPr lang="en-US" altLang="ja" sz="4200" dirty="0" err="1"/>
-              <a:t>Defp</a:t>
-            </a:r>
-            <a:r>
-              <a:rPr lang="en-US" altLang="ja" sz="4200" dirty="0"/>
-              <a:t>)</a:t>
-            </a:r>
-            <a:r>
-              <a:rPr lang="ja-JP" altLang="en-US" sz="4200"/>
-              <a:t>の紹介</a:t>
-            </a:r>
-            <a:endParaRPr lang="en-US" altLang="ja-JP" sz="4200" dirty="0"/>
-          </a:p>
-          <a:p>
-            <a:r>
-              <a:rPr kumimoji="1" lang="ja" altLang="en-US" sz="4200" dirty="0"/>
-              <a:t>データアントレプレナー</a:t>
-            </a:r>
-            <a:r>
-              <a:rPr kumimoji="1" lang="ja-JP" altLang="en-US" sz="4200"/>
-              <a:t>実践論</a:t>
-            </a:r>
-            <a:endParaRPr kumimoji="1" lang="en-US" altLang="ja-JP" sz="4200" dirty="0"/>
-          </a:p>
-          <a:p>
-            <a:r>
-              <a:rPr kumimoji="1" lang="ja" altLang="en-US" sz="4200" dirty="0">
-                <a:solidFill>
-                  <a:schemeClr val="accent1"/>
-                </a:solidFill>
-              </a:rPr>
-              <a:t>データサイエンティスト</a:t>
-            </a:r>
-            <a:r>
-              <a:rPr kumimoji="1" lang="ja-JP" altLang="en-US" sz="4200">
-                <a:solidFill>
-                  <a:schemeClr val="accent1"/>
-                </a:solidFill>
-              </a:rPr>
-              <a:t>特論</a:t>
-            </a:r>
-            <a:endParaRPr kumimoji="1" lang="en-US" altLang="ja-JP" sz="4200" dirty="0">
-              <a:solidFill>
-                <a:schemeClr val="accent1"/>
-              </a:solidFill>
-            </a:endParaRPr>
-          </a:p>
-          <a:p>
-            <a:r>
-              <a:rPr lang="ja" altLang="en-US" sz="4200" dirty="0"/>
-              <a:t>データサイエンス</a:t>
-            </a:r>
-            <a:r>
-              <a:rPr lang="ja-JP" altLang="en-US" sz="4200"/>
-              <a:t>の楽しさ</a:t>
-            </a:r>
-            <a:endParaRPr lang="en-US" altLang="ja-JP" sz="4200" dirty="0"/>
-          </a:p>
-        </p:txBody>
-      </p:sp>
-      <p:sp>
-        <p:nvSpPr>
-          <p:cNvPr id="4" name="Slide Number Placeholder 3">
-            <a:extLst>
-              <a:ext uri="{FF2B5EF4-FFF2-40B4-BE49-F238E27FC236}">
-                <a16:creationId xmlns:a16="http://schemas.microsoft.com/office/drawing/2014/main" id="{E857C27F-31E3-FD4B-B90C-CF6CDEEDFC7A}"/>
-              </a:ext>
-            </a:extLst>
-          </p:cNvPr>
-          <p:cNvSpPr>
-            <a:spLocks noGrp="1"/>
-          </p:cNvSpPr>
-          <p:nvPr>
-            <p:ph type="sldNum" sz="quarter" idx="10"/>
-          </p:nvPr>
-        </p:nvSpPr>
-        <p:spPr/>
-        <p:txBody>
-          <a:bodyPr/>
-          <a:lstStyle/>
-          <a:p>
-            <a:fld id="{D28C7C6D-0F52-4FBA-8358-35C6083C2133}" type="slidenum">
-              <a:rPr kumimoji="1" lang="ja-JP" altLang="en-US" smtClean="0"/>
-              <a:pPr/>
-              <a:t>11</a:t>
-            </a:fld>
-            <a:endParaRPr kumimoji="1" lang="ja-JP" altLang="en-US"/>
-          </a:p>
-        </p:txBody>
-      </p:sp>
-      <p:sp>
-        <p:nvSpPr>
-          <p:cNvPr id="7" name="Footer Placeholder 6">
-            <a:extLst>
-              <a:ext uri="{FF2B5EF4-FFF2-40B4-BE49-F238E27FC236}">
-                <a16:creationId xmlns:a16="http://schemas.microsoft.com/office/drawing/2014/main" id="{AE558B7F-26E7-DD4F-84D7-E1D64CC93010}"/>
-              </a:ext>
-            </a:extLst>
-          </p:cNvPr>
-          <p:cNvSpPr>
-            <a:spLocks noGrp="1"/>
-          </p:cNvSpPr>
-          <p:nvPr>
-            <p:ph type="ftr" sz="quarter" idx="11"/>
-          </p:nvPr>
-        </p:nvSpPr>
-        <p:spPr/>
-        <p:txBody>
-          <a:bodyPr/>
-          <a:lstStyle/>
-          <a:p>
-            <a:r>
-              <a:rPr kumimoji="1" lang="en-US" altLang="ja-JP"/>
-              <a:t>©︎Takato Matsumoto, 2019</a:t>
-            </a:r>
-            <a:endParaRPr kumimoji="1" lang="ja-JP" altLang="en-US" dirty="0"/>
-          </a:p>
-        </p:txBody>
-      </p:sp>
-    </p:spTree>
-    <p:extLst>
-      <p:ext uri="{BB962C8B-B14F-4D97-AF65-F5344CB8AC3E}">
-        <p14:creationId xmlns:p14="http://schemas.microsoft.com/office/powerpoint/2010/main" val="1249649557"/>
       </p:ext>
     </p:extLst>
   </p:cSld>
@@ -13050,14 +13423,28 @@
         </p:nvSpPr>
         <p:spPr/>
         <p:txBody>
-          <a:bodyPr>
-            <a:normAutofit/>
-          </a:bodyPr>
+          <a:bodyPr/>
           <a:lstStyle/>
           <a:p>
             <a:r>
+              <a:rPr kumimoji="1" lang="ja" altLang="en-US" dirty="0"/>
+              <a:t>データアントレプレナー</a:t>
+            </a:r>
+            <a:r>
               <a:rPr kumimoji="1" lang="ja-JP" altLang="en-US"/>
-              <a:t>データサイエンティスト特論</a:t>
+              <a:t>実践論</a:t>
+            </a:r>
+            <a:r>
+              <a:rPr kumimoji="1" lang="en-US" altLang="ja-JP" dirty="0"/>
+              <a:t> | </a:t>
+            </a:r>
+            <a:r>
+              <a:rPr kumimoji="1" lang="en-US" altLang="ja-JP" dirty="0" err="1"/>
+              <a:t>Nightley</a:t>
+            </a:r>
+            <a:r>
+              <a:rPr kumimoji="1" lang="ja-JP" altLang="en-US"/>
+              <a:t>のデータビジネス</a:t>
             </a:r>
             <a:endParaRPr kumimoji="1" lang="ja-JP" altLang="en-US" dirty="0"/>
           </a:p>
@@ -13081,8 +13468,8 @@
         </p:nvSpPr>
         <p:spPr>
           <a:xfrm>
-            <a:off x="1596035" y="3725602"/>
-            <a:ext cx="16534150" cy="6698755"/>
+            <a:off x="4959198" y="2069995"/>
+            <a:ext cx="12080567" cy="8099563"/>
           </a:xfrm>
         </p:spPr>
         <p:txBody>
@@ -13092,122 +13479,181 @@
           <a:lstStyle/>
           <a:p>
             <a:r>
-              <a:rPr lang="ja-JP" altLang="en-US" sz="4000"/>
-              <a:t>実際の</a:t>
-            </a:r>
-            <a:r>
-              <a:rPr lang="ja" altLang="en-US" sz="4000" dirty="0"/>
-              <a:t>不動産データを</a:t>
-            </a:r>
-            <a:r>
-              <a:rPr lang="ja-JP" altLang="en-US" sz="4000"/>
-              <a:t>分析する</a:t>
-            </a:r>
+              <a:rPr lang="ja" altLang="en-US" sz="3600" dirty="0"/>
+              <a:t>ロケーションデータ</a:t>
+            </a:r>
+            <a:r>
+              <a:rPr lang="ja-JP" altLang="en-US" sz="3600"/>
+              <a:t>サービスを提供するベンチャー企業</a:t>
+            </a:r>
+            <a:endParaRPr lang="en-US" altLang="ja" sz="3600" dirty="0"/>
+          </a:p>
+          <a:p>
+            <a:r>
+              <a:rPr lang="ja" altLang="en-US" sz="3600" dirty="0"/>
+              <a:t>インバウンド</a:t>
+            </a:r>
+            <a:r>
+              <a:rPr lang="ja-JP" altLang="en-US" sz="3600"/>
+              <a:t>対策サービスを提供</a:t>
+            </a:r>
+            <a:endParaRPr lang="en-US" altLang="ja-JP" sz="3600" dirty="0"/>
+          </a:p>
+          <a:p>
+            <a:pPr lvl="1"/>
+            <a:r>
+              <a:rPr lang="ja-JP" altLang="en-US" sz="3600"/>
+              <a:t>訪日外国人観光客の分析，可視化</a:t>
+            </a:r>
+            <a:endParaRPr lang="en-US" altLang="ja-JP" sz="3600" dirty="0"/>
+          </a:p>
+          <a:p>
+            <a:pPr lvl="1"/>
+            <a:r>
+              <a:rPr lang="en-US" altLang="ja-JP" sz="3600" dirty="0"/>
+              <a:t>Twitter, Instagram</a:t>
+            </a:r>
+            <a:r>
+              <a:rPr lang="ja-JP" altLang="en-US" sz="3600"/>
+              <a:t>などの</a:t>
+            </a:r>
+            <a:r>
+              <a:rPr lang="en-US" altLang="ja-JP" sz="3600" dirty="0"/>
+              <a:t>SNS</a:t>
+            </a:r>
+            <a:r>
+              <a:rPr lang="ja-JP" altLang="en-US" sz="3600"/>
+              <a:t>データから訪日外国人の消費傾向，旅行傾向などを分析</a:t>
+            </a:r>
+            <a:endParaRPr lang="en-US" altLang="ja" sz="3600" dirty="0"/>
+          </a:p>
+          <a:p>
+            <a:r>
+              <a:rPr lang="ja-JP" altLang="en-US" sz="3600"/>
+              <a:t>宿泊数予測や</a:t>
+            </a:r>
+            <a:r>
+              <a:rPr lang="ja" altLang="en-US" sz="3600" dirty="0"/>
+              <a:t>インバウンド</a:t>
+            </a:r>
+            <a:r>
+              <a:rPr lang="ja-JP" altLang="en-US" sz="3600"/>
+              <a:t>政策立案などに効果的</a:t>
+            </a:r>
+            <a:endParaRPr lang="en-US" altLang="ja-JP" sz="3600" dirty="0"/>
+          </a:p>
+          <a:p>
             <a:endParaRPr lang="en-US" altLang="ja-JP" sz="4000" dirty="0"/>
           </a:p>
-          <a:p>
-            <a:pPr lvl="1"/>
-            <a:r>
-              <a:rPr lang="ja-JP" altLang="en-US" sz="3200"/>
-              <a:t>アメリカ，ワシントン</a:t>
-            </a:r>
-            <a:r>
-              <a:rPr lang="en-US" altLang="ja-JP" sz="3200" dirty="0"/>
-              <a:t>DC</a:t>
-            </a:r>
-            <a:r>
-              <a:rPr lang="ja-JP" altLang="en-US" sz="3200"/>
-              <a:t>の実データを分析した</a:t>
-            </a:r>
-            <a:endParaRPr lang="en-US" altLang="ja-JP" sz="3200" dirty="0"/>
-          </a:p>
-          <a:p>
-            <a:pPr lvl="1"/>
-            <a:r>
-              <a:rPr lang="ja-JP" altLang="en-US" sz="3200"/>
-              <a:t>データを分析して，データの特徴や，不動産の知識をつかむ</a:t>
-            </a:r>
-            <a:endParaRPr lang="en-US" altLang="ja-JP" sz="3200" dirty="0"/>
-          </a:p>
-          <a:p>
-            <a:r>
-              <a:rPr lang="ja-JP" altLang="en-US" sz="4000"/>
-              <a:t>物件価格の予測をする</a:t>
-            </a:r>
-            <a:endParaRPr lang="en-US" altLang="ja-JP" sz="4000" dirty="0"/>
-          </a:p>
-          <a:p>
-            <a:pPr lvl="1"/>
-            <a:r>
-              <a:rPr lang="ja" altLang="en-US" sz="3200" dirty="0"/>
-              <a:t>機械学習モデル</a:t>
-            </a:r>
-            <a:r>
-              <a:rPr lang="ja-JP" altLang="en-US" sz="3200"/>
-              <a:t>を用いて，精度の高い</a:t>
-            </a:r>
-            <a:r>
-              <a:rPr lang="ja" altLang="en-US" sz="3200" dirty="0"/>
-              <a:t>予測モデルを</a:t>
-            </a:r>
-            <a:r>
-              <a:rPr lang="ja-JP" altLang="en-US" sz="3200"/>
-              <a:t>作ることが</a:t>
-            </a:r>
-            <a:r>
-              <a:rPr lang="ja" altLang="en-US" sz="3200" dirty="0"/>
-              <a:t>コンペティション</a:t>
-            </a:r>
-            <a:r>
-              <a:rPr lang="ja-JP" altLang="en-US" sz="3200"/>
-              <a:t>の目標</a:t>
-            </a:r>
-            <a:endParaRPr lang="en-US" altLang="ja-JP" sz="3200" dirty="0"/>
-          </a:p>
-          <a:p>
-            <a:pPr lvl="1"/>
-            <a:r>
-              <a:rPr lang="ja-JP" altLang="en-US" sz="3200"/>
-              <a:t>４０人クラス</a:t>
-            </a:r>
-            <a:r>
-              <a:rPr lang="en-US" altLang="ja-JP" sz="3200" dirty="0"/>
-              <a:t> / </a:t>
-            </a:r>
-            <a:r>
-              <a:rPr lang="ja-JP" altLang="en-US" sz="3200"/>
-              <a:t>５人チームでのグループワークを行なった</a:t>
-            </a:r>
-            <a:endParaRPr lang="en-US" altLang="ja-JP" sz="3200" dirty="0"/>
-          </a:p>
-          <a:p>
-            <a:r>
-              <a:rPr lang="ja-JP" altLang="en-US" sz="4000"/>
-              <a:t>演習で実際に行なってみましょう！</a:t>
-            </a:r>
-            <a:endParaRPr lang="en-US" altLang="ja" sz="4000" dirty="0"/>
-          </a:p>
-          <a:p>
-            <a:pPr lvl="1"/>
-            <a:endParaRPr lang="en-US" altLang="ja-JP" dirty="0"/>
-          </a:p>
-          <a:p>
-            <a:endParaRPr lang="en-US" altLang="ja-JP" dirty="0"/>
-          </a:p>
-          <a:p>
-            <a:endParaRPr lang="en-US" altLang="ja-JP" dirty="0"/>
-          </a:p>
-          <a:p>
-            <a:endParaRPr lang="en-US" altLang="ja-JP" sz="4000" dirty="0"/>
-          </a:p>
-        </p:txBody>
-      </p:sp>
-      <p:sp>
-        <p:nvSpPr>
-          <p:cNvPr id="13" name="Slide Number Placeholder 12">
+        </p:txBody>
+      </p:sp>
+      <p:grpSp>
+        <p:nvGrpSpPr>
+          <p:cNvPr id="7" name="Group 6">
             <a:extLst>
               <a:ext uri="{FF2B5EF4-FFF2-40B4-BE49-F238E27FC236}">
-                <a16:creationId xmlns:a16="http://schemas.microsoft.com/office/drawing/2014/main" id="{ACBC7515-E64F-8F4C-B7BA-458E3BC7E0CA}"/>
+                <a16:creationId xmlns:a16="http://schemas.microsoft.com/office/drawing/2014/main" id="{01E65F9C-8ECF-C644-BF71-514BA1418153}"/>
+              </a:ext>
+            </a:extLst>
+          </p:cNvPr>
+          <p:cNvGrpSpPr/>
+          <p:nvPr/>
+        </p:nvGrpSpPr>
+        <p:grpSpPr>
+          <a:xfrm>
+            <a:off x="617069" y="3325053"/>
+            <a:ext cx="3423759" cy="4030952"/>
+            <a:chOff x="724646" y="2446086"/>
+            <a:chExt cx="3423759" cy="4030952"/>
+          </a:xfrm>
+        </p:grpSpPr>
+        <p:pic>
+          <p:nvPicPr>
+            <p:cNvPr id="30" name="Picture 29">
+              <a:extLst>
+                <a:ext uri="{FF2B5EF4-FFF2-40B4-BE49-F238E27FC236}">
+                  <a16:creationId xmlns:a16="http://schemas.microsoft.com/office/drawing/2014/main" id="{66A0A86D-AAD7-E34E-98D4-CB46F89D8267}"/>
+                </a:ext>
+              </a:extLst>
+            </p:cNvPr>
+            <p:cNvPicPr>
+              <a:picLocks noChangeAspect="1"/>
+            </p:cNvPicPr>
+            <p:nvPr/>
+          </p:nvPicPr>
+          <p:blipFill>
+            <a:blip r:embed="rId2">
+              <a:extLst>
+                <a:ext uri="{28A0092B-C50C-407E-A947-70E740481C1C}">
+                  <a14:useLocalDpi xmlns:a14="http://schemas.microsoft.com/office/drawing/2010/main" val="0"/>
+                </a:ext>
+              </a:extLst>
+            </a:blip>
+            <a:stretch>
+              <a:fillRect/>
+            </a:stretch>
+          </p:blipFill>
+          <p:spPr>
+            <a:xfrm>
+              <a:off x="724646" y="2446086"/>
+              <a:ext cx="3423759" cy="3470193"/>
+            </a:xfrm>
+            <a:prstGeom prst="rect">
+              <a:avLst/>
+            </a:prstGeom>
+            <a:effectLst>
+              <a:outerShdw blurRad="50800" dist="38100" dir="2700000" algn="tl" rotWithShape="0">
+                <a:prstClr val="black">
+                  <a:alpha val="40000"/>
+                </a:prstClr>
+              </a:outerShdw>
+            </a:effectLst>
+          </p:spPr>
+        </p:pic>
+        <p:sp>
+          <p:nvSpPr>
+            <p:cNvPr id="18" name="Rectangle 17">
+              <a:extLst>
+                <a:ext uri="{FF2B5EF4-FFF2-40B4-BE49-F238E27FC236}">
+                  <a16:creationId xmlns:a16="http://schemas.microsoft.com/office/drawing/2014/main" id="{CF6FE898-4643-D64B-BDA1-A1E08BB419F9}"/>
+                </a:ext>
+              </a:extLst>
+            </p:cNvPr>
+            <p:cNvSpPr/>
+            <p:nvPr/>
+          </p:nvSpPr>
+          <p:spPr>
+            <a:xfrm>
+              <a:off x="1355812" y="6107706"/>
+              <a:ext cx="2161426" cy="369332"/>
+            </a:xfrm>
+            <a:prstGeom prst="rect">
+              <a:avLst/>
+            </a:prstGeom>
+          </p:spPr>
+          <p:txBody>
+            <a:bodyPr wrap="none">
+              <a:spAutoFit/>
+            </a:bodyPr>
+            <a:lstStyle/>
+            <a:p>
+              <a:r>
+                <a:rPr lang="en-US" dirty="0">
+                  <a:hlinkClick r:id="rId3"/>
+                </a:rPr>
+                <a:t>https://nightley.jp/</a:t>
+              </a:r>
+              <a:endParaRPr lang="en-US" dirty="0"/>
+            </a:p>
+          </p:txBody>
+        </p:sp>
+      </p:grpSp>
+      <p:sp>
+        <p:nvSpPr>
+          <p:cNvPr id="20" name="Slide Number Placeholder 19">
+            <a:extLst>
+              <a:ext uri="{FF2B5EF4-FFF2-40B4-BE49-F238E27FC236}">
+                <a16:creationId xmlns:a16="http://schemas.microsoft.com/office/drawing/2014/main" id="{3BCCAC41-EE67-5A4F-9FBB-F18D8C9DF4D8}"/>
               </a:ext>
             </a:extLst>
           </p:cNvPr>
@@ -13234,10 +13680,10 @@
       </p:sp>
       <p:sp>
         <p:nvSpPr>
-          <p:cNvPr id="14" name="Footer Placeholder 13">
+          <p:cNvPr id="21" name="Footer Placeholder 20">
             <a:extLst>
               <a:ext uri="{FF2B5EF4-FFF2-40B4-BE49-F238E27FC236}">
-                <a16:creationId xmlns:a16="http://schemas.microsoft.com/office/drawing/2014/main" id="{6848FA93-3DF9-3B45-9537-C5287D7DA562}"/>
+                <a16:creationId xmlns:a16="http://schemas.microsoft.com/office/drawing/2014/main" id="{85AAD3F1-0080-B54E-8C85-974BFBFBC384}"/>
               </a:ext>
             </a:extLst>
           </p:cNvPr>
@@ -13248,19 +13694,14 @@
             <p:ph type="ftr" sz="quarter" idx="11"/>
           </p:nvPr>
         </p:nvSpPr>
-        <p:spPr>
-          <a:xfrm>
-            <a:off x="10680700" y="9621838"/>
-            <a:ext cx="6172200" cy="547687"/>
-          </a:xfrm>
-        </p:spPr>
+        <p:spPr/>
         <p:txBody>
           <a:bodyPr/>
           <a:lstStyle/>
           <a:p>
             <a:r>
               <a:rPr kumimoji="1" lang="en-US" altLang="ja-JP"/>
-              <a:t>©︎Takato Matsumoto, 2019</a:t>
+              <a:t>@Takato Matsumoto, 2020</a:t>
             </a:r>
             <a:endParaRPr kumimoji="1" lang="ja-JP" altLang="en-US" dirty="0"/>
           </a:p>
@@ -13269,7 +13710,2913 @@
     </p:spTree>
     <p:extLst>
       <p:ext uri="{BB962C8B-B14F-4D97-AF65-F5344CB8AC3E}">
-        <p14:creationId xmlns:p14="http://schemas.microsoft.com/office/powerpoint/2010/main" val="3433858019"/>
+        <p14:creationId xmlns:p14="http://schemas.microsoft.com/office/powerpoint/2010/main" val="1169907249"/>
+      </p:ext>
+    </p:extLst>
+  </p:cSld>
+  <p:clrMapOvr>
+    <a:masterClrMapping/>
+  </p:clrMapOvr>
+</p:sld>
+</file>
+
+<file path=ppt/slides/slide13.xml><?xml version="1.0" encoding="utf-8"?>
+<p:sld xmlns:a="http://schemas.openxmlformats.org/drawingml/2006/main" xmlns:r="http://schemas.openxmlformats.org/officeDocument/2006/relationships" xmlns:p="http://schemas.openxmlformats.org/presentationml/2006/main">
+  <p:cSld>
+    <p:spTree>
+      <p:nvGrpSpPr>
+        <p:cNvPr id="1" name=""/>
+        <p:cNvGrpSpPr/>
+        <p:nvPr/>
+      </p:nvGrpSpPr>
+      <p:grpSpPr>
+        <a:xfrm>
+          <a:off x="0" y="0"/>
+          <a:ext cx="0" cy="0"/>
+          <a:chOff x="0" y="0"/>
+          <a:chExt cx="0" cy="0"/>
+        </a:xfrm>
+      </p:grpSpPr>
+      <p:sp>
+        <p:nvSpPr>
+          <p:cNvPr id="9" name="タイトル 8"/>
+          <p:cNvSpPr>
+            <a:spLocks noGrp="1"/>
+          </p:cNvSpPr>
+          <p:nvPr>
+            <p:ph type="title"/>
+          </p:nvPr>
+        </p:nvSpPr>
+        <p:spPr/>
+        <p:txBody>
+          <a:bodyPr/>
+          <a:lstStyle/>
+          <a:p>
+            <a:r>
+              <a:rPr kumimoji="1" lang="ja" altLang="en-US" dirty="0"/>
+              <a:t>データアントレプレナー</a:t>
+            </a:r>
+            <a:r>
+              <a:rPr kumimoji="1" lang="ja-JP" altLang="en-US"/>
+              <a:t>実践論</a:t>
+            </a:r>
+            <a:r>
+              <a:rPr kumimoji="1" lang="en-US" altLang="ja-JP" dirty="0"/>
+              <a:t> | </a:t>
+            </a:r>
+            <a:r>
+              <a:rPr kumimoji="1" lang="en-US" altLang="ja-JP" dirty="0" err="1"/>
+              <a:t>Nightley</a:t>
+            </a:r>
+            <a:r>
+              <a:rPr kumimoji="1" lang="ja-JP" altLang="en-US"/>
+              <a:t>のデータビジネス</a:t>
+            </a:r>
+            <a:endParaRPr kumimoji="1" lang="ja-JP" altLang="en-US" dirty="0"/>
+          </a:p>
+        </p:txBody>
+      </p:sp>
+      <p:grpSp>
+        <p:nvGrpSpPr>
+          <p:cNvPr id="8" name="Group 7">
+            <a:extLst>
+              <a:ext uri="{FF2B5EF4-FFF2-40B4-BE49-F238E27FC236}">
+                <a16:creationId xmlns:a16="http://schemas.microsoft.com/office/drawing/2014/main" id="{307D673D-740D-024D-A5C8-4BA70D8CADBF}"/>
+              </a:ext>
+            </a:extLst>
+          </p:cNvPr>
+          <p:cNvGrpSpPr/>
+          <p:nvPr/>
+        </p:nvGrpSpPr>
+        <p:grpSpPr>
+          <a:xfrm>
+            <a:off x="1500842" y="1769651"/>
+            <a:ext cx="2747114" cy="7632052"/>
+            <a:chOff x="1928465" y="2512534"/>
+            <a:chExt cx="2164920" cy="6014597"/>
+          </a:xfrm>
+        </p:grpSpPr>
+        <p:pic>
+          <p:nvPicPr>
+            <p:cNvPr id="17" name="Picture 16">
+              <a:extLst>
+                <a:ext uri="{FF2B5EF4-FFF2-40B4-BE49-F238E27FC236}">
+                  <a16:creationId xmlns:a16="http://schemas.microsoft.com/office/drawing/2014/main" id="{E26B6084-7CA2-C942-9095-0E9FC7667B38}"/>
+                </a:ext>
+              </a:extLst>
+            </p:cNvPr>
+            <p:cNvPicPr>
+              <a:picLocks noChangeAspect="1"/>
+            </p:cNvPicPr>
+            <p:nvPr/>
+          </p:nvPicPr>
+          <p:blipFill>
+            <a:blip r:embed="rId2">
+              <a:extLst>
+                <a:ext uri="{28A0092B-C50C-407E-A947-70E740481C1C}">
+                  <a14:useLocalDpi xmlns:a14="http://schemas.microsoft.com/office/drawing/2010/main" val="0"/>
+                </a:ext>
+              </a:extLst>
+            </a:blip>
+            <a:stretch>
+              <a:fillRect/>
+            </a:stretch>
+          </p:blipFill>
+          <p:spPr>
+            <a:xfrm>
+              <a:off x="1928465" y="2512534"/>
+              <a:ext cx="2164920" cy="2148007"/>
+            </a:xfrm>
+            <a:prstGeom prst="rect">
+              <a:avLst/>
+            </a:prstGeom>
+          </p:spPr>
+        </p:pic>
+        <p:pic>
+          <p:nvPicPr>
+            <p:cNvPr id="4" name="Picture 3">
+              <a:extLst>
+                <a:ext uri="{FF2B5EF4-FFF2-40B4-BE49-F238E27FC236}">
+                  <a16:creationId xmlns:a16="http://schemas.microsoft.com/office/drawing/2014/main" id="{99AFB3A0-56DA-9244-9ABE-29670C34CA25}"/>
+                </a:ext>
+              </a:extLst>
+            </p:cNvPr>
+            <p:cNvPicPr>
+              <a:picLocks noChangeAspect="1"/>
+            </p:cNvPicPr>
+            <p:nvPr/>
+          </p:nvPicPr>
+          <p:blipFill>
+            <a:blip r:embed="rId3">
+              <a:extLst>
+                <a:ext uri="{28A0092B-C50C-407E-A947-70E740481C1C}">
+                  <a14:useLocalDpi xmlns:a14="http://schemas.microsoft.com/office/drawing/2010/main" val="0"/>
+                </a:ext>
+              </a:extLst>
+            </a:blip>
+            <a:stretch>
+              <a:fillRect/>
+            </a:stretch>
+          </p:blipFill>
+          <p:spPr>
+            <a:xfrm>
+              <a:off x="2256673" y="7018627"/>
+              <a:ext cx="1508504" cy="1508504"/>
+            </a:xfrm>
+            <a:prstGeom prst="rect">
+              <a:avLst/>
+            </a:prstGeom>
+          </p:spPr>
+        </p:pic>
+      </p:grpSp>
+      <p:sp>
+        <p:nvSpPr>
+          <p:cNvPr id="5" name="Right Arrow 4">
+            <a:extLst>
+              <a:ext uri="{FF2B5EF4-FFF2-40B4-BE49-F238E27FC236}">
+                <a16:creationId xmlns:a16="http://schemas.microsoft.com/office/drawing/2014/main" id="{BBBDA3CA-3515-6D4A-83E6-3166129D95ED}"/>
+              </a:ext>
+            </a:extLst>
+          </p:cNvPr>
+          <p:cNvSpPr/>
+          <p:nvPr/>
+        </p:nvSpPr>
+        <p:spPr>
+          <a:xfrm>
+            <a:off x="4776712" y="5159108"/>
+            <a:ext cx="2109745" cy="1437388"/>
+          </a:xfrm>
+          <a:prstGeom prst="rightArrow">
+            <a:avLst>
+              <a:gd name="adj1" fmla="val 50000"/>
+              <a:gd name="adj2" fmla="val 51247"/>
+            </a:avLst>
+          </a:prstGeom>
+          <a:solidFill>
+            <a:schemeClr val="tx2">
+              <a:alpha val="87000"/>
+            </a:schemeClr>
+          </a:solidFill>
+          <a:ln>
+            <a:noFill/>
+          </a:ln>
+        </p:spPr>
+        <p:style>
+          <a:lnRef idx="2">
+            <a:schemeClr val="accent1">
+              <a:shade val="50000"/>
+            </a:schemeClr>
+          </a:lnRef>
+          <a:fillRef idx="1">
+            <a:schemeClr val="accent1"/>
+          </a:fillRef>
+          <a:effectRef idx="0">
+            <a:schemeClr val="accent1"/>
+          </a:effectRef>
+          <a:fontRef idx="minor">
+            <a:schemeClr val="lt1"/>
+          </a:fontRef>
+        </p:style>
+        <p:txBody>
+          <a:bodyPr rtlCol="0" anchor="ctr"/>
+          <a:lstStyle/>
+          <a:p>
+            <a:pPr algn="ctr"/>
+            <a:endParaRPr kumimoji="1" lang="en-US" dirty="0"/>
+          </a:p>
+        </p:txBody>
+      </p:sp>
+      <p:sp>
+        <p:nvSpPr>
+          <p:cNvPr id="6" name="TextBox 5">
+            <a:extLst>
+              <a:ext uri="{FF2B5EF4-FFF2-40B4-BE49-F238E27FC236}">
+                <a16:creationId xmlns:a16="http://schemas.microsoft.com/office/drawing/2014/main" id="{D86B7958-0932-ED4D-8AF1-24B71E8326B1}"/>
+              </a:ext>
+            </a:extLst>
+          </p:cNvPr>
+          <p:cNvSpPr txBox="1"/>
+          <p:nvPr/>
+        </p:nvSpPr>
+        <p:spPr>
+          <a:xfrm>
+            <a:off x="4967182" y="6803754"/>
+            <a:ext cx="1063304" cy="1200329"/>
+          </a:xfrm>
+          <a:prstGeom prst="rect">
+            <a:avLst/>
+          </a:prstGeom>
+          <a:noFill/>
+        </p:spPr>
+        <p:txBody>
+          <a:bodyPr wrap="none" rtlCol="0">
+            <a:spAutoFit/>
+          </a:bodyPr>
+          <a:lstStyle/>
+          <a:p>
+            <a:r>
+              <a:rPr lang="en-US" sz="3600" dirty="0"/>
+              <a:t>Text</a:t>
+            </a:r>
+          </a:p>
+          <a:p>
+            <a:r>
+              <a:rPr lang="en-US" sz="3600" dirty="0"/>
+              <a:t>Tag</a:t>
+            </a:r>
+          </a:p>
+        </p:txBody>
+      </p:sp>
+      <p:pic>
+        <p:nvPicPr>
+          <p:cNvPr id="20" name="Picture 19">
+            <a:extLst>
+              <a:ext uri="{FF2B5EF4-FFF2-40B4-BE49-F238E27FC236}">
+                <a16:creationId xmlns:a16="http://schemas.microsoft.com/office/drawing/2014/main" id="{AF731F1C-B3FA-8540-BFE3-3CC2CC772DAC}"/>
+              </a:ext>
+            </a:extLst>
+          </p:cNvPr>
+          <p:cNvPicPr>
+            <a:picLocks noChangeAspect="1"/>
+          </p:cNvPicPr>
+          <p:nvPr/>
+        </p:nvPicPr>
+        <p:blipFill rotWithShape="1">
+          <a:blip r:embed="rId4">
+            <a:extLst>
+              <a:ext uri="{28A0092B-C50C-407E-A947-70E740481C1C}">
+                <a14:useLocalDpi xmlns:a14="http://schemas.microsoft.com/office/drawing/2010/main" val="0"/>
+              </a:ext>
+            </a:extLst>
+          </a:blip>
+          <a:srcRect t="6456" r="1361"/>
+          <a:stretch/>
+        </p:blipFill>
+        <p:spPr>
+          <a:xfrm>
+            <a:off x="6962987" y="1444085"/>
+            <a:ext cx="9978979" cy="8779637"/>
+          </a:xfrm>
+          <a:prstGeom prst="rect">
+            <a:avLst/>
+          </a:prstGeom>
+        </p:spPr>
+      </p:pic>
+      <p:sp>
+        <p:nvSpPr>
+          <p:cNvPr id="21" name="Rectangle 20">
+            <a:extLst>
+              <a:ext uri="{FF2B5EF4-FFF2-40B4-BE49-F238E27FC236}">
+                <a16:creationId xmlns:a16="http://schemas.microsoft.com/office/drawing/2014/main" id="{C9D5412F-1A6A-CA46-8F57-48611C1F5DB2}"/>
+              </a:ext>
+            </a:extLst>
+          </p:cNvPr>
+          <p:cNvSpPr/>
+          <p:nvPr/>
+        </p:nvSpPr>
+        <p:spPr>
+          <a:xfrm>
+            <a:off x="646417" y="9895756"/>
+            <a:ext cx="6125651" cy="369332"/>
+          </a:xfrm>
+          <a:prstGeom prst="rect">
+            <a:avLst/>
+          </a:prstGeom>
+        </p:spPr>
+        <p:txBody>
+          <a:bodyPr wrap="none">
+            <a:spAutoFit/>
+          </a:bodyPr>
+          <a:lstStyle/>
+          <a:p>
+            <a:r>
+              <a:rPr lang="en-US" dirty="0">
+                <a:hlinkClick r:id="rId5"/>
+              </a:rPr>
+              <a:t>https://jp.techcrunch.com/2015/07/03/inbound-insight/</a:t>
+            </a:r>
+            <a:endParaRPr lang="en-US" dirty="0"/>
+          </a:p>
+        </p:txBody>
+      </p:sp>
+      <p:pic>
+        <p:nvPicPr>
+          <p:cNvPr id="13" name="Picture 12">
+            <a:extLst>
+              <a:ext uri="{FF2B5EF4-FFF2-40B4-BE49-F238E27FC236}">
+                <a16:creationId xmlns:a16="http://schemas.microsoft.com/office/drawing/2014/main" id="{8FCE8CAD-1545-BB4A-8D1C-687C23C2C57F}"/>
+              </a:ext>
+            </a:extLst>
+          </p:cNvPr>
+          <p:cNvPicPr>
+            <a:picLocks noChangeAspect="1"/>
+          </p:cNvPicPr>
+          <p:nvPr/>
+        </p:nvPicPr>
+        <p:blipFill>
+          <a:blip r:embed="rId6">
+            <a:extLst>
+              <a:ext uri="{28A0092B-C50C-407E-A947-70E740481C1C}">
+                <a14:useLocalDpi xmlns:a14="http://schemas.microsoft.com/office/drawing/2010/main" val="0"/>
+              </a:ext>
+            </a:extLst>
+          </a:blip>
+          <a:stretch>
+            <a:fillRect/>
+          </a:stretch>
+        </p:blipFill>
+        <p:spPr>
+          <a:xfrm>
+            <a:off x="1118484" y="4116182"/>
+            <a:ext cx="3511827" cy="3511827"/>
+          </a:xfrm>
+          <a:prstGeom prst="rect">
+            <a:avLst/>
+          </a:prstGeom>
+        </p:spPr>
+      </p:pic>
+      <p:sp>
+        <p:nvSpPr>
+          <p:cNvPr id="16" name="Rectangle 15">
+            <a:extLst>
+              <a:ext uri="{FF2B5EF4-FFF2-40B4-BE49-F238E27FC236}">
+                <a16:creationId xmlns:a16="http://schemas.microsoft.com/office/drawing/2014/main" id="{36CF1439-FC85-ED43-BB72-B5F021BC6BF4}"/>
+              </a:ext>
+            </a:extLst>
+          </p:cNvPr>
+          <p:cNvSpPr/>
+          <p:nvPr/>
+        </p:nvSpPr>
+        <p:spPr>
+          <a:xfrm>
+            <a:off x="4690364" y="4211732"/>
+            <a:ext cx="2126222" cy="646331"/>
+          </a:xfrm>
+          <a:prstGeom prst="rect">
+            <a:avLst/>
+          </a:prstGeom>
+        </p:spPr>
+        <p:txBody>
+          <a:bodyPr wrap="square">
+            <a:spAutoFit/>
+          </a:bodyPr>
+          <a:lstStyle/>
+          <a:p>
+            <a:r>
+              <a:rPr lang="en-US" sz="3600" dirty="0"/>
+              <a:t>Location</a:t>
+            </a:r>
+          </a:p>
+        </p:txBody>
+      </p:sp>
+      <p:sp>
+        <p:nvSpPr>
+          <p:cNvPr id="23" name="Slide Number Placeholder 22">
+            <a:extLst>
+              <a:ext uri="{FF2B5EF4-FFF2-40B4-BE49-F238E27FC236}">
+                <a16:creationId xmlns:a16="http://schemas.microsoft.com/office/drawing/2014/main" id="{5E1CA0A8-651A-B740-A4BA-259ABB38DF6A}"/>
+              </a:ext>
+            </a:extLst>
+          </p:cNvPr>
+          <p:cNvSpPr>
+            <a:spLocks noGrp="1"/>
+          </p:cNvSpPr>
+          <p:nvPr>
+            <p:ph type="sldNum" sz="quarter" idx="10"/>
+          </p:nvPr>
+        </p:nvSpPr>
+        <p:spPr/>
+        <p:txBody>
+          <a:bodyPr/>
+          <a:lstStyle/>
+          <a:p>
+            <a:fld id="{D28C7C6D-0F52-4FBA-8358-35C6083C2133}" type="slidenum">
+              <a:rPr kumimoji="1" lang="ja-JP" altLang="en-US" smtClean="0"/>
+              <a:pPr/>
+              <a:t>13</a:t>
+            </a:fld>
+            <a:endParaRPr kumimoji="1" lang="ja-JP" altLang="en-US"/>
+          </a:p>
+        </p:txBody>
+      </p:sp>
+      <p:sp>
+        <p:nvSpPr>
+          <p:cNvPr id="2" name="Footer Placeholder 1">
+            <a:extLst>
+              <a:ext uri="{FF2B5EF4-FFF2-40B4-BE49-F238E27FC236}">
+                <a16:creationId xmlns:a16="http://schemas.microsoft.com/office/drawing/2014/main" id="{A0E4CC4F-7580-0543-9C40-9CA8ED5B541D}"/>
+              </a:ext>
+            </a:extLst>
+          </p:cNvPr>
+          <p:cNvSpPr>
+            <a:spLocks noGrp="1"/>
+          </p:cNvSpPr>
+          <p:nvPr>
+            <p:ph type="ftr" sz="quarter" idx="11"/>
+          </p:nvPr>
+        </p:nvSpPr>
+        <p:spPr/>
+        <p:txBody>
+          <a:bodyPr/>
+          <a:lstStyle/>
+          <a:p>
+            <a:r>
+              <a:rPr kumimoji="1" lang="en-US" altLang="ja-JP"/>
+              <a:t>@Takato Matsumoto, 2020</a:t>
+            </a:r>
+            <a:endParaRPr kumimoji="1" lang="ja-JP" altLang="en-US" dirty="0"/>
+          </a:p>
+        </p:txBody>
+      </p:sp>
+    </p:spTree>
+    <p:extLst>
+      <p:ext uri="{BB962C8B-B14F-4D97-AF65-F5344CB8AC3E}">
+        <p14:creationId xmlns:p14="http://schemas.microsoft.com/office/powerpoint/2010/main" val="1600006205"/>
+      </p:ext>
+    </p:extLst>
+  </p:cSld>
+  <p:clrMapOvr>
+    <a:masterClrMapping/>
+  </p:clrMapOvr>
+</p:sld>
+</file>
+
+<file path=ppt/slides/slide14.xml><?xml version="1.0" encoding="utf-8"?>
+<p:sld xmlns:a="http://schemas.openxmlformats.org/drawingml/2006/main" xmlns:r="http://schemas.openxmlformats.org/officeDocument/2006/relationships" xmlns:p="http://schemas.openxmlformats.org/presentationml/2006/main">
+  <p:cSld>
+    <p:spTree>
+      <p:nvGrpSpPr>
+        <p:cNvPr id="1" name=""/>
+        <p:cNvGrpSpPr/>
+        <p:nvPr/>
+      </p:nvGrpSpPr>
+      <p:grpSpPr>
+        <a:xfrm>
+          <a:off x="0" y="0"/>
+          <a:ext cx="0" cy="0"/>
+          <a:chOff x="0" y="0"/>
+          <a:chExt cx="0" cy="0"/>
+        </a:xfrm>
+      </p:grpSpPr>
+      <p:sp>
+        <p:nvSpPr>
+          <p:cNvPr id="9" name="タイトル 8"/>
+          <p:cNvSpPr>
+            <a:spLocks noGrp="1"/>
+          </p:cNvSpPr>
+          <p:nvPr>
+            <p:ph type="title"/>
+          </p:nvPr>
+        </p:nvSpPr>
+        <p:spPr/>
+        <p:txBody>
+          <a:bodyPr/>
+          <a:lstStyle/>
+          <a:p>
+            <a:r>
+              <a:rPr kumimoji="1" lang="ja" altLang="en-US" dirty="0"/>
+              <a:t>データアントレプレナー</a:t>
+            </a:r>
+            <a:r>
+              <a:rPr kumimoji="1" lang="ja-JP" altLang="en-US"/>
+              <a:t>実践論</a:t>
+            </a:r>
+            <a:r>
+              <a:rPr kumimoji="1" lang="en-US" altLang="ja-JP" dirty="0"/>
+              <a:t> | </a:t>
+            </a:r>
+            <a:r>
+              <a:rPr kumimoji="1" lang="ja" altLang="en-US" dirty="0"/>
+              <a:t>ピッチコンテスト</a:t>
+            </a:r>
+            <a:endParaRPr kumimoji="1" lang="ja-JP" altLang="en-US" dirty="0"/>
+          </a:p>
+        </p:txBody>
+      </p:sp>
+      <p:sp>
+        <p:nvSpPr>
+          <p:cNvPr id="15" name="テキスト プレースホルダー 9">
+            <a:extLst>
+              <a:ext uri="{FF2B5EF4-FFF2-40B4-BE49-F238E27FC236}">
+                <a16:creationId xmlns:a16="http://schemas.microsoft.com/office/drawing/2014/main" id="{98F5EB82-97F4-BE48-8A01-5935D01BB0CD}"/>
+              </a:ext>
+            </a:extLst>
+          </p:cNvPr>
+          <p:cNvSpPr>
+            <a:spLocks noGrp="1"/>
+          </p:cNvSpPr>
+          <p:nvPr>
+            <p:ph type="body" sz="quarter" idx="12"/>
+          </p:nvPr>
+        </p:nvSpPr>
+        <p:spPr>
+          <a:xfrm>
+            <a:off x="2452753" y="3202378"/>
+            <a:ext cx="12610784" cy="5818947"/>
+          </a:xfrm>
+        </p:spPr>
+        <p:txBody>
+          <a:bodyPr>
+            <a:normAutofit fontScale="92500" lnSpcReduction="20000"/>
+          </a:bodyPr>
+          <a:lstStyle/>
+          <a:p>
+            <a:r>
+              <a:rPr lang="ja-JP" altLang="en-US" sz="4000"/>
+              <a:t>デ</a:t>
+            </a:r>
+            <a:r>
+              <a:rPr lang="ja" altLang="en-US" sz="4000" dirty="0"/>
+              <a:t>ータから価値創造，事業創生を意識し，実例を学</a:t>
+            </a:r>
+            <a:r>
+              <a:rPr lang="ja-JP" altLang="en-US" sz="4000"/>
+              <a:t>び</a:t>
+            </a:r>
+            <a:r>
+              <a:rPr lang="ja" altLang="en-US" sz="4000" dirty="0"/>
+              <a:t>な</a:t>
+            </a:r>
+            <a:r>
+              <a:rPr lang="ja-JP" altLang="en-US" sz="4000"/>
+              <a:t>が</a:t>
+            </a:r>
+            <a:r>
+              <a:rPr lang="ja" altLang="en-US" sz="4000" dirty="0"/>
+              <a:t>ら自らの調査，視点に基</a:t>
+            </a:r>
+            <a:r>
+              <a:rPr lang="ja-JP" altLang="en-US" sz="4000"/>
+              <a:t>づ</a:t>
+            </a:r>
+            <a:r>
+              <a:rPr lang="ja" altLang="en-US" sz="4000" dirty="0"/>
+              <a:t>き</a:t>
+            </a:r>
+            <a:r>
+              <a:rPr lang="ja-JP" altLang="en-US" sz="4000"/>
+              <a:t>ビジ</a:t>
+            </a:r>
+            <a:r>
+              <a:rPr lang="ja" altLang="en-US" sz="4000" dirty="0"/>
+              <a:t>ネス</a:t>
+            </a:r>
+            <a:r>
+              <a:rPr lang="ja-JP" altLang="en-US" sz="4000"/>
+              <a:t>プ</a:t>
+            </a:r>
+            <a:r>
+              <a:rPr lang="ja" altLang="en-US" sz="4000" dirty="0"/>
+              <a:t>ランを提案する</a:t>
+            </a:r>
+            <a:endParaRPr lang="en-US" altLang="ja" sz="4000" dirty="0"/>
+          </a:p>
+          <a:p>
+            <a:r>
+              <a:rPr lang="ja-JP" altLang="en-US" sz="4000"/>
+              <a:t>評価項目</a:t>
+            </a:r>
+            <a:endParaRPr lang="en-US" altLang="ja-JP" sz="4000" dirty="0"/>
+          </a:p>
+          <a:p>
+            <a:pPr lvl="1"/>
+            <a:r>
+              <a:rPr lang="ja-JP" altLang="en-US" sz="4000"/>
+              <a:t>データから</a:t>
+            </a:r>
+            <a:r>
+              <a:rPr lang="ja" altLang="en-US" sz="4000" dirty="0"/>
+              <a:t>価値創造できているか</a:t>
+            </a:r>
+            <a:endParaRPr lang="en-US" altLang="ja-JP" sz="4000" dirty="0"/>
+          </a:p>
+          <a:p>
+            <a:pPr lvl="1"/>
+            <a:r>
+              <a:rPr lang="ja-JP" altLang="en-US" sz="4000"/>
+              <a:t>自らの調査や視点に</a:t>
+            </a:r>
+            <a:r>
+              <a:rPr lang="ja" altLang="en-US" sz="4000" dirty="0"/>
+              <a:t>基づいているか</a:t>
+            </a:r>
+            <a:endParaRPr lang="en-US" altLang="ja-JP" sz="4000" dirty="0"/>
+          </a:p>
+          <a:p>
+            <a:pPr lvl="1"/>
+            <a:r>
+              <a:rPr lang="ja-JP" altLang="en-US" sz="4000"/>
+              <a:t>新規性</a:t>
+            </a:r>
+            <a:endParaRPr lang="en-US" altLang="ja-JP" sz="4000" dirty="0"/>
+          </a:p>
+          <a:p>
+            <a:pPr lvl="1"/>
+            <a:r>
+              <a:rPr lang="ja" altLang="en-US" sz="4000" dirty="0"/>
+              <a:t>社会的インパクト</a:t>
+            </a:r>
+            <a:endParaRPr lang="en-US" altLang="ja-JP" sz="3200" dirty="0"/>
+          </a:p>
+          <a:p>
+            <a:r>
+              <a:rPr lang="en-US" altLang="ja-JP" sz="4000" dirty="0"/>
+              <a:t>3</a:t>
+            </a:r>
+            <a:r>
+              <a:rPr lang="ja-JP" altLang="en-US" sz="4000"/>
+              <a:t>分で各企業の方や講師陣にプレゼンを行う</a:t>
+            </a:r>
+            <a:endParaRPr lang="en-US" altLang="ja-JP" sz="4000" dirty="0"/>
+          </a:p>
+          <a:p>
+            <a:pPr marL="557146" lvl="1" indent="0">
+              <a:buNone/>
+            </a:pPr>
+            <a:endParaRPr lang="en-US" altLang="ja-JP" dirty="0"/>
+          </a:p>
+          <a:p>
+            <a:endParaRPr lang="en-US" altLang="ja-JP" sz="4000" dirty="0"/>
+          </a:p>
+        </p:txBody>
+      </p:sp>
+      <p:sp>
+        <p:nvSpPr>
+          <p:cNvPr id="6" name="Slide Number Placeholder 5">
+            <a:extLst>
+              <a:ext uri="{FF2B5EF4-FFF2-40B4-BE49-F238E27FC236}">
+                <a16:creationId xmlns:a16="http://schemas.microsoft.com/office/drawing/2014/main" id="{618FEC59-2BB6-0D4B-A609-16E7917EB08A}"/>
+              </a:ext>
+            </a:extLst>
+          </p:cNvPr>
+          <p:cNvSpPr>
+            <a:spLocks noGrp="1"/>
+          </p:cNvSpPr>
+          <p:nvPr>
+            <p:ph type="sldNum" sz="quarter" idx="10"/>
+          </p:nvPr>
+        </p:nvSpPr>
+        <p:spPr/>
+        <p:txBody>
+          <a:bodyPr/>
+          <a:lstStyle/>
+          <a:p>
+            <a:fld id="{D28C7C6D-0F52-4FBA-8358-35C6083C2133}" type="slidenum">
+              <a:rPr kumimoji="1" lang="ja-JP" altLang="en-US" smtClean="0"/>
+              <a:pPr/>
+              <a:t>14</a:t>
+            </a:fld>
+            <a:endParaRPr kumimoji="1" lang="ja-JP" altLang="en-US"/>
+          </a:p>
+        </p:txBody>
+      </p:sp>
+      <p:sp>
+        <p:nvSpPr>
+          <p:cNvPr id="7" name="Footer Placeholder 6">
+            <a:extLst>
+              <a:ext uri="{FF2B5EF4-FFF2-40B4-BE49-F238E27FC236}">
+                <a16:creationId xmlns:a16="http://schemas.microsoft.com/office/drawing/2014/main" id="{9A35ECC3-43D8-FD47-9B2A-7B4959CF0590}"/>
+              </a:ext>
+            </a:extLst>
+          </p:cNvPr>
+          <p:cNvSpPr>
+            <a:spLocks noGrp="1"/>
+          </p:cNvSpPr>
+          <p:nvPr>
+            <p:ph type="ftr" sz="quarter" idx="11"/>
+          </p:nvPr>
+        </p:nvSpPr>
+        <p:spPr/>
+        <p:txBody>
+          <a:bodyPr/>
+          <a:lstStyle/>
+          <a:p>
+            <a:r>
+              <a:rPr kumimoji="1" lang="en-US" altLang="ja-JP"/>
+              <a:t>@Takato Matsumoto, 2020</a:t>
+            </a:r>
+            <a:endParaRPr kumimoji="1" lang="ja-JP" altLang="en-US" dirty="0"/>
+          </a:p>
+        </p:txBody>
+      </p:sp>
+    </p:spTree>
+    <p:extLst>
+      <p:ext uri="{BB962C8B-B14F-4D97-AF65-F5344CB8AC3E}">
+        <p14:creationId xmlns:p14="http://schemas.microsoft.com/office/powerpoint/2010/main" val="1136649573"/>
+      </p:ext>
+    </p:extLst>
+  </p:cSld>
+  <p:clrMapOvr>
+    <a:masterClrMapping/>
+  </p:clrMapOvr>
+</p:sld>
+</file>
+
+<file path=ppt/slides/slide15.xml><?xml version="1.0" encoding="utf-8"?>
+<p:sld xmlns:a="http://schemas.openxmlformats.org/drawingml/2006/main" xmlns:r="http://schemas.openxmlformats.org/officeDocument/2006/relationships" xmlns:p="http://schemas.openxmlformats.org/presentationml/2006/main">
+  <p:cSld>
+    <p:spTree>
+      <p:nvGrpSpPr>
+        <p:cNvPr id="1" name=""/>
+        <p:cNvGrpSpPr/>
+        <p:nvPr/>
+      </p:nvGrpSpPr>
+      <p:grpSpPr>
+        <a:xfrm>
+          <a:off x="0" y="0"/>
+          <a:ext cx="0" cy="0"/>
+          <a:chOff x="0" y="0"/>
+          <a:chExt cx="0" cy="0"/>
+        </a:xfrm>
+      </p:grpSpPr>
+      <p:sp>
+        <p:nvSpPr>
+          <p:cNvPr id="6" name="タイトル 5"/>
+          <p:cNvSpPr>
+            <a:spLocks noGrp="1"/>
+          </p:cNvSpPr>
+          <p:nvPr>
+            <p:ph type="title"/>
+          </p:nvPr>
+        </p:nvSpPr>
+        <p:spPr/>
+        <p:txBody>
+          <a:bodyPr/>
+          <a:lstStyle/>
+          <a:p>
+            <a:r>
+              <a:rPr kumimoji="1" lang="en-US" altLang="ja-JP" dirty="0"/>
+              <a:t>IoT</a:t>
+            </a:r>
+            <a:r>
+              <a:rPr kumimoji="1" lang="ja-JP" altLang="en-US"/>
+              <a:t>冷蔵庫を利用したマーケティング高度化</a:t>
+            </a:r>
+            <a:endParaRPr kumimoji="1" lang="ja-JP" altLang="en-US" dirty="0"/>
+          </a:p>
+        </p:txBody>
+      </p:sp>
+      <p:sp>
+        <p:nvSpPr>
+          <p:cNvPr id="7" name="テキスト プレースホルダー 6"/>
+          <p:cNvSpPr>
+            <a:spLocks noGrp="1"/>
+          </p:cNvSpPr>
+          <p:nvPr>
+            <p:ph type="body" sz="quarter" idx="12"/>
+          </p:nvPr>
+        </p:nvSpPr>
+        <p:spPr/>
+        <p:txBody>
+          <a:bodyPr/>
+          <a:lstStyle/>
+          <a:p>
+            <a:r>
+              <a:rPr lang="en-US" altLang="ja-JP" dirty="0" err="1"/>
+              <a:t>Takato</a:t>
+            </a:r>
+            <a:r>
+              <a:rPr lang="en-US" altLang="ja-JP" dirty="0"/>
+              <a:t> Matsumoto</a:t>
+            </a:r>
+            <a:r>
+              <a:rPr kumimoji="1" lang="ja-JP" altLang="en-US"/>
+              <a:t> </a:t>
+            </a:r>
+            <a:endParaRPr kumimoji="1" lang="en-US" altLang="ja-JP" dirty="0"/>
+          </a:p>
+          <a:p>
+            <a:r>
+              <a:rPr kumimoji="1" lang="en-US" altLang="ja-JP" dirty="0"/>
+              <a:t>Tokyo University of Agriculture and Technology</a:t>
+            </a:r>
+          </a:p>
+        </p:txBody>
+      </p:sp>
+      <p:sp>
+        <p:nvSpPr>
+          <p:cNvPr id="8" name="テキスト プレースホルダー 7"/>
+          <p:cNvSpPr>
+            <a:spLocks noGrp="1"/>
+          </p:cNvSpPr>
+          <p:nvPr>
+            <p:ph type="body" sz="quarter" idx="13"/>
+          </p:nvPr>
+        </p:nvSpPr>
+        <p:spPr/>
+        <p:txBody>
+          <a:bodyPr/>
+          <a:lstStyle/>
+          <a:p>
+            <a:r>
+              <a:rPr lang="ja-JP" altLang="en-US"/>
+              <a:t>データアントレプレナー実践論</a:t>
+            </a:r>
+            <a:endParaRPr kumimoji="1" lang="ja-JP" altLang="en-US" dirty="0"/>
+          </a:p>
+        </p:txBody>
+      </p:sp>
+    </p:spTree>
+    <p:extLst>
+      <p:ext uri="{BB962C8B-B14F-4D97-AF65-F5344CB8AC3E}">
+        <p14:creationId xmlns:p14="http://schemas.microsoft.com/office/powerpoint/2010/main" val="3233185814"/>
+      </p:ext>
+    </p:extLst>
+  </p:cSld>
+  <p:clrMapOvr>
+    <a:masterClrMapping/>
+  </p:clrMapOvr>
+</p:sld>
+</file>
+
+<file path=ppt/slides/slide16.xml><?xml version="1.0" encoding="utf-8"?>
+<p:sld xmlns:a="http://schemas.openxmlformats.org/drawingml/2006/main" xmlns:r="http://schemas.openxmlformats.org/officeDocument/2006/relationships" xmlns:p="http://schemas.openxmlformats.org/presentationml/2006/main">
+  <p:cSld>
+    <p:spTree>
+      <p:nvGrpSpPr>
+        <p:cNvPr id="1" name=""/>
+        <p:cNvGrpSpPr/>
+        <p:nvPr/>
+      </p:nvGrpSpPr>
+      <p:grpSpPr>
+        <a:xfrm>
+          <a:off x="0" y="0"/>
+          <a:ext cx="0" cy="0"/>
+          <a:chOff x="0" y="0"/>
+          <a:chExt cx="0" cy="0"/>
+        </a:xfrm>
+      </p:grpSpPr>
+      <p:sp>
+        <p:nvSpPr>
+          <p:cNvPr id="9" name="タイトル 8"/>
+          <p:cNvSpPr>
+            <a:spLocks noGrp="1"/>
+          </p:cNvSpPr>
+          <p:nvPr>
+            <p:ph type="title"/>
+          </p:nvPr>
+        </p:nvSpPr>
+        <p:spPr/>
+        <p:txBody>
+          <a:bodyPr>
+            <a:normAutofit/>
+          </a:bodyPr>
+          <a:lstStyle/>
+          <a:p>
+            <a:r>
+              <a:rPr kumimoji="1" lang="en-US" altLang="ja-JP" dirty="0"/>
+              <a:t>IoT</a:t>
+            </a:r>
+            <a:r>
+              <a:rPr kumimoji="1" lang="ja-JP" altLang="en-US"/>
+              <a:t>冷蔵庫とは</a:t>
+            </a:r>
+            <a:endParaRPr kumimoji="1" lang="ja-JP" altLang="en-US" dirty="0"/>
+          </a:p>
+        </p:txBody>
+      </p:sp>
+      <p:sp>
+        <p:nvSpPr>
+          <p:cNvPr id="10" name="テキスト プレースホルダー 9"/>
+          <p:cNvSpPr>
+            <a:spLocks noGrp="1"/>
+          </p:cNvSpPr>
+          <p:nvPr>
+            <p:ph type="body" sz="quarter" idx="12"/>
+          </p:nvPr>
+        </p:nvSpPr>
+        <p:spPr>
+          <a:xfrm>
+            <a:off x="508000" y="1998097"/>
+            <a:ext cx="10350500" cy="8072438"/>
+          </a:xfrm>
+        </p:spPr>
+        <p:txBody>
+          <a:bodyPr>
+            <a:normAutofit/>
+          </a:bodyPr>
+          <a:lstStyle/>
+          <a:p>
+            <a:r>
+              <a:rPr lang="ja-JP" altLang="en-US" sz="3600">
+                <a:solidFill>
+                  <a:schemeClr val="accent1"/>
+                </a:solidFill>
+              </a:rPr>
+              <a:t>インターネット</a:t>
+            </a:r>
+            <a:r>
+              <a:rPr lang="ja-JP" altLang="en-US" sz="3600"/>
+              <a:t>に接続された冷蔵庫</a:t>
+            </a:r>
+            <a:endParaRPr lang="en-US" altLang="ja-JP" sz="3600" dirty="0"/>
+          </a:p>
+          <a:p>
+            <a:r>
+              <a:rPr lang="ja-JP" altLang="en-US" sz="3600"/>
+              <a:t>画像や重さなどから</a:t>
+            </a:r>
+            <a:r>
+              <a:rPr lang="ja-JP" altLang="en-US" sz="3600">
+                <a:solidFill>
+                  <a:schemeClr val="accent1"/>
+                </a:solidFill>
+              </a:rPr>
+              <a:t>庫内の食料品を推定</a:t>
+            </a:r>
+            <a:endParaRPr lang="en-US" altLang="ja-JP" sz="3600" dirty="0">
+              <a:solidFill>
+                <a:schemeClr val="accent1"/>
+              </a:solidFill>
+            </a:endParaRPr>
+          </a:p>
+          <a:p>
+            <a:pPr lvl="1"/>
+            <a:r>
+              <a:rPr lang="ja-JP" altLang="en-US" sz="2800"/>
+              <a:t>食料品の</a:t>
+            </a:r>
+            <a:r>
+              <a:rPr lang="ja-JP" altLang="en-US" sz="2800">
+                <a:solidFill>
+                  <a:schemeClr val="accent2"/>
+                </a:solidFill>
+              </a:rPr>
+              <a:t>消費動向をデータ化</a:t>
+            </a:r>
+            <a:r>
+              <a:rPr lang="ja-JP" altLang="en-US" sz="2800"/>
+              <a:t>しサーバーへアップロード</a:t>
+            </a:r>
+            <a:endParaRPr lang="en-US" altLang="ja-JP" sz="2800" dirty="0"/>
+          </a:p>
+          <a:p>
+            <a:pPr lvl="1"/>
+            <a:endParaRPr lang="en-US" altLang="ja-JP" sz="2800" dirty="0"/>
+          </a:p>
+          <a:p>
+            <a:r>
+              <a:rPr lang="ja-JP" altLang="en-US" sz="3600"/>
+              <a:t>ユーザーに対しいくつかのサービスを提供する</a:t>
+            </a:r>
+            <a:endParaRPr lang="en-US" altLang="ja-JP" sz="3600" dirty="0"/>
+          </a:p>
+          <a:p>
+            <a:pPr lvl="1"/>
+            <a:r>
+              <a:rPr lang="ja-JP" altLang="en-US" sz="2800"/>
+              <a:t>庫内の食料品を管理するサービス</a:t>
+            </a:r>
+            <a:endParaRPr kumimoji="1" lang="en-US" altLang="ja-JP" sz="2800" dirty="0"/>
+          </a:p>
+          <a:p>
+            <a:pPr lvl="1"/>
+            <a:r>
+              <a:rPr lang="ja-JP" altLang="en-US" sz="2800"/>
+              <a:t>献立を提案するサービス</a:t>
+            </a:r>
+            <a:endParaRPr lang="en-US" altLang="ja-JP" sz="2800" dirty="0"/>
+          </a:p>
+          <a:p>
+            <a:pPr lvl="1"/>
+            <a:r>
+              <a:rPr lang="ja-JP" altLang="en-US" sz="2800"/>
+              <a:t>遠隔地から，庫内の食料品を確認できるサービス</a:t>
+            </a:r>
+            <a:endParaRPr lang="en-US" altLang="ja-JP" sz="2800" dirty="0"/>
+          </a:p>
+          <a:p>
+            <a:pPr marL="557146" lvl="1" indent="0">
+              <a:buNone/>
+            </a:pPr>
+            <a:endParaRPr lang="en-US" altLang="ja-JP" dirty="0"/>
+          </a:p>
+        </p:txBody>
+      </p:sp>
+      <p:grpSp>
+        <p:nvGrpSpPr>
+          <p:cNvPr id="8" name="Group 7">
+            <a:extLst>
+              <a:ext uri="{FF2B5EF4-FFF2-40B4-BE49-F238E27FC236}">
+                <a16:creationId xmlns:a16="http://schemas.microsoft.com/office/drawing/2014/main" id="{97BECB7E-114B-554F-AE5F-02910899B6AA}"/>
+              </a:ext>
+            </a:extLst>
+          </p:cNvPr>
+          <p:cNvGrpSpPr/>
+          <p:nvPr/>
+        </p:nvGrpSpPr>
+        <p:grpSpPr>
+          <a:xfrm>
+            <a:off x="9391973" y="1091330"/>
+            <a:ext cx="9177611" cy="8557234"/>
+            <a:chOff x="9391973" y="1091330"/>
+            <a:chExt cx="9177611" cy="8557234"/>
+          </a:xfrm>
+        </p:grpSpPr>
+        <p:grpSp>
+          <p:nvGrpSpPr>
+            <p:cNvPr id="7" name="Group 6">
+              <a:extLst>
+                <a:ext uri="{FF2B5EF4-FFF2-40B4-BE49-F238E27FC236}">
+                  <a16:creationId xmlns:a16="http://schemas.microsoft.com/office/drawing/2014/main" id="{0319C8AE-8838-0544-B8D9-BCF20A476932}"/>
+                </a:ext>
+              </a:extLst>
+            </p:cNvPr>
+            <p:cNvGrpSpPr/>
+            <p:nvPr/>
+          </p:nvGrpSpPr>
+          <p:grpSpPr>
+            <a:xfrm>
+              <a:off x="9391973" y="1091330"/>
+              <a:ext cx="9177611" cy="8557234"/>
+              <a:chOff x="-365432" y="2136553"/>
+              <a:chExt cx="10022010" cy="9047196"/>
+            </a:xfrm>
+          </p:grpSpPr>
+          <p:pic>
+            <p:nvPicPr>
+              <p:cNvPr id="4" name="Picture 3">
+                <a:extLst>
+                  <a:ext uri="{FF2B5EF4-FFF2-40B4-BE49-F238E27FC236}">
+                    <a16:creationId xmlns:a16="http://schemas.microsoft.com/office/drawing/2014/main" id="{25446438-19A6-E240-A007-2FCB78BEB204}"/>
+                  </a:ext>
+                </a:extLst>
+              </p:cNvPr>
+              <p:cNvPicPr>
+                <a:picLocks noChangeAspect="1"/>
+              </p:cNvPicPr>
+              <p:nvPr/>
+            </p:nvPicPr>
+            <p:blipFill>
+              <a:blip r:embed="rId2">
+                <a:extLst>
+                  <a:ext uri="{28A0092B-C50C-407E-A947-70E740481C1C}">
+                    <a14:useLocalDpi xmlns:a14="http://schemas.microsoft.com/office/drawing/2010/main" val="0"/>
+                  </a:ext>
+                </a:extLst>
+              </a:blip>
+              <a:stretch>
+                <a:fillRect/>
+              </a:stretch>
+            </p:blipFill>
+            <p:spPr>
+              <a:xfrm>
+                <a:off x="2760019" y="3569627"/>
+                <a:ext cx="6896559" cy="7614122"/>
+              </a:xfrm>
+              <a:prstGeom prst="rect">
+                <a:avLst/>
+              </a:prstGeom>
+            </p:spPr>
+          </p:pic>
+          <p:sp>
+            <p:nvSpPr>
+              <p:cNvPr id="5" name="Oval Callout 4">
+                <a:extLst>
+                  <a:ext uri="{FF2B5EF4-FFF2-40B4-BE49-F238E27FC236}">
+                    <a16:creationId xmlns:a16="http://schemas.microsoft.com/office/drawing/2014/main" id="{F7B9E964-C3A3-ED4E-BC06-1DB8BD409C0C}"/>
+                  </a:ext>
+                </a:extLst>
+              </p:cNvPr>
+              <p:cNvSpPr/>
+              <p:nvPr/>
+            </p:nvSpPr>
+            <p:spPr>
+              <a:xfrm>
+                <a:off x="363256" y="5424471"/>
+                <a:ext cx="3518116" cy="2028972"/>
+              </a:xfrm>
+              <a:prstGeom prst="wedgeEllipseCallout">
+                <a:avLst>
+                  <a:gd name="adj1" fmla="val 56915"/>
+                  <a:gd name="adj2" fmla="val -55040"/>
+                </a:avLst>
+              </a:prstGeom>
+              <a:ln>
+                <a:noFill/>
+              </a:ln>
+            </p:spPr>
+            <p:style>
+              <a:lnRef idx="2">
+                <a:schemeClr val="accent1">
+                  <a:shade val="50000"/>
+                </a:schemeClr>
+              </a:lnRef>
+              <a:fillRef idx="1">
+                <a:schemeClr val="accent1"/>
+              </a:fillRef>
+              <a:effectRef idx="0">
+                <a:schemeClr val="accent1"/>
+              </a:effectRef>
+              <a:fontRef idx="minor">
+                <a:schemeClr val="lt1"/>
+              </a:fontRef>
+            </p:style>
+            <p:txBody>
+              <a:bodyPr rtlCol="0" anchor="ctr"/>
+              <a:lstStyle/>
+              <a:p>
+                <a:pPr algn="ctr"/>
+                <a:r>
+                  <a:rPr kumimoji="1" lang="ja-JP" altLang="en-US" sz="2800"/>
+                  <a:t>肉じゃがの</a:t>
+                </a:r>
+                <a:endParaRPr kumimoji="1" lang="en-US" altLang="ja-JP" sz="2800" dirty="0"/>
+              </a:p>
+              <a:p>
+                <a:pPr algn="ctr"/>
+                <a:r>
+                  <a:rPr kumimoji="1" lang="ja-JP" altLang="en-US" sz="2800"/>
+                  <a:t>レシピは</a:t>
+                </a:r>
+                <a:endParaRPr kumimoji="1" lang="en-US" altLang="ja-JP" sz="2800" dirty="0"/>
+              </a:p>
+              <a:p>
+                <a:pPr algn="ctr"/>
+                <a:r>
+                  <a:rPr kumimoji="1" lang="ja-JP" altLang="en-US" sz="2800"/>
+                  <a:t>こちらです</a:t>
+                </a:r>
+                <a:endParaRPr kumimoji="1" lang="en-US" altLang="ja-JP" sz="2800" dirty="0"/>
+              </a:p>
+            </p:txBody>
+          </p:sp>
+          <p:sp>
+            <p:nvSpPr>
+              <p:cNvPr id="6" name="Cloud Callout 5">
+                <a:extLst>
+                  <a:ext uri="{FF2B5EF4-FFF2-40B4-BE49-F238E27FC236}">
+                    <a16:creationId xmlns:a16="http://schemas.microsoft.com/office/drawing/2014/main" id="{E7F8240E-94F7-374B-B282-C5CA62612DE5}"/>
+                  </a:ext>
+                </a:extLst>
+              </p:cNvPr>
+              <p:cNvSpPr/>
+              <p:nvPr/>
+            </p:nvSpPr>
+            <p:spPr>
+              <a:xfrm>
+                <a:off x="-365432" y="2136553"/>
+                <a:ext cx="4840335" cy="2598507"/>
+              </a:xfrm>
+              <a:prstGeom prst="cloudCallout">
+                <a:avLst>
+                  <a:gd name="adj1" fmla="val 58438"/>
+                  <a:gd name="adj2" fmla="val 51423"/>
+                </a:avLst>
+              </a:prstGeom>
+              <a:ln>
+                <a:noFill/>
+              </a:ln>
+            </p:spPr>
+            <p:style>
+              <a:lnRef idx="2">
+                <a:schemeClr val="accent1">
+                  <a:shade val="50000"/>
+                </a:schemeClr>
+              </a:lnRef>
+              <a:fillRef idx="1">
+                <a:schemeClr val="accent1"/>
+              </a:fillRef>
+              <a:effectRef idx="0">
+                <a:schemeClr val="accent1"/>
+              </a:effectRef>
+              <a:fontRef idx="minor">
+                <a:schemeClr val="lt1"/>
+              </a:fontRef>
+            </p:style>
+            <p:txBody>
+              <a:bodyPr rtlCol="0" anchor="ctr"/>
+              <a:lstStyle/>
+              <a:p>
+                <a:pPr algn="ctr"/>
+                <a:r>
+                  <a:rPr kumimoji="1" lang="ja-JP" altLang="en-US" sz="2800"/>
+                  <a:t>人参，豚肉</a:t>
+                </a:r>
+                <a:endParaRPr kumimoji="1" lang="en-US" altLang="ja-JP" sz="2800" dirty="0"/>
+              </a:p>
+              <a:p>
+                <a:pPr algn="ctr"/>
+                <a:r>
+                  <a:rPr kumimoji="1" lang="ja-JP" altLang="en-US" sz="2800"/>
+                  <a:t>ジャガイモの</a:t>
+                </a:r>
+                <a:endParaRPr kumimoji="1" lang="en-US" altLang="ja-JP" sz="2800" dirty="0"/>
+              </a:p>
+              <a:p>
+                <a:pPr algn="ctr"/>
+                <a:r>
+                  <a:rPr kumimoji="1" lang="ja-JP" altLang="en-US" sz="2800"/>
+                  <a:t>期限が近い・・・</a:t>
+                </a:r>
+                <a:endParaRPr kumimoji="1" lang="en-US" altLang="ja-JP" sz="2800" dirty="0"/>
+              </a:p>
+            </p:txBody>
+          </p:sp>
+        </p:grpSp>
+        <p:sp>
+          <p:nvSpPr>
+            <p:cNvPr id="15" name="Oval Callout 14">
+              <a:extLst>
+                <a:ext uri="{FF2B5EF4-FFF2-40B4-BE49-F238E27FC236}">
+                  <a16:creationId xmlns:a16="http://schemas.microsoft.com/office/drawing/2014/main" id="{6ACAA190-9595-AA4D-8AD6-2A1532AEFB69}"/>
+                </a:ext>
+              </a:extLst>
+            </p:cNvPr>
+            <p:cNvSpPr/>
+            <p:nvPr/>
+          </p:nvSpPr>
+          <p:spPr>
+            <a:xfrm>
+              <a:off x="10059265" y="7186757"/>
+              <a:ext cx="3221699" cy="1919091"/>
+            </a:xfrm>
+            <a:prstGeom prst="wedgeEllipseCallout">
+              <a:avLst>
+                <a:gd name="adj1" fmla="val 56916"/>
+                <a:gd name="adj2" fmla="val -56655"/>
+              </a:avLst>
+            </a:prstGeom>
+            <a:ln>
+              <a:noFill/>
+            </a:ln>
+          </p:spPr>
+          <p:style>
+            <a:lnRef idx="2">
+              <a:schemeClr val="accent1">
+                <a:shade val="50000"/>
+              </a:schemeClr>
+            </a:lnRef>
+            <a:fillRef idx="1">
+              <a:schemeClr val="accent1"/>
+            </a:fillRef>
+            <a:effectRef idx="0">
+              <a:schemeClr val="accent1"/>
+            </a:effectRef>
+            <a:fontRef idx="minor">
+              <a:schemeClr val="lt1"/>
+            </a:fontRef>
+          </p:style>
+          <p:txBody>
+            <a:bodyPr rtlCol="0" anchor="ctr"/>
+            <a:lstStyle/>
+            <a:p>
+              <a:pPr algn="ctr"/>
+              <a:r>
+                <a:rPr kumimoji="1" lang="ja-JP" altLang="en-US" sz="2800"/>
+                <a:t>納豆は</a:t>
+              </a:r>
+              <a:endParaRPr kumimoji="1" lang="en-US" altLang="ja-JP" sz="2800" dirty="0"/>
+            </a:p>
+            <a:p>
+              <a:pPr algn="ctr"/>
+              <a:r>
+                <a:rPr kumimoji="1" lang="ja-JP" altLang="en-US" sz="2800"/>
+                <a:t>後一つ残っています</a:t>
+              </a:r>
+              <a:endParaRPr kumimoji="1" lang="en-US" altLang="ja-JP" sz="2800" dirty="0"/>
+            </a:p>
+          </p:txBody>
+        </p:sp>
+      </p:grpSp>
+      <p:sp>
+        <p:nvSpPr>
+          <p:cNvPr id="3" name="Slide Number Placeholder 2">
+            <a:extLst>
+              <a:ext uri="{FF2B5EF4-FFF2-40B4-BE49-F238E27FC236}">
+                <a16:creationId xmlns:a16="http://schemas.microsoft.com/office/drawing/2014/main" id="{D1B1F474-49BF-D748-82AA-E0E21056F804}"/>
+              </a:ext>
+            </a:extLst>
+          </p:cNvPr>
+          <p:cNvSpPr>
+            <a:spLocks noGrp="1"/>
+          </p:cNvSpPr>
+          <p:nvPr>
+            <p:ph type="sldNum" sz="quarter" idx="10"/>
+          </p:nvPr>
+        </p:nvSpPr>
+        <p:spPr/>
+        <p:txBody>
+          <a:bodyPr/>
+          <a:lstStyle/>
+          <a:p>
+            <a:fld id="{D28C7C6D-0F52-4FBA-8358-35C6083C2133}" type="slidenum">
+              <a:rPr kumimoji="1" lang="ja-JP" altLang="en-US" smtClean="0"/>
+              <a:pPr/>
+              <a:t>16</a:t>
+            </a:fld>
+            <a:endParaRPr kumimoji="1" lang="ja-JP" altLang="en-US"/>
+          </a:p>
+        </p:txBody>
+      </p:sp>
+      <p:sp>
+        <p:nvSpPr>
+          <p:cNvPr id="12" name="Footer Placeholder 11">
+            <a:extLst>
+              <a:ext uri="{FF2B5EF4-FFF2-40B4-BE49-F238E27FC236}">
+                <a16:creationId xmlns:a16="http://schemas.microsoft.com/office/drawing/2014/main" id="{A791A279-4331-6642-8B5F-563E524F7B6C}"/>
+              </a:ext>
+            </a:extLst>
+          </p:cNvPr>
+          <p:cNvSpPr>
+            <a:spLocks noGrp="1"/>
+          </p:cNvSpPr>
+          <p:nvPr>
+            <p:ph type="ftr" sz="quarter" idx="11"/>
+          </p:nvPr>
+        </p:nvSpPr>
+        <p:spPr/>
+        <p:txBody>
+          <a:bodyPr/>
+          <a:lstStyle/>
+          <a:p>
+            <a:r>
+              <a:rPr kumimoji="1" lang="en-US" altLang="ja-JP"/>
+              <a:t>@Takato Matsumoto, 2020</a:t>
+            </a:r>
+            <a:endParaRPr kumimoji="1" lang="ja-JP" altLang="en-US" dirty="0"/>
+          </a:p>
+        </p:txBody>
+      </p:sp>
+    </p:spTree>
+    <p:extLst>
+      <p:ext uri="{BB962C8B-B14F-4D97-AF65-F5344CB8AC3E}">
+        <p14:creationId xmlns:p14="http://schemas.microsoft.com/office/powerpoint/2010/main" val="1633060710"/>
+      </p:ext>
+    </p:extLst>
+  </p:cSld>
+  <p:clrMapOvr>
+    <a:masterClrMapping/>
+  </p:clrMapOvr>
+</p:sld>
+</file>
+
+<file path=ppt/slides/slide17.xml><?xml version="1.0" encoding="utf-8"?>
+<p:sld xmlns:a="http://schemas.openxmlformats.org/drawingml/2006/main" xmlns:r="http://schemas.openxmlformats.org/officeDocument/2006/relationships" xmlns:p="http://schemas.openxmlformats.org/presentationml/2006/main">
+  <p:cSld>
+    <p:spTree>
+      <p:nvGrpSpPr>
+        <p:cNvPr id="1" name=""/>
+        <p:cNvGrpSpPr/>
+        <p:nvPr/>
+      </p:nvGrpSpPr>
+      <p:grpSpPr>
+        <a:xfrm>
+          <a:off x="0" y="0"/>
+          <a:ext cx="0" cy="0"/>
+          <a:chOff x="0" y="0"/>
+          <a:chExt cx="0" cy="0"/>
+        </a:xfrm>
+      </p:grpSpPr>
+      <p:sp>
+        <p:nvSpPr>
+          <p:cNvPr id="9" name="タイトル 8"/>
+          <p:cNvSpPr>
+            <a:spLocks noGrp="1"/>
+          </p:cNvSpPr>
+          <p:nvPr>
+            <p:ph type="title"/>
+          </p:nvPr>
+        </p:nvSpPr>
+        <p:spPr/>
+        <p:txBody>
+          <a:bodyPr>
+            <a:normAutofit/>
+          </a:bodyPr>
+          <a:lstStyle/>
+          <a:p>
+            <a:r>
+              <a:rPr lang="ja-JP" altLang="en-US"/>
+              <a:t>食料品</a:t>
+            </a:r>
+            <a:r>
+              <a:rPr kumimoji="1" lang="ja-JP" altLang="en-US"/>
+              <a:t>消費動向データ分析によるマーケティング</a:t>
+            </a:r>
+            <a:endParaRPr kumimoji="1" lang="ja-JP" altLang="en-US" dirty="0"/>
+          </a:p>
+        </p:txBody>
+      </p:sp>
+      <p:sp>
+        <p:nvSpPr>
+          <p:cNvPr id="10" name="テキスト プレースホルダー 9"/>
+          <p:cNvSpPr>
+            <a:spLocks noGrp="1"/>
+          </p:cNvSpPr>
+          <p:nvPr>
+            <p:ph type="body" sz="quarter" idx="12"/>
+          </p:nvPr>
+        </p:nvSpPr>
+        <p:spPr>
+          <a:xfrm>
+            <a:off x="221658" y="1220284"/>
+            <a:ext cx="10282579" cy="8072438"/>
+          </a:xfrm>
+        </p:spPr>
+        <p:txBody>
+          <a:bodyPr>
+            <a:normAutofit/>
+          </a:bodyPr>
+          <a:lstStyle/>
+          <a:p>
+            <a:r>
+              <a:rPr lang="en-US" altLang="ja-JP" sz="3600" dirty="0"/>
+              <a:t>IoT</a:t>
+            </a:r>
+            <a:r>
+              <a:rPr lang="ja-JP" altLang="en-US" sz="3600"/>
+              <a:t>冷蔵庫を</a:t>
+            </a:r>
+            <a:r>
+              <a:rPr lang="ja-JP" altLang="en-US" sz="3600">
+                <a:solidFill>
+                  <a:schemeClr val="accent2"/>
+                </a:solidFill>
+              </a:rPr>
+              <a:t>広告媒体として利用</a:t>
+            </a:r>
+            <a:endParaRPr lang="en-US" altLang="ja-JP" sz="3600" dirty="0">
+              <a:solidFill>
+                <a:schemeClr val="accent2"/>
+              </a:solidFill>
+            </a:endParaRPr>
+          </a:p>
+          <a:p>
+            <a:pPr lvl="1"/>
+            <a:r>
+              <a:rPr lang="ja-JP" altLang="en-US" sz="2800"/>
+              <a:t>食料品の広告に適した媒体</a:t>
+            </a:r>
+            <a:endParaRPr lang="en-US" altLang="ja-JP" sz="2800" dirty="0">
+              <a:solidFill>
+                <a:schemeClr val="tx2"/>
+              </a:solidFill>
+            </a:endParaRPr>
+          </a:p>
+          <a:p>
+            <a:r>
+              <a:rPr lang="ja-JP" altLang="en-US" sz="3600"/>
+              <a:t>ユーザーが</a:t>
+            </a:r>
+            <a:r>
+              <a:rPr lang="ja-JP" altLang="en-US" sz="3600">
+                <a:solidFill>
+                  <a:schemeClr val="accent1"/>
+                </a:solidFill>
+              </a:rPr>
+              <a:t>繰り返し購入している食料品</a:t>
+            </a:r>
+            <a:r>
+              <a:rPr lang="ja-JP" altLang="en-US" sz="3600"/>
+              <a:t>の特定</a:t>
+            </a:r>
+            <a:endParaRPr lang="en-US" altLang="ja-JP" sz="3600" dirty="0"/>
+          </a:p>
+          <a:p>
+            <a:pPr lvl="1"/>
+            <a:r>
+              <a:rPr kumimoji="1" lang="ja-JP" altLang="en-US" sz="2800"/>
+              <a:t>ユーザーの囲い込み戦略</a:t>
+            </a:r>
+            <a:endParaRPr kumimoji="1" lang="en-US" altLang="ja-JP" sz="2800" dirty="0"/>
+          </a:p>
+          <a:p>
+            <a:pPr lvl="1"/>
+            <a:r>
+              <a:rPr kumimoji="1" lang="ja-JP" altLang="en-US" sz="2800"/>
+              <a:t>ユーザーのリピート買いの確率の向上</a:t>
+            </a:r>
+            <a:endParaRPr lang="en-US" altLang="ja-JP" sz="2800" dirty="0"/>
+          </a:p>
+          <a:p>
+            <a:r>
+              <a:rPr lang="ja-JP" altLang="en-US" sz="3600">
+                <a:solidFill>
+                  <a:schemeClr val="accent1"/>
+                </a:solidFill>
+              </a:rPr>
+              <a:t>食料品の使い切りタイミング</a:t>
+            </a:r>
+            <a:r>
+              <a:rPr lang="ja-JP" altLang="en-US" sz="3600"/>
+              <a:t>の特定</a:t>
+            </a:r>
+            <a:endParaRPr lang="en-US" altLang="ja-JP" sz="3600" dirty="0"/>
+          </a:p>
+          <a:p>
+            <a:pPr lvl="1"/>
+            <a:r>
+              <a:rPr kumimoji="1" lang="ja-JP" altLang="en-US" sz="2800"/>
+              <a:t>消費者のニーズが高くなるタイミングでの</a:t>
+            </a:r>
+            <a:r>
+              <a:rPr lang="ja-JP" altLang="en-US" sz="2800"/>
+              <a:t>アプローチが可能</a:t>
+            </a:r>
+            <a:endParaRPr lang="en-US" altLang="ja-JP" sz="2800" dirty="0"/>
+          </a:p>
+          <a:p>
+            <a:pPr lvl="2"/>
+            <a:r>
+              <a:rPr lang="en-US" altLang="ja-JP" sz="2800" dirty="0"/>
+              <a:t>B</a:t>
+            </a:r>
+            <a:r>
+              <a:rPr lang="ja-JP" altLang="en-US" sz="2800"/>
+              <a:t>社は競合他社のユーザーに介入できる</a:t>
+            </a:r>
+            <a:endParaRPr lang="en-US" altLang="ja-JP" sz="2800" dirty="0"/>
+          </a:p>
+        </p:txBody>
+      </p:sp>
+      <p:grpSp>
+        <p:nvGrpSpPr>
+          <p:cNvPr id="7" name="Group 6">
+            <a:extLst>
+              <a:ext uri="{FF2B5EF4-FFF2-40B4-BE49-F238E27FC236}">
+                <a16:creationId xmlns:a16="http://schemas.microsoft.com/office/drawing/2014/main" id="{0319C8AE-8838-0544-B8D9-BCF20A476932}"/>
+              </a:ext>
+            </a:extLst>
+          </p:cNvPr>
+          <p:cNvGrpSpPr/>
+          <p:nvPr/>
+        </p:nvGrpSpPr>
+        <p:grpSpPr>
+          <a:xfrm>
+            <a:off x="9480884" y="675034"/>
+            <a:ext cx="9514684" cy="8973250"/>
+            <a:chOff x="-1488319" y="1014064"/>
+            <a:chExt cx="10390094" cy="9487031"/>
+          </a:xfrm>
+        </p:grpSpPr>
+        <p:pic>
+          <p:nvPicPr>
+            <p:cNvPr id="4" name="Picture 3">
+              <a:extLst>
+                <a:ext uri="{FF2B5EF4-FFF2-40B4-BE49-F238E27FC236}">
+                  <a16:creationId xmlns:a16="http://schemas.microsoft.com/office/drawing/2014/main" id="{25446438-19A6-E240-A007-2FCB78BEB204}"/>
+                </a:ext>
+              </a:extLst>
+            </p:cNvPr>
+            <p:cNvPicPr>
+              <a:picLocks noChangeAspect="1"/>
+            </p:cNvPicPr>
+            <p:nvPr/>
+          </p:nvPicPr>
+          <p:blipFill>
+            <a:blip r:embed="rId2">
+              <a:extLst>
+                <a:ext uri="{28A0092B-C50C-407E-A947-70E740481C1C}">
+                  <a14:useLocalDpi xmlns:a14="http://schemas.microsoft.com/office/drawing/2010/main" val="0"/>
+                </a:ext>
+              </a:extLst>
+            </a:blip>
+            <a:stretch>
+              <a:fillRect/>
+            </a:stretch>
+          </p:blipFill>
+          <p:spPr>
+            <a:xfrm>
+              <a:off x="2581706" y="3523446"/>
+              <a:ext cx="6320069" cy="6977649"/>
+            </a:xfrm>
+            <a:prstGeom prst="rect">
+              <a:avLst/>
+            </a:prstGeom>
+          </p:spPr>
+        </p:pic>
+        <p:sp>
+          <p:nvSpPr>
+            <p:cNvPr id="5" name="Oval Callout 4">
+              <a:extLst>
+                <a:ext uri="{FF2B5EF4-FFF2-40B4-BE49-F238E27FC236}">
+                  <a16:creationId xmlns:a16="http://schemas.microsoft.com/office/drawing/2014/main" id="{F7B9E964-C3A3-ED4E-BC06-1DB8BD409C0C}"/>
+                </a:ext>
+              </a:extLst>
+            </p:cNvPr>
+            <p:cNvSpPr/>
+            <p:nvPr/>
+          </p:nvSpPr>
+          <p:spPr>
+            <a:xfrm>
+              <a:off x="-1323526" y="2429333"/>
+              <a:ext cx="4515454" cy="2511194"/>
+            </a:xfrm>
+            <a:prstGeom prst="wedgeEllipseCallout">
+              <a:avLst>
+                <a:gd name="adj1" fmla="val 64188"/>
+                <a:gd name="adj2" fmla="val 24024"/>
+              </a:avLst>
+            </a:prstGeom>
+            <a:ln>
+              <a:noFill/>
+            </a:ln>
+          </p:spPr>
+          <p:style>
+            <a:lnRef idx="2">
+              <a:schemeClr val="accent1">
+                <a:shade val="50000"/>
+              </a:schemeClr>
+            </a:lnRef>
+            <a:fillRef idx="1">
+              <a:schemeClr val="accent1"/>
+            </a:fillRef>
+            <a:effectRef idx="0">
+              <a:schemeClr val="accent1"/>
+            </a:effectRef>
+            <a:fontRef idx="minor">
+              <a:schemeClr val="lt1"/>
+            </a:fontRef>
+          </p:style>
+          <p:txBody>
+            <a:bodyPr rtlCol="0" anchor="ctr"/>
+            <a:lstStyle/>
+            <a:p>
+              <a:pPr algn="ctr"/>
+              <a:r>
+                <a:rPr kumimoji="1" lang="en-US" sz="2800" dirty="0"/>
+                <a:t>50</a:t>
+              </a:r>
+              <a:r>
+                <a:rPr kumimoji="1" lang="ja-JP" altLang="en-US" sz="2800"/>
+                <a:t>円引きで</a:t>
+              </a:r>
+              <a:endParaRPr kumimoji="1" lang="en-US" altLang="ja-JP" sz="2800" dirty="0"/>
+            </a:p>
+            <a:p>
+              <a:pPr algn="ctr"/>
+              <a:r>
+                <a:rPr kumimoji="1" lang="ja-JP" altLang="en-US" sz="2800"/>
+                <a:t>定期購入できますどうですか？</a:t>
+              </a:r>
+              <a:endParaRPr kumimoji="1" lang="en-US" sz="2800" dirty="0"/>
+            </a:p>
+          </p:txBody>
+        </p:sp>
+        <p:sp>
+          <p:nvSpPr>
+            <p:cNvPr id="6" name="Cloud Callout 5">
+              <a:extLst>
+                <a:ext uri="{FF2B5EF4-FFF2-40B4-BE49-F238E27FC236}">
+                  <a16:creationId xmlns:a16="http://schemas.microsoft.com/office/drawing/2014/main" id="{E7F8240E-94F7-374B-B282-C5CA62612DE5}"/>
+                </a:ext>
+              </a:extLst>
+            </p:cNvPr>
+            <p:cNvSpPr/>
+            <p:nvPr/>
+          </p:nvSpPr>
+          <p:spPr>
+            <a:xfrm>
+              <a:off x="3721699" y="1014064"/>
+              <a:ext cx="3852668" cy="1958262"/>
+            </a:xfrm>
+            <a:prstGeom prst="cloudCallout">
+              <a:avLst>
+                <a:gd name="adj1" fmla="val -6791"/>
+                <a:gd name="adj2" fmla="val 85912"/>
+              </a:avLst>
+            </a:prstGeom>
+            <a:ln>
+              <a:noFill/>
+            </a:ln>
+          </p:spPr>
+          <p:style>
+            <a:lnRef idx="2">
+              <a:schemeClr val="accent1">
+                <a:shade val="50000"/>
+              </a:schemeClr>
+            </a:lnRef>
+            <a:fillRef idx="1">
+              <a:schemeClr val="accent1"/>
+            </a:fillRef>
+            <a:effectRef idx="0">
+              <a:schemeClr val="accent1"/>
+            </a:effectRef>
+            <a:fontRef idx="minor">
+              <a:schemeClr val="lt1"/>
+            </a:fontRef>
+          </p:style>
+          <p:txBody>
+            <a:bodyPr rtlCol="0" anchor="ctr"/>
+            <a:lstStyle/>
+            <a:p>
+              <a:pPr algn="ctr"/>
+              <a:r>
+                <a:rPr kumimoji="1" lang="ja-JP" altLang="en-US" sz="2800"/>
+                <a:t>牛乳を毎日</a:t>
+              </a:r>
+              <a:endParaRPr kumimoji="1" lang="en-US" altLang="ja-JP" sz="2800" dirty="0"/>
+            </a:p>
+            <a:p>
+              <a:pPr algn="ctr"/>
+              <a:r>
+                <a:rPr kumimoji="1" lang="ja-JP" altLang="en-US" sz="2800"/>
+                <a:t>飲んでいる</a:t>
+              </a:r>
+              <a:endParaRPr kumimoji="1" lang="en-US" altLang="ja-JP" sz="2800" dirty="0"/>
+            </a:p>
+          </p:txBody>
+        </p:sp>
+        <p:sp>
+          <p:nvSpPr>
+            <p:cNvPr id="13" name="Cloud Callout 12">
+              <a:extLst>
+                <a:ext uri="{FF2B5EF4-FFF2-40B4-BE49-F238E27FC236}">
+                  <a16:creationId xmlns:a16="http://schemas.microsoft.com/office/drawing/2014/main" id="{E7917BE4-1DB8-2C44-939D-CB9E7745D5B9}"/>
+                </a:ext>
+              </a:extLst>
+            </p:cNvPr>
+            <p:cNvSpPr/>
+            <p:nvPr/>
+          </p:nvSpPr>
+          <p:spPr>
+            <a:xfrm>
+              <a:off x="-1028814" y="5664830"/>
+              <a:ext cx="3852667" cy="2028971"/>
+            </a:xfrm>
+            <a:prstGeom prst="cloudCallout">
+              <a:avLst>
+                <a:gd name="adj1" fmla="val 65746"/>
+                <a:gd name="adj2" fmla="val -51018"/>
+              </a:avLst>
+            </a:prstGeom>
+            <a:ln>
+              <a:noFill/>
+            </a:ln>
+          </p:spPr>
+          <p:style>
+            <a:lnRef idx="2">
+              <a:schemeClr val="accent1">
+                <a:shade val="50000"/>
+              </a:schemeClr>
+            </a:lnRef>
+            <a:fillRef idx="1">
+              <a:schemeClr val="accent1"/>
+            </a:fillRef>
+            <a:effectRef idx="0">
+              <a:schemeClr val="accent1"/>
+            </a:effectRef>
+            <a:fontRef idx="minor">
+              <a:schemeClr val="lt1"/>
+            </a:fontRef>
+          </p:style>
+          <p:txBody>
+            <a:bodyPr rtlCol="0" anchor="ctr"/>
+            <a:lstStyle/>
+            <a:p>
+              <a:pPr algn="ctr"/>
+              <a:r>
+                <a:rPr kumimoji="1" lang="en-US" altLang="ja-JP" sz="2800" dirty="0"/>
+                <a:t>A</a:t>
+              </a:r>
+              <a:r>
+                <a:rPr kumimoji="1" lang="ja-JP" altLang="en-US" sz="2800"/>
+                <a:t>社の</a:t>
+              </a:r>
+              <a:endParaRPr kumimoji="1" lang="en-US" altLang="ja-JP" sz="2800" dirty="0"/>
+            </a:p>
+            <a:p>
+              <a:pPr algn="ctr"/>
+              <a:r>
+                <a:rPr kumimoji="1" lang="ja-JP" altLang="en-US" sz="2800"/>
+                <a:t>マヨネーズを</a:t>
+              </a:r>
+              <a:endParaRPr kumimoji="1" lang="en-US" altLang="ja-JP" sz="2800" dirty="0"/>
+            </a:p>
+            <a:p>
+              <a:pPr algn="ctr"/>
+              <a:r>
+                <a:rPr kumimoji="1" lang="ja-JP" altLang="en-US" sz="2800"/>
+                <a:t>使い切った</a:t>
+              </a:r>
+              <a:endParaRPr kumimoji="1" lang="en-US" altLang="ja-JP" sz="2800" dirty="0"/>
+            </a:p>
+          </p:txBody>
+        </p:sp>
+        <p:sp>
+          <p:nvSpPr>
+            <p:cNvPr id="14" name="Oval Callout 13">
+              <a:extLst>
+                <a:ext uri="{FF2B5EF4-FFF2-40B4-BE49-F238E27FC236}">
+                  <a16:creationId xmlns:a16="http://schemas.microsoft.com/office/drawing/2014/main" id="{19ED8EFF-854C-F243-AAAA-6ECDFD723F1B}"/>
+                </a:ext>
+              </a:extLst>
+            </p:cNvPr>
+            <p:cNvSpPr/>
+            <p:nvPr/>
+          </p:nvSpPr>
+          <p:spPr>
+            <a:xfrm>
+              <a:off x="-1488319" y="8192260"/>
+              <a:ext cx="4868771" cy="2144308"/>
+            </a:xfrm>
+            <a:prstGeom prst="wedgeEllipseCallout">
+              <a:avLst>
+                <a:gd name="adj1" fmla="val 47402"/>
+                <a:gd name="adj2" fmla="val -84250"/>
+              </a:avLst>
+            </a:prstGeom>
+            <a:ln>
+              <a:noFill/>
+            </a:ln>
+          </p:spPr>
+          <p:style>
+            <a:lnRef idx="2">
+              <a:schemeClr val="accent1">
+                <a:shade val="50000"/>
+              </a:schemeClr>
+            </a:lnRef>
+            <a:fillRef idx="1">
+              <a:schemeClr val="accent1"/>
+            </a:fillRef>
+            <a:effectRef idx="0">
+              <a:schemeClr val="accent1"/>
+            </a:effectRef>
+            <a:fontRef idx="minor">
+              <a:schemeClr val="lt1"/>
+            </a:fontRef>
+          </p:style>
+          <p:txBody>
+            <a:bodyPr rtlCol="0" anchor="ctr"/>
+            <a:lstStyle/>
+            <a:p>
+              <a:pPr algn="ctr"/>
+              <a:r>
+                <a:rPr kumimoji="1" lang="en-US" sz="2800" dirty="0"/>
+                <a:t>B</a:t>
+              </a:r>
+              <a:r>
+                <a:rPr kumimoji="1" lang="ja-JP" altLang="en-US" sz="2800"/>
+                <a:t>社のマヨネーズが</a:t>
+              </a:r>
+              <a:endParaRPr kumimoji="1" lang="en-US" altLang="ja-JP" sz="2800" dirty="0"/>
+            </a:p>
+            <a:p>
+              <a:pPr algn="ctr"/>
+              <a:r>
+                <a:rPr kumimoji="1" lang="ja-JP" altLang="en-US" sz="2800"/>
+                <a:t>お安くなっています</a:t>
+              </a:r>
+              <a:endParaRPr kumimoji="1" lang="en-US" altLang="ja-JP" sz="2800" dirty="0"/>
+            </a:p>
+            <a:p>
+              <a:pPr algn="ctr"/>
+              <a:r>
+                <a:rPr kumimoji="1" lang="ja-JP" altLang="en-US" sz="2800"/>
+                <a:t>購入しますか？</a:t>
+              </a:r>
+              <a:endParaRPr kumimoji="1" lang="en-US" sz="2800" dirty="0"/>
+            </a:p>
+          </p:txBody>
+        </p:sp>
+      </p:grpSp>
+      <p:sp>
+        <p:nvSpPr>
+          <p:cNvPr id="3" name="Slide Number Placeholder 2">
+            <a:extLst>
+              <a:ext uri="{FF2B5EF4-FFF2-40B4-BE49-F238E27FC236}">
+                <a16:creationId xmlns:a16="http://schemas.microsoft.com/office/drawing/2014/main" id="{C7560A97-B88F-A241-A3FE-B6F0EC6D96A3}"/>
+              </a:ext>
+            </a:extLst>
+          </p:cNvPr>
+          <p:cNvSpPr>
+            <a:spLocks noGrp="1"/>
+          </p:cNvSpPr>
+          <p:nvPr>
+            <p:ph type="sldNum" sz="quarter" idx="10"/>
+          </p:nvPr>
+        </p:nvSpPr>
+        <p:spPr/>
+        <p:txBody>
+          <a:bodyPr/>
+          <a:lstStyle/>
+          <a:p>
+            <a:fld id="{D28C7C6D-0F52-4FBA-8358-35C6083C2133}" type="slidenum">
+              <a:rPr kumimoji="1" lang="ja-JP" altLang="en-US" smtClean="0"/>
+              <a:pPr/>
+              <a:t>17</a:t>
+            </a:fld>
+            <a:endParaRPr kumimoji="1" lang="ja-JP" altLang="en-US"/>
+          </a:p>
+        </p:txBody>
+      </p:sp>
+      <p:sp>
+        <p:nvSpPr>
+          <p:cNvPr id="8" name="Footer Placeholder 7">
+            <a:extLst>
+              <a:ext uri="{FF2B5EF4-FFF2-40B4-BE49-F238E27FC236}">
+                <a16:creationId xmlns:a16="http://schemas.microsoft.com/office/drawing/2014/main" id="{FBF6C7C7-158F-B14A-9184-8DB2B413AFD8}"/>
+              </a:ext>
+            </a:extLst>
+          </p:cNvPr>
+          <p:cNvSpPr>
+            <a:spLocks noGrp="1"/>
+          </p:cNvSpPr>
+          <p:nvPr>
+            <p:ph type="ftr" sz="quarter" idx="11"/>
+          </p:nvPr>
+        </p:nvSpPr>
+        <p:spPr/>
+        <p:txBody>
+          <a:bodyPr/>
+          <a:lstStyle/>
+          <a:p>
+            <a:r>
+              <a:rPr kumimoji="1" lang="en-US" altLang="ja-JP"/>
+              <a:t>@Takato Matsumoto, 2020</a:t>
+            </a:r>
+            <a:endParaRPr kumimoji="1" lang="ja-JP" altLang="en-US" dirty="0"/>
+          </a:p>
+        </p:txBody>
+      </p:sp>
+    </p:spTree>
+    <p:extLst>
+      <p:ext uri="{BB962C8B-B14F-4D97-AF65-F5344CB8AC3E}">
+        <p14:creationId xmlns:p14="http://schemas.microsoft.com/office/powerpoint/2010/main" val="977967018"/>
+      </p:ext>
+    </p:extLst>
+  </p:cSld>
+  <p:clrMapOvr>
+    <a:masterClrMapping/>
+  </p:clrMapOvr>
+</p:sld>
+</file>
+
+<file path=ppt/slides/slide18.xml><?xml version="1.0" encoding="utf-8"?>
+<p:sld xmlns:a="http://schemas.openxmlformats.org/drawingml/2006/main" xmlns:r="http://schemas.openxmlformats.org/officeDocument/2006/relationships" xmlns:p="http://schemas.openxmlformats.org/presentationml/2006/main">
+  <p:cSld>
+    <p:spTree>
+      <p:nvGrpSpPr>
+        <p:cNvPr id="1" name=""/>
+        <p:cNvGrpSpPr/>
+        <p:nvPr/>
+      </p:nvGrpSpPr>
+      <p:grpSpPr>
+        <a:xfrm>
+          <a:off x="0" y="0"/>
+          <a:ext cx="0" cy="0"/>
+          <a:chOff x="0" y="0"/>
+          <a:chExt cx="0" cy="0"/>
+        </a:xfrm>
+      </p:grpSpPr>
+      <p:sp>
+        <p:nvSpPr>
+          <p:cNvPr id="6" name="タイトル 5"/>
+          <p:cNvSpPr>
+            <a:spLocks noGrp="1"/>
+          </p:cNvSpPr>
+          <p:nvPr>
+            <p:ph type="title"/>
+          </p:nvPr>
+        </p:nvSpPr>
+        <p:spPr/>
+        <p:txBody>
+          <a:bodyPr/>
+          <a:lstStyle/>
+          <a:p>
+            <a:r>
+              <a:rPr lang="ja-JP" altLang="en-US"/>
+              <a:t>本ビジネスモデルのエコシステム</a:t>
+            </a:r>
+            <a:endParaRPr kumimoji="1" lang="ja-JP" altLang="en-US" dirty="0"/>
+          </a:p>
+        </p:txBody>
+      </p:sp>
+      <p:sp>
+        <p:nvSpPr>
+          <p:cNvPr id="7" name="テキスト プレースホルダー 6"/>
+          <p:cNvSpPr>
+            <a:spLocks noGrp="1"/>
+          </p:cNvSpPr>
+          <p:nvPr>
+            <p:ph type="body" sz="quarter" idx="12"/>
+          </p:nvPr>
+        </p:nvSpPr>
+        <p:spPr>
+          <a:xfrm>
+            <a:off x="2628900" y="7458869"/>
+            <a:ext cx="15151100" cy="1989931"/>
+          </a:xfrm>
+        </p:spPr>
+        <p:txBody>
+          <a:bodyPr>
+            <a:normAutofit/>
+          </a:bodyPr>
+          <a:lstStyle/>
+          <a:p>
+            <a:r>
+              <a:rPr lang="ja-JP" altLang="en-US"/>
+              <a:t>適切なタイミングでユーザーへアプローチをかけられるため競合他社への優位性を持つ</a:t>
+            </a:r>
+            <a:endParaRPr lang="en-US" altLang="ja-JP" dirty="0"/>
+          </a:p>
+          <a:p>
+            <a:r>
+              <a:rPr lang="ja-JP" altLang="en-US"/>
+              <a:t>消費動向データの分析により，新たな食料品の開発支援に役立つ可能性</a:t>
+            </a:r>
+            <a:endParaRPr lang="en-US" altLang="ja-JP" dirty="0"/>
+          </a:p>
+          <a:p>
+            <a:endParaRPr lang="en-US" dirty="0"/>
+          </a:p>
+          <a:p>
+            <a:endParaRPr lang="en-US" dirty="0"/>
+          </a:p>
+          <a:p>
+            <a:endParaRPr kumimoji="1" lang="ja-JP" altLang="en-US" dirty="0"/>
+          </a:p>
+        </p:txBody>
+      </p:sp>
+      <p:sp>
+        <p:nvSpPr>
+          <p:cNvPr id="8" name="テキスト プレースホルダー 7"/>
+          <p:cNvSpPr>
+            <a:spLocks noGrp="1"/>
+          </p:cNvSpPr>
+          <p:nvPr>
+            <p:ph type="body" sz="quarter" idx="13"/>
+          </p:nvPr>
+        </p:nvSpPr>
+        <p:spPr/>
+        <p:txBody>
+          <a:bodyPr>
+            <a:normAutofit/>
+          </a:bodyPr>
+          <a:lstStyle/>
+          <a:p>
+            <a:r>
+              <a:rPr kumimoji="1" lang="ja-JP" altLang="en-US"/>
+              <a:t>事業者と契約した食料品メーカーの優位性</a:t>
+            </a:r>
+            <a:endParaRPr kumimoji="1" lang="ja-JP" altLang="en-US" dirty="0"/>
+          </a:p>
+        </p:txBody>
+      </p:sp>
+      <p:grpSp>
+        <p:nvGrpSpPr>
+          <p:cNvPr id="24" name="Group 23">
+            <a:extLst>
+              <a:ext uri="{FF2B5EF4-FFF2-40B4-BE49-F238E27FC236}">
+                <a16:creationId xmlns:a16="http://schemas.microsoft.com/office/drawing/2014/main" id="{2CA6C65D-1DB3-FC40-BFA5-CC7FDB6EB4F5}"/>
+              </a:ext>
+            </a:extLst>
+          </p:cNvPr>
+          <p:cNvGrpSpPr/>
+          <p:nvPr/>
+        </p:nvGrpSpPr>
+        <p:grpSpPr>
+          <a:xfrm>
+            <a:off x="386180" y="1719888"/>
+            <a:ext cx="17515639" cy="3825384"/>
+            <a:chOff x="450341" y="1682486"/>
+            <a:chExt cx="17515639" cy="3825384"/>
+          </a:xfrm>
+        </p:grpSpPr>
+        <p:sp>
+          <p:nvSpPr>
+            <p:cNvPr id="25" name="Oval 24">
+              <a:extLst>
+                <a:ext uri="{FF2B5EF4-FFF2-40B4-BE49-F238E27FC236}">
+                  <a16:creationId xmlns:a16="http://schemas.microsoft.com/office/drawing/2014/main" id="{DF7BC346-F776-2E4D-8B2E-9136BDAA07C7}"/>
+                </a:ext>
+              </a:extLst>
+            </p:cNvPr>
+            <p:cNvSpPr>
+              <a:spLocks noChangeAspect="1"/>
+            </p:cNvSpPr>
+            <p:nvPr/>
+          </p:nvSpPr>
+          <p:spPr>
+            <a:xfrm>
+              <a:off x="15445980" y="2175438"/>
+              <a:ext cx="2520000" cy="2520000"/>
+            </a:xfrm>
+            <a:prstGeom prst="ellipse">
+              <a:avLst/>
+            </a:prstGeom>
+            <a:solidFill>
+              <a:schemeClr val="tx2"/>
+            </a:solidFill>
+            <a:ln>
+              <a:noFill/>
+            </a:ln>
+          </p:spPr>
+          <p:style>
+            <a:lnRef idx="2">
+              <a:schemeClr val="accent1">
+                <a:shade val="50000"/>
+              </a:schemeClr>
+            </a:lnRef>
+            <a:fillRef idx="1">
+              <a:schemeClr val="accent1"/>
+            </a:fillRef>
+            <a:effectRef idx="0">
+              <a:schemeClr val="accent1"/>
+            </a:effectRef>
+            <a:fontRef idx="minor">
+              <a:schemeClr val="lt1"/>
+            </a:fontRef>
+          </p:style>
+          <p:txBody>
+            <a:bodyPr rtlCol="0" anchor="ctr"/>
+            <a:lstStyle/>
+            <a:p>
+              <a:pPr algn="ctr"/>
+              <a:r>
+                <a:rPr kumimoji="1" lang="ja-JP" altLang="en-US" sz="3200"/>
+                <a:t>ユーザー</a:t>
+              </a:r>
+              <a:endParaRPr kumimoji="1" lang="en-US" altLang="ja-JP" sz="3200" dirty="0"/>
+            </a:p>
+          </p:txBody>
+        </p:sp>
+        <p:sp>
+          <p:nvSpPr>
+            <p:cNvPr id="26" name="Oval 25">
+              <a:extLst>
+                <a:ext uri="{FF2B5EF4-FFF2-40B4-BE49-F238E27FC236}">
+                  <a16:creationId xmlns:a16="http://schemas.microsoft.com/office/drawing/2014/main" id="{8FBF508D-75F0-DA41-8FAE-EC320E341965}"/>
+                </a:ext>
+              </a:extLst>
+            </p:cNvPr>
+            <p:cNvSpPr>
+              <a:spLocks noChangeAspect="1"/>
+            </p:cNvSpPr>
+            <p:nvPr/>
+          </p:nvSpPr>
+          <p:spPr>
+            <a:xfrm>
+              <a:off x="450341" y="2175438"/>
+              <a:ext cx="2520000" cy="2520000"/>
+            </a:xfrm>
+            <a:prstGeom prst="ellipse">
+              <a:avLst/>
+            </a:prstGeom>
+            <a:solidFill>
+              <a:schemeClr val="accent1"/>
+            </a:solidFill>
+            <a:ln>
+              <a:noFill/>
+            </a:ln>
+          </p:spPr>
+          <p:style>
+            <a:lnRef idx="2">
+              <a:schemeClr val="accent1">
+                <a:shade val="50000"/>
+              </a:schemeClr>
+            </a:lnRef>
+            <a:fillRef idx="1">
+              <a:schemeClr val="accent1"/>
+            </a:fillRef>
+            <a:effectRef idx="0">
+              <a:schemeClr val="accent1"/>
+            </a:effectRef>
+            <a:fontRef idx="minor">
+              <a:schemeClr val="lt1"/>
+            </a:fontRef>
+          </p:style>
+          <p:txBody>
+            <a:bodyPr rtlCol="0" anchor="ctr"/>
+            <a:lstStyle/>
+            <a:p>
+              <a:pPr algn="ctr"/>
+              <a:r>
+                <a:rPr kumimoji="1" lang="ja-JP" altLang="en-US" sz="3200"/>
+                <a:t>食料品メーカー</a:t>
+              </a:r>
+              <a:endParaRPr kumimoji="1" lang="en-US" altLang="ja-JP" sz="3200" dirty="0"/>
+            </a:p>
+          </p:txBody>
+        </p:sp>
+        <p:sp>
+          <p:nvSpPr>
+            <p:cNvPr id="27" name="Oval 26">
+              <a:extLst>
+                <a:ext uri="{FF2B5EF4-FFF2-40B4-BE49-F238E27FC236}">
+                  <a16:creationId xmlns:a16="http://schemas.microsoft.com/office/drawing/2014/main" id="{6A204581-19B9-B140-964F-F2FA1F7A1059}"/>
+                </a:ext>
+              </a:extLst>
+            </p:cNvPr>
+            <p:cNvSpPr>
+              <a:spLocks noChangeAspect="1"/>
+            </p:cNvSpPr>
+            <p:nvPr/>
+          </p:nvSpPr>
+          <p:spPr>
+            <a:xfrm>
+              <a:off x="7242603" y="2175438"/>
+              <a:ext cx="2520000" cy="2520000"/>
+            </a:xfrm>
+            <a:prstGeom prst="ellipse">
+              <a:avLst/>
+            </a:prstGeom>
+            <a:solidFill>
+              <a:schemeClr val="accent2"/>
+            </a:solidFill>
+            <a:ln>
+              <a:noFill/>
+            </a:ln>
+          </p:spPr>
+          <p:style>
+            <a:lnRef idx="2">
+              <a:schemeClr val="accent1">
+                <a:shade val="50000"/>
+              </a:schemeClr>
+            </a:lnRef>
+            <a:fillRef idx="1">
+              <a:schemeClr val="accent1"/>
+            </a:fillRef>
+            <a:effectRef idx="0">
+              <a:schemeClr val="accent1"/>
+            </a:effectRef>
+            <a:fontRef idx="minor">
+              <a:schemeClr val="lt1"/>
+            </a:fontRef>
+          </p:style>
+          <p:txBody>
+            <a:bodyPr rtlCol="0" anchor="ctr"/>
+            <a:lstStyle/>
+            <a:p>
+              <a:pPr algn="ctr"/>
+              <a:r>
+                <a:rPr kumimoji="1" lang="ja-JP" altLang="en-US" sz="3200"/>
+                <a:t>事業者</a:t>
+              </a:r>
+              <a:endParaRPr kumimoji="1" lang="en-US" sz="3200" dirty="0"/>
+            </a:p>
+          </p:txBody>
+        </p:sp>
+        <p:cxnSp>
+          <p:nvCxnSpPr>
+            <p:cNvPr id="28" name="Straight Arrow Connector 27">
+              <a:extLst>
+                <a:ext uri="{FF2B5EF4-FFF2-40B4-BE49-F238E27FC236}">
+                  <a16:creationId xmlns:a16="http://schemas.microsoft.com/office/drawing/2014/main" id="{915321A1-C093-BF4F-ACD9-004F53A911F8}"/>
+                </a:ext>
+              </a:extLst>
+            </p:cNvPr>
+            <p:cNvCxnSpPr>
+              <a:cxnSpLocks/>
+            </p:cNvCxnSpPr>
+            <p:nvPr/>
+          </p:nvCxnSpPr>
+          <p:spPr>
+            <a:xfrm>
+              <a:off x="9762603" y="3216468"/>
+              <a:ext cx="5683377" cy="0"/>
+            </a:xfrm>
+            <a:prstGeom prst="straightConnector1">
+              <a:avLst/>
+            </a:prstGeom>
+            <a:ln w="88900">
+              <a:solidFill>
+                <a:schemeClr val="tx2"/>
+              </a:solidFill>
+              <a:tailEnd type="triangle"/>
+            </a:ln>
+          </p:spPr>
+          <p:style>
+            <a:lnRef idx="1">
+              <a:schemeClr val="accent1"/>
+            </a:lnRef>
+            <a:fillRef idx="0">
+              <a:schemeClr val="accent1"/>
+            </a:fillRef>
+            <a:effectRef idx="0">
+              <a:schemeClr val="accent1"/>
+            </a:effectRef>
+            <a:fontRef idx="minor">
+              <a:schemeClr val="tx1"/>
+            </a:fontRef>
+          </p:style>
+        </p:cxnSp>
+        <p:cxnSp>
+          <p:nvCxnSpPr>
+            <p:cNvPr id="29" name="Straight Arrow Connector 28">
+              <a:extLst>
+                <a:ext uri="{FF2B5EF4-FFF2-40B4-BE49-F238E27FC236}">
+                  <a16:creationId xmlns:a16="http://schemas.microsoft.com/office/drawing/2014/main" id="{4DD3575A-14C3-8649-8A98-C69022C0CC24}"/>
+                </a:ext>
+              </a:extLst>
+            </p:cNvPr>
+            <p:cNvCxnSpPr>
+              <a:cxnSpLocks/>
+            </p:cNvCxnSpPr>
+            <p:nvPr/>
+          </p:nvCxnSpPr>
+          <p:spPr>
+            <a:xfrm>
+              <a:off x="2970341" y="3264486"/>
+              <a:ext cx="4298997" cy="0"/>
+            </a:xfrm>
+            <a:prstGeom prst="straightConnector1">
+              <a:avLst/>
+            </a:prstGeom>
+            <a:ln w="88900">
+              <a:solidFill>
+                <a:schemeClr val="tx2"/>
+              </a:solidFill>
+              <a:tailEnd type="triangle"/>
+            </a:ln>
+          </p:spPr>
+          <p:style>
+            <a:lnRef idx="1">
+              <a:schemeClr val="accent1"/>
+            </a:lnRef>
+            <a:fillRef idx="0">
+              <a:schemeClr val="accent1"/>
+            </a:fillRef>
+            <a:effectRef idx="0">
+              <a:schemeClr val="accent1"/>
+            </a:effectRef>
+            <a:fontRef idx="minor">
+              <a:schemeClr val="tx1"/>
+            </a:fontRef>
+          </p:style>
+        </p:cxnSp>
+        <p:cxnSp>
+          <p:nvCxnSpPr>
+            <p:cNvPr id="30" name="Straight Arrow Connector 29">
+              <a:extLst>
+                <a:ext uri="{FF2B5EF4-FFF2-40B4-BE49-F238E27FC236}">
+                  <a16:creationId xmlns:a16="http://schemas.microsoft.com/office/drawing/2014/main" id="{9E1AC325-56A9-CE47-8D72-5FEA879CB9E1}"/>
+                </a:ext>
+              </a:extLst>
+            </p:cNvPr>
+            <p:cNvCxnSpPr>
+              <a:cxnSpLocks/>
+            </p:cNvCxnSpPr>
+            <p:nvPr/>
+          </p:nvCxnSpPr>
+          <p:spPr>
+            <a:xfrm flipH="1">
+              <a:off x="2970341" y="3817391"/>
+              <a:ext cx="4272263" cy="0"/>
+            </a:xfrm>
+            <a:prstGeom prst="straightConnector1">
+              <a:avLst/>
+            </a:prstGeom>
+            <a:ln w="88900">
+              <a:solidFill>
+                <a:schemeClr val="tx2"/>
+              </a:solidFill>
+              <a:tailEnd type="triangle"/>
+            </a:ln>
+          </p:spPr>
+          <p:style>
+            <a:lnRef idx="1">
+              <a:schemeClr val="accent1"/>
+            </a:lnRef>
+            <a:fillRef idx="0">
+              <a:schemeClr val="accent1"/>
+            </a:fillRef>
+            <a:effectRef idx="0">
+              <a:schemeClr val="accent1"/>
+            </a:effectRef>
+            <a:fontRef idx="minor">
+              <a:schemeClr val="tx1"/>
+            </a:fontRef>
+          </p:style>
+        </p:cxnSp>
+        <p:cxnSp>
+          <p:nvCxnSpPr>
+            <p:cNvPr id="31" name="Straight Arrow Connector 30">
+              <a:extLst>
+                <a:ext uri="{FF2B5EF4-FFF2-40B4-BE49-F238E27FC236}">
+                  <a16:creationId xmlns:a16="http://schemas.microsoft.com/office/drawing/2014/main" id="{92E6F103-1A88-C048-A282-33E2708521C6}"/>
+                </a:ext>
+              </a:extLst>
+            </p:cNvPr>
+            <p:cNvCxnSpPr>
+              <a:cxnSpLocks/>
+            </p:cNvCxnSpPr>
+            <p:nvPr/>
+          </p:nvCxnSpPr>
+          <p:spPr>
+            <a:xfrm flipH="1" flipV="1">
+              <a:off x="9691713" y="3817391"/>
+              <a:ext cx="5754268" cy="1"/>
+            </a:xfrm>
+            <a:prstGeom prst="straightConnector1">
+              <a:avLst/>
+            </a:prstGeom>
+            <a:ln w="88900">
+              <a:solidFill>
+                <a:schemeClr val="tx2"/>
+              </a:solidFill>
+              <a:tailEnd type="triangle"/>
+            </a:ln>
+          </p:spPr>
+          <p:style>
+            <a:lnRef idx="1">
+              <a:schemeClr val="accent1"/>
+            </a:lnRef>
+            <a:fillRef idx="0">
+              <a:schemeClr val="accent1"/>
+            </a:fillRef>
+            <a:effectRef idx="0">
+              <a:schemeClr val="accent1"/>
+            </a:effectRef>
+            <a:fontRef idx="minor">
+              <a:schemeClr val="tx1"/>
+            </a:fontRef>
+          </p:style>
+        </p:cxnSp>
+        <p:sp>
+          <p:nvSpPr>
+            <p:cNvPr id="32" name="TextBox 31">
+              <a:extLst>
+                <a:ext uri="{FF2B5EF4-FFF2-40B4-BE49-F238E27FC236}">
+                  <a16:creationId xmlns:a16="http://schemas.microsoft.com/office/drawing/2014/main" id="{46DE44B4-C0BA-6D4A-BE9E-08EAF05AD8E2}"/>
+                </a:ext>
+              </a:extLst>
+            </p:cNvPr>
+            <p:cNvSpPr txBox="1"/>
+            <p:nvPr/>
+          </p:nvSpPr>
+          <p:spPr>
+            <a:xfrm>
+              <a:off x="10588422" y="4317704"/>
+              <a:ext cx="3712876" cy="523220"/>
+            </a:xfrm>
+            <a:prstGeom prst="rect">
+              <a:avLst/>
+            </a:prstGeom>
+            <a:noFill/>
+          </p:spPr>
+          <p:txBody>
+            <a:bodyPr wrap="none" rtlCol="0">
+              <a:spAutoFit/>
+            </a:bodyPr>
+            <a:lstStyle/>
+            <a:p>
+              <a:r>
+                <a:rPr lang="ja-JP" altLang="en-US" sz="2800"/>
+                <a:t>食料品消費動向データ</a:t>
+              </a:r>
+              <a:endParaRPr lang="en-US" altLang="ja-JP" sz="2800" dirty="0"/>
+            </a:p>
+          </p:txBody>
+        </p:sp>
+        <p:sp>
+          <p:nvSpPr>
+            <p:cNvPr id="33" name="TextBox 32">
+              <a:extLst>
+                <a:ext uri="{FF2B5EF4-FFF2-40B4-BE49-F238E27FC236}">
+                  <a16:creationId xmlns:a16="http://schemas.microsoft.com/office/drawing/2014/main" id="{543FC0F4-C497-D84A-8648-EDA36B03AF02}"/>
+                </a:ext>
+              </a:extLst>
+            </p:cNvPr>
+            <p:cNvSpPr txBox="1"/>
+            <p:nvPr/>
+          </p:nvSpPr>
+          <p:spPr>
+            <a:xfrm>
+              <a:off x="10392598" y="1682486"/>
+              <a:ext cx="4544834" cy="1326325"/>
+            </a:xfrm>
+            <a:prstGeom prst="rect">
+              <a:avLst/>
+            </a:prstGeom>
+            <a:noFill/>
+          </p:spPr>
+          <p:txBody>
+            <a:bodyPr wrap="none" rtlCol="0">
+              <a:spAutoFit/>
+            </a:bodyPr>
+            <a:lstStyle/>
+            <a:p>
+              <a:pPr>
+                <a:lnSpc>
+                  <a:spcPct val="150000"/>
+                </a:lnSpc>
+              </a:pPr>
+              <a:r>
+                <a:rPr lang="ja-JP" altLang="en-US" sz="2800"/>
+                <a:t>割引した</a:t>
+              </a:r>
+              <a:r>
+                <a:rPr lang="en-US" altLang="ja-JP" sz="2800" dirty="0"/>
+                <a:t>IoT</a:t>
+              </a:r>
+              <a:r>
+                <a:rPr lang="ja-JP" altLang="en-US" sz="2800"/>
+                <a:t>冷蔵庫</a:t>
+              </a:r>
+              <a:endParaRPr lang="en-US" altLang="ja-JP" sz="2800" dirty="0"/>
+            </a:p>
+            <a:p>
+              <a:pPr>
+                <a:lnSpc>
+                  <a:spcPct val="150000"/>
+                </a:lnSpc>
+              </a:pPr>
+              <a:r>
+                <a:rPr lang="ja-JP" altLang="en-US" sz="2800"/>
+                <a:t>献立提案・在庫管理サービス</a:t>
+              </a:r>
+              <a:endParaRPr lang="en-US" altLang="ja-JP" sz="2800" dirty="0"/>
+            </a:p>
+          </p:txBody>
+        </p:sp>
+        <p:sp>
+          <p:nvSpPr>
+            <p:cNvPr id="34" name="TextBox 33">
+              <a:extLst>
+                <a:ext uri="{FF2B5EF4-FFF2-40B4-BE49-F238E27FC236}">
+                  <a16:creationId xmlns:a16="http://schemas.microsoft.com/office/drawing/2014/main" id="{6DF7D97D-0F7E-9148-B0C2-BA3E42DCE93A}"/>
+                </a:ext>
+              </a:extLst>
+            </p:cNvPr>
+            <p:cNvSpPr txBox="1"/>
+            <p:nvPr/>
+          </p:nvSpPr>
+          <p:spPr>
+            <a:xfrm>
+              <a:off x="4482884" y="2548860"/>
+              <a:ext cx="1231427" cy="523220"/>
+            </a:xfrm>
+            <a:prstGeom prst="rect">
+              <a:avLst/>
+            </a:prstGeom>
+            <a:noFill/>
+          </p:spPr>
+          <p:txBody>
+            <a:bodyPr wrap="none" rtlCol="0">
+              <a:spAutoFit/>
+            </a:bodyPr>
+            <a:lstStyle/>
+            <a:p>
+              <a:r>
+                <a:rPr lang="ja-JP" altLang="en-US" sz="2800"/>
+                <a:t>支払い</a:t>
+              </a:r>
+              <a:endParaRPr lang="en-US" altLang="ja-JP" sz="2800" dirty="0"/>
+            </a:p>
+          </p:txBody>
+        </p:sp>
+        <p:sp>
+          <p:nvSpPr>
+            <p:cNvPr id="35" name="TextBox 34">
+              <a:extLst>
+                <a:ext uri="{FF2B5EF4-FFF2-40B4-BE49-F238E27FC236}">
+                  <a16:creationId xmlns:a16="http://schemas.microsoft.com/office/drawing/2014/main" id="{667E9B8B-7C7C-B44C-B61F-7F24594707B7}"/>
+                </a:ext>
+              </a:extLst>
+            </p:cNvPr>
+            <p:cNvSpPr txBox="1"/>
+            <p:nvPr/>
+          </p:nvSpPr>
+          <p:spPr>
+            <a:xfrm>
+              <a:off x="3143355" y="4181545"/>
+              <a:ext cx="4298997" cy="1326325"/>
+            </a:xfrm>
+            <a:prstGeom prst="rect">
+              <a:avLst/>
+            </a:prstGeom>
+            <a:noFill/>
+          </p:spPr>
+          <p:txBody>
+            <a:bodyPr wrap="square" rtlCol="0">
+              <a:spAutoFit/>
+            </a:bodyPr>
+            <a:lstStyle/>
+            <a:p>
+              <a:pPr>
+                <a:lnSpc>
+                  <a:spcPct val="150000"/>
+                </a:lnSpc>
+              </a:pPr>
+              <a:r>
+                <a:rPr lang="ja-JP" altLang="en-US" sz="2800"/>
+                <a:t>ユーザへの広告サービス</a:t>
+              </a:r>
+              <a:endParaRPr lang="en-US" altLang="ja-JP" sz="2800" dirty="0"/>
+            </a:p>
+            <a:p>
+              <a:pPr>
+                <a:lnSpc>
+                  <a:spcPct val="150000"/>
+                </a:lnSpc>
+              </a:pPr>
+              <a:r>
+                <a:rPr lang="ja-JP" altLang="en-US" sz="2800"/>
+                <a:t>食料品消費動向データ</a:t>
+              </a:r>
+              <a:endParaRPr lang="en-US" altLang="ja-JP" sz="2800" dirty="0"/>
+            </a:p>
+          </p:txBody>
+        </p:sp>
+      </p:grpSp>
+      <p:sp>
+        <p:nvSpPr>
+          <p:cNvPr id="3" name="Slide Number Placeholder 2">
+            <a:extLst>
+              <a:ext uri="{FF2B5EF4-FFF2-40B4-BE49-F238E27FC236}">
+                <a16:creationId xmlns:a16="http://schemas.microsoft.com/office/drawing/2014/main" id="{1B8059D0-3FBC-8348-A90D-F438E26E206D}"/>
+              </a:ext>
+            </a:extLst>
+          </p:cNvPr>
+          <p:cNvSpPr>
+            <a:spLocks noGrp="1"/>
+          </p:cNvSpPr>
+          <p:nvPr>
+            <p:ph type="sldNum" sz="quarter" idx="10"/>
+          </p:nvPr>
+        </p:nvSpPr>
+        <p:spPr/>
+        <p:txBody>
+          <a:bodyPr/>
+          <a:lstStyle/>
+          <a:p>
+            <a:fld id="{D28C7C6D-0F52-4FBA-8358-35C6083C2133}" type="slidenum">
+              <a:rPr kumimoji="1" lang="ja-JP" altLang="en-US" smtClean="0"/>
+              <a:pPr/>
+              <a:t>18</a:t>
+            </a:fld>
+            <a:endParaRPr kumimoji="1" lang="ja-JP" altLang="en-US"/>
+          </a:p>
+        </p:txBody>
+      </p:sp>
+      <p:sp>
+        <p:nvSpPr>
+          <p:cNvPr id="5" name="Footer Placeholder 4">
+            <a:extLst>
+              <a:ext uri="{FF2B5EF4-FFF2-40B4-BE49-F238E27FC236}">
+                <a16:creationId xmlns:a16="http://schemas.microsoft.com/office/drawing/2014/main" id="{63B5C965-EA84-204F-B594-746BBDF21723}"/>
+              </a:ext>
+            </a:extLst>
+          </p:cNvPr>
+          <p:cNvSpPr>
+            <a:spLocks noGrp="1"/>
+          </p:cNvSpPr>
+          <p:nvPr>
+            <p:ph type="ftr" sz="quarter" idx="11"/>
+          </p:nvPr>
+        </p:nvSpPr>
+        <p:spPr/>
+        <p:txBody>
+          <a:bodyPr/>
+          <a:lstStyle/>
+          <a:p>
+            <a:r>
+              <a:rPr kumimoji="1" lang="en-US" altLang="ja-JP"/>
+              <a:t>@Takato Matsumoto, 2020</a:t>
+            </a:r>
+            <a:endParaRPr kumimoji="1" lang="ja-JP" altLang="en-US" dirty="0"/>
+          </a:p>
+        </p:txBody>
+      </p:sp>
+    </p:spTree>
+    <p:extLst>
+      <p:ext uri="{BB962C8B-B14F-4D97-AF65-F5344CB8AC3E}">
+        <p14:creationId xmlns:p14="http://schemas.microsoft.com/office/powerpoint/2010/main" val="145016960"/>
+      </p:ext>
+    </p:extLst>
+  </p:cSld>
+  <p:clrMapOvr>
+    <a:masterClrMapping/>
+  </p:clrMapOvr>
+</p:sld>
+</file>
+
+<file path=ppt/slides/slide19.xml><?xml version="1.0" encoding="utf-8"?>
+<p:sld xmlns:a="http://schemas.openxmlformats.org/drawingml/2006/main" xmlns:r="http://schemas.openxmlformats.org/officeDocument/2006/relationships" xmlns:p="http://schemas.openxmlformats.org/presentationml/2006/main">
+  <p:cSld>
+    <p:spTree>
+      <p:nvGrpSpPr>
+        <p:cNvPr id="1" name=""/>
+        <p:cNvGrpSpPr/>
+        <p:nvPr/>
+      </p:nvGrpSpPr>
+      <p:grpSpPr>
+        <a:xfrm>
+          <a:off x="0" y="0"/>
+          <a:ext cx="0" cy="0"/>
+          <a:chOff x="0" y="0"/>
+          <a:chExt cx="0" cy="0"/>
+        </a:xfrm>
+      </p:grpSpPr>
+      <p:sp>
+        <p:nvSpPr>
+          <p:cNvPr id="5" name="タイトル 4"/>
+          <p:cNvSpPr>
+            <a:spLocks noGrp="1"/>
+          </p:cNvSpPr>
+          <p:nvPr>
+            <p:ph type="title"/>
+          </p:nvPr>
+        </p:nvSpPr>
+        <p:spPr/>
+        <p:txBody>
+          <a:bodyPr>
+            <a:normAutofit/>
+          </a:bodyPr>
+          <a:lstStyle/>
+          <a:p>
+            <a:r>
+              <a:rPr kumimoji="1" lang="ja-JP" altLang="en-US" sz="6600" dirty="0"/>
+              <a:t>コンテンツ</a:t>
+            </a:r>
+          </a:p>
+        </p:txBody>
+      </p:sp>
+      <p:sp>
+        <p:nvSpPr>
+          <p:cNvPr id="6" name="テキスト プレースホルダー 5"/>
+          <p:cNvSpPr>
+            <a:spLocks noGrp="1"/>
+          </p:cNvSpPr>
+          <p:nvPr>
+            <p:ph type="body" sz="quarter" idx="12"/>
+          </p:nvPr>
+        </p:nvSpPr>
+        <p:spPr>
+          <a:xfrm>
+            <a:off x="7709647" y="1783556"/>
+            <a:ext cx="10578353" cy="6718300"/>
+          </a:xfrm>
+        </p:spPr>
+        <p:txBody>
+          <a:bodyPr>
+            <a:normAutofit/>
+          </a:bodyPr>
+          <a:lstStyle/>
+          <a:p>
+            <a:r>
+              <a:rPr lang="ja" altLang="en-US" sz="4200" dirty="0"/>
+              <a:t>自己紹介</a:t>
+            </a:r>
+            <a:endParaRPr lang="en-US" altLang="ja" sz="4200" dirty="0"/>
+          </a:p>
+          <a:p>
+            <a:r>
+              <a:rPr lang="ja-JP" altLang="en-US" sz="4200"/>
+              <a:t>データ</a:t>
+            </a:r>
+            <a:r>
+              <a:rPr lang="ja" altLang="en-US" sz="4200" dirty="0"/>
+              <a:t>アントレプレナーフェロープログラム</a:t>
+            </a:r>
+            <a:r>
+              <a:rPr lang="en-US" altLang="ja" sz="4200" dirty="0"/>
+              <a:t>(</a:t>
+            </a:r>
+            <a:r>
+              <a:rPr lang="en-US" altLang="ja" sz="4200" dirty="0" err="1"/>
+              <a:t>Defp</a:t>
+            </a:r>
+            <a:r>
+              <a:rPr lang="en-US" altLang="ja" sz="4200" dirty="0"/>
+              <a:t>)</a:t>
+            </a:r>
+            <a:r>
+              <a:rPr lang="ja-JP" altLang="en-US" sz="4200"/>
+              <a:t>の紹介</a:t>
+            </a:r>
+            <a:endParaRPr lang="en-US" altLang="ja-JP" sz="4200" dirty="0"/>
+          </a:p>
+          <a:p>
+            <a:r>
+              <a:rPr kumimoji="1" lang="ja" altLang="en-US" sz="4200" dirty="0"/>
+              <a:t>データアントレプレナー</a:t>
+            </a:r>
+            <a:r>
+              <a:rPr kumimoji="1" lang="ja-JP" altLang="en-US" sz="4200"/>
+              <a:t>実践論</a:t>
+            </a:r>
+            <a:endParaRPr kumimoji="1" lang="en-US" altLang="ja-JP" sz="4200" dirty="0"/>
+          </a:p>
+          <a:p>
+            <a:r>
+              <a:rPr kumimoji="1" lang="ja" altLang="en-US" sz="4200" dirty="0">
+                <a:solidFill>
+                  <a:schemeClr val="accent1"/>
+                </a:solidFill>
+              </a:rPr>
+              <a:t>データサイエンティスト</a:t>
+            </a:r>
+            <a:r>
+              <a:rPr kumimoji="1" lang="ja-JP" altLang="en-US" sz="4200">
+                <a:solidFill>
+                  <a:schemeClr val="accent1"/>
+                </a:solidFill>
+              </a:rPr>
+              <a:t>特論</a:t>
+            </a:r>
+            <a:endParaRPr kumimoji="1" lang="en-US" altLang="ja-JP" sz="4200" dirty="0">
+              <a:solidFill>
+                <a:schemeClr val="accent1"/>
+              </a:solidFill>
+            </a:endParaRPr>
+          </a:p>
+        </p:txBody>
+      </p:sp>
+      <p:sp>
+        <p:nvSpPr>
+          <p:cNvPr id="4" name="Slide Number Placeholder 3">
+            <a:extLst>
+              <a:ext uri="{FF2B5EF4-FFF2-40B4-BE49-F238E27FC236}">
+                <a16:creationId xmlns:a16="http://schemas.microsoft.com/office/drawing/2014/main" id="{E857C27F-31E3-FD4B-B90C-CF6CDEEDFC7A}"/>
+              </a:ext>
+            </a:extLst>
+          </p:cNvPr>
+          <p:cNvSpPr>
+            <a:spLocks noGrp="1"/>
+          </p:cNvSpPr>
+          <p:nvPr>
+            <p:ph type="sldNum" sz="quarter" idx="10"/>
+          </p:nvPr>
+        </p:nvSpPr>
+        <p:spPr/>
+        <p:txBody>
+          <a:bodyPr/>
+          <a:lstStyle/>
+          <a:p>
+            <a:fld id="{D28C7C6D-0F52-4FBA-8358-35C6083C2133}" type="slidenum">
+              <a:rPr kumimoji="1" lang="ja-JP" altLang="en-US" smtClean="0"/>
+              <a:pPr/>
+              <a:t>19</a:t>
+            </a:fld>
+            <a:endParaRPr kumimoji="1" lang="ja-JP" altLang="en-US"/>
+          </a:p>
+        </p:txBody>
+      </p:sp>
+      <p:sp>
+        <p:nvSpPr>
+          <p:cNvPr id="7" name="Footer Placeholder 6">
+            <a:extLst>
+              <a:ext uri="{FF2B5EF4-FFF2-40B4-BE49-F238E27FC236}">
+                <a16:creationId xmlns:a16="http://schemas.microsoft.com/office/drawing/2014/main" id="{AE558B7F-26E7-DD4F-84D7-E1D64CC93010}"/>
+              </a:ext>
+            </a:extLst>
+          </p:cNvPr>
+          <p:cNvSpPr>
+            <a:spLocks noGrp="1"/>
+          </p:cNvSpPr>
+          <p:nvPr>
+            <p:ph type="ftr" sz="quarter" idx="11"/>
+          </p:nvPr>
+        </p:nvSpPr>
+        <p:spPr/>
+        <p:txBody>
+          <a:bodyPr/>
+          <a:lstStyle/>
+          <a:p>
+            <a:r>
+              <a:rPr kumimoji="1" lang="en-US" altLang="ja-JP"/>
+              <a:t>@Takato Matsumoto, 2020</a:t>
+            </a:r>
+            <a:endParaRPr kumimoji="1" lang="ja-JP" altLang="en-US" dirty="0"/>
+          </a:p>
+        </p:txBody>
+      </p:sp>
+    </p:spTree>
+    <p:extLst>
+      <p:ext uri="{BB962C8B-B14F-4D97-AF65-F5344CB8AC3E}">
+        <p14:creationId xmlns:p14="http://schemas.microsoft.com/office/powerpoint/2010/main" val="1249649557"/>
       </p:ext>
     </p:extLst>
   </p:cSld>
@@ -13298,7 +16645,7 @@
       </p:grpSpPr>
       <p:sp>
         <p:nvSpPr>
-          <p:cNvPr id="5" name="タイトル 4"/>
+          <p:cNvPr id="9" name="タイトル 8"/>
           <p:cNvSpPr>
             <a:spLocks noGrp="1"/>
           </p:cNvSpPr>
@@ -13306,7 +16653,40 @@
             <p:ph type="title"/>
           </p:nvPr>
         </p:nvSpPr>
-        <p:spPr/>
+        <p:spPr>
+          <a:xfrm>
+            <a:off x="927100" y="471404"/>
+            <a:ext cx="16687800" cy="1077996"/>
+          </a:xfrm>
+        </p:spPr>
+        <p:txBody>
+          <a:bodyPr/>
+          <a:lstStyle/>
+          <a:p>
+            <a:r>
+              <a:rPr lang="ja-JP" altLang="en-US"/>
+              <a:t>質問について</a:t>
+            </a:r>
+            <a:endParaRPr kumimoji="1" lang="ja-JP" altLang="en-US" dirty="0"/>
+          </a:p>
+        </p:txBody>
+      </p:sp>
+      <p:sp>
+        <p:nvSpPr>
+          <p:cNvPr id="10" name="テキスト プレースホルダー 9"/>
+          <p:cNvSpPr>
+            <a:spLocks noGrp="1"/>
+          </p:cNvSpPr>
+          <p:nvPr>
+            <p:ph type="body" sz="quarter" idx="12"/>
+          </p:nvPr>
+        </p:nvSpPr>
+        <p:spPr>
+          <a:xfrm>
+            <a:off x="6396786" y="1967320"/>
+            <a:ext cx="11923868" cy="8072438"/>
+          </a:xfrm>
+        </p:spPr>
         <p:txBody>
           <a:bodyPr>
             <a:normAutofit/>
@@ -13314,108 +16694,111 @@
           <a:lstStyle/>
           <a:p>
             <a:r>
-              <a:rPr kumimoji="1" lang="ja-JP" altLang="en-US" sz="6600" dirty="0"/>
-              <a:t>コンテンツ</a:t>
-            </a:r>
-          </a:p>
-        </p:txBody>
-      </p:sp>
-      <p:sp>
-        <p:nvSpPr>
-          <p:cNvPr id="6" name="テキスト プレースホルダー 5"/>
-          <p:cNvSpPr>
-            <a:spLocks noGrp="1"/>
-          </p:cNvSpPr>
-          <p:nvPr>
-            <p:ph type="body" sz="quarter" idx="12"/>
-          </p:nvPr>
-        </p:nvSpPr>
-        <p:spPr>
-          <a:xfrm>
-            <a:off x="7709647" y="1783556"/>
-            <a:ext cx="10578353" cy="6718300"/>
-          </a:xfrm>
-        </p:spPr>
-        <p:txBody>
-          <a:bodyPr>
-            <a:normAutofit/>
-          </a:bodyPr>
-          <a:lstStyle/>
-          <a:p>
-            <a:r>
-              <a:rPr lang="ja" altLang="en-US" sz="4200" dirty="0"/>
-              <a:t>自己紹介</a:t>
-            </a:r>
-            <a:endParaRPr lang="en-US" altLang="ja" sz="4200" dirty="0"/>
-          </a:p>
-          <a:p>
-            <a:r>
-              <a:rPr lang="ja-JP" altLang="en-US" sz="4200"/>
-              <a:t>データ</a:t>
-            </a:r>
-            <a:r>
-              <a:rPr lang="ja" altLang="en-US" sz="4200" dirty="0"/>
-              <a:t>アントレプレナーフェロープログラム</a:t>
-            </a:r>
-            <a:r>
-              <a:rPr lang="en-US" altLang="ja" sz="4200" dirty="0"/>
-              <a:t>(</a:t>
-            </a:r>
-            <a:r>
-              <a:rPr lang="en-US" altLang="ja" sz="4200" dirty="0" err="1"/>
-              <a:t>Defp</a:t>
-            </a:r>
-            <a:r>
-              <a:rPr lang="en-US" altLang="ja" sz="4200" dirty="0"/>
-              <a:t>)</a:t>
-            </a:r>
-            <a:r>
-              <a:rPr lang="ja-JP" altLang="en-US" sz="4200"/>
-              <a:t>の紹介</a:t>
-            </a:r>
-            <a:endParaRPr lang="en-US" altLang="ja-JP" sz="4200" dirty="0"/>
-          </a:p>
-          <a:p>
-            <a:r>
-              <a:rPr kumimoji="1" lang="ja" altLang="en-US" sz="4200" dirty="0"/>
-              <a:t>データアントレプレナー</a:t>
-            </a:r>
-            <a:r>
-              <a:rPr kumimoji="1" lang="ja-JP" altLang="en-US" sz="4200"/>
-              <a:t>実践論</a:t>
-            </a:r>
-            <a:endParaRPr kumimoji="1" lang="en-US" altLang="ja-JP" sz="4200" dirty="0"/>
-          </a:p>
-          <a:p>
-            <a:r>
-              <a:rPr kumimoji="1" lang="ja" altLang="en-US" sz="4200" dirty="0"/>
-              <a:t>データサイエンティスト</a:t>
-            </a:r>
-            <a:r>
-              <a:rPr kumimoji="1" lang="ja-JP" altLang="en-US" sz="4200"/>
-              <a:t>特論</a:t>
-            </a:r>
-            <a:endParaRPr kumimoji="1" lang="en-US" altLang="ja-JP" sz="4200" dirty="0"/>
-          </a:p>
-          <a:p>
-            <a:r>
-              <a:rPr lang="ja" altLang="en-US" sz="4200" dirty="0"/>
-              <a:t>データサイエンス</a:t>
-            </a:r>
-            <a:r>
-              <a:rPr lang="ja-JP" altLang="en-US" sz="4200"/>
-              <a:t>の楽しさ</a:t>
-            </a:r>
-            <a:endParaRPr lang="en-US" altLang="ja-JP" sz="4200" dirty="0"/>
-          </a:p>
-        </p:txBody>
-      </p:sp>
-      <p:sp>
-        <p:nvSpPr>
-          <p:cNvPr id="4" name="Slide Number Placeholder 3">
+              <a:rPr lang="en-US" altLang="ja-JP" sz="5400" dirty="0" err="1"/>
+              <a:t>sil.do</a:t>
+            </a:r>
+            <a:r>
+              <a:rPr lang="ja-JP" altLang="en-US" sz="5400"/>
+              <a:t>で</a:t>
+            </a:r>
+            <a:r>
+              <a:rPr lang="ja" altLang="en-US" sz="5400" dirty="0"/>
+              <a:t>受け付けます</a:t>
+            </a:r>
+            <a:r>
+              <a:rPr lang="en-US" sz="5400" dirty="0">
+                <a:hlinkClick r:id="rId2"/>
+              </a:rPr>
+              <a:t>https://www.sli.do/</a:t>
+            </a:r>
+            <a:endParaRPr lang="en-US" sz="5400" dirty="0"/>
+          </a:p>
+          <a:p>
+            <a:r>
+              <a:rPr lang="en-US" altLang="zh-TW" sz="5400" dirty="0"/>
+              <a:t>Event code</a:t>
+            </a:r>
+            <a:br>
+              <a:rPr lang="en-US" altLang="zh-TW" sz="5400" dirty="0"/>
+            </a:br>
+            <a:r>
+              <a:rPr lang="en-US" altLang="ja" sz="5400" dirty="0">
+                <a:solidFill>
+                  <a:schemeClr val="accent2"/>
+                </a:solidFill>
+              </a:rPr>
+              <a:t># SA202</a:t>
+            </a:r>
+            <a:endParaRPr lang="en-US" altLang="ja-JP" sz="5400" dirty="0"/>
+          </a:p>
+          <a:p>
+            <a:r>
+              <a:rPr lang="ja-JP" altLang="en-US" sz="5400"/>
+              <a:t>ミーティングツールで質問が可能で</a:t>
+            </a:r>
+            <a:br>
+              <a:rPr lang="en-US" altLang="ja-JP" sz="5400" dirty="0"/>
+            </a:br>
+            <a:r>
+              <a:rPr lang="ja-JP" altLang="en-US" sz="5400"/>
+              <a:t>あればそちらでも大丈夫です</a:t>
+            </a:r>
+            <a:endParaRPr lang="en-US" altLang="ja-JP" sz="5400" dirty="0"/>
+          </a:p>
+          <a:p>
+            <a:pPr marL="557146" lvl="1" indent="0">
+              <a:buNone/>
+            </a:pPr>
+            <a:endParaRPr lang="en-US" altLang="ja" sz="5400" dirty="0">
+              <a:solidFill>
+                <a:schemeClr val="accent2"/>
+              </a:solidFill>
+            </a:endParaRPr>
+          </a:p>
+        </p:txBody>
+      </p:sp>
+      <p:pic>
+        <p:nvPicPr>
+          <p:cNvPr id="28" name="Picture 27">
             <a:extLst>
               <a:ext uri="{FF2B5EF4-FFF2-40B4-BE49-F238E27FC236}">
-                <a16:creationId xmlns:a16="http://schemas.microsoft.com/office/drawing/2014/main" id="{245B8BF2-989B-F944-AA36-2C3B20207F75}"/>
+                <a16:creationId xmlns:a16="http://schemas.microsoft.com/office/drawing/2014/main" id="{F4CEDB55-ADAA-614C-80CF-4FA821C24C85}"/>
+              </a:ext>
+            </a:extLst>
+          </p:cNvPr>
+          <p:cNvPicPr>
+            <a:picLocks noChangeAspect="1"/>
+          </p:cNvPicPr>
+          <p:nvPr/>
+        </p:nvPicPr>
+        <p:blipFill>
+          <a:blip r:embed="rId3">
+            <a:extLst>
+              <a:ext uri="{28A0092B-C50C-407E-A947-70E740481C1C}">
+                <a14:useLocalDpi xmlns:a14="http://schemas.microsoft.com/office/drawing/2010/main" val="0"/>
+              </a:ext>
+            </a:extLst>
+          </a:blip>
+          <a:stretch>
+            <a:fillRect/>
+          </a:stretch>
+        </p:blipFill>
+        <p:spPr>
+          <a:xfrm>
+            <a:off x="0" y="2143436"/>
+            <a:ext cx="6511884" cy="6511884"/>
+          </a:xfrm>
+          <a:prstGeom prst="rect">
+            <a:avLst/>
+          </a:prstGeom>
+        </p:spPr>
+      </p:pic>
+      <p:sp>
+        <p:nvSpPr>
+          <p:cNvPr id="31" name="Slide Number Placeholder 30">
+            <a:extLst>
+              <a:ext uri="{FF2B5EF4-FFF2-40B4-BE49-F238E27FC236}">
+                <a16:creationId xmlns:a16="http://schemas.microsoft.com/office/drawing/2014/main" id="{4B1988FE-E66C-024F-90E3-2BEDDB78EC11}"/>
               </a:ext>
             </a:extLst>
           </p:cNvPr>
@@ -13442,10 +16825,10 @@
       </p:sp>
       <p:sp>
         <p:nvSpPr>
-          <p:cNvPr id="8" name="Footer Placeholder 7">
+          <p:cNvPr id="32" name="Footer Placeholder 31">
             <a:extLst>
               <a:ext uri="{FF2B5EF4-FFF2-40B4-BE49-F238E27FC236}">
-                <a16:creationId xmlns:a16="http://schemas.microsoft.com/office/drawing/2014/main" id="{8F4850EF-3532-CD49-B997-A17BAB434D51}"/>
+                <a16:creationId xmlns:a16="http://schemas.microsoft.com/office/drawing/2014/main" id="{D89C7E2B-21AF-4F42-AB76-00E7E4D31AC3}"/>
               </a:ext>
             </a:extLst>
           </p:cNvPr>
@@ -13463,7 +16846,7 @@
           <a:p>
             <a:r>
               <a:rPr kumimoji="1" lang="en-US" altLang="ja-JP"/>
-              <a:t>©︎Takato Matsumoto, 2019</a:t>
+              <a:t>@Takato Matsumoto, 2020</a:t>
             </a:r>
             <a:endParaRPr kumimoji="1" lang="ja-JP" altLang="en-US" dirty="0"/>
           </a:p>
@@ -13472,7 +16855,265 @@
     </p:spTree>
     <p:extLst>
       <p:ext uri="{BB962C8B-B14F-4D97-AF65-F5344CB8AC3E}">
-        <p14:creationId xmlns:p14="http://schemas.microsoft.com/office/powerpoint/2010/main" val="8144270"/>
+        <p14:creationId xmlns:p14="http://schemas.microsoft.com/office/powerpoint/2010/main" val="2772807206"/>
+      </p:ext>
+    </p:extLst>
+  </p:cSld>
+  <p:clrMapOvr>
+    <a:masterClrMapping/>
+  </p:clrMapOvr>
+</p:sld>
+</file>
+
+<file path=ppt/slides/slide20.xml><?xml version="1.0" encoding="utf-8"?>
+<p:sld xmlns:a="http://schemas.openxmlformats.org/drawingml/2006/main" xmlns:r="http://schemas.openxmlformats.org/officeDocument/2006/relationships" xmlns:p="http://schemas.openxmlformats.org/presentationml/2006/main">
+  <p:cSld>
+    <p:spTree>
+      <p:nvGrpSpPr>
+        <p:cNvPr id="1" name=""/>
+        <p:cNvGrpSpPr/>
+        <p:nvPr/>
+      </p:nvGrpSpPr>
+      <p:grpSpPr>
+        <a:xfrm>
+          <a:off x="0" y="0"/>
+          <a:ext cx="0" cy="0"/>
+          <a:chOff x="0" y="0"/>
+          <a:chExt cx="0" cy="0"/>
+        </a:xfrm>
+      </p:grpSpPr>
+      <p:sp>
+        <p:nvSpPr>
+          <p:cNvPr id="9" name="タイトル 8"/>
+          <p:cNvSpPr>
+            <a:spLocks noGrp="1"/>
+          </p:cNvSpPr>
+          <p:nvPr>
+            <p:ph type="title"/>
+          </p:nvPr>
+        </p:nvSpPr>
+        <p:spPr/>
+        <p:txBody>
+          <a:bodyPr>
+            <a:normAutofit/>
+          </a:bodyPr>
+          <a:lstStyle/>
+          <a:p>
+            <a:r>
+              <a:rPr kumimoji="1" lang="ja-JP" altLang="en-US"/>
+              <a:t>データサイエンティスト特論</a:t>
+            </a:r>
+            <a:endParaRPr kumimoji="1" lang="ja-JP" altLang="en-US" dirty="0"/>
+          </a:p>
+        </p:txBody>
+      </p:sp>
+      <p:sp>
+        <p:nvSpPr>
+          <p:cNvPr id="15" name="テキスト プレースホルダー 9">
+            <a:extLst>
+              <a:ext uri="{FF2B5EF4-FFF2-40B4-BE49-F238E27FC236}">
+                <a16:creationId xmlns:a16="http://schemas.microsoft.com/office/drawing/2014/main" id="{98F5EB82-97F4-BE48-8A01-5935D01BB0CD}"/>
+              </a:ext>
+            </a:extLst>
+          </p:cNvPr>
+          <p:cNvSpPr>
+            <a:spLocks noGrp="1"/>
+          </p:cNvSpPr>
+          <p:nvPr>
+            <p:ph type="body" sz="quarter" idx="12"/>
+          </p:nvPr>
+        </p:nvSpPr>
+        <p:spPr>
+          <a:xfrm>
+            <a:off x="1596035" y="3725602"/>
+            <a:ext cx="16534150" cy="6698755"/>
+          </a:xfrm>
+        </p:spPr>
+        <p:txBody>
+          <a:bodyPr>
+            <a:normAutofit/>
+          </a:bodyPr>
+          <a:lstStyle/>
+          <a:p>
+            <a:r>
+              <a:rPr lang="ja-JP" altLang="en-US" sz="4000"/>
+              <a:t>実際の</a:t>
+            </a:r>
+            <a:r>
+              <a:rPr lang="ja" altLang="en-US" sz="4000" dirty="0"/>
+              <a:t>不動産データを</a:t>
+            </a:r>
+            <a:r>
+              <a:rPr lang="ja-JP" altLang="en-US" sz="4000"/>
+              <a:t>分析する</a:t>
+            </a:r>
+            <a:endParaRPr lang="en-US" altLang="ja-JP" sz="4000" dirty="0"/>
+          </a:p>
+          <a:p>
+            <a:pPr lvl="1"/>
+            <a:r>
+              <a:rPr lang="ja-JP" altLang="en-US" sz="3200"/>
+              <a:t>アメリカ，ワシントン</a:t>
+            </a:r>
+            <a:r>
+              <a:rPr lang="en-US" altLang="ja-JP" sz="3200" dirty="0"/>
+              <a:t>DC</a:t>
+            </a:r>
+            <a:r>
+              <a:rPr lang="ja-JP" altLang="en-US" sz="3200"/>
+              <a:t>の実データを分析した</a:t>
+            </a:r>
+            <a:endParaRPr lang="en-US" altLang="ja-JP" sz="3200" dirty="0"/>
+          </a:p>
+          <a:p>
+            <a:pPr lvl="1"/>
+            <a:r>
+              <a:rPr lang="ja-JP" altLang="en-US" sz="3200"/>
+              <a:t>データを分析して，データの特徴や，不動産の知識をつかむ</a:t>
+            </a:r>
+            <a:endParaRPr lang="en-US" altLang="ja-JP" sz="3200" dirty="0"/>
+          </a:p>
+          <a:p>
+            <a:r>
+              <a:rPr lang="ja-JP" altLang="en-US" sz="4000"/>
+              <a:t>物件価格の予測をする</a:t>
+            </a:r>
+            <a:endParaRPr lang="en-US" altLang="ja-JP" sz="4000" dirty="0"/>
+          </a:p>
+          <a:p>
+            <a:pPr lvl="1"/>
+            <a:r>
+              <a:rPr lang="ja" altLang="en-US" sz="3200" dirty="0"/>
+              <a:t>機械学習モデル</a:t>
+            </a:r>
+            <a:r>
+              <a:rPr lang="ja-JP" altLang="en-US" sz="3200"/>
+              <a:t>を用いて，精度の高い</a:t>
+            </a:r>
+            <a:r>
+              <a:rPr lang="ja" altLang="en-US" sz="3200" dirty="0"/>
+              <a:t>予測モデルを</a:t>
+            </a:r>
+            <a:r>
+              <a:rPr lang="ja-JP" altLang="en-US" sz="3200"/>
+              <a:t>作ることが</a:t>
+            </a:r>
+            <a:r>
+              <a:rPr lang="ja" altLang="en-US" sz="3200" dirty="0"/>
+              <a:t>コンペティション</a:t>
+            </a:r>
+            <a:r>
+              <a:rPr lang="ja-JP" altLang="en-US" sz="3200"/>
+              <a:t>の目標</a:t>
+            </a:r>
+            <a:endParaRPr lang="en-US" altLang="ja-JP" sz="3200" dirty="0"/>
+          </a:p>
+          <a:p>
+            <a:pPr lvl="1"/>
+            <a:r>
+              <a:rPr lang="ja-JP" altLang="en-US" sz="3200"/>
+              <a:t>４０人クラス</a:t>
+            </a:r>
+            <a:r>
+              <a:rPr lang="en-US" altLang="ja-JP" sz="3200" dirty="0"/>
+              <a:t> / </a:t>
+            </a:r>
+            <a:r>
+              <a:rPr lang="ja-JP" altLang="en-US" sz="3200"/>
+              <a:t>５人チームでのグループワークを行なった</a:t>
+            </a:r>
+            <a:endParaRPr lang="en-US" altLang="ja-JP" sz="3200" dirty="0"/>
+          </a:p>
+          <a:p>
+            <a:r>
+              <a:rPr lang="ja-JP" altLang="en-US" sz="4000"/>
+              <a:t>演習で実際に行なってみましょう！</a:t>
+            </a:r>
+            <a:endParaRPr lang="en-US" altLang="ja" sz="4000" dirty="0"/>
+          </a:p>
+          <a:p>
+            <a:pPr lvl="1"/>
+            <a:endParaRPr lang="en-US" altLang="ja-JP" dirty="0"/>
+          </a:p>
+          <a:p>
+            <a:endParaRPr lang="en-US" altLang="ja-JP" dirty="0"/>
+          </a:p>
+          <a:p>
+            <a:endParaRPr lang="en-US" altLang="ja-JP" dirty="0"/>
+          </a:p>
+          <a:p>
+            <a:endParaRPr lang="en-US" altLang="ja-JP" sz="4000" dirty="0"/>
+          </a:p>
+        </p:txBody>
+      </p:sp>
+      <p:sp>
+        <p:nvSpPr>
+          <p:cNvPr id="13" name="Slide Number Placeholder 12">
+            <a:extLst>
+              <a:ext uri="{FF2B5EF4-FFF2-40B4-BE49-F238E27FC236}">
+                <a16:creationId xmlns:a16="http://schemas.microsoft.com/office/drawing/2014/main" id="{ACBC7515-E64F-8F4C-B7BA-458E3BC7E0CA}"/>
+              </a:ext>
+            </a:extLst>
+          </p:cNvPr>
+          <p:cNvSpPr>
+            <a:spLocks noGrp="1"/>
+          </p:cNvSpPr>
+          <p:nvPr>
+            <p:ph type="sldNum" sz="quarter" idx="10"/>
+          </p:nvPr>
+        </p:nvSpPr>
+        <p:spPr/>
+        <p:txBody>
+          <a:bodyPr/>
+          <a:lstStyle/>
+          <a:p>
+            <a:fld id="{D28C7C6D-0F52-4FBA-8358-35C6083C2133}" type="slidenum">
+              <a:rPr kumimoji="1" lang="ja-JP" altLang="en-US" smtClean="0"/>
+              <a:pPr/>
+              <a:t>20</a:t>
+            </a:fld>
+            <a:endParaRPr kumimoji="1" lang="ja-JP" altLang="en-US"/>
+          </a:p>
+        </p:txBody>
+      </p:sp>
+      <p:sp>
+        <p:nvSpPr>
+          <p:cNvPr id="14" name="Footer Placeholder 13">
+            <a:extLst>
+              <a:ext uri="{FF2B5EF4-FFF2-40B4-BE49-F238E27FC236}">
+                <a16:creationId xmlns:a16="http://schemas.microsoft.com/office/drawing/2014/main" id="{6848FA93-3DF9-3B45-9537-C5287D7DA562}"/>
+              </a:ext>
+            </a:extLst>
+          </p:cNvPr>
+          <p:cNvSpPr>
+            <a:spLocks noGrp="1"/>
+          </p:cNvSpPr>
+          <p:nvPr>
+            <p:ph type="ftr" sz="quarter" idx="11"/>
+          </p:nvPr>
+        </p:nvSpPr>
+        <p:spPr>
+          <a:xfrm>
+            <a:off x="10680700" y="9621838"/>
+            <a:ext cx="6172200" cy="547687"/>
+          </a:xfrm>
+        </p:spPr>
+        <p:txBody>
+          <a:bodyPr/>
+          <a:lstStyle/>
+          <a:p>
+            <a:r>
+              <a:rPr kumimoji="1" lang="en-US" altLang="ja-JP"/>
+              <a:t>@Takato Matsumoto, 2020</a:t>
+            </a:r>
+            <a:endParaRPr kumimoji="1" lang="ja-JP" altLang="en-US" dirty="0"/>
+          </a:p>
+        </p:txBody>
+      </p:sp>
+    </p:spTree>
+    <p:extLst>
+      <p:ext uri="{BB962C8B-B14F-4D97-AF65-F5344CB8AC3E}">
+        <p14:creationId xmlns:p14="http://schemas.microsoft.com/office/powerpoint/2010/main" val="3433858019"/>
       </p:ext>
     </p:extLst>
   </p:cSld>
@@ -13546,18 +17187,10 @@
           <a:lstStyle/>
           <a:p>
             <a:r>
-              <a:rPr lang="ja" altLang="en-US" sz="4200" dirty="0">
-                <a:solidFill>
-                  <a:schemeClr val="accent1"/>
-                </a:solidFill>
-              </a:rPr>
+              <a:rPr lang="ja" altLang="en-US" sz="4200" dirty="0"/>
               <a:t>自己紹介</a:t>
             </a:r>
-            <a:endParaRPr lang="en-US" altLang="ja" sz="4200" dirty="0">
-              <a:solidFill>
-                <a:schemeClr val="accent1"/>
-              </a:solidFill>
-            </a:endParaRPr>
+            <a:endParaRPr lang="en-US" altLang="ja" sz="4200" dirty="0"/>
           </a:p>
           <a:p>
             <a:r>
@@ -13607,17 +17240,6 @@
               <a:t>特論</a:t>
             </a:r>
             <a:endParaRPr kumimoji="1" lang="en-US" altLang="ja-JP" sz="4200" dirty="0"/>
-          </a:p>
-          <a:p>
-            <a:r>
-              <a:rPr lang="ja" altLang="en-US" sz="4200" dirty="0"/>
-              <a:t>データサイエンス</a:t>
-            </a:r>
-            <a:r>
-              <a:rPr lang="ja-JP" altLang="en-US" sz="4200"/>
-              <a:t>の楽しさ</a:t>
-            </a:r>
-            <a:endParaRPr lang="en-US" altLang="ja-JP" sz="4200" dirty="0"/>
           </a:p>
         </p:txBody>
       </p:sp>
@@ -13626,7 +17248,7 @@
           <p:cNvPr id="4" name="Slide Number Placeholder 3">
             <a:extLst>
               <a:ext uri="{FF2B5EF4-FFF2-40B4-BE49-F238E27FC236}">
-                <a16:creationId xmlns:a16="http://schemas.microsoft.com/office/drawing/2014/main" id="{D40EB0AC-24F2-064F-9D7F-06C75FE03B43}"/>
+                <a16:creationId xmlns:a16="http://schemas.microsoft.com/office/drawing/2014/main" id="{245B8BF2-989B-F944-AA36-2C3B20207F75}"/>
               </a:ext>
             </a:extLst>
           </p:cNvPr>
@@ -13653,10 +17275,10 @@
       </p:sp>
       <p:sp>
         <p:nvSpPr>
-          <p:cNvPr id="7" name="Footer Placeholder 6">
+          <p:cNvPr id="8" name="Footer Placeholder 7">
             <a:extLst>
               <a:ext uri="{FF2B5EF4-FFF2-40B4-BE49-F238E27FC236}">
-                <a16:creationId xmlns:a16="http://schemas.microsoft.com/office/drawing/2014/main" id="{8AFFA6CF-86CF-8F46-B696-09D69815B0C4}"/>
+                <a16:creationId xmlns:a16="http://schemas.microsoft.com/office/drawing/2014/main" id="{8F4850EF-3532-CD49-B997-A17BAB434D51}"/>
               </a:ext>
             </a:extLst>
           </p:cNvPr>
@@ -13674,7 +17296,7 @@
           <a:p>
             <a:r>
               <a:rPr kumimoji="1" lang="en-US" altLang="ja-JP"/>
-              <a:t>©︎Takato Matsumoto, 2019</a:t>
+              <a:t>@Takato Matsumoto, 2020</a:t>
             </a:r>
             <a:endParaRPr kumimoji="1" lang="ja-JP" altLang="en-US" dirty="0"/>
           </a:p>
@@ -13683,7 +17305,7 @@
     </p:spTree>
     <p:extLst>
       <p:ext uri="{BB962C8B-B14F-4D97-AF65-F5344CB8AC3E}">
-        <p14:creationId xmlns:p14="http://schemas.microsoft.com/office/powerpoint/2010/main" val="1702842519"/>
+        <p14:creationId xmlns:p14="http://schemas.microsoft.com/office/powerpoint/2010/main" val="8144270"/>
       </p:ext>
     </p:extLst>
   </p:cSld>
@@ -13712,7 +17334,7 @@
       </p:grpSpPr>
       <p:sp>
         <p:nvSpPr>
-          <p:cNvPr id="6" name="タイトル 5"/>
+          <p:cNvPr id="5" name="タイトル 4"/>
           <p:cNvSpPr>
             <a:spLocks noGrp="1"/>
           </p:cNvSpPr>
@@ -13722,35 +17344,111 @@
         </p:nvSpPr>
         <p:spPr/>
         <p:txBody>
-          <a:bodyPr/>
+          <a:bodyPr>
+            <a:normAutofit/>
+          </a:bodyPr>
           <a:lstStyle/>
           <a:p>
             <a:r>
-              <a:rPr lang="ja" altLang="en-US" dirty="0"/>
+              <a:rPr kumimoji="1" lang="ja-JP" altLang="en-US" sz="6600" dirty="0"/>
+              <a:t>コンテンツ</a:t>
+            </a:r>
+          </a:p>
+        </p:txBody>
+      </p:sp>
+      <p:sp>
+        <p:nvSpPr>
+          <p:cNvPr id="6" name="テキスト プレースホルダー 5"/>
+          <p:cNvSpPr>
+            <a:spLocks noGrp="1"/>
+          </p:cNvSpPr>
+          <p:nvPr>
+            <p:ph type="body" sz="quarter" idx="12"/>
+          </p:nvPr>
+        </p:nvSpPr>
+        <p:spPr>
+          <a:xfrm>
+            <a:off x="7709647" y="1783556"/>
+            <a:ext cx="10578353" cy="6718300"/>
+          </a:xfrm>
+        </p:spPr>
+        <p:txBody>
+          <a:bodyPr>
+            <a:normAutofit/>
+          </a:bodyPr>
+          <a:lstStyle/>
+          <a:p>
+            <a:r>
+              <a:rPr lang="ja" altLang="en-US" sz="4200" dirty="0">
+                <a:solidFill>
+                  <a:schemeClr val="accent1"/>
+                </a:solidFill>
+              </a:rPr>
               <a:t>自己紹介</a:t>
             </a:r>
-            <a:r>
-              <a:rPr lang="en-US" altLang="ja" dirty="0"/>
-              <a:t> |</a:t>
-            </a:r>
-            <a:r>
-              <a:rPr lang="ja-JP" altLang="en-US"/>
-              <a:t> </a:t>
-            </a:r>
-            <a:r>
-              <a:rPr lang="ja" altLang="en-US" dirty="0"/>
-              <a:t>プロフィール</a:t>
-            </a:r>
-            <a:endParaRPr kumimoji="1" lang="ja-JP" altLang="en-US" dirty="0"/>
-          </a:p>
-        </p:txBody>
-      </p:sp>
-      <p:sp>
-        <p:nvSpPr>
-          <p:cNvPr id="13" name="Slide Number Placeholder 12">
+            <a:endParaRPr lang="en-US" altLang="ja" sz="4200" dirty="0">
+              <a:solidFill>
+                <a:schemeClr val="accent1"/>
+              </a:solidFill>
+            </a:endParaRPr>
+          </a:p>
+          <a:p>
+            <a:r>
+              <a:rPr lang="ja-JP" altLang="en-US" sz="4200"/>
+              <a:t>データ</a:t>
+            </a:r>
+            <a:r>
+              <a:rPr lang="ja" altLang="en-US" sz="4200" dirty="0"/>
+              <a:t>アントレプレナーフェロープログラム</a:t>
+            </a:r>
+            <a:r>
+              <a:rPr lang="en-US" altLang="ja" sz="4200" dirty="0"/>
+              <a:t>(</a:t>
+            </a:r>
+            <a:r>
+              <a:rPr lang="en-US" altLang="ja" sz="4200" dirty="0" err="1"/>
+              <a:t>Defp</a:t>
+            </a:r>
+            <a:r>
+              <a:rPr lang="en-US" altLang="ja" sz="4200" dirty="0"/>
+              <a:t>)</a:t>
+            </a:r>
+            <a:r>
+              <a:rPr lang="ja-JP" altLang="en-US" sz="4200"/>
+              <a:t>の紹介</a:t>
+            </a:r>
+            <a:endParaRPr lang="en-US" altLang="ja-JP" sz="4200" dirty="0"/>
+          </a:p>
+          <a:p>
+            <a:r>
+              <a:rPr kumimoji="1" lang="ja" altLang="en-US" sz="4200" dirty="0"/>
+              <a:t>データアントレプレナー</a:t>
+            </a:r>
+            <a:r>
+              <a:rPr kumimoji="1" lang="ja-JP" altLang="en-US" sz="4200"/>
+              <a:t>実践論</a:t>
+            </a:r>
+            <a:endParaRPr kumimoji="1" lang="en-US" altLang="ja-JP" sz="4200" dirty="0"/>
+          </a:p>
+          <a:p>
+            <a:r>
+              <a:rPr kumimoji="1" lang="ja" altLang="en-US" sz="4200" dirty="0"/>
+              <a:t>データサイエンティスト</a:t>
+            </a:r>
+            <a:r>
+              <a:rPr kumimoji="1" lang="ja-JP" altLang="en-US" sz="4200"/>
+              <a:t>特論</a:t>
+            </a:r>
+            <a:endParaRPr kumimoji="1" lang="en-US" altLang="ja-JP" sz="4200" dirty="0"/>
+          </a:p>
+        </p:txBody>
+      </p:sp>
+      <p:sp>
+        <p:nvSpPr>
+          <p:cNvPr id="4" name="Slide Number Placeholder 3">
             <a:extLst>
               <a:ext uri="{FF2B5EF4-FFF2-40B4-BE49-F238E27FC236}">
-                <a16:creationId xmlns:a16="http://schemas.microsoft.com/office/drawing/2014/main" id="{3AF6D607-2274-C241-9E66-EC5B750A3F64}"/>
+                <a16:creationId xmlns:a16="http://schemas.microsoft.com/office/drawing/2014/main" id="{D40EB0AC-24F2-064F-9D7F-06C75FE03B43}"/>
               </a:ext>
             </a:extLst>
           </p:cNvPr>
@@ -13777,10 +17475,10 @@
       </p:sp>
       <p:sp>
         <p:nvSpPr>
-          <p:cNvPr id="14" name="Footer Placeholder 13">
+          <p:cNvPr id="7" name="Footer Placeholder 6">
             <a:extLst>
               <a:ext uri="{FF2B5EF4-FFF2-40B4-BE49-F238E27FC236}">
-                <a16:creationId xmlns:a16="http://schemas.microsoft.com/office/drawing/2014/main" id="{60A5B3BC-75C1-1A41-B962-17B720164E38}"/>
+                <a16:creationId xmlns:a16="http://schemas.microsoft.com/office/drawing/2014/main" id="{8AFFA6CF-86CF-8F46-B696-09D69815B0C4}"/>
               </a:ext>
             </a:extLst>
           </p:cNvPr>
@@ -13798,226 +17496,16 @@
           <a:p>
             <a:r>
               <a:rPr kumimoji="1" lang="en-US" altLang="ja-JP"/>
-              <a:t>©︎Takato Matsumoto, 2019</a:t>
+              <a:t>@Takato Matsumoto, 2020</a:t>
             </a:r>
             <a:endParaRPr kumimoji="1" lang="ja-JP" altLang="en-US" dirty="0"/>
-          </a:p>
-        </p:txBody>
-      </p:sp>
-      <p:pic>
-        <p:nvPicPr>
-          <p:cNvPr id="5" name="Picture Placeholder 4">
-            <a:extLst>
-              <a:ext uri="{FF2B5EF4-FFF2-40B4-BE49-F238E27FC236}">
-                <a16:creationId xmlns:a16="http://schemas.microsoft.com/office/drawing/2014/main" id="{EC4ECACD-2090-DD4F-98E9-0B1FB4F6D438}"/>
-              </a:ext>
-            </a:extLst>
-          </p:cNvPr>
-          <p:cNvPicPr>
-            <a:picLocks noGrp="1" noChangeAspect="1"/>
-          </p:cNvPicPr>
-          <p:nvPr>
-            <p:ph type="pic" sz="quarter" idx="13"/>
-          </p:nvPr>
-        </p:nvPicPr>
-        <p:blipFill>
-          <a:blip r:embed="rId2">
-            <a:extLst>
-              <a:ext uri="{28A0092B-C50C-407E-A947-70E740481C1C}">
-                <a14:useLocalDpi xmlns:a14="http://schemas.microsoft.com/office/drawing/2010/main" val="0"/>
-              </a:ext>
-            </a:extLst>
-          </a:blip>
-          <a:srcRect l="13138" r="13138"/>
-          <a:stretch>
-            <a:fillRect/>
-          </a:stretch>
-        </p:blipFill>
-        <p:spPr>
-          <a:xfrm>
-            <a:off x="674505" y="2109789"/>
-            <a:ext cx="6711187" cy="6824350"/>
-          </a:xfrm>
-        </p:spPr>
-      </p:pic>
-      <p:sp>
-        <p:nvSpPr>
-          <p:cNvPr id="15" name="テキスト プレースホルダー 9">
-            <a:extLst>
-              <a:ext uri="{FF2B5EF4-FFF2-40B4-BE49-F238E27FC236}">
-                <a16:creationId xmlns:a16="http://schemas.microsoft.com/office/drawing/2014/main" id="{21CDE7E6-D8B7-2647-BB58-9B39699E717B}"/>
-              </a:ext>
-            </a:extLst>
-          </p:cNvPr>
-          <p:cNvSpPr>
-            <a:spLocks noGrp="1"/>
-          </p:cNvSpPr>
-          <p:nvPr>
-            <p:ph type="body" sz="quarter" idx="12"/>
-          </p:nvPr>
-        </p:nvSpPr>
-        <p:spPr>
-          <a:xfrm>
-            <a:off x="7684171" y="1549342"/>
-            <a:ext cx="10315071" cy="8072438"/>
-          </a:xfrm>
-        </p:spPr>
-        <p:txBody>
-          <a:bodyPr>
-            <a:normAutofit/>
-          </a:bodyPr>
-          <a:lstStyle/>
-          <a:p>
-            <a:r>
-              <a:rPr lang="zh-CN" altLang="en-US" sz="4000" dirty="0"/>
-              <a:t>千葉大学工学部</a:t>
-            </a:r>
-            <a:r>
-              <a:rPr lang="ja-JP" altLang="en-US" sz="4000"/>
-              <a:t>卒業</a:t>
-            </a:r>
-            <a:endParaRPr lang="en-US" altLang="zh-TW" sz="4000" dirty="0"/>
-          </a:p>
-          <a:p>
-            <a:r>
-              <a:rPr lang="zh-TW" altLang="en-US" sz="4000" dirty="0"/>
-              <a:t>東京農工大学</a:t>
-            </a:r>
-            <a:r>
-              <a:rPr lang="ja-JP" altLang="en-US" sz="4000"/>
-              <a:t>工学府</a:t>
-            </a:r>
-            <a:r>
-              <a:rPr lang="ja" altLang="en-US" sz="4000" dirty="0"/>
-              <a:t>修了</a:t>
-            </a:r>
-            <a:endParaRPr lang="en-US" altLang="ja-JP" sz="4000" dirty="0"/>
-          </a:p>
-          <a:p>
-            <a:pPr lvl="1"/>
-            <a:r>
-              <a:rPr lang="ja" altLang="en-US" sz="3600" dirty="0"/>
-              <a:t>情報工学専攻</a:t>
-            </a:r>
-            <a:endParaRPr lang="en-US" altLang="ja" sz="3600" dirty="0"/>
-          </a:p>
-          <a:p>
-            <a:pPr lvl="1"/>
-            <a:r>
-              <a:rPr lang="ja-JP" altLang="en-US" sz="3600"/>
-              <a:t>データを用いたデバイスの研究を</a:t>
-            </a:r>
-            <a:r>
-              <a:rPr lang="ja" altLang="en-US" sz="3600" dirty="0"/>
-              <a:t>行なっていた</a:t>
-            </a:r>
-            <a:endParaRPr lang="en-US" altLang="ja" sz="3600" dirty="0"/>
-          </a:p>
-          <a:p>
-            <a:r>
-              <a:rPr lang="ja-JP" altLang="en-US" sz="4000"/>
-              <a:t>インターン経験</a:t>
-            </a:r>
-            <a:endParaRPr lang="en-US" altLang="ja-JP" sz="4000" dirty="0"/>
-          </a:p>
-          <a:p>
-            <a:pPr lvl="1"/>
-            <a:r>
-              <a:rPr lang="ja-JP" altLang="en-US" sz="3600"/>
-              <a:t>ソフトウェアエンジニア</a:t>
-            </a:r>
-            <a:endParaRPr lang="en-US" altLang="ja-JP" sz="3600" dirty="0"/>
-          </a:p>
-          <a:p>
-            <a:pPr lvl="1"/>
-            <a:r>
-              <a:rPr lang="ja-JP" altLang="en-US" sz="3600"/>
-              <a:t>データ</a:t>
-            </a:r>
-            <a:r>
-              <a:rPr lang="ja" altLang="en-US" sz="3600" dirty="0"/>
-              <a:t>サイ</a:t>
-            </a:r>
-            <a:r>
-              <a:rPr lang="ja-JP" altLang="en-US" sz="3600"/>
-              <a:t>エ</a:t>
-            </a:r>
-            <a:r>
-              <a:rPr lang="ja" altLang="en-US" sz="3600" dirty="0"/>
-              <a:t>ンティスト</a:t>
-            </a:r>
-            <a:endParaRPr lang="en-US" altLang="ja" sz="3600" dirty="0"/>
-          </a:p>
-        </p:txBody>
-      </p:sp>
-      <p:sp>
-        <p:nvSpPr>
-          <p:cNvPr id="16" name="TextBox 15">
-            <a:extLst>
-              <a:ext uri="{FF2B5EF4-FFF2-40B4-BE49-F238E27FC236}">
-                <a16:creationId xmlns:a16="http://schemas.microsoft.com/office/drawing/2014/main" id="{3BB766C1-77F4-744F-8C32-DACB07F32A2B}"/>
-              </a:ext>
-            </a:extLst>
-          </p:cNvPr>
-          <p:cNvSpPr txBox="1"/>
-          <p:nvPr/>
-        </p:nvSpPr>
-        <p:spPr>
-          <a:xfrm>
-            <a:off x="1968085" y="9301491"/>
-            <a:ext cx="4217821" cy="523220"/>
-          </a:xfrm>
-          <a:prstGeom prst="rect">
-            <a:avLst/>
-          </a:prstGeom>
-          <a:noFill/>
-        </p:spPr>
-        <p:txBody>
-          <a:bodyPr wrap="none" rtlCol="0">
-            <a:spAutoFit/>
-          </a:bodyPr>
-          <a:lstStyle/>
-          <a:p>
-            <a:r>
-              <a:rPr kumimoji="1" lang="ja-JP" altLang="en-US" sz="2800"/>
-              <a:t>松本</a:t>
-            </a:r>
-            <a:r>
-              <a:rPr kumimoji="1" lang="en-US" altLang="ja-JP" sz="2800" dirty="0"/>
-              <a:t> </a:t>
-            </a:r>
-            <a:r>
-              <a:rPr kumimoji="1" lang="ja-JP" altLang="en-US" sz="2800"/>
-              <a:t>崇斗</a:t>
-            </a:r>
-            <a:r>
-              <a:rPr kumimoji="1" lang="en-US" altLang="ja-JP" sz="2800" dirty="0"/>
-              <a:t>(</a:t>
-            </a:r>
-            <a:r>
-              <a:rPr kumimoji="1" lang="ja-JP" altLang="en-US" sz="2800"/>
-              <a:t>まつもと</a:t>
-            </a:r>
-            <a:r>
-              <a:rPr kumimoji="1" lang="en-US" altLang="ja-JP" sz="2800" dirty="0"/>
-              <a:t> </a:t>
-            </a:r>
-            <a:r>
-              <a:rPr kumimoji="1" lang="ja-JP" altLang="en-US" sz="2800"/>
-              <a:t>たかと</a:t>
-            </a:r>
-            <a:r>
-              <a:rPr kumimoji="1" lang="en-US" altLang="ja-JP" sz="2800" dirty="0"/>
-              <a:t>)</a:t>
-            </a:r>
-            <a:endParaRPr kumimoji="1" lang="en-US" sz="2800" dirty="0"/>
           </a:p>
         </p:txBody>
       </p:sp>
     </p:spTree>
     <p:extLst>
       <p:ext uri="{BB962C8B-B14F-4D97-AF65-F5344CB8AC3E}">
-        <p14:creationId xmlns:p14="http://schemas.microsoft.com/office/powerpoint/2010/main" val="3982945703"/>
+        <p14:creationId xmlns:p14="http://schemas.microsoft.com/office/powerpoint/2010/main" val="1702842519"/>
       </p:ext>
     </p:extLst>
   </p:cSld>
@@ -14028,6 +17516,346 @@
 </file>
 
 <file path=ppt/slides/slide5.xml><?xml version="1.0" encoding="utf-8"?>
+<p:sld xmlns:a="http://schemas.openxmlformats.org/drawingml/2006/main" xmlns:r="http://schemas.openxmlformats.org/officeDocument/2006/relationships" xmlns:p="http://schemas.openxmlformats.org/presentationml/2006/main">
+  <p:cSld>
+    <p:spTree>
+      <p:nvGrpSpPr>
+        <p:cNvPr id="1" name=""/>
+        <p:cNvGrpSpPr/>
+        <p:nvPr/>
+      </p:nvGrpSpPr>
+      <p:grpSpPr>
+        <a:xfrm>
+          <a:off x="0" y="0"/>
+          <a:ext cx="0" cy="0"/>
+          <a:chOff x="0" y="0"/>
+          <a:chExt cx="0" cy="0"/>
+        </a:xfrm>
+      </p:grpSpPr>
+      <p:sp>
+        <p:nvSpPr>
+          <p:cNvPr id="6" name="タイトル 5"/>
+          <p:cNvSpPr>
+            <a:spLocks noGrp="1"/>
+          </p:cNvSpPr>
+          <p:nvPr>
+            <p:ph type="title"/>
+          </p:nvPr>
+        </p:nvSpPr>
+        <p:spPr/>
+        <p:txBody>
+          <a:bodyPr/>
+          <a:lstStyle/>
+          <a:p>
+            <a:r>
+              <a:rPr lang="ja" altLang="en-US" dirty="0"/>
+              <a:t>自己紹介</a:t>
+            </a:r>
+            <a:r>
+              <a:rPr lang="en-US" altLang="ja" dirty="0"/>
+              <a:t> |</a:t>
+            </a:r>
+            <a:r>
+              <a:rPr lang="ja-JP" altLang="en-US"/>
+              <a:t> </a:t>
+            </a:r>
+            <a:r>
+              <a:rPr lang="ja" altLang="en-US" dirty="0"/>
+              <a:t>プロフィール</a:t>
+            </a:r>
+            <a:endParaRPr kumimoji="1" lang="ja-JP" altLang="en-US" dirty="0"/>
+          </a:p>
+        </p:txBody>
+      </p:sp>
+      <p:sp>
+        <p:nvSpPr>
+          <p:cNvPr id="13" name="Slide Number Placeholder 12">
+            <a:extLst>
+              <a:ext uri="{FF2B5EF4-FFF2-40B4-BE49-F238E27FC236}">
+                <a16:creationId xmlns:a16="http://schemas.microsoft.com/office/drawing/2014/main" id="{3AF6D607-2274-C241-9E66-EC5B750A3F64}"/>
+              </a:ext>
+            </a:extLst>
+          </p:cNvPr>
+          <p:cNvSpPr>
+            <a:spLocks noGrp="1"/>
+          </p:cNvSpPr>
+          <p:nvPr>
+            <p:ph type="sldNum" sz="quarter" idx="10"/>
+          </p:nvPr>
+        </p:nvSpPr>
+        <p:spPr/>
+        <p:txBody>
+          <a:bodyPr/>
+          <a:lstStyle/>
+          <a:p>
+            <a:fld id="{D28C7C6D-0F52-4FBA-8358-35C6083C2133}" type="slidenum">
+              <a:rPr kumimoji="1" lang="ja-JP" altLang="en-US" smtClean="0"/>
+              <a:pPr/>
+              <a:t>5</a:t>
+            </a:fld>
+            <a:endParaRPr kumimoji="1" lang="ja-JP" altLang="en-US"/>
+          </a:p>
+        </p:txBody>
+      </p:sp>
+      <p:sp>
+        <p:nvSpPr>
+          <p:cNvPr id="14" name="Footer Placeholder 13">
+            <a:extLst>
+              <a:ext uri="{FF2B5EF4-FFF2-40B4-BE49-F238E27FC236}">
+                <a16:creationId xmlns:a16="http://schemas.microsoft.com/office/drawing/2014/main" id="{60A5B3BC-75C1-1A41-B962-17B720164E38}"/>
+              </a:ext>
+            </a:extLst>
+          </p:cNvPr>
+          <p:cNvSpPr>
+            <a:spLocks noGrp="1"/>
+          </p:cNvSpPr>
+          <p:nvPr>
+            <p:ph type="ftr" sz="quarter" idx="11"/>
+          </p:nvPr>
+        </p:nvSpPr>
+        <p:spPr/>
+        <p:txBody>
+          <a:bodyPr/>
+          <a:lstStyle/>
+          <a:p>
+            <a:r>
+              <a:rPr kumimoji="1" lang="en-US" altLang="ja-JP"/>
+              <a:t>@Takato Matsumoto, 2020</a:t>
+            </a:r>
+            <a:endParaRPr kumimoji="1" lang="ja-JP" altLang="en-US" dirty="0"/>
+          </a:p>
+        </p:txBody>
+      </p:sp>
+      <p:sp>
+        <p:nvSpPr>
+          <p:cNvPr id="15" name="テキスト プレースホルダー 9">
+            <a:extLst>
+              <a:ext uri="{FF2B5EF4-FFF2-40B4-BE49-F238E27FC236}">
+                <a16:creationId xmlns:a16="http://schemas.microsoft.com/office/drawing/2014/main" id="{21CDE7E6-D8B7-2647-BB58-9B39699E717B}"/>
+              </a:ext>
+            </a:extLst>
+          </p:cNvPr>
+          <p:cNvSpPr>
+            <a:spLocks noGrp="1"/>
+          </p:cNvSpPr>
+          <p:nvPr>
+            <p:ph type="body" sz="quarter" idx="12"/>
+          </p:nvPr>
+        </p:nvSpPr>
+        <p:spPr>
+          <a:xfrm>
+            <a:off x="7282543" y="1490663"/>
+            <a:ext cx="11005457" cy="8072438"/>
+          </a:xfrm>
+        </p:spPr>
+        <p:txBody>
+          <a:bodyPr>
+            <a:normAutofit/>
+          </a:bodyPr>
+          <a:lstStyle/>
+          <a:p>
+            <a:r>
+              <a:rPr lang="ja-JP" altLang="en-US" sz="4000"/>
+              <a:t>株式会社リコー</a:t>
+            </a:r>
+            <a:r>
+              <a:rPr lang="en-US" altLang="ja-JP" sz="4000" dirty="0"/>
+              <a:t> </a:t>
+            </a:r>
+            <a:r>
+              <a:rPr lang="ja-JP" altLang="en-US" sz="4000"/>
+              <a:t>経営企画本部</a:t>
+            </a:r>
+            <a:endParaRPr lang="en-US" altLang="zh-TW" sz="4000" dirty="0"/>
+          </a:p>
+          <a:p>
+            <a:r>
+              <a:rPr lang="zh-TW" altLang="en-US" sz="4000" dirty="0"/>
+              <a:t>東京農工大学</a:t>
+            </a:r>
+            <a:r>
+              <a:rPr lang="ja-JP" altLang="en-US" sz="4000"/>
+              <a:t>工学府</a:t>
+            </a:r>
+            <a:r>
+              <a:rPr lang="ja" altLang="en-US" sz="4000" dirty="0"/>
+              <a:t>修了</a:t>
+            </a:r>
+            <a:endParaRPr lang="en-US" altLang="ja-JP" sz="4000" dirty="0"/>
+          </a:p>
+          <a:p>
+            <a:pPr lvl="1"/>
+            <a:r>
+              <a:rPr lang="ja" altLang="en-US" sz="3600" dirty="0"/>
+              <a:t>情報工学専攻</a:t>
+            </a:r>
+            <a:endParaRPr lang="en-US" altLang="ja" sz="3600" dirty="0"/>
+          </a:p>
+          <a:p>
+            <a:pPr lvl="1"/>
+            <a:r>
+              <a:rPr lang="ja-JP" altLang="en-US" sz="3600"/>
+              <a:t>データを用いたデバイスの研究を</a:t>
+            </a:r>
+            <a:r>
+              <a:rPr lang="ja" altLang="en-US" sz="3600" dirty="0"/>
+              <a:t>行なって</a:t>
+            </a:r>
+            <a:r>
+              <a:rPr lang="ja-JP" altLang="en-US" sz="3600"/>
+              <a:t>いました</a:t>
+            </a:r>
+            <a:endParaRPr lang="en-US" altLang="ja" sz="3600" dirty="0"/>
+          </a:p>
+          <a:p>
+            <a:r>
+              <a:rPr lang="ja-JP" altLang="en-US" sz="4000"/>
+              <a:t>インターン経験</a:t>
+            </a:r>
+            <a:endParaRPr lang="en-US" altLang="ja-JP" sz="4000" dirty="0"/>
+          </a:p>
+          <a:p>
+            <a:pPr lvl="1"/>
+            <a:r>
+              <a:rPr lang="ja-JP" altLang="en-US" sz="3600"/>
+              <a:t>ソフトウェアエンジニア</a:t>
+            </a:r>
+            <a:endParaRPr lang="en-US" altLang="ja-JP" sz="3600" dirty="0"/>
+          </a:p>
+          <a:p>
+            <a:pPr lvl="1"/>
+            <a:r>
+              <a:rPr lang="ja-JP" altLang="en-US" sz="3600"/>
+              <a:t>データ</a:t>
+            </a:r>
+            <a:r>
+              <a:rPr lang="ja" altLang="en-US" sz="3600" dirty="0"/>
+              <a:t>サイ</a:t>
+            </a:r>
+            <a:r>
+              <a:rPr lang="ja-JP" altLang="en-US" sz="3600"/>
+              <a:t>エ</a:t>
+            </a:r>
+            <a:r>
+              <a:rPr lang="ja" altLang="en-US" sz="3600"/>
+              <a:t>ンティスト</a:t>
+            </a:r>
+            <a:endParaRPr lang="en-US" altLang="ja" sz="3600" dirty="0"/>
+          </a:p>
+        </p:txBody>
+      </p:sp>
+      <p:sp>
+        <p:nvSpPr>
+          <p:cNvPr id="16" name="TextBox 15">
+            <a:extLst>
+              <a:ext uri="{FF2B5EF4-FFF2-40B4-BE49-F238E27FC236}">
+                <a16:creationId xmlns:a16="http://schemas.microsoft.com/office/drawing/2014/main" id="{3BB766C1-77F4-744F-8C32-DACB07F32A2B}"/>
+              </a:ext>
+            </a:extLst>
+          </p:cNvPr>
+          <p:cNvSpPr txBox="1"/>
+          <p:nvPr/>
+        </p:nvSpPr>
+        <p:spPr>
+          <a:xfrm>
+            <a:off x="1968085" y="9301491"/>
+            <a:ext cx="4217821" cy="523220"/>
+          </a:xfrm>
+          <a:prstGeom prst="rect">
+            <a:avLst/>
+          </a:prstGeom>
+          <a:noFill/>
+        </p:spPr>
+        <p:txBody>
+          <a:bodyPr wrap="none" rtlCol="0">
+            <a:spAutoFit/>
+          </a:bodyPr>
+          <a:lstStyle/>
+          <a:p>
+            <a:r>
+              <a:rPr kumimoji="1" lang="ja-JP" altLang="en-US" sz="2800"/>
+              <a:t>松本</a:t>
+            </a:r>
+            <a:r>
+              <a:rPr kumimoji="1" lang="en-US" altLang="ja-JP" sz="2800" dirty="0"/>
+              <a:t> </a:t>
+            </a:r>
+            <a:r>
+              <a:rPr kumimoji="1" lang="ja-JP" altLang="en-US" sz="2800"/>
+              <a:t>崇斗</a:t>
+            </a:r>
+            <a:r>
+              <a:rPr kumimoji="1" lang="en-US" altLang="ja-JP" sz="2800" dirty="0"/>
+              <a:t>(</a:t>
+            </a:r>
+            <a:r>
+              <a:rPr kumimoji="1" lang="ja-JP" altLang="en-US" sz="2800"/>
+              <a:t>まつもと</a:t>
+            </a:r>
+            <a:r>
+              <a:rPr kumimoji="1" lang="en-US" altLang="ja-JP" sz="2800" dirty="0"/>
+              <a:t> </a:t>
+            </a:r>
+            <a:r>
+              <a:rPr kumimoji="1" lang="ja-JP" altLang="en-US" sz="2800"/>
+              <a:t>たかと</a:t>
+            </a:r>
+            <a:r>
+              <a:rPr kumimoji="1" lang="en-US" altLang="ja-JP" sz="2800" dirty="0"/>
+              <a:t>)</a:t>
+            </a:r>
+            <a:endParaRPr kumimoji="1" lang="en-US" sz="2800" dirty="0"/>
+          </a:p>
+        </p:txBody>
+      </p:sp>
+      <p:pic>
+        <p:nvPicPr>
+          <p:cNvPr id="11" name="Picture Placeholder 10" descr="A picture containing train, person, outdoor, fence&#10;&#10;Description automatically generated">
+            <a:extLst>
+              <a:ext uri="{FF2B5EF4-FFF2-40B4-BE49-F238E27FC236}">
+                <a16:creationId xmlns:a16="http://schemas.microsoft.com/office/drawing/2014/main" id="{273D204B-6282-A14A-B790-47CA91A2008B}"/>
+              </a:ext>
+            </a:extLst>
+          </p:cNvPr>
+          <p:cNvPicPr>
+            <a:picLocks noGrp="1" noChangeAspect="1"/>
+          </p:cNvPicPr>
+          <p:nvPr>
+            <p:ph type="pic" sz="quarter" idx="13"/>
+          </p:nvPr>
+        </p:nvPicPr>
+        <p:blipFill rotWithShape="1">
+          <a:blip r:embed="rId2">
+            <a:extLst>
+              <a:ext uri="{28A0092B-C50C-407E-A947-70E740481C1C}">
+                <a14:useLocalDpi xmlns:a14="http://schemas.microsoft.com/office/drawing/2010/main" val="0"/>
+              </a:ext>
+            </a:extLst>
+          </a:blip>
+          <a:srcRect l="13432" t="-421" r="39426" b="421"/>
+          <a:stretch/>
+        </p:blipFill>
+        <p:spPr>
+          <a:xfrm>
+            <a:off x="1188722" y="2139500"/>
+            <a:ext cx="5778123" cy="6894000"/>
+          </a:xfrm>
+        </p:spPr>
+      </p:pic>
+    </p:spTree>
+    <p:extLst>
+      <p:ext uri="{BB962C8B-B14F-4D97-AF65-F5344CB8AC3E}">
+        <p14:creationId xmlns:p14="http://schemas.microsoft.com/office/powerpoint/2010/main" val="3904245901"/>
+      </p:ext>
+    </p:extLst>
+  </p:cSld>
+  <p:clrMapOvr>
+    <a:masterClrMapping/>
+  </p:clrMapOvr>
+</p:sld>
+</file>
+
+<file path=ppt/slides/slide6.xml><?xml version="1.0" encoding="utf-8"?>
 <p:sld xmlns:a="http://schemas.openxmlformats.org/drawingml/2006/main" xmlns:r="http://schemas.openxmlformats.org/officeDocument/2006/relationships" xmlns:p="http://schemas.openxmlformats.org/presentationml/2006/main">
   <p:cSld>
     <p:spTree>
@@ -14342,7 +18170,15 @@
               <a:rPr lang="ja" altLang="en-US" sz="3600" dirty="0"/>
               <a:t>かけていだたきました</a:t>
             </a:r>
-            <a:endParaRPr lang="en-US" altLang="ja-JP" sz="2800" dirty="0"/>
+            <a:endParaRPr lang="en-US" altLang="ja" sz="3600" dirty="0"/>
+          </a:p>
+          <a:p>
+            <a:pPr lvl="1"/>
+            <a:r>
+              <a:rPr lang="ja-JP" altLang="en-US" sz="2800"/>
+              <a:t>昨年もお世話になりました</a:t>
+            </a:r>
+            <a:endParaRPr lang="en-US" altLang="ja-JP" sz="2000" dirty="0"/>
           </a:p>
           <a:p>
             <a:pPr marL="0" indent="0">
@@ -14377,7 +18213,7 @@
             <a:fld id="{D28C7C6D-0F52-4FBA-8358-35C6083C2133}" type="slidenum">
               <a:rPr kumimoji="1" lang="ja-JP" altLang="en-US" smtClean="0"/>
               <a:pPr/>
-              <a:t>5</a:t>
+              <a:t>6</a:t>
             </a:fld>
             <a:endParaRPr kumimoji="1" lang="ja-JP" altLang="en-US"/>
           </a:p>
@@ -14406,7 +18242,7 @@
           <a:p>
             <a:r>
               <a:rPr kumimoji="1" lang="en-US" altLang="ja-JP"/>
-              <a:t>©︎Takato Matsumoto, 2019</a:t>
+              <a:t>@Takato Matsumoto, 2020</a:t>
             </a:r>
             <a:endParaRPr kumimoji="1" lang="ja-JP" altLang="en-US" dirty="0"/>
           </a:p>
@@ -14416,237 +18252,6 @@
     <p:extLst>
       <p:ext uri="{BB962C8B-B14F-4D97-AF65-F5344CB8AC3E}">
         <p14:creationId xmlns:p14="http://schemas.microsoft.com/office/powerpoint/2010/main" val="3535425263"/>
-      </p:ext>
-    </p:extLst>
-  </p:cSld>
-  <p:clrMapOvr>
-    <a:masterClrMapping/>
-  </p:clrMapOvr>
-</p:sld>
-</file>
-
-<file path=ppt/slides/slide6.xml><?xml version="1.0" encoding="utf-8"?>
-<p:sld xmlns:a="http://schemas.openxmlformats.org/drawingml/2006/main" xmlns:r="http://schemas.openxmlformats.org/officeDocument/2006/relationships" xmlns:p="http://schemas.openxmlformats.org/presentationml/2006/main">
-  <p:cSld>
-    <p:spTree>
-      <p:nvGrpSpPr>
-        <p:cNvPr id="1" name=""/>
-        <p:cNvGrpSpPr/>
-        <p:nvPr/>
-      </p:nvGrpSpPr>
-      <p:grpSpPr>
-        <a:xfrm>
-          <a:off x="0" y="0"/>
-          <a:ext cx="0" cy="0"/>
-          <a:chOff x="0" y="0"/>
-          <a:chExt cx="0" cy="0"/>
-        </a:xfrm>
-      </p:grpSpPr>
-      <p:sp>
-        <p:nvSpPr>
-          <p:cNvPr id="5" name="タイトル 4"/>
-          <p:cNvSpPr>
-            <a:spLocks noGrp="1"/>
-          </p:cNvSpPr>
-          <p:nvPr>
-            <p:ph type="title"/>
-          </p:nvPr>
-        </p:nvSpPr>
-        <p:spPr/>
-        <p:txBody>
-          <a:bodyPr>
-            <a:normAutofit/>
-          </a:bodyPr>
-          <a:lstStyle/>
-          <a:p>
-            <a:r>
-              <a:rPr kumimoji="1" lang="ja-JP" altLang="en-US" sz="6600" dirty="0"/>
-              <a:t>コンテンツ</a:t>
-            </a:r>
-          </a:p>
-        </p:txBody>
-      </p:sp>
-      <p:sp>
-        <p:nvSpPr>
-          <p:cNvPr id="6" name="テキスト プレースホルダー 5"/>
-          <p:cNvSpPr>
-            <a:spLocks noGrp="1"/>
-          </p:cNvSpPr>
-          <p:nvPr>
-            <p:ph type="body" sz="quarter" idx="12"/>
-          </p:nvPr>
-        </p:nvSpPr>
-        <p:spPr>
-          <a:xfrm>
-            <a:off x="7709647" y="1783556"/>
-            <a:ext cx="10578353" cy="6718300"/>
-          </a:xfrm>
-        </p:spPr>
-        <p:txBody>
-          <a:bodyPr>
-            <a:normAutofit/>
-          </a:bodyPr>
-          <a:lstStyle/>
-          <a:p>
-            <a:r>
-              <a:rPr lang="ja" altLang="en-US" sz="4200" dirty="0"/>
-              <a:t>自己紹介</a:t>
-            </a:r>
-            <a:endParaRPr lang="en-US" altLang="ja" sz="4200" dirty="0"/>
-          </a:p>
-          <a:p>
-            <a:r>
-              <a:rPr lang="ja-JP" altLang="en-US" sz="4200">
-                <a:solidFill>
-                  <a:schemeClr val="accent1"/>
-                </a:solidFill>
-              </a:rPr>
-              <a:t>データ</a:t>
-            </a:r>
-            <a:r>
-              <a:rPr lang="ja" altLang="en-US" sz="4200" dirty="0">
-                <a:solidFill>
-                  <a:schemeClr val="accent1"/>
-                </a:solidFill>
-              </a:rPr>
-              <a:t>アントレプレナーフェロープログラム</a:t>
-            </a:r>
-            <a:r>
-              <a:rPr lang="en-US" altLang="ja" sz="4200" dirty="0">
-                <a:solidFill>
-                  <a:schemeClr val="accent1"/>
-                </a:solidFill>
-              </a:rPr>
-              <a:t>(</a:t>
-            </a:r>
-            <a:r>
-              <a:rPr lang="en-US" altLang="ja" sz="4200" dirty="0" err="1">
-                <a:solidFill>
-                  <a:schemeClr val="accent1"/>
-                </a:solidFill>
-              </a:rPr>
-              <a:t>Defp</a:t>
-            </a:r>
-            <a:r>
-              <a:rPr lang="en-US" altLang="ja" sz="4200" dirty="0">
-                <a:solidFill>
-                  <a:schemeClr val="accent1"/>
-                </a:solidFill>
-              </a:rPr>
-              <a:t>)</a:t>
-            </a:r>
-            <a:r>
-              <a:rPr lang="ja-JP" altLang="en-US" sz="4200">
-                <a:solidFill>
-                  <a:schemeClr val="accent1"/>
-                </a:solidFill>
-              </a:rPr>
-              <a:t>の紹介</a:t>
-            </a:r>
-            <a:endParaRPr lang="en-US" altLang="ja-JP" sz="4200" dirty="0">
-              <a:solidFill>
-                <a:schemeClr val="accent1"/>
-              </a:solidFill>
-            </a:endParaRPr>
-          </a:p>
-          <a:p>
-            <a:r>
-              <a:rPr kumimoji="1" lang="ja" altLang="en-US" sz="4200" dirty="0"/>
-              <a:t>データアントレプレナー</a:t>
-            </a:r>
-            <a:r>
-              <a:rPr kumimoji="1" lang="ja-JP" altLang="en-US" sz="4200"/>
-              <a:t>実践論</a:t>
-            </a:r>
-            <a:endParaRPr kumimoji="1" lang="en-US" altLang="ja-JP" sz="4200" dirty="0"/>
-          </a:p>
-          <a:p>
-            <a:r>
-              <a:rPr kumimoji="1" lang="ja" altLang="en-US" sz="4200" dirty="0"/>
-              <a:t>データサイエンティスト</a:t>
-            </a:r>
-            <a:r>
-              <a:rPr kumimoji="1" lang="ja-JP" altLang="en-US" sz="4200"/>
-              <a:t>特論</a:t>
-            </a:r>
-            <a:endParaRPr kumimoji="1" lang="en-US" altLang="ja-JP" sz="4200" dirty="0"/>
-          </a:p>
-          <a:p>
-            <a:r>
-              <a:rPr lang="ja" altLang="en-US" sz="4200" dirty="0"/>
-              <a:t>データサイエンス</a:t>
-            </a:r>
-            <a:r>
-              <a:rPr lang="ja-JP" altLang="en-US" sz="4200"/>
-              <a:t>の楽しさ</a:t>
-            </a:r>
-            <a:endParaRPr lang="en-US" altLang="ja-JP" sz="4200" dirty="0"/>
-          </a:p>
-        </p:txBody>
-      </p:sp>
-      <p:sp>
-        <p:nvSpPr>
-          <p:cNvPr id="4" name="Slide Number Placeholder 3">
-            <a:extLst>
-              <a:ext uri="{FF2B5EF4-FFF2-40B4-BE49-F238E27FC236}">
-                <a16:creationId xmlns:a16="http://schemas.microsoft.com/office/drawing/2014/main" id="{D3E7FA87-2E39-7E4B-BE93-51F96F69162C}"/>
-              </a:ext>
-            </a:extLst>
-          </p:cNvPr>
-          <p:cNvSpPr>
-            <a:spLocks noGrp="1"/>
-          </p:cNvSpPr>
-          <p:nvPr>
-            <p:ph type="sldNum" sz="quarter" idx="10"/>
-          </p:nvPr>
-        </p:nvSpPr>
-        <p:spPr/>
-        <p:txBody>
-          <a:bodyPr/>
-          <a:lstStyle/>
-          <a:p>
-            <a:fld id="{D28C7C6D-0F52-4FBA-8358-35C6083C2133}" type="slidenum">
-              <a:rPr kumimoji="1" lang="ja-JP" altLang="en-US" smtClean="0"/>
-              <a:pPr/>
-              <a:t>6</a:t>
-            </a:fld>
-            <a:endParaRPr kumimoji="1" lang="ja-JP" altLang="en-US"/>
-          </a:p>
-        </p:txBody>
-      </p:sp>
-      <p:sp>
-        <p:nvSpPr>
-          <p:cNvPr id="7" name="Footer Placeholder 6">
-            <a:extLst>
-              <a:ext uri="{FF2B5EF4-FFF2-40B4-BE49-F238E27FC236}">
-                <a16:creationId xmlns:a16="http://schemas.microsoft.com/office/drawing/2014/main" id="{7B594C3E-0428-FD47-ABEC-E437828D8759}"/>
-              </a:ext>
-            </a:extLst>
-          </p:cNvPr>
-          <p:cNvSpPr>
-            <a:spLocks noGrp="1"/>
-          </p:cNvSpPr>
-          <p:nvPr>
-            <p:ph type="ftr" sz="quarter" idx="11"/>
-          </p:nvPr>
-        </p:nvSpPr>
-        <p:spPr/>
-        <p:txBody>
-          <a:bodyPr/>
-          <a:lstStyle/>
-          <a:p>
-            <a:r>
-              <a:rPr kumimoji="1" lang="en-US" altLang="ja-JP"/>
-              <a:t>©︎Takato Matsumoto, 2019</a:t>
-            </a:r>
-            <a:endParaRPr kumimoji="1" lang="ja-JP" altLang="en-US" dirty="0"/>
-          </a:p>
-        </p:txBody>
-      </p:sp>
-    </p:spTree>
-    <p:extLst>
-      <p:ext uri="{BB962C8B-B14F-4D97-AF65-F5344CB8AC3E}">
-        <p14:creationId xmlns:p14="http://schemas.microsoft.com/office/powerpoint/2010/main" val="2284241854"/>
       </p:ext>
     </p:extLst>
   </p:cSld>
@@ -14675,166 +18280,155 @@
       </p:grpSpPr>
       <p:sp>
         <p:nvSpPr>
-          <p:cNvPr id="7" name="テキスト プレースホルダー 6"/>
-          <p:cNvSpPr>
-            <a:spLocks noGrp="1"/>
-          </p:cNvSpPr>
-          <p:nvPr>
-            <p:ph type="body" sz="quarter" idx="14"/>
-          </p:nvPr>
-        </p:nvSpPr>
-        <p:spPr>
-          <a:xfrm>
-            <a:off x="9340948" y="1856206"/>
-            <a:ext cx="8054746" cy="3142846"/>
-          </a:xfrm>
-        </p:spPr>
-        <p:txBody>
-          <a:bodyPr/>
-          <a:lstStyle/>
-          <a:p>
-            <a:r>
-              <a:rPr lang="ja" altLang="en-US" sz="5400" dirty="0"/>
-              <a:t>データアントレプレナー</a:t>
-            </a:r>
-            <a:endParaRPr lang="en-US" altLang="ja" sz="5400" dirty="0"/>
-          </a:p>
-          <a:p>
-            <a:r>
-              <a:rPr lang="ja" altLang="en-US" sz="5400" dirty="0"/>
-              <a:t>フェロープログラム（</a:t>
-            </a:r>
-            <a:r>
-              <a:rPr lang="en-US" altLang="ja" sz="5400" dirty="0" err="1"/>
-              <a:t>Defp</a:t>
-            </a:r>
-            <a:r>
-              <a:rPr lang="ja" altLang="en-US" sz="5400" dirty="0"/>
-              <a:t>）</a:t>
-            </a:r>
-            <a:endParaRPr lang="ja-JP" altLang="en-US" sz="5400" dirty="0"/>
-          </a:p>
-        </p:txBody>
-      </p:sp>
-      <p:sp>
-        <p:nvSpPr>
-          <p:cNvPr id="8" name="テキスト プレースホルダー 7"/>
-          <p:cNvSpPr>
-            <a:spLocks noGrp="1"/>
-          </p:cNvSpPr>
-          <p:nvPr>
-            <p:ph type="body" sz="quarter" idx="15"/>
-          </p:nvPr>
-        </p:nvSpPr>
-        <p:spPr>
-          <a:xfrm>
-            <a:off x="9340948" y="5266345"/>
-            <a:ext cx="8054746" cy="3807314"/>
-          </a:xfrm>
-        </p:spPr>
+          <p:cNvPr id="5" name="タイトル 4"/>
+          <p:cNvSpPr>
+            <a:spLocks noGrp="1"/>
+          </p:cNvSpPr>
+          <p:nvPr>
+            <p:ph type="title"/>
+          </p:nvPr>
+        </p:nvSpPr>
+        <p:spPr/>
         <p:txBody>
           <a:bodyPr>
-            <a:normAutofit fontScale="92500"/>
+            <a:normAutofit/>
           </a:bodyPr>
           <a:lstStyle/>
           <a:p>
             <a:r>
-              <a:rPr lang="ja-JP" altLang="en-US" sz="4000"/>
+              <a:rPr kumimoji="1" lang="ja-JP" altLang="en-US" sz="6600" dirty="0"/>
+              <a:t>コンテンツ</a:t>
+            </a:r>
+          </a:p>
+        </p:txBody>
+      </p:sp>
+      <p:sp>
+        <p:nvSpPr>
+          <p:cNvPr id="6" name="テキスト プレースホルダー 5"/>
+          <p:cNvSpPr>
+            <a:spLocks noGrp="1"/>
+          </p:cNvSpPr>
+          <p:nvPr>
+            <p:ph type="body" sz="quarter" idx="12"/>
+          </p:nvPr>
+        </p:nvSpPr>
+        <p:spPr>
+          <a:xfrm>
+            <a:off x="7709647" y="1783556"/>
+            <a:ext cx="10578353" cy="6718300"/>
+          </a:xfrm>
+        </p:spPr>
+        <p:txBody>
+          <a:bodyPr>
+            <a:normAutofit/>
+          </a:bodyPr>
+          <a:lstStyle/>
+          <a:p>
+            <a:r>
+              <a:rPr lang="ja" altLang="en-US" sz="4200" dirty="0"/>
+              <a:t>自己紹介</a:t>
+            </a:r>
+            <a:endParaRPr lang="en-US" altLang="ja" sz="4200" dirty="0"/>
+          </a:p>
+          <a:p>
+            <a:r>
+              <a:rPr lang="ja-JP" altLang="en-US" sz="4200">
+                <a:solidFill>
+                  <a:schemeClr val="accent1"/>
+                </a:solidFill>
+              </a:rPr>
               <a:t>データ</a:t>
             </a:r>
             <a:r>
-              <a:rPr lang="ja" altLang="en-US" sz="4000" dirty="0"/>
-              <a:t>人材育成プログラム</a:t>
-            </a:r>
-            <a:endParaRPr lang="en-US" altLang="ja" sz="4000" dirty="0"/>
-          </a:p>
-          <a:p>
-            <a:pPr lvl="1"/>
-            <a:r>
-              <a:rPr lang="ja-JP" altLang="en-US" sz="3600"/>
-              <a:t>電通大で</a:t>
-            </a:r>
-            <a:r>
-              <a:rPr lang="ja" altLang="en-US" sz="3600" dirty="0"/>
-              <a:t>開催されて</a:t>
-            </a:r>
-            <a:r>
-              <a:rPr lang="ja-JP" altLang="en-US" sz="3600"/>
-              <a:t>いる</a:t>
-            </a:r>
-            <a:endParaRPr lang="en-US" altLang="ja-JP" sz="3600" dirty="0"/>
-          </a:p>
-          <a:p>
-            <a:r>
-              <a:rPr lang="ja-JP" altLang="en-US" sz="4000"/>
-              <a:t>学べること</a:t>
-            </a:r>
-            <a:endParaRPr lang="en-US" altLang="ja-JP" sz="4000" dirty="0"/>
-          </a:p>
-          <a:p>
-            <a:pPr lvl="1"/>
-            <a:r>
-              <a:rPr lang="ja-JP" altLang="en-US" sz="3600"/>
-              <a:t>データを活用した</a:t>
-            </a:r>
-            <a:r>
-              <a:rPr lang="ja" altLang="en-US" sz="3600" dirty="0"/>
-              <a:t>ビジネス</a:t>
-            </a:r>
-            <a:r>
-              <a:rPr lang="ja-JP" altLang="en-US" sz="3600"/>
-              <a:t>理論</a:t>
-            </a:r>
-            <a:r>
-              <a:rPr lang="ja" altLang="en-US" sz="3600" dirty="0"/>
-              <a:t>，</a:t>
-            </a:r>
-            <a:r>
-              <a:rPr lang="ja-JP" altLang="en-US" sz="3600"/>
-              <a:t>政策</a:t>
-            </a:r>
-            <a:endParaRPr lang="en-US" altLang="ja-JP" sz="3600" dirty="0"/>
-          </a:p>
-          <a:p>
-            <a:pPr lvl="1"/>
-            <a:r>
-              <a:rPr lang="ja" altLang="en-US" sz="3600" dirty="0"/>
-              <a:t>データ</a:t>
-            </a:r>
-            <a:r>
-              <a:rPr lang="ja-JP" altLang="en-US" sz="3600"/>
-              <a:t>分析手法，実装技術など</a:t>
-            </a:r>
-            <a:endParaRPr lang="en-US" altLang="ja-JP" sz="5400" dirty="0"/>
-          </a:p>
-        </p:txBody>
-      </p:sp>
-      <p:sp>
-        <p:nvSpPr>
-          <p:cNvPr id="10" name="フッター プレースホルダー 9"/>
-          <p:cNvSpPr>
-            <a:spLocks noGrp="1"/>
-          </p:cNvSpPr>
-          <p:nvPr>
-            <p:ph type="ftr" sz="quarter" idx="11"/>
-          </p:nvPr>
-        </p:nvSpPr>
-        <p:spPr/>
-        <p:txBody>
-          <a:bodyPr/>
-          <a:lstStyle/>
-          <a:p>
-            <a:r>
-              <a:rPr kumimoji="1" lang="en-US" altLang="ja-JP"/>
-              <a:t>©︎Takato Matsumoto, 2019</a:t>
-            </a:r>
-            <a:endParaRPr kumimoji="1" lang="ja-JP" altLang="en-US" dirty="0"/>
-          </a:p>
-        </p:txBody>
-      </p:sp>
-      <p:sp>
-        <p:nvSpPr>
-          <p:cNvPr id="11" name="スライド番号プレースホルダー 10"/>
+              <a:rPr lang="ja" altLang="en-US" sz="4200" dirty="0">
+                <a:solidFill>
+                  <a:schemeClr val="accent1"/>
+                </a:solidFill>
+              </a:rPr>
+              <a:t>アントレプレナーフェロープログラム</a:t>
+            </a:r>
+            <a:r>
+              <a:rPr lang="en-US" altLang="ja" sz="4200" dirty="0">
+                <a:solidFill>
+                  <a:schemeClr val="accent1"/>
+                </a:solidFill>
+              </a:rPr>
+              <a:t>(</a:t>
+            </a:r>
+            <a:r>
+              <a:rPr lang="en-US" altLang="ja" sz="4200" dirty="0" err="1">
+                <a:solidFill>
+                  <a:schemeClr val="accent1"/>
+                </a:solidFill>
+              </a:rPr>
+              <a:t>Defp</a:t>
+            </a:r>
+            <a:r>
+              <a:rPr lang="en-US" altLang="ja" sz="4200" dirty="0">
+                <a:solidFill>
+                  <a:schemeClr val="accent1"/>
+                </a:solidFill>
+              </a:rPr>
+              <a:t>)</a:t>
+            </a:r>
+            <a:r>
+              <a:rPr lang="ja-JP" altLang="en-US" sz="4200">
+                <a:solidFill>
+                  <a:schemeClr val="accent1"/>
+                </a:solidFill>
+              </a:rPr>
+              <a:t>の紹介</a:t>
+            </a:r>
+            <a:endParaRPr lang="en-US" altLang="ja-JP" sz="4200" dirty="0">
+              <a:solidFill>
+                <a:schemeClr val="accent1"/>
+              </a:solidFill>
+            </a:endParaRPr>
+          </a:p>
+          <a:p>
+            <a:r>
+              <a:rPr kumimoji="1" lang="ja" altLang="en-US" sz="4200" dirty="0"/>
+              <a:t>データアントレプレナー</a:t>
+            </a:r>
+            <a:r>
+              <a:rPr kumimoji="1" lang="ja-JP" altLang="en-US" sz="4200"/>
+              <a:t>実践論</a:t>
+            </a:r>
+            <a:endParaRPr kumimoji="1" lang="en-US" altLang="ja-JP" sz="4200" dirty="0"/>
+          </a:p>
+          <a:p>
+            <a:r>
+              <a:rPr kumimoji="1" lang="ja" altLang="en-US" sz="4200" dirty="0"/>
+              <a:t>データサイエンティスト</a:t>
+            </a:r>
+            <a:r>
+              <a:rPr kumimoji="1" lang="ja-JP" altLang="en-US" sz="4200"/>
+              <a:t>特論</a:t>
+            </a:r>
+            <a:endParaRPr kumimoji="1" lang="en-US" altLang="ja-JP" sz="4200" dirty="0"/>
+          </a:p>
+          <a:p>
+            <a:r>
+              <a:rPr lang="ja" altLang="en-US" sz="4200" dirty="0"/>
+              <a:t>データサイエンス</a:t>
+            </a:r>
+            <a:r>
+              <a:rPr lang="ja-JP" altLang="en-US" sz="4200"/>
+              <a:t>の楽しさ</a:t>
+            </a:r>
+            <a:endParaRPr lang="en-US" altLang="ja-JP" sz="4200" dirty="0"/>
+          </a:p>
+        </p:txBody>
+      </p:sp>
+      <p:sp>
+        <p:nvSpPr>
+          <p:cNvPr id="4" name="Slide Number Placeholder 3">
+            <a:extLst>
+              <a:ext uri="{FF2B5EF4-FFF2-40B4-BE49-F238E27FC236}">
+                <a16:creationId xmlns:a16="http://schemas.microsoft.com/office/drawing/2014/main" id="{D3E7FA87-2E39-7E4B-BE93-51F96F69162C}"/>
+              </a:ext>
+            </a:extLst>
+          </p:cNvPr>
           <p:cNvSpPr>
             <a:spLocks noGrp="1"/>
           </p:cNvSpPr>
@@ -14856,82 +18450,39 @@
           </a:p>
         </p:txBody>
       </p:sp>
-      <p:pic>
-        <p:nvPicPr>
-          <p:cNvPr id="16" name="Picture Placeholder 15">
+      <p:sp>
+        <p:nvSpPr>
+          <p:cNvPr id="7" name="Footer Placeholder 6">
             <a:extLst>
               <a:ext uri="{FF2B5EF4-FFF2-40B4-BE49-F238E27FC236}">
-                <a16:creationId xmlns:a16="http://schemas.microsoft.com/office/drawing/2014/main" id="{35C36191-2700-784D-8C53-5588D4E73F5B}"/>
+                <a16:creationId xmlns:a16="http://schemas.microsoft.com/office/drawing/2014/main" id="{7B594C3E-0428-FD47-ABEC-E437828D8759}"/>
               </a:ext>
             </a:extLst>
           </p:cNvPr>
-          <p:cNvPicPr>
-            <a:picLocks noGrp="1" noChangeAspect="1"/>
-          </p:cNvPicPr>
-          <p:nvPr>
-            <p:ph type="pic" sz="quarter" idx="12"/>
-          </p:nvPr>
-        </p:nvPicPr>
-        <p:blipFill rotWithShape="1">
-          <a:blip r:embed="rId2">
-            <a:extLst>
-              <a:ext uri="{28A0092B-C50C-407E-A947-70E740481C1C}">
-                <a14:useLocalDpi xmlns:a14="http://schemas.microsoft.com/office/drawing/2010/main" val="0"/>
-              </a:ext>
-            </a:extLst>
-          </a:blip>
-          <a:srcRect b="11548"/>
-          <a:stretch/>
-        </p:blipFill>
-        <p:spPr>
-          <a:xfrm>
-            <a:off x="0" y="0"/>
-            <a:ext cx="8197850" cy="10285413"/>
-          </a:xfrm>
-        </p:spPr>
-      </p:pic>
-      <p:sp>
-        <p:nvSpPr>
-          <p:cNvPr id="17" name="TextBox 16">
-            <a:extLst>
-              <a:ext uri="{FF2B5EF4-FFF2-40B4-BE49-F238E27FC236}">
-                <a16:creationId xmlns:a16="http://schemas.microsoft.com/office/drawing/2014/main" id="{28724D3E-BBA8-2148-B7C2-1475F22CA339}"/>
-              </a:ext>
-            </a:extLst>
-          </p:cNvPr>
-          <p:cNvSpPr txBox="1"/>
-          <p:nvPr/>
-        </p:nvSpPr>
-        <p:spPr>
-          <a:xfrm>
-            <a:off x="15959670" y="0"/>
-            <a:ext cx="2328330" cy="369332"/>
-          </a:xfrm>
-          <a:prstGeom prst="rect">
-            <a:avLst/>
-          </a:prstGeom>
-          <a:noFill/>
-        </p:spPr>
-        <p:txBody>
-          <a:bodyPr wrap="none" rtlCol="0">
-            <a:spAutoFit/>
-          </a:bodyPr>
+          <p:cNvSpPr>
+            <a:spLocks noGrp="1"/>
+          </p:cNvSpPr>
+          <p:nvPr>
+            <p:ph type="ftr" sz="quarter" idx="11"/>
+          </p:nvPr>
+        </p:nvSpPr>
+        <p:spPr/>
+        <p:txBody>
+          <a:bodyPr/>
           <a:lstStyle/>
           <a:p>
             <a:r>
-              <a:rPr lang="en-US" dirty="0">
-                <a:hlinkClick r:id="rId3"/>
-              </a:rPr>
-              <a:t>https://de.uec.ac.jp/</a:t>
-            </a:r>
-            <a:endParaRPr lang="en-US" dirty="0"/>
+              <a:rPr kumimoji="1" lang="en-US" altLang="ja-JP"/>
+              <a:t>@Takato Matsumoto, 2020</a:t>
+            </a:r>
+            <a:endParaRPr kumimoji="1" lang="ja-JP" altLang="en-US" dirty="0"/>
           </a:p>
         </p:txBody>
       </p:sp>
     </p:spTree>
     <p:extLst>
       <p:ext uri="{BB962C8B-B14F-4D97-AF65-F5344CB8AC3E}">
-        <p14:creationId xmlns:p14="http://schemas.microsoft.com/office/powerpoint/2010/main" val="754355083"/>
+        <p14:creationId xmlns:p14="http://schemas.microsoft.com/office/powerpoint/2010/main" val="2284241854"/>
       </p:ext>
     </p:extLst>
   </p:cSld>
@@ -14960,181 +18511,166 @@
       </p:grpSpPr>
       <p:sp>
         <p:nvSpPr>
-          <p:cNvPr id="9" name="タイトル 8"/>
-          <p:cNvSpPr>
-            <a:spLocks noGrp="1"/>
-          </p:cNvSpPr>
-          <p:nvPr>
-            <p:ph type="title"/>
-          </p:nvPr>
-        </p:nvSpPr>
-        <p:spPr/>
+          <p:cNvPr id="7" name="テキスト プレースホルダー 6"/>
+          <p:cNvSpPr>
+            <a:spLocks noGrp="1"/>
+          </p:cNvSpPr>
+          <p:nvPr>
+            <p:ph type="body" sz="quarter" idx="14"/>
+          </p:nvPr>
+        </p:nvSpPr>
+        <p:spPr>
+          <a:xfrm>
+            <a:off x="9340948" y="1856206"/>
+            <a:ext cx="8054746" cy="3142846"/>
+          </a:xfrm>
+        </p:spPr>
         <p:txBody>
           <a:bodyPr/>
           <a:lstStyle/>
           <a:p>
             <a:r>
-              <a:rPr kumimoji="1" lang="ja" altLang="en-US" dirty="0"/>
+              <a:rPr lang="ja" altLang="en-US" sz="5400" dirty="0"/>
               <a:t>データアントレプレナー</a:t>
             </a:r>
-            <a:r>
-              <a:rPr kumimoji="1" lang="ja-JP" altLang="en-US"/>
+            <a:endParaRPr lang="en-US" altLang="ja" sz="5400" dirty="0"/>
+          </a:p>
+          <a:p>
+            <a:r>
+              <a:rPr lang="ja" altLang="en-US" sz="5400" dirty="0"/>
               <a:t>フェロープログラム（</a:t>
             </a:r>
             <a:r>
-              <a:rPr kumimoji="1" lang="en-US" altLang="ja-JP" dirty="0" err="1"/>
+              <a:rPr lang="en-US" altLang="ja" sz="5400" dirty="0" err="1"/>
               <a:t>Defp</a:t>
             </a:r>
             <a:r>
-              <a:rPr kumimoji="1" lang="ja-JP" altLang="en-US"/>
+              <a:rPr lang="ja" altLang="en-US" sz="5400" dirty="0"/>
               <a:t>）</a:t>
             </a:r>
-            <a:r>
-              <a:rPr kumimoji="1" lang="en-US" altLang="ja-JP" dirty="0"/>
-              <a:t> | </a:t>
-            </a:r>
-            <a:r>
-              <a:rPr lang="ja-JP" altLang="en-US"/>
-              <a:t>講義内容</a:t>
-            </a:r>
-            <a:endParaRPr kumimoji="1" lang="ja-JP" altLang="en-US" dirty="0"/>
-          </a:p>
-        </p:txBody>
-      </p:sp>
-      <p:sp>
-        <p:nvSpPr>
-          <p:cNvPr id="10" name="テキスト プレースホルダー 9"/>
-          <p:cNvSpPr>
-            <a:spLocks noGrp="1"/>
-          </p:cNvSpPr>
-          <p:nvPr>
-            <p:ph type="body" sz="quarter" idx="12"/>
-          </p:nvPr>
-        </p:nvSpPr>
-        <p:spPr>
-          <a:xfrm>
-            <a:off x="2670361" y="1420977"/>
-            <a:ext cx="13201277" cy="8600285"/>
+            <a:endParaRPr lang="ja-JP" altLang="en-US" sz="5400" dirty="0"/>
+          </a:p>
+        </p:txBody>
+      </p:sp>
+      <p:sp>
+        <p:nvSpPr>
+          <p:cNvPr id="8" name="テキスト プレースホルダー 7"/>
+          <p:cNvSpPr>
+            <a:spLocks noGrp="1"/>
+          </p:cNvSpPr>
+          <p:nvPr>
+            <p:ph type="body" sz="quarter" idx="15"/>
+          </p:nvPr>
+        </p:nvSpPr>
+        <p:spPr>
+          <a:xfrm>
+            <a:off x="9340948" y="5266345"/>
+            <a:ext cx="8054746" cy="3807314"/>
           </a:xfrm>
         </p:spPr>
         <p:txBody>
           <a:bodyPr>
-            <a:normAutofit/>
+            <a:normAutofit fontScale="92500"/>
           </a:bodyPr>
           <a:lstStyle/>
           <a:p>
             <a:r>
-              <a:rPr lang="ja" altLang="en-US" sz="4400" dirty="0"/>
-              <a:t>データアントレプレナー</a:t>
-            </a:r>
-            <a:r>
-              <a:rPr lang="ja-JP" altLang="en-US" sz="4400"/>
-              <a:t>実践論</a:t>
-            </a:r>
-            <a:endParaRPr lang="en-US" altLang="ja-JP" sz="4400" dirty="0"/>
+              <a:rPr lang="ja-JP" altLang="en-US" sz="4000"/>
+              <a:t>データ</a:t>
+            </a:r>
+            <a:r>
+              <a:rPr lang="ja" altLang="en-US" sz="4000" dirty="0"/>
+              <a:t>人材育成プログラム</a:t>
+            </a:r>
+            <a:endParaRPr lang="en-US" altLang="ja" sz="4000" dirty="0"/>
           </a:p>
           <a:p>
             <a:pPr lvl="1"/>
             <a:r>
               <a:rPr lang="ja-JP" altLang="en-US" sz="3600"/>
-              <a:t>各企業が</a:t>
+              <a:t>電通大で</a:t>
             </a:r>
             <a:r>
               <a:rPr lang="ja" altLang="en-US" sz="3600" dirty="0"/>
-              <a:t>行なっている</a:t>
+              <a:t>開催されて</a:t>
             </a:r>
             <a:r>
               <a:rPr lang="ja-JP" altLang="en-US" sz="3600"/>
-              <a:t>データビジネスの実例を学ぶ</a:t>
+              <a:t>いる</a:t>
             </a:r>
             <a:endParaRPr lang="en-US" altLang="ja-JP" sz="3600" dirty="0"/>
           </a:p>
           <a:p>
+            <a:r>
+              <a:rPr lang="ja-JP" altLang="en-US" sz="4000"/>
+              <a:t>学べること</a:t>
+            </a:r>
+            <a:endParaRPr lang="en-US" altLang="ja-JP" sz="4000" dirty="0"/>
+          </a:p>
+          <a:p>
             <a:pPr lvl="1"/>
             <a:r>
               <a:rPr lang="ja-JP" altLang="en-US" sz="3600"/>
-              <a:t>最終コマで</a:t>
+              <a:t>データを活用した</a:t>
             </a:r>
             <a:r>
               <a:rPr lang="ja" altLang="en-US" sz="3600" dirty="0"/>
-              <a:t>ピッチコンテスト</a:t>
+              <a:t>ビジネス</a:t>
             </a:r>
             <a:r>
               <a:rPr lang="ja-JP" altLang="en-US" sz="3600"/>
-              <a:t>を行う</a:t>
+              <a:t>理論</a:t>
+            </a:r>
+            <a:r>
+              <a:rPr lang="ja" altLang="en-US" sz="3600" dirty="0"/>
+              <a:t>，</a:t>
+            </a:r>
+            <a:r>
+              <a:rPr lang="ja-JP" altLang="en-US" sz="3600"/>
+              <a:t>政策</a:t>
             </a:r>
             <a:endParaRPr lang="en-US" altLang="ja-JP" sz="3600" dirty="0"/>
           </a:p>
           <a:p>
-            <a:pPr lvl="2"/>
+            <a:pPr lvl="1"/>
+            <a:r>
+              <a:rPr lang="ja" altLang="en-US" sz="3600" dirty="0"/>
+              <a:t>データ</a:t>
+            </a:r>
             <a:r>
               <a:rPr lang="ja-JP" altLang="en-US" sz="3600"/>
-              <a:t>データを活用したビジネスプランを提言するコンテスト</a:t>
-            </a:r>
-            <a:endParaRPr lang="en-US" altLang="ja-JP" sz="3600" dirty="0"/>
-          </a:p>
-          <a:p>
-            <a:pPr lvl="2"/>
-            <a:endParaRPr lang="en-US" altLang="ja-JP" sz="3600" dirty="0"/>
-          </a:p>
-          <a:p>
-            <a:r>
-              <a:rPr lang="ja-JP" altLang="en-US" sz="4400"/>
-              <a:t>データサイエンティスト特論</a:t>
-            </a:r>
-            <a:endParaRPr lang="en-US" altLang="ja-JP" sz="4400" dirty="0"/>
-          </a:p>
-          <a:p>
-            <a:pPr lvl="1"/>
-            <a:r>
-              <a:rPr lang="ja" altLang="en-US" sz="3600" dirty="0"/>
-              <a:t>不動産データ</a:t>
-            </a:r>
-            <a:r>
-              <a:rPr lang="ja-JP" altLang="en-US" sz="3600"/>
-              <a:t>の分析，機械学習モデル（</a:t>
-            </a:r>
-            <a:r>
-              <a:rPr lang="en-US" altLang="ja-JP" sz="3600" dirty="0"/>
-              <a:t>AI</a:t>
-            </a:r>
-            <a:r>
-              <a:rPr lang="ja-JP" altLang="en-US" sz="3600"/>
-              <a:t>エンジン）の実装</a:t>
-            </a:r>
-            <a:endParaRPr lang="en-US" altLang="ja-JP" sz="3600" dirty="0"/>
-          </a:p>
-          <a:p>
-            <a:pPr lvl="2"/>
-            <a:r>
-              <a:rPr lang="ja-JP" altLang="en-US" sz="3600"/>
-              <a:t>物件価格</a:t>
-            </a:r>
-            <a:r>
-              <a:rPr lang="ja" altLang="en-US" sz="3600" dirty="0"/>
-              <a:t>予測モデルの</a:t>
-            </a:r>
-            <a:r>
-              <a:rPr lang="ja-JP" altLang="en-US" sz="3600"/>
-              <a:t>精度を競うコンペティションを行う</a:t>
-            </a:r>
-            <a:endParaRPr lang="en-US" altLang="ja-JP" sz="3600" dirty="0"/>
-          </a:p>
-          <a:p>
-            <a:pPr lvl="1"/>
-            <a:endParaRPr kumimoji="1" lang="en-US" altLang="ja" dirty="0"/>
-          </a:p>
-        </p:txBody>
-      </p:sp>
-      <p:sp>
-        <p:nvSpPr>
-          <p:cNvPr id="34" name="Slide Number Placeholder 33">
-            <a:extLst>
-              <a:ext uri="{FF2B5EF4-FFF2-40B4-BE49-F238E27FC236}">
-                <a16:creationId xmlns:a16="http://schemas.microsoft.com/office/drawing/2014/main" id="{9D5F9A3D-C521-1649-A724-230DE88284DF}"/>
-              </a:ext>
-            </a:extLst>
-          </p:cNvPr>
+              <a:t>分析手法，実装技術など</a:t>
+            </a:r>
+            <a:endParaRPr lang="en-US" altLang="ja-JP" sz="5400" dirty="0"/>
+          </a:p>
+        </p:txBody>
+      </p:sp>
+      <p:sp>
+        <p:nvSpPr>
+          <p:cNvPr id="10" name="フッター プレースホルダー 9"/>
+          <p:cNvSpPr>
+            <a:spLocks noGrp="1"/>
+          </p:cNvSpPr>
+          <p:nvPr>
+            <p:ph type="ftr" sz="quarter" idx="11"/>
+          </p:nvPr>
+        </p:nvSpPr>
+        <p:spPr/>
+        <p:txBody>
+          <a:bodyPr/>
+          <a:lstStyle/>
+          <a:p>
+            <a:r>
+              <a:rPr kumimoji="1" lang="en-US" altLang="ja-JP"/>
+              <a:t>@Takato Matsumoto, 2020</a:t>
+            </a:r>
+            <a:endParaRPr kumimoji="1" lang="ja-JP" altLang="en-US" dirty="0"/>
+          </a:p>
+        </p:txBody>
+      </p:sp>
+      <p:sp>
+        <p:nvSpPr>
+          <p:cNvPr id="11" name="スライド番号プレースホルダー 10"/>
           <p:cNvSpPr>
             <a:spLocks noGrp="1"/>
           </p:cNvSpPr>
@@ -15156,39 +18692,82 @@
           </a:p>
         </p:txBody>
       </p:sp>
-      <p:sp>
-        <p:nvSpPr>
-          <p:cNvPr id="35" name="Footer Placeholder 34">
+      <p:pic>
+        <p:nvPicPr>
+          <p:cNvPr id="16" name="Picture Placeholder 15">
             <a:extLst>
               <a:ext uri="{FF2B5EF4-FFF2-40B4-BE49-F238E27FC236}">
-                <a16:creationId xmlns:a16="http://schemas.microsoft.com/office/drawing/2014/main" id="{9CA800DD-9063-F844-BBC3-914B9C2CF664}"/>
+                <a16:creationId xmlns:a16="http://schemas.microsoft.com/office/drawing/2014/main" id="{35C36191-2700-784D-8C53-5588D4E73F5B}"/>
               </a:ext>
             </a:extLst>
           </p:cNvPr>
-          <p:cNvSpPr>
-            <a:spLocks noGrp="1"/>
-          </p:cNvSpPr>
-          <p:nvPr>
-            <p:ph type="ftr" sz="quarter" idx="11"/>
-          </p:nvPr>
-        </p:nvSpPr>
-        <p:spPr/>
-        <p:txBody>
-          <a:bodyPr/>
+          <p:cNvPicPr>
+            <a:picLocks noGrp="1" noChangeAspect="1"/>
+          </p:cNvPicPr>
+          <p:nvPr>
+            <p:ph type="pic" sz="quarter" idx="12"/>
+          </p:nvPr>
+        </p:nvPicPr>
+        <p:blipFill rotWithShape="1">
+          <a:blip r:embed="rId2">
+            <a:extLst>
+              <a:ext uri="{28A0092B-C50C-407E-A947-70E740481C1C}">
+                <a14:useLocalDpi xmlns:a14="http://schemas.microsoft.com/office/drawing/2010/main" val="0"/>
+              </a:ext>
+            </a:extLst>
+          </a:blip>
+          <a:srcRect b="11548"/>
+          <a:stretch/>
+        </p:blipFill>
+        <p:spPr>
+          <a:xfrm>
+            <a:off x="0" y="0"/>
+            <a:ext cx="8197850" cy="10285413"/>
+          </a:xfrm>
+        </p:spPr>
+      </p:pic>
+      <p:sp>
+        <p:nvSpPr>
+          <p:cNvPr id="17" name="TextBox 16">
+            <a:extLst>
+              <a:ext uri="{FF2B5EF4-FFF2-40B4-BE49-F238E27FC236}">
+                <a16:creationId xmlns:a16="http://schemas.microsoft.com/office/drawing/2014/main" id="{28724D3E-BBA8-2148-B7C2-1475F22CA339}"/>
+              </a:ext>
+            </a:extLst>
+          </p:cNvPr>
+          <p:cNvSpPr txBox="1"/>
+          <p:nvPr/>
+        </p:nvSpPr>
+        <p:spPr>
+          <a:xfrm>
+            <a:off x="15959670" y="0"/>
+            <a:ext cx="2328330" cy="369332"/>
+          </a:xfrm>
+          <a:prstGeom prst="rect">
+            <a:avLst/>
+          </a:prstGeom>
+          <a:noFill/>
+        </p:spPr>
+        <p:txBody>
+          <a:bodyPr wrap="none" rtlCol="0">
+            <a:spAutoFit/>
+          </a:bodyPr>
           <a:lstStyle/>
           <a:p>
             <a:r>
-              <a:rPr kumimoji="1" lang="en-US" altLang="ja-JP"/>
-              <a:t>©︎Takato Matsumoto, 2019</a:t>
-            </a:r>
-            <a:endParaRPr kumimoji="1" lang="ja-JP" altLang="en-US" dirty="0"/>
+              <a:rPr lang="en-US" dirty="0">
+                <a:hlinkClick r:id="rId3"/>
+              </a:rPr>
+              <a:t>https://de.uec.ac.jp/</a:t>
+            </a:r>
+            <a:endParaRPr lang="en-US" dirty="0"/>
           </a:p>
         </p:txBody>
       </p:sp>
     </p:spTree>
     <p:extLst>
       <p:ext uri="{BB962C8B-B14F-4D97-AF65-F5344CB8AC3E}">
-        <p14:creationId xmlns:p14="http://schemas.microsoft.com/office/powerpoint/2010/main" val="1863008372"/>
+        <p14:creationId xmlns:p14="http://schemas.microsoft.com/office/powerpoint/2010/main" val="754355083"/>
       </p:ext>
     </p:extLst>
   </p:cSld>
@@ -15217,7 +18796,7 @@
       </p:grpSpPr>
       <p:sp>
         <p:nvSpPr>
-          <p:cNvPr id="5" name="タイトル 4"/>
+          <p:cNvPr id="9" name="タイトル 8"/>
           <p:cNvSpPr>
             <a:spLocks noGrp="1"/>
           </p:cNvSpPr>
@@ -15226,6 +18805,54 @@
           </p:nvPr>
         </p:nvSpPr>
         <p:spPr/>
+        <p:txBody>
+          <a:bodyPr/>
+          <a:lstStyle/>
+          <a:p>
+            <a:r>
+              <a:rPr kumimoji="1" lang="ja" altLang="en-US" dirty="0"/>
+              <a:t>データアントレプレナー</a:t>
+            </a:r>
+            <a:r>
+              <a:rPr kumimoji="1" lang="ja-JP" altLang="en-US"/>
+              <a:t>フェロープログラム（</a:t>
+            </a:r>
+            <a:r>
+              <a:rPr kumimoji="1" lang="en-US" altLang="ja-JP" dirty="0" err="1"/>
+              <a:t>Defp</a:t>
+            </a:r>
+            <a:r>
+              <a:rPr kumimoji="1" lang="ja-JP" altLang="en-US"/>
+              <a:t>）</a:t>
+            </a:r>
+            <a:r>
+              <a:rPr kumimoji="1" lang="en-US" altLang="ja-JP" dirty="0"/>
+              <a:t> | </a:t>
+            </a:r>
+            <a:r>
+              <a:rPr lang="ja-JP" altLang="en-US"/>
+              <a:t>講義内容</a:t>
+            </a:r>
+            <a:endParaRPr kumimoji="1" lang="ja-JP" altLang="en-US" dirty="0"/>
+          </a:p>
+        </p:txBody>
+      </p:sp>
+      <p:sp>
+        <p:nvSpPr>
+          <p:cNvPr id="10" name="テキスト プレースホルダー 9"/>
+          <p:cNvSpPr>
+            <a:spLocks noGrp="1"/>
+          </p:cNvSpPr>
+          <p:nvPr>
+            <p:ph type="body" sz="quarter" idx="12"/>
+          </p:nvPr>
+        </p:nvSpPr>
+        <p:spPr>
+          <a:xfrm>
+            <a:off x="2670361" y="1420977"/>
+            <a:ext cx="13201277" cy="8600285"/>
+          </a:xfrm>
+        </p:spPr>
         <p:txBody>
           <a:bodyPr>
             <a:normAutofit/>
@@ -15233,120 +18860,114 @@
           <a:lstStyle/>
           <a:p>
             <a:r>
-              <a:rPr kumimoji="1" lang="ja-JP" altLang="en-US" sz="6600" dirty="0"/>
-              <a:t>コンテンツ</a:t>
-            </a:r>
-          </a:p>
-        </p:txBody>
-      </p:sp>
-      <p:sp>
-        <p:nvSpPr>
-          <p:cNvPr id="6" name="テキスト プレースホルダー 5"/>
-          <p:cNvSpPr>
-            <a:spLocks noGrp="1"/>
-          </p:cNvSpPr>
-          <p:nvPr>
-            <p:ph type="body" sz="quarter" idx="12"/>
-          </p:nvPr>
-        </p:nvSpPr>
-        <p:spPr>
-          <a:xfrm>
-            <a:off x="7709647" y="1783556"/>
-            <a:ext cx="10578353" cy="6718300"/>
-          </a:xfrm>
-        </p:spPr>
-        <p:txBody>
-          <a:bodyPr>
-            <a:normAutofit/>
-          </a:bodyPr>
-          <a:lstStyle/>
-          <a:p>
-            <a:r>
-              <a:rPr lang="ja" altLang="en-US" sz="4200" dirty="0"/>
-              <a:t>自己紹介</a:t>
-            </a:r>
-            <a:endParaRPr lang="en-US" altLang="ja" sz="4200" dirty="0"/>
-          </a:p>
-          <a:p>
-            <a:r>
-              <a:rPr lang="ja-JP" altLang="en-US" sz="4200"/>
-              <a:t>データ</a:t>
-            </a:r>
-            <a:r>
-              <a:rPr lang="ja" altLang="en-US" sz="4200" dirty="0"/>
-              <a:t>アントレプレナーフェロープログラム</a:t>
-            </a:r>
-            <a:r>
-              <a:rPr lang="en-US" altLang="ja" sz="4200" dirty="0"/>
-              <a:t>(</a:t>
-            </a:r>
-            <a:r>
-              <a:rPr lang="en-US" altLang="ja" sz="4200" dirty="0" err="1"/>
-              <a:t>Defp</a:t>
-            </a:r>
-            <a:r>
-              <a:rPr lang="en-US" altLang="ja" sz="4200" dirty="0"/>
-              <a:t>)</a:t>
-            </a:r>
-            <a:r>
-              <a:rPr lang="ja-JP" altLang="en-US" sz="4200"/>
-              <a:t>の紹介</a:t>
-            </a:r>
-            <a:endParaRPr lang="en-US" altLang="ja-JP" sz="4200" dirty="0"/>
-          </a:p>
-          <a:p>
-            <a:r>
-              <a:rPr kumimoji="1" lang="ja" altLang="en-US" sz="4200" dirty="0">
-                <a:solidFill>
-                  <a:schemeClr val="accent1"/>
-                </a:solidFill>
-              </a:rPr>
+              <a:rPr lang="ja" altLang="en-US" sz="4400" dirty="0"/>
               <a:t>データアントレプレナー</a:t>
             </a:r>
             <a:r>
-              <a:rPr kumimoji="1" lang="ja-JP" altLang="en-US" sz="4200">
-                <a:solidFill>
-                  <a:schemeClr val="accent1"/>
-                </a:solidFill>
-              </a:rPr>
+              <a:rPr lang="ja-JP" altLang="en-US" sz="4400"/>
               <a:t>実践論</a:t>
             </a:r>
-            <a:endParaRPr kumimoji="1" lang="en-US" altLang="ja-JP" sz="4200" dirty="0">
-              <a:solidFill>
-                <a:schemeClr val="accent1"/>
-              </a:solidFill>
-            </a:endParaRPr>
-          </a:p>
-          <a:p>
-            <a:r>
-              <a:rPr kumimoji="1" lang="ja" altLang="en-US" sz="4200" dirty="0"/>
-              <a:t>データサイエンティスト</a:t>
-            </a:r>
-            <a:r>
-              <a:rPr kumimoji="1" lang="ja-JP" altLang="en-US" sz="4200"/>
-              <a:t>特論</a:t>
-            </a:r>
-            <a:endParaRPr kumimoji="1" lang="en-US" altLang="ja-JP" sz="4200" dirty="0"/>
-          </a:p>
-          <a:p>
-            <a:r>
-              <a:rPr lang="ja" altLang="en-US" sz="4200" dirty="0"/>
-              <a:t>データサイエンス</a:t>
-            </a:r>
-            <a:r>
-              <a:rPr lang="ja-JP" altLang="en-US" sz="4200"/>
-              <a:t>の楽しさ</a:t>
-            </a:r>
-            <a:endParaRPr lang="en-US" altLang="ja-JP" sz="4200" dirty="0"/>
-          </a:p>
-        </p:txBody>
-      </p:sp>
-      <p:sp>
-        <p:nvSpPr>
-          <p:cNvPr id="4" name="Slide Number Placeholder 3">
+            <a:endParaRPr lang="en-US" altLang="ja-JP" sz="4400" dirty="0"/>
+          </a:p>
+          <a:p>
+            <a:pPr lvl="1"/>
+            <a:r>
+              <a:rPr lang="ja-JP" altLang="en-US" sz="3600"/>
+              <a:t>各企業が</a:t>
+            </a:r>
+            <a:r>
+              <a:rPr lang="ja" altLang="en-US" sz="3600" dirty="0"/>
+              <a:t>行なっている</a:t>
+            </a:r>
+            <a:r>
+              <a:rPr lang="ja-JP" altLang="en-US" sz="3600"/>
+              <a:t>データビジネスの実例を学ぶ</a:t>
+            </a:r>
+            <a:endParaRPr lang="en-US" altLang="ja-JP" sz="3600" dirty="0"/>
+          </a:p>
+          <a:p>
+            <a:pPr lvl="1"/>
+            <a:r>
+              <a:rPr lang="ja-JP" altLang="en-US" sz="3600"/>
+              <a:t>最終コマで</a:t>
+            </a:r>
+            <a:r>
+              <a:rPr lang="ja" altLang="en-US" sz="3600" dirty="0"/>
+              <a:t>ピッチコンテスト</a:t>
+            </a:r>
+            <a:r>
+              <a:rPr lang="ja-JP" altLang="en-US" sz="3600"/>
+              <a:t>を行う</a:t>
+            </a:r>
+            <a:endParaRPr lang="en-US" altLang="ja-JP" sz="3600" dirty="0"/>
+          </a:p>
+          <a:p>
+            <a:pPr lvl="2"/>
+            <a:r>
+              <a:rPr lang="ja-JP" altLang="en-US" sz="3600"/>
+              <a:t>データを活用したビジネスプランを提言するコンテスト</a:t>
+            </a:r>
+            <a:endParaRPr lang="en-US" altLang="ja-JP" sz="3600" dirty="0"/>
+          </a:p>
+          <a:p>
+            <a:pPr lvl="2"/>
+            <a:endParaRPr lang="en-US" altLang="ja-JP" sz="3600" dirty="0"/>
+          </a:p>
+          <a:p>
+            <a:r>
+              <a:rPr lang="ja-JP" altLang="en-US" sz="4400"/>
+              <a:t>データサイエンティスト特論</a:t>
+            </a:r>
+            <a:endParaRPr lang="en-US" altLang="ja-JP" sz="4400" dirty="0"/>
+          </a:p>
+          <a:p>
+            <a:pPr lvl="1"/>
+            <a:r>
+              <a:rPr lang="ja" altLang="en-US" sz="3600" dirty="0"/>
+              <a:t>不動産データ</a:t>
+            </a:r>
+            <a:r>
+              <a:rPr lang="ja-JP" altLang="en-US" sz="3600"/>
+              <a:t>の分析，機械学習モデル（</a:t>
+            </a:r>
+            <a:r>
+              <a:rPr lang="en-US" altLang="ja-JP" sz="3600" dirty="0"/>
+              <a:t>AI</a:t>
+            </a:r>
+            <a:r>
+              <a:rPr lang="ja-JP" altLang="en-US" sz="3600"/>
+              <a:t>エンジン）の実装</a:t>
+            </a:r>
+            <a:endParaRPr lang="en-US" altLang="ja-JP" sz="3600" dirty="0"/>
+          </a:p>
+          <a:p>
+            <a:pPr lvl="2"/>
+            <a:r>
+              <a:rPr lang="ja-JP" altLang="en-US" sz="3600"/>
+              <a:t>物件価格</a:t>
+            </a:r>
+            <a:r>
+              <a:rPr lang="ja" altLang="en-US" sz="3600" dirty="0"/>
+              <a:t>予測モデルの</a:t>
+            </a:r>
+            <a:r>
+              <a:rPr lang="ja-JP" altLang="en-US" sz="3600"/>
+              <a:t>精度を競うコンペティションを行う</a:t>
+            </a:r>
+            <a:endParaRPr lang="en-US" altLang="ja-JP" sz="3600" dirty="0"/>
+          </a:p>
+          <a:p>
+            <a:pPr lvl="1"/>
+            <a:endParaRPr kumimoji="1" lang="en-US" altLang="ja" dirty="0"/>
+          </a:p>
+        </p:txBody>
+      </p:sp>
+      <p:sp>
+        <p:nvSpPr>
+          <p:cNvPr id="34" name="Slide Number Placeholder 33">
             <a:extLst>
               <a:ext uri="{FF2B5EF4-FFF2-40B4-BE49-F238E27FC236}">
-                <a16:creationId xmlns:a16="http://schemas.microsoft.com/office/drawing/2014/main" id="{2609AABE-6F30-964C-BFF9-F1149E15C42E}"/>
+                <a16:creationId xmlns:a16="http://schemas.microsoft.com/office/drawing/2014/main" id="{9D5F9A3D-C521-1649-A724-230DE88284DF}"/>
               </a:ext>
             </a:extLst>
           </p:cNvPr>
@@ -15373,10 +18994,10 @@
       </p:sp>
       <p:sp>
         <p:nvSpPr>
-          <p:cNvPr id="7" name="Footer Placeholder 6">
+          <p:cNvPr id="35" name="Footer Placeholder 34">
             <a:extLst>
               <a:ext uri="{FF2B5EF4-FFF2-40B4-BE49-F238E27FC236}">
-                <a16:creationId xmlns:a16="http://schemas.microsoft.com/office/drawing/2014/main" id="{5398061E-1F68-D14D-B3F0-08CC642BF815}"/>
+                <a16:creationId xmlns:a16="http://schemas.microsoft.com/office/drawing/2014/main" id="{9CA800DD-9063-F844-BBC3-914B9C2CF664}"/>
               </a:ext>
             </a:extLst>
           </p:cNvPr>
@@ -15394,7 +19015,7 @@
           <a:p>
             <a:r>
               <a:rPr kumimoji="1" lang="en-US" altLang="ja-JP"/>
-              <a:t>©︎Takato Matsumoto, 2019</a:t>
+              <a:t>@Takato Matsumoto, 2020</a:t>
             </a:r>
             <a:endParaRPr kumimoji="1" lang="ja-JP" altLang="en-US" dirty="0"/>
           </a:p>
@@ -15403,7 +19024,7 @@
     </p:spTree>
     <p:extLst>
       <p:ext uri="{BB962C8B-B14F-4D97-AF65-F5344CB8AC3E}">
-        <p14:creationId xmlns:p14="http://schemas.microsoft.com/office/powerpoint/2010/main" val="3392845961"/>
+        <p14:creationId xmlns:p14="http://schemas.microsoft.com/office/powerpoint/2010/main" val="1863008372"/>
       </p:ext>
     </p:extLst>
   </p:cSld>

--- a/chapter_1/pptx/1_intro.pptx
+++ b/chapter_1/pptx/1_intro.pptx
@@ -7,7 +7,7 @@
     <p:sldMasterId id="2147483664" r:id="rId3"/>
   </p:sldMasterIdLst>
   <p:notesMasterIdLst>
-    <p:notesMasterId r:id="rId24"/>
+    <p:notesMasterId r:id="rId27"/>
   </p:notesMasterIdLst>
   <p:sldIdLst>
     <p:sldId id="258" r:id="rId4"/>
@@ -30,6 +30,9 @@
     <p:sldId id="313" r:id="rId21"/>
     <p:sldId id="317" r:id="rId22"/>
     <p:sldId id="320" r:id="rId23"/>
+    <p:sldId id="326" r:id="rId24"/>
+    <p:sldId id="329" r:id="rId25"/>
+    <p:sldId id="330" r:id="rId26"/>
   </p:sldIdLst>
   <p:sldSz cx="18288000" cy="10285413"/>
   <p:notesSz cx="6858000" cy="9144000"/>
@@ -12332,7 +12335,7 @@
             </a:r>
             <a:r>
               <a:rPr kumimoji="1" lang="ja-JP" altLang="en-US"/>
-              <a:t>データ政策学</a:t>
+              <a:t>データ政策科学</a:t>
             </a:r>
             <a:endParaRPr kumimoji="1" lang="ja-JP" altLang="en-US" dirty="0"/>
           </a:p>
@@ -12429,22 +12432,6 @@
               <a:rPr lang="ja" altLang="en-US" sz="4200" dirty="0"/>
               <a:t>アントレプレナーフェロープログラム</a:t>
             </a:r>
-            <a:r>
-              <a:rPr lang="en-US" altLang="ja" sz="4200" dirty="0"/>
-              <a:t>(</a:t>
-            </a:r>
-            <a:r>
-              <a:rPr lang="en-US" altLang="ja" sz="4200" dirty="0" err="1"/>
-              <a:t>Defp</a:t>
-            </a:r>
-            <a:r>
-              <a:rPr lang="en-US" altLang="ja" sz="4200" dirty="0"/>
-              <a:t>)</a:t>
-            </a:r>
-            <a:r>
-              <a:rPr lang="ja-JP" altLang="en-US" sz="4200"/>
-              <a:t>の紹介</a:t>
-            </a:r>
             <a:endParaRPr lang="en-US" altLang="ja-JP" sz="4200" dirty="0"/>
           </a:p>
           <a:p>
@@ -12483,12 +12470,8 @@
           </a:p>
           <a:p>
             <a:r>
-              <a:rPr lang="ja" altLang="en-US" sz="4200" dirty="0"/>
-              <a:t>データサイエンス</a:t>
-            </a:r>
-            <a:r>
-              <a:rPr lang="ja-JP" altLang="en-US" sz="4200"/>
-              <a:t>の楽しさ</a:t>
+              <a:rPr lang="ja-JP" altLang="en-US" sz="4400"/>
+              <a:t>データ分析の目的、必要性</a:t>
             </a:r>
             <a:endParaRPr lang="en-US" altLang="ja-JP" sz="4200" dirty="0"/>
           </a:p>
@@ -16500,22 +16483,6 @@
               <a:rPr lang="ja" altLang="en-US" sz="4200" dirty="0"/>
               <a:t>アントレプレナーフェロープログラム</a:t>
             </a:r>
-            <a:r>
-              <a:rPr lang="en-US" altLang="ja" sz="4200" dirty="0"/>
-              <a:t>(</a:t>
-            </a:r>
-            <a:r>
-              <a:rPr lang="en-US" altLang="ja" sz="4200" dirty="0" err="1"/>
-              <a:t>Defp</a:t>
-            </a:r>
-            <a:r>
-              <a:rPr lang="en-US" altLang="ja" sz="4200" dirty="0"/>
-              <a:t>)</a:t>
-            </a:r>
-            <a:r>
-              <a:rPr lang="ja-JP" altLang="en-US" sz="4200"/>
-              <a:t>の紹介</a:t>
-            </a:r>
             <a:endParaRPr lang="en-US" altLang="ja-JP" sz="4200" dirty="0"/>
           </a:p>
           <a:p>
@@ -16545,6 +16512,17 @@
                 </a:solidFill>
               </a:rPr>
               <a:t>特論</a:t>
+            </a:r>
+            <a:endParaRPr kumimoji="1" lang="en-US" altLang="ja-JP" sz="4200" dirty="0">
+              <a:solidFill>
+                <a:schemeClr val="accent1"/>
+              </a:solidFill>
+            </a:endParaRPr>
+          </a:p>
+          <a:p>
+            <a:r>
+              <a:rPr lang="ja-JP" altLang="en-US" sz="4400"/>
+              <a:t>データ分析の目的、必要性</a:t>
             </a:r>
             <a:endParaRPr kumimoji="1" lang="en-US" altLang="ja-JP" sz="4200" dirty="0">
               <a:solidFill>
@@ -17123,6 +17101,719 @@
 </p:sld>
 </file>
 
+<file path=ppt/slides/slide21.xml><?xml version="1.0" encoding="utf-8"?>
+<p:sld xmlns:a="http://schemas.openxmlformats.org/drawingml/2006/main" xmlns:r="http://schemas.openxmlformats.org/officeDocument/2006/relationships" xmlns:p="http://schemas.openxmlformats.org/presentationml/2006/main">
+  <p:cSld>
+    <p:spTree>
+      <p:nvGrpSpPr>
+        <p:cNvPr id="1" name=""/>
+        <p:cNvGrpSpPr/>
+        <p:nvPr/>
+      </p:nvGrpSpPr>
+      <p:grpSpPr>
+        <a:xfrm>
+          <a:off x="0" y="0"/>
+          <a:ext cx="0" cy="0"/>
+          <a:chOff x="0" y="0"/>
+          <a:chExt cx="0" cy="0"/>
+        </a:xfrm>
+      </p:grpSpPr>
+      <p:sp>
+        <p:nvSpPr>
+          <p:cNvPr id="5" name="タイトル 4"/>
+          <p:cNvSpPr>
+            <a:spLocks noGrp="1"/>
+          </p:cNvSpPr>
+          <p:nvPr>
+            <p:ph type="title"/>
+          </p:nvPr>
+        </p:nvSpPr>
+        <p:spPr/>
+        <p:txBody>
+          <a:bodyPr>
+            <a:normAutofit/>
+          </a:bodyPr>
+          <a:lstStyle/>
+          <a:p>
+            <a:r>
+              <a:rPr kumimoji="1" lang="ja-JP" altLang="en-US" sz="6600" dirty="0"/>
+              <a:t>コンテンツ</a:t>
+            </a:r>
+          </a:p>
+        </p:txBody>
+      </p:sp>
+      <p:sp>
+        <p:nvSpPr>
+          <p:cNvPr id="6" name="テキスト プレースホルダー 5"/>
+          <p:cNvSpPr>
+            <a:spLocks noGrp="1"/>
+          </p:cNvSpPr>
+          <p:nvPr>
+            <p:ph type="body" sz="quarter" idx="12"/>
+          </p:nvPr>
+        </p:nvSpPr>
+        <p:spPr>
+          <a:xfrm>
+            <a:off x="7709647" y="1783556"/>
+            <a:ext cx="10578353" cy="6718300"/>
+          </a:xfrm>
+        </p:spPr>
+        <p:txBody>
+          <a:bodyPr>
+            <a:normAutofit/>
+          </a:bodyPr>
+          <a:lstStyle/>
+          <a:p>
+            <a:r>
+              <a:rPr lang="ja" altLang="en-US" sz="4200" dirty="0"/>
+              <a:t>自己紹介</a:t>
+            </a:r>
+            <a:endParaRPr lang="en-US" altLang="ja" sz="4200" dirty="0"/>
+          </a:p>
+          <a:p>
+            <a:r>
+              <a:rPr lang="ja-JP" altLang="en-US" sz="4200"/>
+              <a:t>データ</a:t>
+            </a:r>
+            <a:r>
+              <a:rPr lang="ja" altLang="en-US" sz="4200" dirty="0"/>
+              <a:t>アントレプレナーフェロープログラム</a:t>
+            </a:r>
+            <a:endParaRPr lang="en-US" altLang="ja-JP" sz="4200" dirty="0"/>
+          </a:p>
+          <a:p>
+            <a:r>
+              <a:rPr kumimoji="1" lang="ja" altLang="en-US" sz="4200" dirty="0"/>
+              <a:t>データアントレプレナー</a:t>
+            </a:r>
+            <a:r>
+              <a:rPr kumimoji="1" lang="ja-JP" altLang="en-US" sz="4200"/>
+              <a:t>実践論</a:t>
+            </a:r>
+            <a:endParaRPr kumimoji="1" lang="en-US" altLang="ja-JP" sz="4200" dirty="0"/>
+          </a:p>
+          <a:p>
+            <a:r>
+              <a:rPr kumimoji="1" lang="ja" altLang="en-US" sz="4200" dirty="0"/>
+              <a:t>データサイエンティスト</a:t>
+            </a:r>
+            <a:r>
+              <a:rPr kumimoji="1" lang="ja-JP" altLang="en-US" sz="4200"/>
+              <a:t>特論</a:t>
+            </a:r>
+            <a:endParaRPr kumimoji="1" lang="en-US" altLang="ja-JP" sz="4200" dirty="0"/>
+          </a:p>
+          <a:p>
+            <a:r>
+              <a:rPr lang="ja-JP" altLang="en-US" sz="4400">
+                <a:solidFill>
+                  <a:schemeClr val="accent1"/>
+                </a:solidFill>
+              </a:rPr>
+              <a:t>データ分析の目的、必要性</a:t>
+            </a:r>
+            <a:endParaRPr kumimoji="1" lang="en-US" altLang="ja-JP" sz="4200" dirty="0">
+              <a:solidFill>
+                <a:schemeClr val="accent1"/>
+              </a:solidFill>
+            </a:endParaRPr>
+          </a:p>
+        </p:txBody>
+      </p:sp>
+      <p:sp>
+        <p:nvSpPr>
+          <p:cNvPr id="4" name="Slide Number Placeholder 3">
+            <a:extLst>
+              <a:ext uri="{FF2B5EF4-FFF2-40B4-BE49-F238E27FC236}">
+                <a16:creationId xmlns:a16="http://schemas.microsoft.com/office/drawing/2014/main" id="{E857C27F-31E3-FD4B-B90C-CF6CDEEDFC7A}"/>
+              </a:ext>
+            </a:extLst>
+          </p:cNvPr>
+          <p:cNvSpPr>
+            <a:spLocks noGrp="1"/>
+          </p:cNvSpPr>
+          <p:nvPr>
+            <p:ph type="sldNum" sz="quarter" idx="10"/>
+          </p:nvPr>
+        </p:nvSpPr>
+        <p:spPr/>
+        <p:txBody>
+          <a:bodyPr/>
+          <a:lstStyle/>
+          <a:p>
+            <a:fld id="{D28C7C6D-0F52-4FBA-8358-35C6083C2133}" type="slidenum">
+              <a:rPr kumimoji="1" lang="ja-JP" altLang="en-US" smtClean="0"/>
+              <a:pPr/>
+              <a:t>21</a:t>
+            </a:fld>
+            <a:endParaRPr kumimoji="1" lang="ja-JP" altLang="en-US"/>
+          </a:p>
+        </p:txBody>
+      </p:sp>
+      <p:sp>
+        <p:nvSpPr>
+          <p:cNvPr id="7" name="Footer Placeholder 6">
+            <a:extLst>
+              <a:ext uri="{FF2B5EF4-FFF2-40B4-BE49-F238E27FC236}">
+                <a16:creationId xmlns:a16="http://schemas.microsoft.com/office/drawing/2014/main" id="{AE558B7F-26E7-DD4F-84D7-E1D64CC93010}"/>
+              </a:ext>
+            </a:extLst>
+          </p:cNvPr>
+          <p:cNvSpPr>
+            <a:spLocks noGrp="1"/>
+          </p:cNvSpPr>
+          <p:nvPr>
+            <p:ph type="ftr" sz="quarter" idx="11"/>
+          </p:nvPr>
+        </p:nvSpPr>
+        <p:spPr/>
+        <p:txBody>
+          <a:bodyPr/>
+          <a:lstStyle/>
+          <a:p>
+            <a:r>
+              <a:rPr kumimoji="1" lang="en-US" altLang="ja-JP"/>
+              <a:t>@Takato Matsumoto, 2020</a:t>
+            </a:r>
+            <a:endParaRPr kumimoji="1" lang="ja-JP" altLang="en-US" dirty="0"/>
+          </a:p>
+        </p:txBody>
+      </p:sp>
+    </p:spTree>
+    <p:extLst>
+      <p:ext uri="{BB962C8B-B14F-4D97-AF65-F5344CB8AC3E}">
+        <p14:creationId xmlns:p14="http://schemas.microsoft.com/office/powerpoint/2010/main" val="3308717264"/>
+      </p:ext>
+    </p:extLst>
+  </p:cSld>
+  <p:clrMapOvr>
+    <a:masterClrMapping/>
+  </p:clrMapOvr>
+</p:sld>
+</file>
+
+<file path=ppt/slides/slide22.xml><?xml version="1.0" encoding="utf-8"?>
+<p:sld xmlns:a="http://schemas.openxmlformats.org/drawingml/2006/main" xmlns:r="http://schemas.openxmlformats.org/officeDocument/2006/relationships" xmlns:p="http://schemas.openxmlformats.org/presentationml/2006/main">
+  <p:cSld>
+    <p:spTree>
+      <p:nvGrpSpPr>
+        <p:cNvPr id="1" name=""/>
+        <p:cNvGrpSpPr/>
+        <p:nvPr/>
+      </p:nvGrpSpPr>
+      <p:grpSpPr>
+        <a:xfrm>
+          <a:off x="0" y="0"/>
+          <a:ext cx="0" cy="0"/>
+          <a:chOff x="0" y="0"/>
+          <a:chExt cx="0" cy="0"/>
+        </a:xfrm>
+      </p:grpSpPr>
+      <p:sp>
+        <p:nvSpPr>
+          <p:cNvPr id="9" name="タイトル 8"/>
+          <p:cNvSpPr>
+            <a:spLocks noGrp="1"/>
+          </p:cNvSpPr>
+          <p:nvPr>
+            <p:ph type="title"/>
+          </p:nvPr>
+        </p:nvSpPr>
+        <p:spPr/>
+        <p:txBody>
+          <a:bodyPr>
+            <a:normAutofit/>
+          </a:bodyPr>
+          <a:lstStyle/>
+          <a:p>
+            <a:r>
+              <a:rPr kumimoji="1" lang="ja-JP" altLang="en-US"/>
+              <a:t>データ分析の目的、必要性</a:t>
+            </a:r>
+            <a:endParaRPr kumimoji="1" lang="ja-JP" altLang="en-US" dirty="0"/>
+          </a:p>
+        </p:txBody>
+      </p:sp>
+      <p:sp>
+        <p:nvSpPr>
+          <p:cNvPr id="15" name="テキスト プレースホルダー 9">
+            <a:extLst>
+              <a:ext uri="{FF2B5EF4-FFF2-40B4-BE49-F238E27FC236}">
+                <a16:creationId xmlns:a16="http://schemas.microsoft.com/office/drawing/2014/main" id="{98F5EB82-97F4-BE48-8A01-5935D01BB0CD}"/>
+              </a:ext>
+            </a:extLst>
+          </p:cNvPr>
+          <p:cNvSpPr>
+            <a:spLocks noGrp="1"/>
+          </p:cNvSpPr>
+          <p:nvPr>
+            <p:ph type="body" sz="quarter" idx="12"/>
+          </p:nvPr>
+        </p:nvSpPr>
+        <p:spPr>
+          <a:xfrm>
+            <a:off x="1245850" y="2626432"/>
+            <a:ext cx="16534150" cy="5918258"/>
+          </a:xfrm>
+        </p:spPr>
+        <p:txBody>
+          <a:bodyPr>
+            <a:normAutofit/>
+          </a:bodyPr>
+          <a:lstStyle/>
+          <a:p>
+            <a:r>
+              <a:rPr lang="ja-JP" altLang="en-US" sz="4000"/>
+              <a:t>目的</a:t>
+            </a:r>
+            <a:endParaRPr lang="en-US" altLang="ja-JP" sz="4000" dirty="0"/>
+          </a:p>
+          <a:p>
+            <a:pPr lvl="1"/>
+            <a:r>
+              <a:rPr lang="ja-JP" altLang="en-US" sz="3200"/>
+              <a:t>意思決定の質を向上させる</a:t>
+            </a:r>
+            <a:endParaRPr lang="en-US" altLang="ja-JP" sz="3200" dirty="0"/>
+          </a:p>
+          <a:p>
+            <a:r>
+              <a:rPr lang="ja-JP" altLang="en-US" sz="4000"/>
+              <a:t>必要性</a:t>
+            </a:r>
+            <a:endParaRPr lang="en-US" altLang="ja-JP" sz="4000" dirty="0"/>
+          </a:p>
+          <a:p>
+            <a:pPr lvl="1"/>
+            <a:r>
+              <a:rPr lang="ja-JP" altLang="en-US" sz="3200"/>
+              <a:t>多くの人に論理的に説明ができる</a:t>
+            </a:r>
+            <a:endParaRPr lang="en-US" altLang="ja-JP" sz="3200" dirty="0"/>
+          </a:p>
+          <a:p>
+            <a:pPr lvl="1"/>
+            <a:r>
+              <a:rPr lang="ja-JP" altLang="en-US" sz="3200"/>
+              <a:t>経験や勘に頼らず、定量的な分析によって戦略を考える事ができる</a:t>
+            </a:r>
+            <a:endParaRPr lang="en-US" altLang="ja-JP" sz="3200" dirty="0"/>
+          </a:p>
+          <a:p>
+            <a:pPr lvl="1"/>
+            <a:r>
+              <a:rPr lang="ja-JP" altLang="en-US" sz="3200"/>
+              <a:t>戦略や施策の効果を検証できる</a:t>
+            </a:r>
+            <a:endParaRPr lang="en-US" altLang="ja-JP" sz="3200" dirty="0"/>
+          </a:p>
+          <a:p>
+            <a:pPr lvl="1"/>
+            <a:r>
+              <a:rPr lang="ja-JP" altLang="en-US" sz="3200"/>
+              <a:t>データから意思決定のための気づきを得る事ができる</a:t>
+            </a:r>
+            <a:endParaRPr lang="en-US" altLang="ja-JP" dirty="0"/>
+          </a:p>
+          <a:p>
+            <a:endParaRPr lang="en-US" altLang="ja-JP" sz="4000" dirty="0"/>
+          </a:p>
+        </p:txBody>
+      </p:sp>
+      <p:sp>
+        <p:nvSpPr>
+          <p:cNvPr id="13" name="Slide Number Placeholder 12">
+            <a:extLst>
+              <a:ext uri="{FF2B5EF4-FFF2-40B4-BE49-F238E27FC236}">
+                <a16:creationId xmlns:a16="http://schemas.microsoft.com/office/drawing/2014/main" id="{ACBC7515-E64F-8F4C-B7BA-458E3BC7E0CA}"/>
+              </a:ext>
+            </a:extLst>
+          </p:cNvPr>
+          <p:cNvSpPr>
+            <a:spLocks noGrp="1"/>
+          </p:cNvSpPr>
+          <p:nvPr>
+            <p:ph type="sldNum" sz="quarter" idx="10"/>
+          </p:nvPr>
+        </p:nvSpPr>
+        <p:spPr/>
+        <p:txBody>
+          <a:bodyPr/>
+          <a:lstStyle/>
+          <a:p>
+            <a:fld id="{D28C7C6D-0F52-4FBA-8358-35C6083C2133}" type="slidenum">
+              <a:rPr kumimoji="1" lang="ja-JP" altLang="en-US" smtClean="0"/>
+              <a:pPr/>
+              <a:t>22</a:t>
+            </a:fld>
+            <a:endParaRPr kumimoji="1" lang="ja-JP" altLang="en-US"/>
+          </a:p>
+        </p:txBody>
+      </p:sp>
+      <p:sp>
+        <p:nvSpPr>
+          <p:cNvPr id="14" name="Footer Placeholder 13">
+            <a:extLst>
+              <a:ext uri="{FF2B5EF4-FFF2-40B4-BE49-F238E27FC236}">
+                <a16:creationId xmlns:a16="http://schemas.microsoft.com/office/drawing/2014/main" id="{6848FA93-3DF9-3B45-9537-C5287D7DA562}"/>
+              </a:ext>
+            </a:extLst>
+          </p:cNvPr>
+          <p:cNvSpPr>
+            <a:spLocks noGrp="1"/>
+          </p:cNvSpPr>
+          <p:nvPr>
+            <p:ph type="ftr" sz="quarter" idx="11"/>
+          </p:nvPr>
+        </p:nvSpPr>
+        <p:spPr>
+          <a:xfrm>
+            <a:off x="10680700" y="9621838"/>
+            <a:ext cx="6172200" cy="547687"/>
+          </a:xfrm>
+        </p:spPr>
+        <p:txBody>
+          <a:bodyPr/>
+          <a:lstStyle/>
+          <a:p>
+            <a:r>
+              <a:rPr kumimoji="1" lang="en-US" altLang="ja-JP"/>
+              <a:t>@Takato Matsumoto, 2020</a:t>
+            </a:r>
+            <a:endParaRPr kumimoji="1" lang="ja-JP" altLang="en-US" dirty="0"/>
+          </a:p>
+        </p:txBody>
+      </p:sp>
+    </p:spTree>
+    <p:extLst>
+      <p:ext uri="{BB962C8B-B14F-4D97-AF65-F5344CB8AC3E}">
+        <p14:creationId xmlns:p14="http://schemas.microsoft.com/office/powerpoint/2010/main" val="2418133671"/>
+      </p:ext>
+    </p:extLst>
+  </p:cSld>
+  <p:clrMapOvr>
+    <a:masterClrMapping/>
+  </p:clrMapOvr>
+</p:sld>
+</file>
+
+<file path=ppt/slides/slide23.xml><?xml version="1.0" encoding="utf-8"?>
+<p:sld xmlns:a="http://schemas.openxmlformats.org/drawingml/2006/main" xmlns:r="http://schemas.openxmlformats.org/officeDocument/2006/relationships" xmlns:p="http://schemas.openxmlformats.org/presentationml/2006/main">
+  <p:cSld>
+    <p:spTree>
+      <p:nvGrpSpPr>
+        <p:cNvPr id="1" name=""/>
+        <p:cNvGrpSpPr/>
+        <p:nvPr/>
+      </p:nvGrpSpPr>
+      <p:grpSpPr>
+        <a:xfrm>
+          <a:off x="0" y="0"/>
+          <a:ext cx="0" cy="0"/>
+          <a:chOff x="0" y="0"/>
+          <a:chExt cx="0" cy="0"/>
+        </a:xfrm>
+      </p:grpSpPr>
+      <p:sp>
+        <p:nvSpPr>
+          <p:cNvPr id="9" name="タイトル 8"/>
+          <p:cNvSpPr>
+            <a:spLocks noGrp="1"/>
+          </p:cNvSpPr>
+          <p:nvPr>
+            <p:ph type="title"/>
+          </p:nvPr>
+        </p:nvSpPr>
+        <p:spPr/>
+        <p:txBody>
+          <a:bodyPr>
+            <a:normAutofit/>
+          </a:bodyPr>
+          <a:lstStyle/>
+          <a:p>
+            <a:r>
+              <a:rPr kumimoji="1" lang="ja-JP" altLang="en-US"/>
+              <a:t>データ分析の目的、必要性</a:t>
+            </a:r>
+            <a:endParaRPr kumimoji="1" lang="ja-JP" altLang="en-US" dirty="0"/>
+          </a:p>
+        </p:txBody>
+      </p:sp>
+      <p:sp>
+        <p:nvSpPr>
+          <p:cNvPr id="15" name="テキスト プレースホルダー 9">
+            <a:extLst>
+              <a:ext uri="{FF2B5EF4-FFF2-40B4-BE49-F238E27FC236}">
+                <a16:creationId xmlns:a16="http://schemas.microsoft.com/office/drawing/2014/main" id="{98F5EB82-97F4-BE48-8A01-5935D01BB0CD}"/>
+              </a:ext>
+            </a:extLst>
+          </p:cNvPr>
+          <p:cNvSpPr>
+            <a:spLocks noGrp="1"/>
+          </p:cNvSpPr>
+          <p:nvPr>
+            <p:ph type="body" sz="quarter" idx="12"/>
+          </p:nvPr>
+        </p:nvSpPr>
+        <p:spPr>
+          <a:xfrm>
+            <a:off x="1080750" y="115855"/>
+            <a:ext cx="16534150" cy="5918258"/>
+          </a:xfrm>
+        </p:spPr>
+        <p:txBody>
+          <a:bodyPr>
+            <a:normAutofit/>
+          </a:bodyPr>
+          <a:lstStyle/>
+          <a:p>
+            <a:endParaRPr lang="en-US" altLang="ja-JP" sz="4000" dirty="0"/>
+          </a:p>
+          <a:p>
+            <a:r>
+              <a:rPr lang="ja-JP" altLang="en-US" sz="4000"/>
+              <a:t>ウォルマートの例</a:t>
+            </a:r>
+            <a:endParaRPr lang="en-US" altLang="ja-JP" sz="4000" dirty="0"/>
+          </a:p>
+          <a:p>
+            <a:pPr lvl="1"/>
+            <a:r>
+              <a:rPr lang="ja-JP" altLang="en-US" sz="3200"/>
+              <a:t>ハリケーンの前にストロベリーポップタルトが多く売れる</a:t>
+            </a:r>
+            <a:r>
+              <a:rPr lang="en-US" sz="3200" dirty="0">
+                <a:hlinkClick r:id="rId2"/>
+              </a:rPr>
+              <a:t>https://www.nytimes.com/2004/11/14/business/yourmoney/what-walmart-knows-about-customers-habits.html</a:t>
+            </a:r>
+            <a:endParaRPr lang="en-US" altLang="ja-JP" sz="3200" dirty="0"/>
+          </a:p>
+        </p:txBody>
+      </p:sp>
+      <p:sp>
+        <p:nvSpPr>
+          <p:cNvPr id="13" name="Slide Number Placeholder 12">
+            <a:extLst>
+              <a:ext uri="{FF2B5EF4-FFF2-40B4-BE49-F238E27FC236}">
+                <a16:creationId xmlns:a16="http://schemas.microsoft.com/office/drawing/2014/main" id="{ACBC7515-E64F-8F4C-B7BA-458E3BC7E0CA}"/>
+              </a:ext>
+            </a:extLst>
+          </p:cNvPr>
+          <p:cNvSpPr>
+            <a:spLocks noGrp="1"/>
+          </p:cNvSpPr>
+          <p:nvPr>
+            <p:ph type="sldNum" sz="quarter" idx="10"/>
+          </p:nvPr>
+        </p:nvSpPr>
+        <p:spPr/>
+        <p:txBody>
+          <a:bodyPr/>
+          <a:lstStyle/>
+          <a:p>
+            <a:fld id="{D28C7C6D-0F52-4FBA-8358-35C6083C2133}" type="slidenum">
+              <a:rPr kumimoji="1" lang="ja-JP" altLang="en-US" smtClean="0"/>
+              <a:pPr/>
+              <a:t>23</a:t>
+            </a:fld>
+            <a:endParaRPr kumimoji="1" lang="ja-JP" altLang="en-US"/>
+          </a:p>
+        </p:txBody>
+      </p:sp>
+      <p:sp>
+        <p:nvSpPr>
+          <p:cNvPr id="14" name="Footer Placeholder 13">
+            <a:extLst>
+              <a:ext uri="{FF2B5EF4-FFF2-40B4-BE49-F238E27FC236}">
+                <a16:creationId xmlns:a16="http://schemas.microsoft.com/office/drawing/2014/main" id="{6848FA93-3DF9-3B45-9537-C5287D7DA562}"/>
+              </a:ext>
+            </a:extLst>
+          </p:cNvPr>
+          <p:cNvSpPr>
+            <a:spLocks noGrp="1"/>
+          </p:cNvSpPr>
+          <p:nvPr>
+            <p:ph type="ftr" sz="quarter" idx="11"/>
+          </p:nvPr>
+        </p:nvSpPr>
+        <p:spPr>
+          <a:xfrm>
+            <a:off x="10680700" y="9621838"/>
+            <a:ext cx="6172200" cy="547687"/>
+          </a:xfrm>
+        </p:spPr>
+        <p:txBody>
+          <a:bodyPr/>
+          <a:lstStyle/>
+          <a:p>
+            <a:r>
+              <a:rPr kumimoji="1" lang="en-US" altLang="ja-JP"/>
+              <a:t>@Takato Matsumoto, 2020</a:t>
+            </a:r>
+            <a:endParaRPr kumimoji="1" lang="ja-JP" altLang="en-US" dirty="0"/>
+          </a:p>
+        </p:txBody>
+      </p:sp>
+      <p:sp>
+        <p:nvSpPr>
+          <p:cNvPr id="2" name="Rectangle 1">
+            <a:extLst>
+              <a:ext uri="{FF2B5EF4-FFF2-40B4-BE49-F238E27FC236}">
+                <a16:creationId xmlns:a16="http://schemas.microsoft.com/office/drawing/2014/main" id="{A8F77602-0601-494A-ABDA-F67D9ED27135}"/>
+              </a:ext>
+            </a:extLst>
+          </p:cNvPr>
+          <p:cNvSpPr/>
+          <p:nvPr/>
+        </p:nvSpPr>
+        <p:spPr>
+          <a:xfrm>
+            <a:off x="3861345" y="8091803"/>
+            <a:ext cx="4192879" cy="369332"/>
+          </a:xfrm>
+          <a:prstGeom prst="rect">
+            <a:avLst/>
+          </a:prstGeom>
+        </p:spPr>
+        <p:txBody>
+          <a:bodyPr wrap="none">
+            <a:spAutoFit/>
+          </a:bodyPr>
+          <a:lstStyle/>
+          <a:p>
+            <a:r>
+              <a:rPr lang="en-US" dirty="0">
+                <a:hlinkClick r:id="rId3"/>
+              </a:rPr>
+              <a:t>https://www.walmartjapanseiyu.com/</a:t>
+            </a:r>
+            <a:endParaRPr lang="en-JP" dirty="0"/>
+          </a:p>
+        </p:txBody>
+      </p:sp>
+      <p:pic>
+        <p:nvPicPr>
+          <p:cNvPr id="4" name="Picture 3" descr="A close up of a logo&#10;&#10;Description automatically generated">
+            <a:extLst>
+              <a:ext uri="{FF2B5EF4-FFF2-40B4-BE49-F238E27FC236}">
+                <a16:creationId xmlns:a16="http://schemas.microsoft.com/office/drawing/2014/main" id="{76A95426-6602-D546-A818-BF6F5A22E2A9}"/>
+              </a:ext>
+            </a:extLst>
+          </p:cNvPr>
+          <p:cNvPicPr>
+            <a:picLocks noChangeAspect="1"/>
+          </p:cNvPicPr>
+          <p:nvPr/>
+        </p:nvPicPr>
+        <p:blipFill rotWithShape="1">
+          <a:blip r:embed="rId4">
+            <a:extLst>
+              <a:ext uri="{28A0092B-C50C-407E-A947-70E740481C1C}">
+                <a14:useLocalDpi xmlns:a14="http://schemas.microsoft.com/office/drawing/2010/main" val="0"/>
+              </a:ext>
+            </a:extLst>
+          </a:blip>
+          <a:srcRect t="31666" b="31812"/>
+          <a:stretch/>
+        </p:blipFill>
+        <p:spPr>
+          <a:xfrm>
+            <a:off x="3100284" y="6004586"/>
+            <a:ext cx="5715000" cy="2087217"/>
+          </a:xfrm>
+          <a:prstGeom prst="rect">
+            <a:avLst/>
+          </a:prstGeom>
+        </p:spPr>
+      </p:pic>
+      <p:pic>
+        <p:nvPicPr>
+          <p:cNvPr id="6" name="Picture 5">
+            <a:extLst>
+              <a:ext uri="{FF2B5EF4-FFF2-40B4-BE49-F238E27FC236}">
+                <a16:creationId xmlns:a16="http://schemas.microsoft.com/office/drawing/2014/main" id="{3F0FD411-812C-7547-A1F7-50553DF6B03A}"/>
+              </a:ext>
+            </a:extLst>
+          </p:cNvPr>
+          <p:cNvPicPr>
+            <a:picLocks noChangeAspect="1"/>
+          </p:cNvPicPr>
+          <p:nvPr/>
+        </p:nvPicPr>
+        <p:blipFill>
+          <a:blip r:embed="rId5">
+            <a:extLst>
+              <a:ext uri="{28A0092B-C50C-407E-A947-70E740481C1C}">
+                <a14:useLocalDpi xmlns:a14="http://schemas.microsoft.com/office/drawing/2010/main" val="0"/>
+              </a:ext>
+            </a:extLst>
+          </a:blip>
+          <a:stretch>
+            <a:fillRect/>
+          </a:stretch>
+        </p:blipFill>
+        <p:spPr>
+          <a:xfrm>
+            <a:off x="11108512" y="5256649"/>
+            <a:ext cx="3035595" cy="2875358"/>
+          </a:xfrm>
+          <a:prstGeom prst="rect">
+            <a:avLst/>
+          </a:prstGeom>
+        </p:spPr>
+      </p:pic>
+      <p:sp>
+        <p:nvSpPr>
+          <p:cNvPr id="7" name="Rectangle 6">
+            <a:extLst>
+              <a:ext uri="{FF2B5EF4-FFF2-40B4-BE49-F238E27FC236}">
+                <a16:creationId xmlns:a16="http://schemas.microsoft.com/office/drawing/2014/main" id="{90963420-9911-C14A-A54F-A7416DFD349F}"/>
+              </a:ext>
+            </a:extLst>
+          </p:cNvPr>
+          <p:cNvSpPr/>
+          <p:nvPr/>
+        </p:nvSpPr>
+        <p:spPr>
+          <a:xfrm>
+            <a:off x="10355655" y="8091803"/>
+            <a:ext cx="4541308" cy="369332"/>
+          </a:xfrm>
+          <a:prstGeom prst="rect">
+            <a:avLst/>
+          </a:prstGeom>
+        </p:spPr>
+        <p:txBody>
+          <a:bodyPr wrap="none">
+            <a:spAutoFit/>
+          </a:bodyPr>
+          <a:lstStyle/>
+          <a:p>
+            <a:r>
+              <a:rPr lang="en-US" dirty="0">
+                <a:hlinkClick r:id="rId6"/>
+              </a:rPr>
+              <a:t>https://www.kelloggs.jp/ja_JP/home.html</a:t>
+            </a:r>
+            <a:endParaRPr lang="en-JP" dirty="0"/>
+          </a:p>
+        </p:txBody>
+      </p:sp>
+    </p:spTree>
+    <p:extLst>
+      <p:ext uri="{BB962C8B-B14F-4D97-AF65-F5344CB8AC3E}">
+        <p14:creationId xmlns:p14="http://schemas.microsoft.com/office/powerpoint/2010/main" val="4202766257"/>
+      </p:ext>
+    </p:extLst>
+  </p:cSld>
+  <p:clrMapOvr>
+    <a:masterClrMapping/>
+  </p:clrMapOvr>
+</p:sld>
+</file>
+
 <file path=ppt/slides/slide3.xml><?xml version="1.0" encoding="utf-8"?>
 <p:sld xmlns:a="http://schemas.openxmlformats.org/drawingml/2006/main" xmlns:r="http://schemas.openxmlformats.org/officeDocument/2006/relationships" xmlns:p="http://schemas.openxmlformats.org/presentationml/2006/main">
   <p:cSld>
@@ -17201,22 +17892,6 @@
               <a:rPr lang="ja" altLang="en-US" sz="4200" dirty="0"/>
               <a:t>アントレプレナーフェロープログラム</a:t>
             </a:r>
-            <a:r>
-              <a:rPr lang="en-US" altLang="ja" sz="4200" dirty="0"/>
-              <a:t>(</a:t>
-            </a:r>
-            <a:r>
-              <a:rPr lang="en-US" altLang="ja" sz="4200" dirty="0" err="1"/>
-              <a:t>Defp</a:t>
-            </a:r>
-            <a:r>
-              <a:rPr lang="en-US" altLang="ja" sz="4200" dirty="0"/>
-              <a:t>)</a:t>
-            </a:r>
-            <a:r>
-              <a:rPr lang="ja-JP" altLang="en-US" sz="4200"/>
-              <a:t>の紹介</a:t>
-            </a:r>
             <a:endParaRPr lang="en-US" altLang="ja-JP" sz="4200" dirty="0"/>
           </a:p>
           <a:p>
@@ -17238,6 +17913,13 @@
             <a:r>
               <a:rPr kumimoji="1" lang="ja-JP" altLang="en-US" sz="4200"/>
               <a:t>特論</a:t>
+            </a:r>
+            <a:endParaRPr kumimoji="1" lang="en-US" altLang="ja-JP" sz="4200" dirty="0"/>
+          </a:p>
+          <a:p>
+            <a:r>
+              <a:rPr lang="ja-JP" altLang="en-US" sz="4400"/>
+              <a:t>データ分析の目的、必要性</a:t>
             </a:r>
             <a:endParaRPr kumimoji="1" lang="en-US" altLang="ja-JP" sz="4200" dirty="0"/>
           </a:p>
@@ -17401,22 +18083,6 @@
               <a:rPr lang="ja" altLang="en-US" sz="4200" dirty="0"/>
               <a:t>アントレプレナーフェロープログラム</a:t>
             </a:r>
-            <a:r>
-              <a:rPr lang="en-US" altLang="ja" sz="4200" dirty="0"/>
-              <a:t>(</a:t>
-            </a:r>
-            <a:r>
-              <a:rPr lang="en-US" altLang="ja" sz="4200" dirty="0" err="1"/>
-              <a:t>Defp</a:t>
-            </a:r>
-            <a:r>
-              <a:rPr lang="en-US" altLang="ja" sz="4200" dirty="0"/>
-              <a:t>)</a:t>
-            </a:r>
-            <a:r>
-              <a:rPr lang="ja-JP" altLang="en-US" sz="4200"/>
-              <a:t>の紹介</a:t>
-            </a:r>
             <a:endParaRPr lang="en-US" altLang="ja-JP" sz="4200" dirty="0"/>
           </a:p>
           <a:p>
@@ -17438,6 +18104,13 @@
             <a:r>
               <a:rPr kumimoji="1" lang="ja-JP" altLang="en-US" sz="4200"/>
               <a:t>特論</a:t>
+            </a:r>
+            <a:endParaRPr kumimoji="1" lang="en-US" altLang="ja-JP" sz="4200" dirty="0"/>
+          </a:p>
+          <a:p>
+            <a:r>
+              <a:rPr lang="ja-JP" altLang="en-US" sz="4400"/>
+              <a:t>データ分析の目的、必要性</a:t>
             </a:r>
             <a:endParaRPr kumimoji="1" lang="en-US" altLang="ja-JP" sz="4200" dirty="0"/>
           </a:p>
@@ -17656,7 +18329,7 @@
           <a:p>
             <a:r>
               <a:rPr lang="ja-JP" altLang="en-US" sz="4000"/>
-              <a:t>株式会社リコー</a:t>
+              <a:t>松本</a:t>
             </a:r>
             <a:r>
               <a:rPr lang="en-US" altLang="ja-JP" sz="4000" dirty="0"/>
@@ -17664,7 +18337,48 @@
             </a:r>
             <a:r>
               <a:rPr lang="ja-JP" altLang="en-US" sz="4000"/>
-              <a:t>経営企画本部</a:t>
+              <a:t>崇斗</a:t>
+            </a:r>
+            <a:r>
+              <a:rPr lang="en-US" altLang="ja-JP" sz="4000" dirty="0"/>
+              <a:t>(</a:t>
+            </a:r>
+            <a:r>
+              <a:rPr lang="ja-JP" altLang="en-US" sz="4000"/>
+              <a:t>まつもと</a:t>
+            </a:r>
+            <a:r>
+              <a:rPr lang="en-US" altLang="ja-JP" sz="4000" dirty="0"/>
+              <a:t> </a:t>
+            </a:r>
+            <a:r>
+              <a:rPr lang="ja-JP" altLang="en-US" sz="4000"/>
+              <a:t>たかと</a:t>
+            </a:r>
+            <a:r>
+              <a:rPr lang="en-US" altLang="ja-JP" sz="4000" dirty="0"/>
+              <a:t>)</a:t>
+            </a:r>
+          </a:p>
+          <a:p>
+            <a:r>
+              <a:rPr lang="ja-JP" altLang="en-US" sz="4000"/>
+              <a:t>静岡県磐田市出身</a:t>
+            </a:r>
+            <a:endParaRPr lang="en-US" altLang="ja-JP" sz="3200" dirty="0"/>
+          </a:p>
+          <a:p>
+            <a:r>
+              <a:rPr lang="ja-JP" altLang="en-US" sz="4000"/>
+              <a:t>株式会社リコー</a:t>
+            </a:r>
+            <a:r>
+              <a:rPr lang="en-US" altLang="ja-JP" sz="4000" dirty="0"/>
+              <a:t> </a:t>
+            </a:r>
+            <a:r>
+              <a:rPr lang="ja-JP" altLang="en-US" sz="4000"/>
+              <a:t>経営企画本部所属</a:t>
             </a:r>
             <a:endParaRPr lang="en-US" altLang="zh-TW" sz="4000" dirty="0"/>
           </a:p>
@@ -17689,23 +18403,6 @@
               <a:rPr lang="ja" altLang="en-US" sz="3600" dirty="0"/>
               <a:t>情報工学専攻</a:t>
             </a:r>
-            <a:endParaRPr lang="en-US" altLang="ja" sz="3600" dirty="0"/>
-          </a:p>
-          <a:p>
-            <a:pPr lvl="1"/>
-            <a:r>
-              <a:rPr lang="ja-JP" altLang="en-US" sz="3600"/>
-              <a:t>データを用いたデバイスの研究を</a:t>
-            </a:r>
-            <a:r>
-              <a:rPr lang="ja" altLang="en-US" sz="3600" dirty="0"/>
-              <a:t>行なって</a:t>
-            </a:r>
-            <a:r>
-              <a:rPr lang="ja-JP" altLang="en-US" sz="3600"/>
-              <a:t>いました</a:t>
-            </a:r>
-            <a:endParaRPr lang="en-US" altLang="ja" sz="3600" dirty="0"/>
           </a:p>
           <a:p>
             <a:r>
@@ -17737,74 +18434,10 @@
               <a:t>エ</a:t>
             </a:r>
             <a:r>
-              <a:rPr lang="ja" altLang="en-US" sz="3600"/>
+              <a:rPr lang="ja" altLang="en-US" sz="3600" dirty="0"/>
               <a:t>ンティスト</a:t>
             </a:r>
             <a:endParaRPr lang="en-US" altLang="ja" sz="3600" dirty="0"/>
-          </a:p>
-        </p:txBody>
-      </p:sp>
-      <p:sp>
-        <p:nvSpPr>
-          <p:cNvPr id="16" name="TextBox 15">
-            <a:extLst>
-              <a:ext uri="{FF2B5EF4-FFF2-40B4-BE49-F238E27FC236}">
-                <a16:creationId xmlns:a16="http://schemas.microsoft.com/office/drawing/2014/main" id="{3BB766C1-77F4-744F-8C32-DACB07F32A2B}"/>
-              </a:ext>
-            </a:extLst>
-          </p:cNvPr>
-          <p:cNvSpPr txBox="1"/>
-          <p:nvPr/>
-        </p:nvSpPr>
-        <p:spPr>
-          <a:xfrm>
-            <a:off x="1968085" y="9301491"/>
-            <a:ext cx="4217821" cy="523220"/>
-          </a:xfrm>
-          <a:prstGeom prst="rect">
-            <a:avLst/>
-          </a:prstGeom>
-          <a:noFill/>
-        </p:spPr>
-        <p:txBody>
-          <a:bodyPr wrap="none" rtlCol="0">
-            <a:spAutoFit/>
-          </a:bodyPr>
-          <a:lstStyle/>
-          <a:p>
-            <a:r>
-              <a:rPr kumimoji="1" lang="ja-JP" altLang="en-US" sz="2800"/>
-              <a:t>松本</a:t>
-            </a:r>
-            <a:r>
-              <a:rPr kumimoji="1" lang="en-US" altLang="ja-JP" sz="2800" dirty="0"/>
-              <a:t> </a:t>
-            </a:r>
-            <a:r>
-              <a:rPr kumimoji="1" lang="ja-JP" altLang="en-US" sz="2800"/>
-              <a:t>崇斗</a:t>
-            </a:r>
-            <a:r>
-              <a:rPr kumimoji="1" lang="en-US" altLang="ja-JP" sz="2800" dirty="0"/>
-              <a:t>(</a:t>
-            </a:r>
-            <a:r>
-              <a:rPr kumimoji="1" lang="ja-JP" altLang="en-US" sz="2800"/>
-              <a:t>まつもと</a:t>
-            </a:r>
-            <a:r>
-              <a:rPr kumimoji="1" lang="en-US" altLang="ja-JP" sz="2800" dirty="0"/>
-              <a:t> </a:t>
-            </a:r>
-            <a:r>
-              <a:rPr kumimoji="1" lang="ja-JP" altLang="en-US" sz="2800"/>
-              <a:t>たかと</a:t>
-            </a:r>
-            <a:r>
-              <a:rPr kumimoji="1" lang="en-US" altLang="ja-JP" sz="2800" dirty="0"/>
-              <a:t>)</a:t>
-            </a:r>
-            <a:endParaRPr kumimoji="1" lang="en-US" sz="2800" dirty="0"/>
           </a:p>
         </p:txBody>
       </p:sp>
@@ -18176,7 +18809,7 @@
             <a:pPr lvl="1"/>
             <a:r>
               <a:rPr lang="ja-JP" altLang="en-US" sz="2800"/>
-              <a:t>昨年もお世話になりました</a:t>
+              <a:t>昨年もデータ政策科学を担当しました</a:t>
             </a:r>
             <a:endParaRPr lang="en-US" altLang="ja-JP" sz="2000" dirty="0"/>
           </a:p>
@@ -18347,38 +18980,6 @@
               </a:rPr>
               <a:t>アントレプレナーフェロープログラム</a:t>
             </a:r>
-            <a:r>
-              <a:rPr lang="en-US" altLang="ja" sz="4200" dirty="0">
-                <a:solidFill>
-                  <a:schemeClr val="accent1"/>
-                </a:solidFill>
-              </a:rPr>
-              <a:t>(</a:t>
-            </a:r>
-            <a:r>
-              <a:rPr lang="en-US" altLang="ja" sz="4200" dirty="0" err="1">
-                <a:solidFill>
-                  <a:schemeClr val="accent1"/>
-                </a:solidFill>
-              </a:rPr>
-              <a:t>Defp</a:t>
-            </a:r>
-            <a:r>
-              <a:rPr lang="en-US" altLang="ja" sz="4200" dirty="0">
-                <a:solidFill>
-                  <a:schemeClr val="accent1"/>
-                </a:solidFill>
-              </a:rPr>
-              <a:t>)</a:t>
-            </a:r>
-            <a:r>
-              <a:rPr lang="ja-JP" altLang="en-US" sz="4200">
-                <a:solidFill>
-                  <a:schemeClr val="accent1"/>
-                </a:solidFill>
-              </a:rPr>
-              <a:t>の紹介</a:t>
-            </a:r>
             <a:endParaRPr lang="en-US" altLang="ja-JP" sz="4200" dirty="0">
               <a:solidFill>
                 <a:schemeClr val="accent1"/>
@@ -18409,12 +19010,8 @@
           </a:p>
           <a:p>
             <a:r>
-              <a:rPr lang="ja" altLang="en-US" sz="4200" dirty="0"/>
-              <a:t>データサイエンス</a:t>
-            </a:r>
-            <a:r>
-              <a:rPr lang="ja-JP" altLang="en-US" sz="4200"/>
-              <a:t>の楽しさ</a:t>
+              <a:rPr lang="ja-JP" altLang="en-US" sz="4400"/>
+              <a:t>データ分析の目的、必要性</a:t>
             </a:r>
             <a:endParaRPr lang="en-US" altLang="ja-JP" sz="4200" dirty="0"/>
           </a:p>
@@ -18538,15 +19135,7 @@
           <a:p>
             <a:r>
               <a:rPr lang="ja" altLang="en-US" sz="5400" dirty="0"/>
-              <a:t>フェロープログラム（</a:t>
-            </a:r>
-            <a:r>
-              <a:rPr lang="en-US" altLang="ja" sz="5400" dirty="0" err="1"/>
-              <a:t>Defp</a:t>
-            </a:r>
-            <a:r>
-              <a:rPr lang="ja" altLang="en-US" sz="5400" dirty="0"/>
-              <a:t>）</a:t>
+              <a:t>フェロープログラム</a:t>
             </a:r>
             <a:endParaRPr lang="ja-JP" altLang="en-US" sz="5400" dirty="0"/>
           </a:p>

--- a/chapter_1/pptx/1_intro.pptx
+++ b/chapter_1/pptx/1_intro.pptx
@@ -7,32 +7,33 @@
     <p:sldMasterId id="2147483664" r:id="rId3"/>
   </p:sldMasterIdLst>
   <p:notesMasterIdLst>
-    <p:notesMasterId r:id="rId27"/>
+    <p:notesMasterId r:id="rId28"/>
   </p:notesMasterIdLst>
   <p:sldIdLst>
     <p:sldId id="258" r:id="rId4"/>
     <p:sldId id="300" r:id="rId5"/>
-    <p:sldId id="267" r:id="rId6"/>
-    <p:sldId id="314" r:id="rId7"/>
-    <p:sldId id="325" r:id="rId8"/>
-    <p:sldId id="323" r:id="rId9"/>
-    <p:sldId id="315" r:id="rId10"/>
-    <p:sldId id="274" r:id="rId11"/>
-    <p:sldId id="322" r:id="rId12"/>
-    <p:sldId id="316" r:id="rId13"/>
-    <p:sldId id="302" r:id="rId14"/>
-    <p:sldId id="303" r:id="rId15"/>
-    <p:sldId id="309" r:id="rId16"/>
-    <p:sldId id="306" r:id="rId17"/>
-    <p:sldId id="311" r:id="rId18"/>
-    <p:sldId id="292" r:id="rId19"/>
-    <p:sldId id="312" r:id="rId20"/>
-    <p:sldId id="313" r:id="rId21"/>
-    <p:sldId id="317" r:id="rId22"/>
-    <p:sldId id="320" r:id="rId23"/>
-    <p:sldId id="326" r:id="rId24"/>
-    <p:sldId id="329" r:id="rId25"/>
-    <p:sldId id="330" r:id="rId26"/>
+    <p:sldId id="331" r:id="rId6"/>
+    <p:sldId id="267" r:id="rId7"/>
+    <p:sldId id="314" r:id="rId8"/>
+    <p:sldId id="325" r:id="rId9"/>
+    <p:sldId id="323" r:id="rId10"/>
+    <p:sldId id="315" r:id="rId11"/>
+    <p:sldId id="274" r:id="rId12"/>
+    <p:sldId id="322" r:id="rId13"/>
+    <p:sldId id="316" r:id="rId14"/>
+    <p:sldId id="302" r:id="rId15"/>
+    <p:sldId id="303" r:id="rId16"/>
+    <p:sldId id="309" r:id="rId17"/>
+    <p:sldId id="306" r:id="rId18"/>
+    <p:sldId id="311" r:id="rId19"/>
+    <p:sldId id="292" r:id="rId20"/>
+    <p:sldId id="312" r:id="rId21"/>
+    <p:sldId id="313" r:id="rId22"/>
+    <p:sldId id="317" r:id="rId23"/>
+    <p:sldId id="320" r:id="rId24"/>
+    <p:sldId id="326" r:id="rId25"/>
+    <p:sldId id="329" r:id="rId26"/>
+    <p:sldId id="330" r:id="rId27"/>
   </p:sldIdLst>
   <p:sldSz cx="18288000" cy="10285413"/>
   <p:notesSz cx="6858000" cy="9144000"/>
@@ -232,7 +233,7 @@
           <a:p>
             <a:fld id="{9325ABCC-732D-4DFB-BF35-D5B0D3F49F74}" type="datetimeFigureOut">
               <a:rPr kumimoji="1" lang="ja-JP" altLang="en-US" smtClean="0"/>
-              <a:t>2020/5/31</a:t>
+              <a:t>2020/6/11</a:t>
             </a:fld>
             <a:endParaRPr kumimoji="1" lang="ja-JP" altLang="en-US"/>
           </a:p>
@@ -12373,6 +12374,263 @@
       </p:grpSpPr>
       <p:sp>
         <p:nvSpPr>
+          <p:cNvPr id="9" name="タイトル 8"/>
+          <p:cNvSpPr>
+            <a:spLocks noGrp="1"/>
+          </p:cNvSpPr>
+          <p:nvPr>
+            <p:ph type="title"/>
+          </p:nvPr>
+        </p:nvSpPr>
+        <p:spPr/>
+        <p:txBody>
+          <a:bodyPr/>
+          <a:lstStyle/>
+          <a:p>
+            <a:r>
+              <a:rPr kumimoji="1" lang="ja" altLang="en-US" dirty="0"/>
+              <a:t>データアントレプレナー</a:t>
+            </a:r>
+            <a:r>
+              <a:rPr kumimoji="1" lang="ja-JP" altLang="en-US"/>
+              <a:t>フェロープログラム（</a:t>
+            </a:r>
+            <a:r>
+              <a:rPr kumimoji="1" lang="en-US" altLang="ja-JP" dirty="0" err="1"/>
+              <a:t>Defp</a:t>
+            </a:r>
+            <a:r>
+              <a:rPr kumimoji="1" lang="ja-JP" altLang="en-US"/>
+              <a:t>）</a:t>
+            </a:r>
+            <a:r>
+              <a:rPr kumimoji="1" lang="en-US" altLang="ja-JP" dirty="0"/>
+              <a:t> | </a:t>
+            </a:r>
+            <a:r>
+              <a:rPr lang="ja-JP" altLang="en-US"/>
+              <a:t>講義内容</a:t>
+            </a:r>
+            <a:endParaRPr kumimoji="1" lang="ja-JP" altLang="en-US" dirty="0"/>
+          </a:p>
+        </p:txBody>
+      </p:sp>
+      <p:sp>
+        <p:nvSpPr>
+          <p:cNvPr id="10" name="テキスト プレースホルダー 9"/>
+          <p:cNvSpPr>
+            <a:spLocks noGrp="1"/>
+          </p:cNvSpPr>
+          <p:nvPr>
+            <p:ph type="body" sz="quarter" idx="12"/>
+          </p:nvPr>
+        </p:nvSpPr>
+        <p:spPr>
+          <a:xfrm>
+            <a:off x="2670361" y="1420977"/>
+            <a:ext cx="13201277" cy="8600285"/>
+          </a:xfrm>
+        </p:spPr>
+        <p:txBody>
+          <a:bodyPr>
+            <a:normAutofit/>
+          </a:bodyPr>
+          <a:lstStyle/>
+          <a:p>
+            <a:r>
+              <a:rPr lang="ja" altLang="en-US" sz="4400" dirty="0"/>
+              <a:t>データアントレプレナー</a:t>
+            </a:r>
+            <a:r>
+              <a:rPr lang="ja-JP" altLang="en-US" sz="4400"/>
+              <a:t>実践論</a:t>
+            </a:r>
+            <a:endParaRPr lang="en-US" altLang="ja-JP" sz="4400" dirty="0"/>
+          </a:p>
+          <a:p>
+            <a:pPr lvl="1"/>
+            <a:r>
+              <a:rPr lang="ja-JP" altLang="en-US" sz="3600"/>
+              <a:t>各企業が</a:t>
+            </a:r>
+            <a:r>
+              <a:rPr lang="ja" altLang="en-US" sz="3600" dirty="0"/>
+              <a:t>行なっている</a:t>
+            </a:r>
+            <a:r>
+              <a:rPr lang="ja-JP" altLang="en-US" sz="3600"/>
+              <a:t>データビジネスの実例を学ぶ</a:t>
+            </a:r>
+            <a:endParaRPr lang="en-US" altLang="ja-JP" sz="3600" dirty="0"/>
+          </a:p>
+          <a:p>
+            <a:pPr lvl="1"/>
+            <a:r>
+              <a:rPr lang="ja-JP" altLang="en-US" sz="3600"/>
+              <a:t>最終コマで</a:t>
+            </a:r>
+            <a:r>
+              <a:rPr lang="ja" altLang="en-US" sz="3600" dirty="0"/>
+              <a:t>ピッチコンテスト</a:t>
+            </a:r>
+            <a:r>
+              <a:rPr lang="ja-JP" altLang="en-US" sz="3600"/>
+              <a:t>を行う</a:t>
+            </a:r>
+            <a:endParaRPr lang="en-US" altLang="ja-JP" sz="3600" dirty="0"/>
+          </a:p>
+          <a:p>
+            <a:pPr lvl="2"/>
+            <a:r>
+              <a:rPr lang="ja-JP" altLang="en-US" sz="3600"/>
+              <a:t>データを活用したビジネスプランを提言するコンテスト</a:t>
+            </a:r>
+            <a:endParaRPr lang="en-US" altLang="ja-JP" sz="3600" dirty="0"/>
+          </a:p>
+          <a:p>
+            <a:pPr lvl="2"/>
+            <a:endParaRPr lang="en-US" altLang="ja-JP" sz="3600" dirty="0"/>
+          </a:p>
+          <a:p>
+            <a:r>
+              <a:rPr lang="ja-JP" altLang="en-US" sz="4400"/>
+              <a:t>データサイエンティスト特論</a:t>
+            </a:r>
+            <a:endParaRPr lang="en-US" altLang="ja-JP" sz="4400" dirty="0"/>
+          </a:p>
+          <a:p>
+            <a:pPr lvl="1"/>
+            <a:r>
+              <a:rPr lang="ja" altLang="en-US" sz="3600" dirty="0"/>
+              <a:t>不動産データ</a:t>
+            </a:r>
+            <a:r>
+              <a:rPr lang="ja-JP" altLang="en-US" sz="3600"/>
+              <a:t>の分析，機械学習モデル（</a:t>
+            </a:r>
+            <a:r>
+              <a:rPr lang="en-US" altLang="ja-JP" sz="3600" dirty="0"/>
+              <a:t>AI</a:t>
+            </a:r>
+            <a:r>
+              <a:rPr lang="ja-JP" altLang="en-US" sz="3600"/>
+              <a:t>エンジン）の実装</a:t>
+            </a:r>
+            <a:endParaRPr lang="en-US" altLang="ja-JP" sz="3600" dirty="0"/>
+          </a:p>
+          <a:p>
+            <a:pPr lvl="2"/>
+            <a:r>
+              <a:rPr lang="ja-JP" altLang="en-US" sz="3600"/>
+              <a:t>物件価格</a:t>
+            </a:r>
+            <a:r>
+              <a:rPr lang="ja" altLang="en-US" sz="3600" dirty="0"/>
+              <a:t>予測モデルの</a:t>
+            </a:r>
+            <a:r>
+              <a:rPr lang="ja-JP" altLang="en-US" sz="3600"/>
+              <a:t>精度を競うコンペティションを行う</a:t>
+            </a:r>
+            <a:endParaRPr lang="en-US" altLang="ja-JP" sz="3600" dirty="0"/>
+          </a:p>
+          <a:p>
+            <a:pPr lvl="1"/>
+            <a:endParaRPr kumimoji="1" lang="en-US" altLang="ja" dirty="0"/>
+          </a:p>
+        </p:txBody>
+      </p:sp>
+      <p:sp>
+        <p:nvSpPr>
+          <p:cNvPr id="34" name="Slide Number Placeholder 33">
+            <a:extLst>
+              <a:ext uri="{FF2B5EF4-FFF2-40B4-BE49-F238E27FC236}">
+                <a16:creationId xmlns:a16="http://schemas.microsoft.com/office/drawing/2014/main" id="{9D5F9A3D-C521-1649-A724-230DE88284DF}"/>
+              </a:ext>
+            </a:extLst>
+          </p:cNvPr>
+          <p:cNvSpPr>
+            <a:spLocks noGrp="1"/>
+          </p:cNvSpPr>
+          <p:nvPr>
+            <p:ph type="sldNum" sz="quarter" idx="10"/>
+          </p:nvPr>
+        </p:nvSpPr>
+        <p:spPr/>
+        <p:txBody>
+          <a:bodyPr/>
+          <a:lstStyle/>
+          <a:p>
+            <a:fld id="{D28C7C6D-0F52-4FBA-8358-35C6083C2133}" type="slidenum">
+              <a:rPr kumimoji="1" lang="ja-JP" altLang="en-US" smtClean="0"/>
+              <a:pPr/>
+              <a:t>10</a:t>
+            </a:fld>
+            <a:endParaRPr kumimoji="1" lang="ja-JP" altLang="en-US"/>
+          </a:p>
+        </p:txBody>
+      </p:sp>
+      <p:sp>
+        <p:nvSpPr>
+          <p:cNvPr id="35" name="Footer Placeholder 34">
+            <a:extLst>
+              <a:ext uri="{FF2B5EF4-FFF2-40B4-BE49-F238E27FC236}">
+                <a16:creationId xmlns:a16="http://schemas.microsoft.com/office/drawing/2014/main" id="{9CA800DD-9063-F844-BBC3-914B9C2CF664}"/>
+              </a:ext>
+            </a:extLst>
+          </p:cNvPr>
+          <p:cNvSpPr>
+            <a:spLocks noGrp="1"/>
+          </p:cNvSpPr>
+          <p:nvPr>
+            <p:ph type="ftr" sz="quarter" idx="11"/>
+          </p:nvPr>
+        </p:nvSpPr>
+        <p:spPr/>
+        <p:txBody>
+          <a:bodyPr/>
+          <a:lstStyle/>
+          <a:p>
+            <a:r>
+              <a:rPr kumimoji="1" lang="en-US" altLang="ja-JP"/>
+              <a:t>@Takato Matsumoto, 2020</a:t>
+            </a:r>
+            <a:endParaRPr kumimoji="1" lang="ja-JP" altLang="en-US" dirty="0"/>
+          </a:p>
+        </p:txBody>
+      </p:sp>
+    </p:spTree>
+    <p:extLst>
+      <p:ext uri="{BB962C8B-B14F-4D97-AF65-F5344CB8AC3E}">
+        <p14:creationId xmlns:p14="http://schemas.microsoft.com/office/powerpoint/2010/main" val="1863008372"/>
+      </p:ext>
+    </p:extLst>
+  </p:cSld>
+  <p:clrMapOvr>
+    <a:masterClrMapping/>
+  </p:clrMapOvr>
+</p:sld>
+</file>
+
+<file path=ppt/slides/slide11.xml><?xml version="1.0" encoding="utf-8"?>
+<p:sld xmlns:a="http://schemas.openxmlformats.org/drawingml/2006/main" xmlns:r="http://schemas.openxmlformats.org/officeDocument/2006/relationships" xmlns:p="http://schemas.openxmlformats.org/presentationml/2006/main">
+  <p:cSld>
+    <p:spTree>
+      <p:nvGrpSpPr>
+        <p:cNvPr id="1" name=""/>
+        <p:cNvGrpSpPr/>
+        <p:nvPr/>
+      </p:nvGrpSpPr>
+      <p:grpSpPr>
+        <a:xfrm>
+          <a:off x="0" y="0"/>
+          <a:ext cx="0" cy="0"/>
+          <a:chOff x="0" y="0"/>
+          <a:chExt cx="0" cy="0"/>
+        </a:xfrm>
+      </p:grpSpPr>
+      <p:sp>
+        <p:nvSpPr>
           <p:cNvPr id="5" name="タイトル 4"/>
           <p:cNvSpPr>
             <a:spLocks noGrp="1"/>
@@ -12501,7 +12759,7 @@
             <a:fld id="{D28C7C6D-0F52-4FBA-8358-35C6083C2133}" type="slidenum">
               <a:rPr kumimoji="1" lang="ja-JP" altLang="en-US" smtClean="0"/>
               <a:pPr/>
-              <a:t>10</a:t>
+              <a:t>11</a:t>
             </a:fld>
             <a:endParaRPr kumimoji="1" lang="ja-JP" altLang="en-US"/>
           </a:p>
@@ -12549,7 +12807,7 @@
 </p:sld>
 </file>
 
-<file path=ppt/slides/slide11.xml><?xml version="1.0" encoding="utf-8"?>
+<file path=ppt/slides/slide12.xml><?xml version="1.0" encoding="utf-8"?>
 <p:sld xmlns:a="http://schemas.openxmlformats.org/drawingml/2006/main" xmlns:r="http://schemas.openxmlformats.org/officeDocument/2006/relationships" xmlns:p="http://schemas.openxmlformats.org/presentationml/2006/main">
   <p:cSld>
     <p:spTree>
@@ -13329,7 +13587,7 @@
             <a:fld id="{D28C7C6D-0F52-4FBA-8358-35C6083C2133}" type="slidenum">
               <a:rPr kumimoji="1" lang="ja-JP" altLang="en-US" smtClean="0"/>
               <a:pPr/>
-              <a:t>11</a:t>
+              <a:t>12</a:t>
             </a:fld>
             <a:endParaRPr kumimoji="1" lang="ja-JP" altLang="en-US"/>
           </a:p>
@@ -13377,7 +13635,7 @@
 </p:sld>
 </file>
 
-<file path=ppt/slides/slide12.xml><?xml version="1.0" encoding="utf-8"?>
+<file path=ppt/slides/slide13.xml><?xml version="1.0" encoding="utf-8"?>
 <p:sld xmlns:a="http://schemas.openxmlformats.org/drawingml/2006/main" xmlns:r="http://schemas.openxmlformats.org/officeDocument/2006/relationships" xmlns:p="http://schemas.openxmlformats.org/presentationml/2006/main">
   <p:cSld>
     <p:spTree>
@@ -13655,7 +13913,7 @@
             <a:fld id="{D28C7C6D-0F52-4FBA-8358-35C6083C2133}" type="slidenum">
               <a:rPr kumimoji="1" lang="ja-JP" altLang="en-US" smtClean="0"/>
               <a:pPr/>
-              <a:t>12</a:t>
+              <a:t>13</a:t>
             </a:fld>
             <a:endParaRPr kumimoji="1" lang="ja-JP" altLang="en-US"/>
           </a:p>
@@ -13703,7 +13961,7 @@
 </p:sld>
 </file>
 
-<file path=ppt/slides/slide13.xml><?xml version="1.0" encoding="utf-8"?>
+<file path=ppt/slides/slide14.xml><?xml version="1.0" encoding="utf-8"?>
 <p:sld xmlns:a="http://schemas.openxmlformats.org/drawingml/2006/main" xmlns:r="http://schemas.openxmlformats.org/officeDocument/2006/relationships" xmlns:p="http://schemas.openxmlformats.org/presentationml/2006/main">
   <p:cSld>
     <p:spTree>
@@ -14116,7 +14374,7 @@
             <a:fld id="{D28C7C6D-0F52-4FBA-8358-35C6083C2133}" type="slidenum">
               <a:rPr kumimoji="1" lang="ja-JP" altLang="en-US" smtClean="0"/>
               <a:pPr/>
-              <a:t>13</a:t>
+              <a:t>14</a:t>
             </a:fld>
             <a:endParaRPr kumimoji="1" lang="ja-JP" altLang="en-US"/>
           </a:p>
@@ -14155,277 +14413,6 @@
     <p:extLst>
       <p:ext uri="{BB962C8B-B14F-4D97-AF65-F5344CB8AC3E}">
         <p14:creationId xmlns:p14="http://schemas.microsoft.com/office/powerpoint/2010/main" val="1600006205"/>
-      </p:ext>
-    </p:extLst>
-  </p:cSld>
-  <p:clrMapOvr>
-    <a:masterClrMapping/>
-  </p:clrMapOvr>
-</p:sld>
-</file>
-
-<file path=ppt/slides/slide14.xml><?xml version="1.0" encoding="utf-8"?>
-<p:sld xmlns:a="http://schemas.openxmlformats.org/drawingml/2006/main" xmlns:r="http://schemas.openxmlformats.org/officeDocument/2006/relationships" xmlns:p="http://schemas.openxmlformats.org/presentationml/2006/main">
-  <p:cSld>
-    <p:spTree>
-      <p:nvGrpSpPr>
-        <p:cNvPr id="1" name=""/>
-        <p:cNvGrpSpPr/>
-        <p:nvPr/>
-      </p:nvGrpSpPr>
-      <p:grpSpPr>
-        <a:xfrm>
-          <a:off x="0" y="0"/>
-          <a:ext cx="0" cy="0"/>
-          <a:chOff x="0" y="0"/>
-          <a:chExt cx="0" cy="0"/>
-        </a:xfrm>
-      </p:grpSpPr>
-      <p:sp>
-        <p:nvSpPr>
-          <p:cNvPr id="9" name="タイトル 8"/>
-          <p:cNvSpPr>
-            <a:spLocks noGrp="1"/>
-          </p:cNvSpPr>
-          <p:nvPr>
-            <p:ph type="title"/>
-          </p:nvPr>
-        </p:nvSpPr>
-        <p:spPr/>
-        <p:txBody>
-          <a:bodyPr/>
-          <a:lstStyle/>
-          <a:p>
-            <a:r>
-              <a:rPr kumimoji="1" lang="ja" altLang="en-US" dirty="0"/>
-              <a:t>データアントレプレナー</a:t>
-            </a:r>
-            <a:r>
-              <a:rPr kumimoji="1" lang="ja-JP" altLang="en-US"/>
-              <a:t>実践論</a:t>
-            </a:r>
-            <a:r>
-              <a:rPr kumimoji="1" lang="en-US" altLang="ja-JP" dirty="0"/>
-              <a:t> | </a:t>
-            </a:r>
-            <a:r>
-              <a:rPr kumimoji="1" lang="ja" altLang="en-US" dirty="0"/>
-              <a:t>ピッチコンテスト</a:t>
-            </a:r>
-            <a:endParaRPr kumimoji="1" lang="ja-JP" altLang="en-US" dirty="0"/>
-          </a:p>
-        </p:txBody>
-      </p:sp>
-      <p:sp>
-        <p:nvSpPr>
-          <p:cNvPr id="15" name="テキスト プレースホルダー 9">
-            <a:extLst>
-              <a:ext uri="{FF2B5EF4-FFF2-40B4-BE49-F238E27FC236}">
-                <a16:creationId xmlns:a16="http://schemas.microsoft.com/office/drawing/2014/main" id="{98F5EB82-97F4-BE48-8A01-5935D01BB0CD}"/>
-              </a:ext>
-            </a:extLst>
-          </p:cNvPr>
-          <p:cNvSpPr>
-            <a:spLocks noGrp="1"/>
-          </p:cNvSpPr>
-          <p:nvPr>
-            <p:ph type="body" sz="quarter" idx="12"/>
-          </p:nvPr>
-        </p:nvSpPr>
-        <p:spPr>
-          <a:xfrm>
-            <a:off x="2452753" y="3202378"/>
-            <a:ext cx="12610784" cy="5818947"/>
-          </a:xfrm>
-        </p:spPr>
-        <p:txBody>
-          <a:bodyPr>
-            <a:normAutofit fontScale="92500" lnSpcReduction="20000"/>
-          </a:bodyPr>
-          <a:lstStyle/>
-          <a:p>
-            <a:r>
-              <a:rPr lang="ja-JP" altLang="en-US" sz="4000"/>
-              <a:t>デ</a:t>
-            </a:r>
-            <a:r>
-              <a:rPr lang="ja" altLang="en-US" sz="4000" dirty="0"/>
-              <a:t>ータから価値創造，事業創生を意識し，実例を学</a:t>
-            </a:r>
-            <a:r>
-              <a:rPr lang="ja-JP" altLang="en-US" sz="4000"/>
-              <a:t>び</a:t>
-            </a:r>
-            <a:r>
-              <a:rPr lang="ja" altLang="en-US" sz="4000" dirty="0"/>
-              <a:t>な</a:t>
-            </a:r>
-            <a:r>
-              <a:rPr lang="ja-JP" altLang="en-US" sz="4000"/>
-              <a:t>が</a:t>
-            </a:r>
-            <a:r>
-              <a:rPr lang="ja" altLang="en-US" sz="4000" dirty="0"/>
-              <a:t>ら自らの調査，視点に基</a:t>
-            </a:r>
-            <a:r>
-              <a:rPr lang="ja-JP" altLang="en-US" sz="4000"/>
-              <a:t>づ</a:t>
-            </a:r>
-            <a:r>
-              <a:rPr lang="ja" altLang="en-US" sz="4000" dirty="0"/>
-              <a:t>き</a:t>
-            </a:r>
-            <a:r>
-              <a:rPr lang="ja-JP" altLang="en-US" sz="4000"/>
-              <a:t>ビジ</a:t>
-            </a:r>
-            <a:r>
-              <a:rPr lang="ja" altLang="en-US" sz="4000" dirty="0"/>
-              <a:t>ネス</a:t>
-            </a:r>
-            <a:r>
-              <a:rPr lang="ja-JP" altLang="en-US" sz="4000"/>
-              <a:t>プ</a:t>
-            </a:r>
-            <a:r>
-              <a:rPr lang="ja" altLang="en-US" sz="4000" dirty="0"/>
-              <a:t>ランを提案する</a:t>
-            </a:r>
-            <a:endParaRPr lang="en-US" altLang="ja" sz="4000" dirty="0"/>
-          </a:p>
-          <a:p>
-            <a:r>
-              <a:rPr lang="ja-JP" altLang="en-US" sz="4000"/>
-              <a:t>評価項目</a:t>
-            </a:r>
-            <a:endParaRPr lang="en-US" altLang="ja-JP" sz="4000" dirty="0"/>
-          </a:p>
-          <a:p>
-            <a:pPr lvl="1"/>
-            <a:r>
-              <a:rPr lang="ja-JP" altLang="en-US" sz="4000"/>
-              <a:t>データから</a:t>
-            </a:r>
-            <a:r>
-              <a:rPr lang="ja" altLang="en-US" sz="4000" dirty="0"/>
-              <a:t>価値創造できているか</a:t>
-            </a:r>
-            <a:endParaRPr lang="en-US" altLang="ja-JP" sz="4000" dirty="0"/>
-          </a:p>
-          <a:p>
-            <a:pPr lvl="1"/>
-            <a:r>
-              <a:rPr lang="ja-JP" altLang="en-US" sz="4000"/>
-              <a:t>自らの調査や視点に</a:t>
-            </a:r>
-            <a:r>
-              <a:rPr lang="ja" altLang="en-US" sz="4000" dirty="0"/>
-              <a:t>基づいているか</a:t>
-            </a:r>
-            <a:endParaRPr lang="en-US" altLang="ja-JP" sz="4000" dirty="0"/>
-          </a:p>
-          <a:p>
-            <a:pPr lvl="1"/>
-            <a:r>
-              <a:rPr lang="ja-JP" altLang="en-US" sz="4000"/>
-              <a:t>新規性</a:t>
-            </a:r>
-            <a:endParaRPr lang="en-US" altLang="ja-JP" sz="4000" dirty="0"/>
-          </a:p>
-          <a:p>
-            <a:pPr lvl="1"/>
-            <a:r>
-              <a:rPr lang="ja" altLang="en-US" sz="4000" dirty="0"/>
-              <a:t>社会的インパクト</a:t>
-            </a:r>
-            <a:endParaRPr lang="en-US" altLang="ja-JP" sz="3200" dirty="0"/>
-          </a:p>
-          <a:p>
-            <a:r>
-              <a:rPr lang="en-US" altLang="ja-JP" sz="4000" dirty="0"/>
-              <a:t>3</a:t>
-            </a:r>
-            <a:r>
-              <a:rPr lang="ja-JP" altLang="en-US" sz="4000"/>
-              <a:t>分で各企業の方や講師陣にプレゼンを行う</a:t>
-            </a:r>
-            <a:endParaRPr lang="en-US" altLang="ja-JP" sz="4000" dirty="0"/>
-          </a:p>
-          <a:p>
-            <a:pPr marL="557146" lvl="1" indent="0">
-              <a:buNone/>
-            </a:pPr>
-            <a:endParaRPr lang="en-US" altLang="ja-JP" dirty="0"/>
-          </a:p>
-          <a:p>
-            <a:endParaRPr lang="en-US" altLang="ja-JP" sz="4000" dirty="0"/>
-          </a:p>
-        </p:txBody>
-      </p:sp>
-      <p:sp>
-        <p:nvSpPr>
-          <p:cNvPr id="6" name="Slide Number Placeholder 5">
-            <a:extLst>
-              <a:ext uri="{FF2B5EF4-FFF2-40B4-BE49-F238E27FC236}">
-                <a16:creationId xmlns:a16="http://schemas.microsoft.com/office/drawing/2014/main" id="{618FEC59-2BB6-0D4B-A609-16E7917EB08A}"/>
-              </a:ext>
-            </a:extLst>
-          </p:cNvPr>
-          <p:cNvSpPr>
-            <a:spLocks noGrp="1"/>
-          </p:cNvSpPr>
-          <p:nvPr>
-            <p:ph type="sldNum" sz="quarter" idx="10"/>
-          </p:nvPr>
-        </p:nvSpPr>
-        <p:spPr/>
-        <p:txBody>
-          <a:bodyPr/>
-          <a:lstStyle/>
-          <a:p>
-            <a:fld id="{D28C7C6D-0F52-4FBA-8358-35C6083C2133}" type="slidenum">
-              <a:rPr kumimoji="1" lang="ja-JP" altLang="en-US" smtClean="0"/>
-              <a:pPr/>
-              <a:t>14</a:t>
-            </a:fld>
-            <a:endParaRPr kumimoji="1" lang="ja-JP" altLang="en-US"/>
-          </a:p>
-        </p:txBody>
-      </p:sp>
-      <p:sp>
-        <p:nvSpPr>
-          <p:cNvPr id="7" name="Footer Placeholder 6">
-            <a:extLst>
-              <a:ext uri="{FF2B5EF4-FFF2-40B4-BE49-F238E27FC236}">
-                <a16:creationId xmlns:a16="http://schemas.microsoft.com/office/drawing/2014/main" id="{9A35ECC3-43D8-FD47-9B2A-7B4959CF0590}"/>
-              </a:ext>
-            </a:extLst>
-          </p:cNvPr>
-          <p:cNvSpPr>
-            <a:spLocks noGrp="1"/>
-          </p:cNvSpPr>
-          <p:nvPr>
-            <p:ph type="ftr" sz="quarter" idx="11"/>
-          </p:nvPr>
-        </p:nvSpPr>
-        <p:spPr/>
-        <p:txBody>
-          <a:bodyPr/>
-          <a:lstStyle/>
-          <a:p>
-            <a:r>
-              <a:rPr kumimoji="1" lang="en-US" altLang="ja-JP"/>
-              <a:t>@Takato Matsumoto, 2020</a:t>
-            </a:r>
-            <a:endParaRPr kumimoji="1" lang="ja-JP" altLang="en-US" dirty="0"/>
-          </a:p>
-        </p:txBody>
-      </p:sp>
-    </p:spTree>
-    <p:extLst>
-      <p:ext uri="{BB962C8B-B14F-4D97-AF65-F5344CB8AC3E}">
-        <p14:creationId xmlns:p14="http://schemas.microsoft.com/office/powerpoint/2010/main" val="1136649573"/>
       </p:ext>
     </p:extLst>
   </p:cSld>
@@ -14454,6 +14441,277 @@
       </p:grpSpPr>
       <p:sp>
         <p:nvSpPr>
+          <p:cNvPr id="9" name="タイトル 8"/>
+          <p:cNvSpPr>
+            <a:spLocks noGrp="1"/>
+          </p:cNvSpPr>
+          <p:nvPr>
+            <p:ph type="title"/>
+          </p:nvPr>
+        </p:nvSpPr>
+        <p:spPr/>
+        <p:txBody>
+          <a:bodyPr/>
+          <a:lstStyle/>
+          <a:p>
+            <a:r>
+              <a:rPr kumimoji="1" lang="ja" altLang="en-US" dirty="0"/>
+              <a:t>データアントレプレナー</a:t>
+            </a:r>
+            <a:r>
+              <a:rPr kumimoji="1" lang="ja-JP" altLang="en-US"/>
+              <a:t>実践論</a:t>
+            </a:r>
+            <a:r>
+              <a:rPr kumimoji="1" lang="en-US" altLang="ja-JP" dirty="0"/>
+              <a:t> | </a:t>
+            </a:r>
+            <a:r>
+              <a:rPr kumimoji="1" lang="ja" altLang="en-US" dirty="0"/>
+              <a:t>ピッチコンテスト</a:t>
+            </a:r>
+            <a:endParaRPr kumimoji="1" lang="ja-JP" altLang="en-US" dirty="0"/>
+          </a:p>
+        </p:txBody>
+      </p:sp>
+      <p:sp>
+        <p:nvSpPr>
+          <p:cNvPr id="15" name="テキスト プレースホルダー 9">
+            <a:extLst>
+              <a:ext uri="{FF2B5EF4-FFF2-40B4-BE49-F238E27FC236}">
+                <a16:creationId xmlns:a16="http://schemas.microsoft.com/office/drawing/2014/main" id="{98F5EB82-97F4-BE48-8A01-5935D01BB0CD}"/>
+              </a:ext>
+            </a:extLst>
+          </p:cNvPr>
+          <p:cNvSpPr>
+            <a:spLocks noGrp="1"/>
+          </p:cNvSpPr>
+          <p:nvPr>
+            <p:ph type="body" sz="quarter" idx="12"/>
+          </p:nvPr>
+        </p:nvSpPr>
+        <p:spPr>
+          <a:xfrm>
+            <a:off x="2452753" y="3202378"/>
+            <a:ext cx="12610784" cy="5818947"/>
+          </a:xfrm>
+        </p:spPr>
+        <p:txBody>
+          <a:bodyPr>
+            <a:normAutofit fontScale="92500" lnSpcReduction="20000"/>
+          </a:bodyPr>
+          <a:lstStyle/>
+          <a:p>
+            <a:r>
+              <a:rPr lang="ja-JP" altLang="en-US" sz="4000"/>
+              <a:t>デ</a:t>
+            </a:r>
+            <a:r>
+              <a:rPr lang="ja" altLang="en-US" sz="4000" dirty="0"/>
+              <a:t>ータから価値創造，事業創生を意識し，実例を学</a:t>
+            </a:r>
+            <a:r>
+              <a:rPr lang="ja-JP" altLang="en-US" sz="4000"/>
+              <a:t>び</a:t>
+            </a:r>
+            <a:r>
+              <a:rPr lang="ja" altLang="en-US" sz="4000" dirty="0"/>
+              <a:t>な</a:t>
+            </a:r>
+            <a:r>
+              <a:rPr lang="ja-JP" altLang="en-US" sz="4000"/>
+              <a:t>が</a:t>
+            </a:r>
+            <a:r>
+              <a:rPr lang="ja" altLang="en-US" sz="4000" dirty="0"/>
+              <a:t>ら自らの調査，視点に基</a:t>
+            </a:r>
+            <a:r>
+              <a:rPr lang="ja-JP" altLang="en-US" sz="4000"/>
+              <a:t>づ</a:t>
+            </a:r>
+            <a:r>
+              <a:rPr lang="ja" altLang="en-US" sz="4000" dirty="0"/>
+              <a:t>き</a:t>
+            </a:r>
+            <a:r>
+              <a:rPr lang="ja-JP" altLang="en-US" sz="4000"/>
+              <a:t>ビジ</a:t>
+            </a:r>
+            <a:r>
+              <a:rPr lang="ja" altLang="en-US" sz="4000" dirty="0"/>
+              <a:t>ネス</a:t>
+            </a:r>
+            <a:r>
+              <a:rPr lang="ja-JP" altLang="en-US" sz="4000"/>
+              <a:t>プ</a:t>
+            </a:r>
+            <a:r>
+              <a:rPr lang="ja" altLang="en-US" sz="4000" dirty="0"/>
+              <a:t>ランを提案する</a:t>
+            </a:r>
+            <a:endParaRPr lang="en-US" altLang="ja" sz="4000" dirty="0"/>
+          </a:p>
+          <a:p>
+            <a:r>
+              <a:rPr lang="ja-JP" altLang="en-US" sz="4000"/>
+              <a:t>評価項目</a:t>
+            </a:r>
+            <a:endParaRPr lang="en-US" altLang="ja-JP" sz="4000" dirty="0"/>
+          </a:p>
+          <a:p>
+            <a:pPr lvl="1"/>
+            <a:r>
+              <a:rPr lang="ja-JP" altLang="en-US" sz="4000"/>
+              <a:t>データから</a:t>
+            </a:r>
+            <a:r>
+              <a:rPr lang="ja" altLang="en-US" sz="4000" dirty="0"/>
+              <a:t>価値創造できているか</a:t>
+            </a:r>
+            <a:endParaRPr lang="en-US" altLang="ja-JP" sz="4000" dirty="0"/>
+          </a:p>
+          <a:p>
+            <a:pPr lvl="1"/>
+            <a:r>
+              <a:rPr lang="ja-JP" altLang="en-US" sz="4000"/>
+              <a:t>自らの調査や視点に</a:t>
+            </a:r>
+            <a:r>
+              <a:rPr lang="ja" altLang="en-US" sz="4000" dirty="0"/>
+              <a:t>基づいているか</a:t>
+            </a:r>
+            <a:endParaRPr lang="en-US" altLang="ja-JP" sz="4000" dirty="0"/>
+          </a:p>
+          <a:p>
+            <a:pPr lvl="1"/>
+            <a:r>
+              <a:rPr lang="ja-JP" altLang="en-US" sz="4000"/>
+              <a:t>新規性</a:t>
+            </a:r>
+            <a:endParaRPr lang="en-US" altLang="ja-JP" sz="4000" dirty="0"/>
+          </a:p>
+          <a:p>
+            <a:pPr lvl="1"/>
+            <a:r>
+              <a:rPr lang="ja" altLang="en-US" sz="4000" dirty="0"/>
+              <a:t>社会的インパクト</a:t>
+            </a:r>
+            <a:endParaRPr lang="en-US" altLang="ja-JP" sz="3200" dirty="0"/>
+          </a:p>
+          <a:p>
+            <a:r>
+              <a:rPr lang="en-US" altLang="ja-JP" sz="4000" dirty="0"/>
+              <a:t>3</a:t>
+            </a:r>
+            <a:r>
+              <a:rPr lang="ja-JP" altLang="en-US" sz="4000"/>
+              <a:t>分で各企業の方や講師陣にプレゼンを行う</a:t>
+            </a:r>
+            <a:endParaRPr lang="en-US" altLang="ja-JP" sz="4000" dirty="0"/>
+          </a:p>
+          <a:p>
+            <a:pPr marL="557146" lvl="1" indent="0">
+              <a:buNone/>
+            </a:pPr>
+            <a:endParaRPr lang="en-US" altLang="ja-JP" dirty="0"/>
+          </a:p>
+          <a:p>
+            <a:endParaRPr lang="en-US" altLang="ja-JP" sz="4000" dirty="0"/>
+          </a:p>
+        </p:txBody>
+      </p:sp>
+      <p:sp>
+        <p:nvSpPr>
+          <p:cNvPr id="6" name="Slide Number Placeholder 5">
+            <a:extLst>
+              <a:ext uri="{FF2B5EF4-FFF2-40B4-BE49-F238E27FC236}">
+                <a16:creationId xmlns:a16="http://schemas.microsoft.com/office/drawing/2014/main" id="{618FEC59-2BB6-0D4B-A609-16E7917EB08A}"/>
+              </a:ext>
+            </a:extLst>
+          </p:cNvPr>
+          <p:cNvSpPr>
+            <a:spLocks noGrp="1"/>
+          </p:cNvSpPr>
+          <p:nvPr>
+            <p:ph type="sldNum" sz="quarter" idx="10"/>
+          </p:nvPr>
+        </p:nvSpPr>
+        <p:spPr/>
+        <p:txBody>
+          <a:bodyPr/>
+          <a:lstStyle/>
+          <a:p>
+            <a:fld id="{D28C7C6D-0F52-4FBA-8358-35C6083C2133}" type="slidenum">
+              <a:rPr kumimoji="1" lang="ja-JP" altLang="en-US" smtClean="0"/>
+              <a:pPr/>
+              <a:t>15</a:t>
+            </a:fld>
+            <a:endParaRPr kumimoji="1" lang="ja-JP" altLang="en-US"/>
+          </a:p>
+        </p:txBody>
+      </p:sp>
+      <p:sp>
+        <p:nvSpPr>
+          <p:cNvPr id="7" name="Footer Placeholder 6">
+            <a:extLst>
+              <a:ext uri="{FF2B5EF4-FFF2-40B4-BE49-F238E27FC236}">
+                <a16:creationId xmlns:a16="http://schemas.microsoft.com/office/drawing/2014/main" id="{9A35ECC3-43D8-FD47-9B2A-7B4959CF0590}"/>
+              </a:ext>
+            </a:extLst>
+          </p:cNvPr>
+          <p:cNvSpPr>
+            <a:spLocks noGrp="1"/>
+          </p:cNvSpPr>
+          <p:nvPr>
+            <p:ph type="ftr" sz="quarter" idx="11"/>
+          </p:nvPr>
+        </p:nvSpPr>
+        <p:spPr/>
+        <p:txBody>
+          <a:bodyPr/>
+          <a:lstStyle/>
+          <a:p>
+            <a:r>
+              <a:rPr kumimoji="1" lang="en-US" altLang="ja-JP"/>
+              <a:t>@Takato Matsumoto, 2020</a:t>
+            </a:r>
+            <a:endParaRPr kumimoji="1" lang="ja-JP" altLang="en-US" dirty="0"/>
+          </a:p>
+        </p:txBody>
+      </p:sp>
+    </p:spTree>
+    <p:extLst>
+      <p:ext uri="{BB962C8B-B14F-4D97-AF65-F5344CB8AC3E}">
+        <p14:creationId xmlns:p14="http://schemas.microsoft.com/office/powerpoint/2010/main" val="1136649573"/>
+      </p:ext>
+    </p:extLst>
+  </p:cSld>
+  <p:clrMapOvr>
+    <a:masterClrMapping/>
+  </p:clrMapOvr>
+</p:sld>
+</file>
+
+<file path=ppt/slides/slide16.xml><?xml version="1.0" encoding="utf-8"?>
+<p:sld xmlns:a="http://schemas.openxmlformats.org/drawingml/2006/main" xmlns:r="http://schemas.openxmlformats.org/officeDocument/2006/relationships" xmlns:p="http://schemas.openxmlformats.org/presentationml/2006/main">
+  <p:cSld>
+    <p:spTree>
+      <p:nvGrpSpPr>
+        <p:cNvPr id="1" name=""/>
+        <p:cNvGrpSpPr/>
+        <p:nvPr/>
+      </p:nvGrpSpPr>
+      <p:grpSpPr>
+        <a:xfrm>
+          <a:off x="0" y="0"/>
+          <a:ext cx="0" cy="0"/>
+          <a:chOff x="0" y="0"/>
+          <a:chExt cx="0" cy="0"/>
+        </a:xfrm>
+      </p:grpSpPr>
+      <p:sp>
+        <p:nvSpPr>
           <p:cNvPr id="6" name="タイトル 5"/>
           <p:cNvSpPr>
             <a:spLocks noGrp="1"/>
@@ -14552,7 +14810,7 @@
 </p:sld>
 </file>
 
-<file path=ppt/slides/slide16.xml><?xml version="1.0" encoding="utf-8"?>
+<file path=ppt/slides/slide17.xml><?xml version="1.0" encoding="utf-8"?>
 <p:sld xmlns:a="http://schemas.openxmlformats.org/drawingml/2006/main" xmlns:r="http://schemas.openxmlformats.org/officeDocument/2006/relationships" xmlns:p="http://schemas.openxmlformats.org/presentationml/2006/main">
   <p:cSld>
     <p:spTree>
@@ -15026,7 +15284,7 @@
             <a:fld id="{D28C7C6D-0F52-4FBA-8358-35C6083C2133}" type="slidenum">
               <a:rPr kumimoji="1" lang="ja-JP" altLang="en-US" smtClean="0"/>
               <a:pPr/>
-              <a:t>16</a:t>
+              <a:t>17</a:t>
             </a:fld>
             <a:endParaRPr kumimoji="1" lang="ja-JP" altLang="en-US"/>
           </a:p>
@@ -15074,7 +15332,7 @@
 </p:sld>
 </file>
 
-<file path=ppt/slides/slide17.xml><?xml version="1.0" encoding="utf-8"?>
+<file path=ppt/slides/slide18.xml><?xml version="1.0" encoding="utf-8"?>
 <p:sld xmlns:a="http://schemas.openxmlformats.org/drawingml/2006/main" xmlns:r="http://schemas.openxmlformats.org/officeDocument/2006/relationships" xmlns:p="http://schemas.openxmlformats.org/presentationml/2006/main">
   <p:cSld>
     <p:spTree>
@@ -15617,7 +15875,7 @@
             <a:fld id="{D28C7C6D-0F52-4FBA-8358-35C6083C2133}" type="slidenum">
               <a:rPr kumimoji="1" lang="ja-JP" altLang="en-US" smtClean="0"/>
               <a:pPr/>
-              <a:t>17</a:t>
+              <a:t>18</a:t>
             </a:fld>
             <a:endParaRPr kumimoji="1" lang="ja-JP" altLang="en-US"/>
           </a:p>
@@ -15665,7 +15923,7 @@
 </p:sld>
 </file>
 
-<file path=ppt/slides/slide18.xml><?xml version="1.0" encoding="utf-8"?>
+<file path=ppt/slides/slide19.xml><?xml version="1.0" encoding="utf-8"?>
 <p:sld xmlns:a="http://schemas.openxmlformats.org/drawingml/2006/main" xmlns:r="http://schemas.openxmlformats.org/officeDocument/2006/relationships" xmlns:p="http://schemas.openxmlformats.org/presentationml/2006/main">
   <p:cSld>
     <p:spTree>
@@ -16357,7 +16615,7 @@
             <a:fld id="{D28C7C6D-0F52-4FBA-8358-35C6083C2133}" type="slidenum">
               <a:rPr kumimoji="1" lang="ja-JP" altLang="en-US" smtClean="0"/>
               <a:pPr/>
-              <a:t>18</a:t>
+              <a:t>19</a:t>
             </a:fld>
             <a:endParaRPr kumimoji="1" lang="ja-JP" altLang="en-US"/>
           </a:p>
@@ -16396,205 +16654,6 @@
     <p:extLst>
       <p:ext uri="{BB962C8B-B14F-4D97-AF65-F5344CB8AC3E}">
         <p14:creationId xmlns:p14="http://schemas.microsoft.com/office/powerpoint/2010/main" val="145016960"/>
-      </p:ext>
-    </p:extLst>
-  </p:cSld>
-  <p:clrMapOvr>
-    <a:masterClrMapping/>
-  </p:clrMapOvr>
-</p:sld>
-</file>
-
-<file path=ppt/slides/slide19.xml><?xml version="1.0" encoding="utf-8"?>
-<p:sld xmlns:a="http://schemas.openxmlformats.org/drawingml/2006/main" xmlns:r="http://schemas.openxmlformats.org/officeDocument/2006/relationships" xmlns:p="http://schemas.openxmlformats.org/presentationml/2006/main">
-  <p:cSld>
-    <p:spTree>
-      <p:nvGrpSpPr>
-        <p:cNvPr id="1" name=""/>
-        <p:cNvGrpSpPr/>
-        <p:nvPr/>
-      </p:nvGrpSpPr>
-      <p:grpSpPr>
-        <a:xfrm>
-          <a:off x="0" y="0"/>
-          <a:ext cx="0" cy="0"/>
-          <a:chOff x="0" y="0"/>
-          <a:chExt cx="0" cy="0"/>
-        </a:xfrm>
-      </p:grpSpPr>
-      <p:sp>
-        <p:nvSpPr>
-          <p:cNvPr id="5" name="タイトル 4"/>
-          <p:cNvSpPr>
-            <a:spLocks noGrp="1"/>
-          </p:cNvSpPr>
-          <p:nvPr>
-            <p:ph type="title"/>
-          </p:nvPr>
-        </p:nvSpPr>
-        <p:spPr/>
-        <p:txBody>
-          <a:bodyPr>
-            <a:normAutofit/>
-          </a:bodyPr>
-          <a:lstStyle/>
-          <a:p>
-            <a:r>
-              <a:rPr kumimoji="1" lang="ja-JP" altLang="en-US" sz="6600" dirty="0"/>
-              <a:t>コンテンツ</a:t>
-            </a:r>
-          </a:p>
-        </p:txBody>
-      </p:sp>
-      <p:sp>
-        <p:nvSpPr>
-          <p:cNvPr id="6" name="テキスト プレースホルダー 5"/>
-          <p:cNvSpPr>
-            <a:spLocks noGrp="1"/>
-          </p:cNvSpPr>
-          <p:nvPr>
-            <p:ph type="body" sz="quarter" idx="12"/>
-          </p:nvPr>
-        </p:nvSpPr>
-        <p:spPr>
-          <a:xfrm>
-            <a:off x="7709647" y="1783556"/>
-            <a:ext cx="10578353" cy="6718300"/>
-          </a:xfrm>
-        </p:spPr>
-        <p:txBody>
-          <a:bodyPr>
-            <a:normAutofit/>
-          </a:bodyPr>
-          <a:lstStyle/>
-          <a:p>
-            <a:r>
-              <a:rPr lang="ja" altLang="en-US" sz="4200" dirty="0"/>
-              <a:t>自己紹介</a:t>
-            </a:r>
-            <a:endParaRPr lang="en-US" altLang="ja" sz="4200" dirty="0"/>
-          </a:p>
-          <a:p>
-            <a:r>
-              <a:rPr lang="ja-JP" altLang="en-US" sz="4200"/>
-              <a:t>データ</a:t>
-            </a:r>
-            <a:r>
-              <a:rPr lang="ja" altLang="en-US" sz="4200" dirty="0"/>
-              <a:t>アントレプレナーフェロープログラム</a:t>
-            </a:r>
-            <a:endParaRPr lang="en-US" altLang="ja-JP" sz="4200" dirty="0"/>
-          </a:p>
-          <a:p>
-            <a:r>
-              <a:rPr kumimoji="1" lang="ja" altLang="en-US" sz="4200" dirty="0"/>
-              <a:t>データアントレプレナー</a:t>
-            </a:r>
-            <a:r>
-              <a:rPr kumimoji="1" lang="ja-JP" altLang="en-US" sz="4200"/>
-              <a:t>実践論</a:t>
-            </a:r>
-            <a:endParaRPr kumimoji="1" lang="en-US" altLang="ja-JP" sz="4200" dirty="0"/>
-          </a:p>
-          <a:p>
-            <a:r>
-              <a:rPr kumimoji="1" lang="ja" altLang="en-US" sz="4200" dirty="0">
-                <a:solidFill>
-                  <a:schemeClr val="accent1"/>
-                </a:solidFill>
-              </a:rPr>
-              <a:t>データサイエンティスト</a:t>
-            </a:r>
-            <a:r>
-              <a:rPr kumimoji="1" lang="ja-JP" altLang="en-US" sz="4200">
-                <a:solidFill>
-                  <a:schemeClr val="accent1"/>
-                </a:solidFill>
-              </a:rPr>
-              <a:t>特論</a:t>
-            </a:r>
-            <a:endParaRPr kumimoji="1" lang="en-US" altLang="ja-JP" sz="4200" dirty="0">
-              <a:solidFill>
-                <a:schemeClr val="accent1"/>
-              </a:solidFill>
-            </a:endParaRPr>
-          </a:p>
-          <a:p>
-            <a:r>
-              <a:rPr lang="ja-JP" altLang="en-US" sz="4400"/>
-              <a:t>データ分析の目的、必要性</a:t>
-            </a:r>
-            <a:endParaRPr kumimoji="1" lang="en-US" altLang="ja-JP" sz="4200" dirty="0">
-              <a:solidFill>
-                <a:schemeClr val="accent1"/>
-              </a:solidFill>
-            </a:endParaRPr>
-          </a:p>
-        </p:txBody>
-      </p:sp>
-      <p:sp>
-        <p:nvSpPr>
-          <p:cNvPr id="4" name="Slide Number Placeholder 3">
-            <a:extLst>
-              <a:ext uri="{FF2B5EF4-FFF2-40B4-BE49-F238E27FC236}">
-                <a16:creationId xmlns:a16="http://schemas.microsoft.com/office/drawing/2014/main" id="{E857C27F-31E3-FD4B-B90C-CF6CDEEDFC7A}"/>
-              </a:ext>
-            </a:extLst>
-          </p:cNvPr>
-          <p:cNvSpPr>
-            <a:spLocks noGrp="1"/>
-          </p:cNvSpPr>
-          <p:nvPr>
-            <p:ph type="sldNum" sz="quarter" idx="10"/>
-          </p:nvPr>
-        </p:nvSpPr>
-        <p:spPr/>
-        <p:txBody>
-          <a:bodyPr/>
-          <a:lstStyle/>
-          <a:p>
-            <a:fld id="{D28C7C6D-0F52-4FBA-8358-35C6083C2133}" type="slidenum">
-              <a:rPr kumimoji="1" lang="ja-JP" altLang="en-US" smtClean="0"/>
-              <a:pPr/>
-              <a:t>19</a:t>
-            </a:fld>
-            <a:endParaRPr kumimoji="1" lang="ja-JP" altLang="en-US"/>
-          </a:p>
-        </p:txBody>
-      </p:sp>
-      <p:sp>
-        <p:nvSpPr>
-          <p:cNvPr id="7" name="Footer Placeholder 6">
-            <a:extLst>
-              <a:ext uri="{FF2B5EF4-FFF2-40B4-BE49-F238E27FC236}">
-                <a16:creationId xmlns:a16="http://schemas.microsoft.com/office/drawing/2014/main" id="{AE558B7F-26E7-DD4F-84D7-E1D64CC93010}"/>
-              </a:ext>
-            </a:extLst>
-          </p:cNvPr>
-          <p:cNvSpPr>
-            <a:spLocks noGrp="1"/>
-          </p:cNvSpPr>
-          <p:nvPr>
-            <p:ph type="ftr" sz="quarter" idx="11"/>
-          </p:nvPr>
-        </p:nvSpPr>
-        <p:spPr/>
-        <p:txBody>
-          <a:bodyPr/>
-          <a:lstStyle/>
-          <a:p>
-            <a:r>
-              <a:rPr kumimoji="1" lang="en-US" altLang="ja-JP"/>
-              <a:t>@Takato Matsumoto, 2020</a:t>
-            </a:r>
-            <a:endParaRPr kumimoji="1" lang="ja-JP" altLang="en-US" dirty="0"/>
-          </a:p>
-        </p:txBody>
-      </p:sp>
-    </p:spTree>
-    <p:extLst>
-      <p:ext uri="{BB962C8B-B14F-4D97-AF65-F5344CB8AC3E}">
-        <p14:creationId xmlns:p14="http://schemas.microsoft.com/office/powerpoint/2010/main" val="1249649557"/>
       </p:ext>
     </p:extLst>
   </p:cSld>
@@ -16642,8 +16701,8 @@
           <a:lstStyle/>
           <a:p>
             <a:r>
-              <a:rPr lang="ja-JP" altLang="en-US"/>
-              <a:t>質問について</a:t>
+              <a:rPr kumimoji="1" lang="ja-JP" altLang="en-US"/>
+              <a:t>講義資料動画</a:t>
             </a:r>
             <a:endParaRPr kumimoji="1" lang="ja-JP" altLang="en-US" dirty="0"/>
           </a:p>
@@ -16661,8 +16720,8 @@
         </p:nvSpPr>
         <p:spPr>
           <a:xfrm>
-            <a:off x="6396786" y="1967320"/>
-            <a:ext cx="11923868" cy="8072438"/>
+            <a:off x="1947164" y="2097087"/>
+            <a:ext cx="15252238" cy="8072438"/>
           </a:xfrm>
         </p:spPr>
         <p:txBody>
@@ -16672,62 +16731,87 @@
           <a:lstStyle/>
           <a:p>
             <a:r>
-              <a:rPr lang="en-US" altLang="ja-JP" sz="5400" dirty="0" err="1"/>
-              <a:t>sil.do</a:t>
+              <a:rPr lang="en-US" sz="5400" dirty="0"/>
+              <a:t>6/16</a:t>
             </a:r>
             <a:r>
               <a:rPr lang="ja-JP" altLang="en-US" sz="5400"/>
-              <a:t>で</a:t>
-            </a:r>
-            <a:r>
-              <a:rPr lang="ja" altLang="en-US" sz="5400" dirty="0"/>
-              <a:t>受け付けます</a:t>
-            </a:r>
-            <a:r>
-              <a:rPr lang="en-US" sz="5400" dirty="0">
+              <a:t>の講義内容</a:t>
+            </a:r>
+            <a:endParaRPr lang="en-US" sz="4600" dirty="0"/>
+          </a:p>
+          <a:p>
+            <a:pPr lvl="1"/>
+            <a:r>
+              <a:rPr lang="en-US" sz="4600" dirty="0"/>
+              <a:t> part1: </a:t>
+            </a:r>
+            <a:r>
+              <a:rPr lang="en-US" sz="4600" dirty="0">
                 <a:hlinkClick r:id="rId2"/>
               </a:rPr>
-              <a:t>https://www.sli.do/</a:t>
+              <a:t>https://youtu.be/Q5K5GwlkOo8</a:t>
+            </a:r>
+            <a:endParaRPr lang="en-US" sz="4600" dirty="0"/>
+          </a:p>
+          <a:p>
+            <a:pPr lvl="1"/>
+            <a:r>
+              <a:rPr lang="en-US" sz="4600" dirty="0"/>
+              <a:t> part2: </a:t>
+            </a:r>
+            <a:r>
+              <a:rPr lang="en-US" sz="4600" dirty="0">
+                <a:hlinkClick r:id="rId3"/>
+              </a:rPr>
+              <a:t>https://youtu.be/VGT8OSJ3CwI</a:t>
+            </a:r>
+            <a:endParaRPr lang="en-US" sz="4600" dirty="0"/>
+          </a:p>
+          <a:p>
+            <a:r>
+              <a:rPr lang="en-US" sz="5400" dirty="0"/>
+              <a:t>6/23</a:t>
+            </a:r>
+            <a:r>
+              <a:rPr lang="ja-JP" altLang="en-US" sz="5400"/>
+              <a:t>の講義内容</a:t>
             </a:r>
             <a:endParaRPr lang="en-US" sz="5400" dirty="0"/>
           </a:p>
           <a:p>
-            <a:r>
-              <a:rPr lang="en-US" altLang="zh-TW" sz="5400" dirty="0"/>
-              <a:t>Event code</a:t>
-            </a:r>
-            <a:br>
-              <a:rPr lang="en-US" altLang="zh-TW" sz="5400" dirty="0"/>
-            </a:br>
-            <a:r>
-              <a:rPr lang="en-US" altLang="ja" sz="5400" dirty="0">
-                <a:solidFill>
-                  <a:schemeClr val="accent2"/>
-                </a:solidFill>
+            <a:pPr lvl="1"/>
+            <a:r>
+              <a:rPr lang="en-US" sz="4600" dirty="0"/>
+              <a:t> part1: </a:t>
+            </a:r>
+            <a:r>
+              <a:rPr lang="en-US" sz="4600" dirty="0">
+                <a:hlinkClick r:id="rId4"/>
               </a:rPr>
-              <a:t># SA202</a:t>
-            </a:r>
-            <a:endParaRPr lang="en-US" altLang="ja-JP" sz="5400" dirty="0"/>
-          </a:p>
-          <a:p>
-            <a:r>
-              <a:rPr lang="ja-JP" altLang="en-US" sz="5400"/>
-              <a:t>ミーティングツールで質問が可能で</a:t>
-            </a:r>
-            <a:br>
-              <a:rPr lang="en-US" altLang="ja-JP" sz="5400" dirty="0"/>
-            </a:br>
-            <a:r>
-              <a:rPr lang="ja-JP" altLang="en-US" sz="5400"/>
-              <a:t>あればそちらでも大丈夫です</a:t>
-            </a:r>
-            <a:endParaRPr lang="en-US" altLang="ja-JP" sz="5400" dirty="0"/>
+              <a:t>https://youtu.be/FFsk6gESlO0</a:t>
+            </a:r>
+            <a:endParaRPr lang="en-US" sz="4600" dirty="0"/>
+          </a:p>
+          <a:p>
+            <a:pPr lvl="1"/>
+            <a:r>
+              <a:rPr lang="en-US" sz="4600" dirty="0"/>
+              <a:t> part2: </a:t>
+            </a:r>
+            <a:r>
+              <a:rPr lang="en-US" sz="4600" dirty="0">
+                <a:hlinkClick r:id="rId5"/>
+              </a:rPr>
+              <a:t>https://youtu.be/4B_y5rEgfeE</a:t>
+            </a:r>
+            <a:endParaRPr lang="en-US" sz="4600" dirty="0"/>
           </a:p>
           <a:p>
             <a:pPr marL="557146" lvl="1" indent="0">
               <a:buNone/>
             </a:pPr>
-            <a:endParaRPr lang="en-US" altLang="ja" sz="5400" dirty="0">
+            <a:endParaRPr lang="en-US" altLang="ja" sz="6000" dirty="0">
               <a:solidFill>
                 <a:schemeClr val="accent2"/>
               </a:solidFill>
@@ -16735,42 +16819,6 @@
           </a:p>
         </p:txBody>
       </p:sp>
-      <p:pic>
-        <p:nvPicPr>
-          <p:cNvPr id="28" name="Picture 27">
-            <a:extLst>
-              <a:ext uri="{FF2B5EF4-FFF2-40B4-BE49-F238E27FC236}">
-                <a16:creationId xmlns:a16="http://schemas.microsoft.com/office/drawing/2014/main" id="{F4CEDB55-ADAA-614C-80CF-4FA821C24C85}"/>
-              </a:ext>
-            </a:extLst>
-          </p:cNvPr>
-          <p:cNvPicPr>
-            <a:picLocks noChangeAspect="1"/>
-          </p:cNvPicPr>
-          <p:nvPr/>
-        </p:nvPicPr>
-        <p:blipFill>
-          <a:blip r:embed="rId3">
-            <a:extLst>
-              <a:ext uri="{28A0092B-C50C-407E-A947-70E740481C1C}">
-                <a14:useLocalDpi xmlns:a14="http://schemas.microsoft.com/office/drawing/2010/main" val="0"/>
-              </a:ext>
-            </a:extLst>
-          </a:blip>
-          <a:stretch>
-            <a:fillRect/>
-          </a:stretch>
-        </p:blipFill>
-        <p:spPr>
-          <a:xfrm>
-            <a:off x="0" y="2143436"/>
-            <a:ext cx="6511884" cy="6511884"/>
-          </a:xfrm>
-          <a:prstGeom prst="rect">
-            <a:avLst/>
-          </a:prstGeom>
-        </p:spPr>
-      </p:pic>
       <p:sp>
         <p:nvSpPr>
           <p:cNvPr id="31" name="Slide Number Placeholder 30">
@@ -16862,7 +16910,7 @@
       </p:grpSpPr>
       <p:sp>
         <p:nvSpPr>
-          <p:cNvPr id="9" name="タイトル 8"/>
+          <p:cNvPr id="5" name="タイトル 4"/>
           <p:cNvSpPr>
             <a:spLocks noGrp="1"/>
           </p:cNvSpPr>
@@ -16878,22 +16926,15 @@
           <a:lstStyle/>
           <a:p>
             <a:r>
-              <a:rPr kumimoji="1" lang="ja-JP" altLang="en-US"/>
-              <a:t>データサイエンティスト特論</a:t>
-            </a:r>
-            <a:endParaRPr kumimoji="1" lang="ja-JP" altLang="en-US" dirty="0"/>
-          </a:p>
-        </p:txBody>
-      </p:sp>
-      <p:sp>
-        <p:nvSpPr>
-          <p:cNvPr id="15" name="テキスト プレースホルダー 9">
-            <a:extLst>
-              <a:ext uri="{FF2B5EF4-FFF2-40B4-BE49-F238E27FC236}">
-                <a16:creationId xmlns:a16="http://schemas.microsoft.com/office/drawing/2014/main" id="{98F5EB82-97F4-BE48-8A01-5935D01BB0CD}"/>
-              </a:ext>
-            </a:extLst>
-          </p:cNvPr>
+              <a:rPr kumimoji="1" lang="ja-JP" altLang="en-US" sz="6600" dirty="0"/>
+              <a:t>コンテンツ</a:t>
+            </a:r>
+          </a:p>
+        </p:txBody>
+      </p:sp>
+      <p:sp>
+        <p:nvSpPr>
+          <p:cNvPr id="6" name="テキスト プレースホルダー 5"/>
           <p:cNvSpPr>
             <a:spLocks noGrp="1"/>
           </p:cNvSpPr>
@@ -16903,8 +16944,8 @@
         </p:nvSpPr>
         <p:spPr>
           <a:xfrm>
-            <a:off x="1596035" y="3725602"/>
-            <a:ext cx="16534150" cy="6698755"/>
+            <a:off x="7709647" y="1783556"/>
+            <a:ext cx="10578353" cy="6718300"/>
           </a:xfrm>
         </p:spPr>
         <p:txBody>
@@ -16914,122 +16955,75 @@
           <a:lstStyle/>
           <a:p>
             <a:r>
-              <a:rPr lang="ja-JP" altLang="en-US" sz="4000"/>
-              <a:t>実際の</a:t>
-            </a:r>
-            <a:r>
-              <a:rPr lang="ja" altLang="en-US" sz="4000" dirty="0"/>
-              <a:t>不動産データを</a:t>
-            </a:r>
-            <a:r>
-              <a:rPr lang="ja-JP" altLang="en-US" sz="4000"/>
-              <a:t>分析する</a:t>
-            </a:r>
-            <a:endParaRPr lang="en-US" altLang="ja-JP" sz="4000" dirty="0"/>
-          </a:p>
-          <a:p>
-            <a:pPr lvl="1"/>
-            <a:r>
-              <a:rPr lang="ja-JP" altLang="en-US" sz="3200"/>
-              <a:t>アメリカ，ワシントン</a:t>
-            </a:r>
-            <a:r>
-              <a:rPr lang="en-US" altLang="ja-JP" sz="3200" dirty="0"/>
-              <a:t>DC</a:t>
-            </a:r>
-            <a:r>
-              <a:rPr lang="ja-JP" altLang="en-US" sz="3200"/>
-              <a:t>の実データを分析した</a:t>
-            </a:r>
-            <a:endParaRPr lang="en-US" altLang="ja-JP" sz="3200" dirty="0"/>
-          </a:p>
-          <a:p>
-            <a:pPr lvl="1"/>
-            <a:r>
-              <a:rPr lang="ja-JP" altLang="en-US" sz="3200"/>
-              <a:t>データを分析して，データの特徴や，不動産の知識をつかむ</a:t>
-            </a:r>
-            <a:endParaRPr lang="en-US" altLang="ja-JP" sz="3200" dirty="0"/>
-          </a:p>
-          <a:p>
-            <a:r>
-              <a:rPr lang="ja-JP" altLang="en-US" sz="4000"/>
-              <a:t>物件価格の予測をする</a:t>
-            </a:r>
-            <a:endParaRPr lang="en-US" altLang="ja-JP" sz="4000" dirty="0"/>
-          </a:p>
-          <a:p>
-            <a:pPr lvl="1"/>
-            <a:r>
-              <a:rPr lang="ja" altLang="en-US" sz="3200" dirty="0"/>
-              <a:t>機械学習モデル</a:t>
-            </a:r>
-            <a:r>
-              <a:rPr lang="ja-JP" altLang="en-US" sz="3200"/>
-              <a:t>を用いて，精度の高い</a:t>
-            </a:r>
-            <a:r>
-              <a:rPr lang="ja" altLang="en-US" sz="3200" dirty="0"/>
-              <a:t>予測モデルを</a:t>
-            </a:r>
-            <a:r>
-              <a:rPr lang="ja-JP" altLang="en-US" sz="3200"/>
-              <a:t>作ることが</a:t>
-            </a:r>
-            <a:r>
-              <a:rPr lang="ja" altLang="en-US" sz="3200" dirty="0"/>
-              <a:t>コンペティション</a:t>
-            </a:r>
-            <a:r>
-              <a:rPr lang="ja-JP" altLang="en-US" sz="3200"/>
-              <a:t>の目標</a:t>
-            </a:r>
-            <a:endParaRPr lang="en-US" altLang="ja-JP" sz="3200" dirty="0"/>
-          </a:p>
-          <a:p>
-            <a:pPr lvl="1"/>
-            <a:r>
-              <a:rPr lang="ja-JP" altLang="en-US" sz="3200"/>
-              <a:t>４０人クラス</a:t>
-            </a:r>
-            <a:r>
-              <a:rPr lang="en-US" altLang="ja-JP" sz="3200" dirty="0"/>
-              <a:t> / </a:t>
-            </a:r>
-            <a:r>
-              <a:rPr lang="ja-JP" altLang="en-US" sz="3200"/>
-              <a:t>５人チームでのグループワークを行なった</a:t>
-            </a:r>
-            <a:endParaRPr lang="en-US" altLang="ja-JP" sz="3200" dirty="0"/>
-          </a:p>
-          <a:p>
-            <a:r>
-              <a:rPr lang="ja-JP" altLang="en-US" sz="4000"/>
-              <a:t>演習で実際に行なってみましょう！</a:t>
-            </a:r>
-            <a:endParaRPr lang="en-US" altLang="ja" sz="4000" dirty="0"/>
-          </a:p>
-          <a:p>
-            <a:pPr lvl="1"/>
-            <a:endParaRPr lang="en-US" altLang="ja-JP" dirty="0"/>
-          </a:p>
-          <a:p>
-            <a:endParaRPr lang="en-US" altLang="ja-JP" dirty="0"/>
-          </a:p>
-          <a:p>
-            <a:endParaRPr lang="en-US" altLang="ja-JP" dirty="0"/>
-          </a:p>
-          <a:p>
-            <a:endParaRPr lang="en-US" altLang="ja-JP" sz="4000" dirty="0"/>
-          </a:p>
-        </p:txBody>
-      </p:sp>
-      <p:sp>
-        <p:nvSpPr>
-          <p:cNvPr id="13" name="Slide Number Placeholder 12">
+              <a:rPr lang="ja" altLang="en-US" sz="4200" dirty="0"/>
+              <a:t>自己紹介</a:t>
+            </a:r>
+            <a:endParaRPr lang="en-US" altLang="ja" sz="4200" dirty="0"/>
+          </a:p>
+          <a:p>
+            <a:r>
+              <a:rPr lang="ja-JP" altLang="en-US" sz="4200"/>
+              <a:t>データ</a:t>
+            </a:r>
+            <a:r>
+              <a:rPr lang="ja" altLang="en-US" sz="4200" dirty="0"/>
+              <a:t>アントレプレナーフェロープログラム</a:t>
+            </a:r>
+            <a:endParaRPr lang="en-US" altLang="ja-JP" sz="4200" dirty="0"/>
+          </a:p>
+          <a:p>
+            <a:r>
+              <a:rPr kumimoji="1" lang="ja" altLang="en-US" sz="4200" dirty="0"/>
+              <a:t>データアントレプレナー</a:t>
+            </a:r>
+            <a:r>
+              <a:rPr kumimoji="1" lang="ja-JP" altLang="en-US" sz="4200"/>
+              <a:t>実践論</a:t>
+            </a:r>
+            <a:endParaRPr kumimoji="1" lang="en-US" altLang="ja-JP" sz="4200" dirty="0"/>
+          </a:p>
+          <a:p>
+            <a:r>
+              <a:rPr kumimoji="1" lang="ja" altLang="en-US" sz="4200" dirty="0">
+                <a:solidFill>
+                  <a:schemeClr val="accent1"/>
+                </a:solidFill>
+              </a:rPr>
+              <a:t>データサイエンティスト</a:t>
+            </a:r>
+            <a:r>
+              <a:rPr kumimoji="1" lang="ja-JP" altLang="en-US" sz="4200">
+                <a:solidFill>
+                  <a:schemeClr val="accent1"/>
+                </a:solidFill>
+              </a:rPr>
+              <a:t>特論</a:t>
+            </a:r>
+            <a:endParaRPr kumimoji="1" lang="en-US" altLang="ja-JP" sz="4200" dirty="0">
+              <a:solidFill>
+                <a:schemeClr val="accent1"/>
+              </a:solidFill>
+            </a:endParaRPr>
+          </a:p>
+          <a:p>
+            <a:r>
+              <a:rPr lang="ja-JP" altLang="en-US" sz="4400"/>
+              <a:t>データ分析の目的、必要性</a:t>
+            </a:r>
+            <a:endParaRPr kumimoji="1" lang="en-US" altLang="ja-JP" sz="4200" dirty="0">
+              <a:solidFill>
+                <a:schemeClr val="accent1"/>
+              </a:solidFill>
+            </a:endParaRPr>
+          </a:p>
+        </p:txBody>
+      </p:sp>
+      <p:sp>
+        <p:nvSpPr>
+          <p:cNvPr id="4" name="Slide Number Placeholder 3">
             <a:extLst>
               <a:ext uri="{FF2B5EF4-FFF2-40B4-BE49-F238E27FC236}">
-                <a16:creationId xmlns:a16="http://schemas.microsoft.com/office/drawing/2014/main" id="{ACBC7515-E64F-8F4C-B7BA-458E3BC7E0CA}"/>
+                <a16:creationId xmlns:a16="http://schemas.microsoft.com/office/drawing/2014/main" id="{E857C27F-31E3-FD4B-B90C-CF6CDEEDFC7A}"/>
               </a:ext>
             </a:extLst>
           </p:cNvPr>
@@ -17056,10 +17050,10 @@
       </p:sp>
       <p:sp>
         <p:nvSpPr>
-          <p:cNvPr id="14" name="Footer Placeholder 13">
+          <p:cNvPr id="7" name="Footer Placeholder 6">
             <a:extLst>
               <a:ext uri="{FF2B5EF4-FFF2-40B4-BE49-F238E27FC236}">
-                <a16:creationId xmlns:a16="http://schemas.microsoft.com/office/drawing/2014/main" id="{6848FA93-3DF9-3B45-9537-C5287D7DA562}"/>
+                <a16:creationId xmlns:a16="http://schemas.microsoft.com/office/drawing/2014/main" id="{AE558B7F-26E7-DD4F-84D7-E1D64CC93010}"/>
               </a:ext>
             </a:extLst>
           </p:cNvPr>
@@ -17070,12 +17064,7 @@
             <p:ph type="ftr" sz="quarter" idx="11"/>
           </p:nvPr>
         </p:nvSpPr>
-        <p:spPr>
-          <a:xfrm>
-            <a:off x="10680700" y="9621838"/>
-            <a:ext cx="6172200" cy="547687"/>
-          </a:xfrm>
-        </p:spPr>
+        <p:spPr/>
         <p:txBody>
           <a:bodyPr/>
           <a:lstStyle/>
@@ -17091,7 +17080,7 @@
     </p:spTree>
     <p:extLst>
       <p:ext uri="{BB962C8B-B14F-4D97-AF65-F5344CB8AC3E}">
-        <p14:creationId xmlns:p14="http://schemas.microsoft.com/office/powerpoint/2010/main" val="3433858019"/>
+        <p14:creationId xmlns:p14="http://schemas.microsoft.com/office/powerpoint/2010/main" val="1249649557"/>
       </p:ext>
     </p:extLst>
   </p:cSld>
@@ -17120,7 +17109,7 @@
       </p:grpSpPr>
       <p:sp>
         <p:nvSpPr>
-          <p:cNvPr id="5" name="タイトル 4"/>
+          <p:cNvPr id="9" name="タイトル 8"/>
           <p:cNvSpPr>
             <a:spLocks noGrp="1"/>
           </p:cNvSpPr>
@@ -17136,15 +17125,22 @@
           <a:lstStyle/>
           <a:p>
             <a:r>
-              <a:rPr kumimoji="1" lang="ja-JP" altLang="en-US" sz="6600" dirty="0"/>
-              <a:t>コンテンツ</a:t>
-            </a:r>
-          </a:p>
-        </p:txBody>
-      </p:sp>
-      <p:sp>
-        <p:nvSpPr>
-          <p:cNvPr id="6" name="テキスト プレースホルダー 5"/>
+              <a:rPr kumimoji="1" lang="ja-JP" altLang="en-US"/>
+              <a:t>データサイエンティスト特論</a:t>
+            </a:r>
+            <a:endParaRPr kumimoji="1" lang="ja-JP" altLang="en-US" dirty="0"/>
+          </a:p>
+        </p:txBody>
+      </p:sp>
+      <p:sp>
+        <p:nvSpPr>
+          <p:cNvPr id="15" name="テキスト プレースホルダー 9">
+            <a:extLst>
+              <a:ext uri="{FF2B5EF4-FFF2-40B4-BE49-F238E27FC236}">
+                <a16:creationId xmlns:a16="http://schemas.microsoft.com/office/drawing/2014/main" id="{98F5EB82-97F4-BE48-8A01-5935D01BB0CD}"/>
+              </a:ext>
+            </a:extLst>
+          </p:cNvPr>
           <p:cNvSpPr>
             <a:spLocks noGrp="1"/>
           </p:cNvSpPr>
@@ -17154,8 +17150,8 @@
         </p:nvSpPr>
         <p:spPr>
           <a:xfrm>
-            <a:off x="7709647" y="1783556"/>
-            <a:ext cx="10578353" cy="6718300"/>
+            <a:off x="1596035" y="3725602"/>
+            <a:ext cx="16534150" cy="6698755"/>
           </a:xfrm>
         </p:spPr>
         <p:txBody>
@@ -17165,67 +17161,122 @@
           <a:lstStyle/>
           <a:p>
             <a:r>
-              <a:rPr lang="ja" altLang="en-US" sz="4200" dirty="0"/>
-              <a:t>自己紹介</a:t>
-            </a:r>
-            <a:endParaRPr lang="en-US" altLang="ja" sz="4200" dirty="0"/>
-          </a:p>
-          <a:p>
-            <a:r>
-              <a:rPr lang="ja-JP" altLang="en-US" sz="4200"/>
-              <a:t>データ</a:t>
-            </a:r>
-            <a:r>
-              <a:rPr lang="ja" altLang="en-US" sz="4200" dirty="0"/>
-              <a:t>アントレプレナーフェロープログラム</a:t>
-            </a:r>
-            <a:endParaRPr lang="en-US" altLang="ja-JP" sz="4200" dirty="0"/>
-          </a:p>
-          <a:p>
-            <a:r>
-              <a:rPr kumimoji="1" lang="ja" altLang="en-US" sz="4200" dirty="0"/>
-              <a:t>データアントレプレナー</a:t>
-            </a:r>
-            <a:r>
-              <a:rPr kumimoji="1" lang="ja-JP" altLang="en-US" sz="4200"/>
-              <a:t>実践論</a:t>
-            </a:r>
-            <a:endParaRPr kumimoji="1" lang="en-US" altLang="ja-JP" sz="4200" dirty="0"/>
-          </a:p>
-          <a:p>
-            <a:r>
-              <a:rPr kumimoji="1" lang="ja" altLang="en-US" sz="4200" dirty="0"/>
-              <a:t>データサイエンティスト</a:t>
-            </a:r>
-            <a:r>
-              <a:rPr kumimoji="1" lang="ja-JP" altLang="en-US" sz="4200"/>
-              <a:t>特論</a:t>
-            </a:r>
-            <a:endParaRPr kumimoji="1" lang="en-US" altLang="ja-JP" sz="4200" dirty="0"/>
-          </a:p>
-          <a:p>
-            <a:r>
-              <a:rPr lang="ja-JP" altLang="en-US" sz="4400">
-                <a:solidFill>
-                  <a:schemeClr val="accent1"/>
-                </a:solidFill>
-              </a:rPr>
-              <a:t>データ分析の目的、必要性</a:t>
-            </a:r>
-            <a:endParaRPr kumimoji="1" lang="en-US" altLang="ja-JP" sz="4200" dirty="0">
-              <a:solidFill>
-                <a:schemeClr val="accent1"/>
-              </a:solidFill>
-            </a:endParaRPr>
-          </a:p>
-        </p:txBody>
-      </p:sp>
-      <p:sp>
-        <p:nvSpPr>
-          <p:cNvPr id="4" name="Slide Number Placeholder 3">
+              <a:rPr lang="ja-JP" altLang="en-US" sz="4000"/>
+              <a:t>実際の</a:t>
+            </a:r>
+            <a:r>
+              <a:rPr lang="ja" altLang="en-US" sz="4000" dirty="0"/>
+              <a:t>不動産データを</a:t>
+            </a:r>
+            <a:r>
+              <a:rPr lang="ja-JP" altLang="en-US" sz="4000"/>
+              <a:t>分析する</a:t>
+            </a:r>
+            <a:endParaRPr lang="en-US" altLang="ja-JP" sz="4000" dirty="0"/>
+          </a:p>
+          <a:p>
+            <a:pPr lvl="1"/>
+            <a:r>
+              <a:rPr lang="ja-JP" altLang="en-US" sz="3200"/>
+              <a:t>アメリカ，ワシントン</a:t>
+            </a:r>
+            <a:r>
+              <a:rPr lang="en-US" altLang="ja-JP" sz="3200" dirty="0"/>
+              <a:t>DC</a:t>
+            </a:r>
+            <a:r>
+              <a:rPr lang="ja-JP" altLang="en-US" sz="3200"/>
+              <a:t>の実データを分析した</a:t>
+            </a:r>
+            <a:endParaRPr lang="en-US" altLang="ja-JP" sz="3200" dirty="0"/>
+          </a:p>
+          <a:p>
+            <a:pPr lvl="1"/>
+            <a:r>
+              <a:rPr lang="ja-JP" altLang="en-US" sz="3200"/>
+              <a:t>データを分析して，データの特徴や，不動産の知識をつかむ</a:t>
+            </a:r>
+            <a:endParaRPr lang="en-US" altLang="ja-JP" sz="3200" dirty="0"/>
+          </a:p>
+          <a:p>
+            <a:r>
+              <a:rPr lang="ja-JP" altLang="en-US" sz="4000"/>
+              <a:t>物件価格の予測をする</a:t>
+            </a:r>
+            <a:endParaRPr lang="en-US" altLang="ja-JP" sz="4000" dirty="0"/>
+          </a:p>
+          <a:p>
+            <a:pPr lvl="1"/>
+            <a:r>
+              <a:rPr lang="ja" altLang="en-US" sz="3200" dirty="0"/>
+              <a:t>機械学習モデル</a:t>
+            </a:r>
+            <a:r>
+              <a:rPr lang="ja-JP" altLang="en-US" sz="3200"/>
+              <a:t>を用いて，精度の高い</a:t>
+            </a:r>
+            <a:r>
+              <a:rPr lang="ja" altLang="en-US" sz="3200" dirty="0"/>
+              <a:t>予測モデルを</a:t>
+            </a:r>
+            <a:r>
+              <a:rPr lang="ja-JP" altLang="en-US" sz="3200"/>
+              <a:t>作ることが</a:t>
+            </a:r>
+            <a:r>
+              <a:rPr lang="ja" altLang="en-US" sz="3200" dirty="0"/>
+              <a:t>コンペティション</a:t>
+            </a:r>
+            <a:r>
+              <a:rPr lang="ja-JP" altLang="en-US" sz="3200"/>
+              <a:t>の目標</a:t>
+            </a:r>
+            <a:endParaRPr lang="en-US" altLang="ja-JP" sz="3200" dirty="0"/>
+          </a:p>
+          <a:p>
+            <a:pPr lvl="1"/>
+            <a:r>
+              <a:rPr lang="ja-JP" altLang="en-US" sz="3200"/>
+              <a:t>４０人クラス</a:t>
+            </a:r>
+            <a:r>
+              <a:rPr lang="en-US" altLang="ja-JP" sz="3200" dirty="0"/>
+              <a:t> / </a:t>
+            </a:r>
+            <a:r>
+              <a:rPr lang="ja-JP" altLang="en-US" sz="3200"/>
+              <a:t>５人チームでのグループワークを行なった</a:t>
+            </a:r>
+            <a:endParaRPr lang="en-US" altLang="ja-JP" sz="3200" dirty="0"/>
+          </a:p>
+          <a:p>
+            <a:r>
+              <a:rPr lang="ja-JP" altLang="en-US" sz="4000"/>
+              <a:t>演習で実際に行なってみましょう！</a:t>
+            </a:r>
+            <a:endParaRPr lang="en-US" altLang="ja" sz="4000" dirty="0"/>
+          </a:p>
+          <a:p>
+            <a:pPr lvl="1"/>
+            <a:endParaRPr lang="en-US" altLang="ja-JP" dirty="0"/>
+          </a:p>
+          <a:p>
+            <a:endParaRPr lang="en-US" altLang="ja-JP" dirty="0"/>
+          </a:p>
+          <a:p>
+            <a:endParaRPr lang="en-US" altLang="ja-JP" dirty="0"/>
+          </a:p>
+          <a:p>
+            <a:endParaRPr lang="en-US" altLang="ja-JP" sz="4000" dirty="0"/>
+          </a:p>
+        </p:txBody>
+      </p:sp>
+      <p:sp>
+        <p:nvSpPr>
+          <p:cNvPr id="13" name="Slide Number Placeholder 12">
             <a:extLst>
               <a:ext uri="{FF2B5EF4-FFF2-40B4-BE49-F238E27FC236}">
-                <a16:creationId xmlns:a16="http://schemas.microsoft.com/office/drawing/2014/main" id="{E857C27F-31E3-FD4B-B90C-CF6CDEEDFC7A}"/>
+                <a16:creationId xmlns:a16="http://schemas.microsoft.com/office/drawing/2014/main" id="{ACBC7515-E64F-8F4C-B7BA-458E3BC7E0CA}"/>
               </a:ext>
             </a:extLst>
           </p:cNvPr>
@@ -17252,10 +17303,10 @@
       </p:sp>
       <p:sp>
         <p:nvSpPr>
-          <p:cNvPr id="7" name="Footer Placeholder 6">
+          <p:cNvPr id="14" name="Footer Placeholder 13">
             <a:extLst>
               <a:ext uri="{FF2B5EF4-FFF2-40B4-BE49-F238E27FC236}">
-                <a16:creationId xmlns:a16="http://schemas.microsoft.com/office/drawing/2014/main" id="{AE558B7F-26E7-DD4F-84D7-E1D64CC93010}"/>
+                <a16:creationId xmlns:a16="http://schemas.microsoft.com/office/drawing/2014/main" id="{6848FA93-3DF9-3B45-9537-C5287D7DA562}"/>
               </a:ext>
             </a:extLst>
           </p:cNvPr>
@@ -17266,7 +17317,12 @@
             <p:ph type="ftr" sz="quarter" idx="11"/>
           </p:nvPr>
         </p:nvSpPr>
-        <p:spPr/>
+        <p:spPr>
+          <a:xfrm>
+            <a:off x="10680700" y="9621838"/>
+            <a:ext cx="6172200" cy="547687"/>
+          </a:xfrm>
+        </p:spPr>
         <p:txBody>
           <a:bodyPr/>
           <a:lstStyle/>
@@ -17282,7 +17338,7 @@
     </p:spTree>
     <p:extLst>
       <p:ext uri="{BB962C8B-B14F-4D97-AF65-F5344CB8AC3E}">
-        <p14:creationId xmlns:p14="http://schemas.microsoft.com/office/powerpoint/2010/main" val="3308717264"/>
+        <p14:creationId xmlns:p14="http://schemas.microsoft.com/office/powerpoint/2010/main" val="3433858019"/>
       </p:ext>
     </p:extLst>
   </p:cSld>
@@ -17311,7 +17367,7 @@
       </p:grpSpPr>
       <p:sp>
         <p:nvSpPr>
-          <p:cNvPr id="9" name="タイトル 8"/>
+          <p:cNvPr id="5" name="タイトル 4"/>
           <p:cNvSpPr>
             <a:spLocks noGrp="1"/>
           </p:cNvSpPr>
@@ -17327,22 +17383,15 @@
           <a:lstStyle/>
           <a:p>
             <a:r>
-              <a:rPr kumimoji="1" lang="ja-JP" altLang="en-US"/>
-              <a:t>データ分析の目的、必要性</a:t>
-            </a:r>
-            <a:endParaRPr kumimoji="1" lang="ja-JP" altLang="en-US" dirty="0"/>
-          </a:p>
-        </p:txBody>
-      </p:sp>
-      <p:sp>
-        <p:nvSpPr>
-          <p:cNvPr id="15" name="テキスト プレースホルダー 9">
-            <a:extLst>
-              <a:ext uri="{FF2B5EF4-FFF2-40B4-BE49-F238E27FC236}">
-                <a16:creationId xmlns:a16="http://schemas.microsoft.com/office/drawing/2014/main" id="{98F5EB82-97F4-BE48-8A01-5935D01BB0CD}"/>
-              </a:ext>
-            </a:extLst>
-          </p:cNvPr>
+              <a:rPr kumimoji="1" lang="ja-JP" altLang="en-US" sz="6600" dirty="0"/>
+              <a:t>コンテンツ</a:t>
+            </a:r>
+          </a:p>
+        </p:txBody>
+      </p:sp>
+      <p:sp>
+        <p:nvSpPr>
+          <p:cNvPr id="6" name="テキスト プレースホルダー 5"/>
           <p:cNvSpPr>
             <a:spLocks noGrp="1"/>
           </p:cNvSpPr>
@@ -17352,8 +17401,8 @@
         </p:nvSpPr>
         <p:spPr>
           <a:xfrm>
-            <a:off x="1245850" y="2626432"/>
-            <a:ext cx="16534150" cy="5918258"/>
+            <a:off x="7709647" y="1783556"/>
+            <a:ext cx="10578353" cy="6718300"/>
           </a:xfrm>
         </p:spPr>
         <p:txBody>
@@ -17363,69 +17412,67 @@
           <a:lstStyle/>
           <a:p>
             <a:r>
-              <a:rPr lang="ja-JP" altLang="en-US" sz="4000"/>
-              <a:t>目的</a:t>
-            </a:r>
-            <a:endParaRPr lang="en-US" altLang="ja-JP" sz="4000" dirty="0"/>
-          </a:p>
-          <a:p>
-            <a:pPr lvl="1"/>
-            <a:r>
-              <a:rPr lang="ja-JP" altLang="en-US" sz="3200"/>
-              <a:t>意思決定の質を向上させる</a:t>
-            </a:r>
-            <a:endParaRPr lang="en-US" altLang="ja-JP" sz="3200" dirty="0"/>
-          </a:p>
-          <a:p>
-            <a:r>
-              <a:rPr lang="ja-JP" altLang="en-US" sz="4000"/>
-              <a:t>必要性</a:t>
-            </a:r>
-            <a:endParaRPr lang="en-US" altLang="ja-JP" sz="4000" dirty="0"/>
-          </a:p>
-          <a:p>
-            <a:pPr lvl="1"/>
-            <a:r>
-              <a:rPr lang="ja-JP" altLang="en-US" sz="3200"/>
-              <a:t>多くの人に論理的に説明ができる</a:t>
-            </a:r>
-            <a:endParaRPr lang="en-US" altLang="ja-JP" sz="3200" dirty="0"/>
-          </a:p>
-          <a:p>
-            <a:pPr lvl="1"/>
-            <a:r>
-              <a:rPr lang="ja-JP" altLang="en-US" sz="3200"/>
-              <a:t>経験や勘に頼らず、定量的な分析によって戦略を考える事ができる</a:t>
-            </a:r>
-            <a:endParaRPr lang="en-US" altLang="ja-JP" sz="3200" dirty="0"/>
-          </a:p>
-          <a:p>
-            <a:pPr lvl="1"/>
-            <a:r>
-              <a:rPr lang="ja-JP" altLang="en-US" sz="3200"/>
-              <a:t>戦略や施策の効果を検証できる</a:t>
-            </a:r>
-            <a:endParaRPr lang="en-US" altLang="ja-JP" sz="3200" dirty="0"/>
-          </a:p>
-          <a:p>
-            <a:pPr lvl="1"/>
-            <a:r>
-              <a:rPr lang="ja-JP" altLang="en-US" sz="3200"/>
-              <a:t>データから意思決定のための気づきを得る事ができる</a:t>
-            </a:r>
-            <a:endParaRPr lang="en-US" altLang="ja-JP" dirty="0"/>
-          </a:p>
-          <a:p>
-            <a:endParaRPr lang="en-US" altLang="ja-JP" sz="4000" dirty="0"/>
-          </a:p>
-        </p:txBody>
-      </p:sp>
-      <p:sp>
-        <p:nvSpPr>
-          <p:cNvPr id="13" name="Slide Number Placeholder 12">
+              <a:rPr lang="ja" altLang="en-US" sz="4200" dirty="0"/>
+              <a:t>自己紹介</a:t>
+            </a:r>
+            <a:endParaRPr lang="en-US" altLang="ja" sz="4200" dirty="0"/>
+          </a:p>
+          <a:p>
+            <a:r>
+              <a:rPr lang="ja-JP" altLang="en-US" sz="4200"/>
+              <a:t>データ</a:t>
+            </a:r>
+            <a:r>
+              <a:rPr lang="ja" altLang="en-US" sz="4200" dirty="0"/>
+              <a:t>アントレプレナーフェロープログラム</a:t>
+            </a:r>
+            <a:endParaRPr lang="en-US" altLang="ja-JP" sz="4200" dirty="0"/>
+          </a:p>
+          <a:p>
+            <a:r>
+              <a:rPr kumimoji="1" lang="ja" altLang="en-US" sz="4200" dirty="0"/>
+              <a:t>データアントレプレナー</a:t>
+            </a:r>
+            <a:r>
+              <a:rPr kumimoji="1" lang="ja-JP" altLang="en-US" sz="4200"/>
+              <a:t>実践論</a:t>
+            </a:r>
+            <a:endParaRPr kumimoji="1" lang="en-US" altLang="ja-JP" sz="4200" dirty="0"/>
+          </a:p>
+          <a:p>
+            <a:r>
+              <a:rPr kumimoji="1" lang="ja" altLang="en-US" sz="4200" dirty="0"/>
+              <a:t>データサイエンティスト</a:t>
+            </a:r>
+            <a:r>
+              <a:rPr kumimoji="1" lang="ja-JP" altLang="en-US" sz="4200"/>
+              <a:t>特論</a:t>
+            </a:r>
+            <a:endParaRPr kumimoji="1" lang="en-US" altLang="ja-JP" sz="4200" dirty="0"/>
+          </a:p>
+          <a:p>
+            <a:r>
+              <a:rPr lang="ja-JP" altLang="en-US" sz="4400">
+                <a:solidFill>
+                  <a:schemeClr val="accent1"/>
+                </a:solidFill>
+              </a:rPr>
+              <a:t>データ分析の目的、必要性</a:t>
+            </a:r>
+            <a:endParaRPr kumimoji="1" lang="en-US" altLang="ja-JP" sz="4200" dirty="0">
+              <a:solidFill>
+                <a:schemeClr val="accent1"/>
+              </a:solidFill>
+            </a:endParaRPr>
+          </a:p>
+        </p:txBody>
+      </p:sp>
+      <p:sp>
+        <p:nvSpPr>
+          <p:cNvPr id="4" name="Slide Number Placeholder 3">
             <a:extLst>
               <a:ext uri="{FF2B5EF4-FFF2-40B4-BE49-F238E27FC236}">
-                <a16:creationId xmlns:a16="http://schemas.microsoft.com/office/drawing/2014/main" id="{ACBC7515-E64F-8F4C-B7BA-458E3BC7E0CA}"/>
+                <a16:creationId xmlns:a16="http://schemas.microsoft.com/office/drawing/2014/main" id="{E857C27F-31E3-FD4B-B90C-CF6CDEEDFC7A}"/>
               </a:ext>
             </a:extLst>
           </p:cNvPr>
@@ -17452,10 +17499,10 @@
       </p:sp>
       <p:sp>
         <p:nvSpPr>
-          <p:cNvPr id="14" name="Footer Placeholder 13">
+          <p:cNvPr id="7" name="Footer Placeholder 6">
             <a:extLst>
               <a:ext uri="{FF2B5EF4-FFF2-40B4-BE49-F238E27FC236}">
-                <a16:creationId xmlns:a16="http://schemas.microsoft.com/office/drawing/2014/main" id="{6848FA93-3DF9-3B45-9537-C5287D7DA562}"/>
+                <a16:creationId xmlns:a16="http://schemas.microsoft.com/office/drawing/2014/main" id="{AE558B7F-26E7-DD4F-84D7-E1D64CC93010}"/>
               </a:ext>
             </a:extLst>
           </p:cNvPr>
@@ -17466,12 +17513,7 @@
             <p:ph type="ftr" sz="quarter" idx="11"/>
           </p:nvPr>
         </p:nvSpPr>
-        <p:spPr>
-          <a:xfrm>
-            <a:off x="10680700" y="9621838"/>
-            <a:ext cx="6172200" cy="547687"/>
-          </a:xfrm>
-        </p:spPr>
+        <p:spPr/>
         <p:txBody>
           <a:bodyPr/>
           <a:lstStyle/>
@@ -17487,7 +17529,7 @@
     </p:spTree>
     <p:extLst>
       <p:ext uri="{BB962C8B-B14F-4D97-AF65-F5344CB8AC3E}">
-        <p14:creationId xmlns:p14="http://schemas.microsoft.com/office/powerpoint/2010/main" val="2418133671"/>
+        <p14:creationId xmlns:p14="http://schemas.microsoft.com/office/powerpoint/2010/main" val="3308717264"/>
       </p:ext>
     </p:extLst>
   </p:cSld>
@@ -17557,7 +17599,7 @@
         </p:nvSpPr>
         <p:spPr>
           <a:xfrm>
-            <a:off x="1080750" y="115855"/>
+            <a:off x="1245850" y="2626432"/>
             <a:ext cx="16534150" cy="5918258"/>
           </a:xfrm>
         </p:spPr>
@@ -17567,12 +17609,24 @@
           </a:bodyPr>
           <a:lstStyle/>
           <a:p>
+            <a:r>
+              <a:rPr lang="ja-JP" altLang="en-US" sz="4000"/>
+              <a:t>目的</a:t>
+            </a:r>
             <a:endParaRPr lang="en-US" altLang="ja-JP" sz="4000" dirty="0"/>
           </a:p>
           <a:p>
+            <a:pPr lvl="1"/>
+            <a:r>
+              <a:rPr lang="ja-JP" altLang="en-US" sz="3200"/>
+              <a:t>意思決定の質を向上させる</a:t>
+            </a:r>
+            <a:endParaRPr lang="en-US" altLang="ja-JP" sz="3200" dirty="0"/>
+          </a:p>
+          <a:p>
             <a:r>
               <a:rPr lang="ja-JP" altLang="en-US" sz="4000"/>
-              <a:t>ウォルマートの例</a:t>
+              <a:t>必要性</a:t>
             </a:r>
             <a:endParaRPr lang="en-US" altLang="ja-JP" sz="4000" dirty="0"/>
           </a:p>
@@ -17580,15 +17634,36 @@
             <a:pPr lvl="1"/>
             <a:r>
               <a:rPr lang="ja-JP" altLang="en-US" sz="3200"/>
-              <a:t>ハリケーンの前にストロベリーポップタルトが多く売れる</a:t>
-            </a:r>
-            <a:r>
-              <a:rPr lang="en-US" sz="3200" dirty="0">
-                <a:hlinkClick r:id="rId2"/>
-              </a:rPr>
-              <a:t>https://www.nytimes.com/2004/11/14/business/yourmoney/what-walmart-knows-about-customers-habits.html</a:t>
+              <a:t>多くの人に論理的に説明ができる</a:t>
             </a:r>
             <a:endParaRPr lang="en-US" altLang="ja-JP" sz="3200" dirty="0"/>
+          </a:p>
+          <a:p>
+            <a:pPr lvl="1"/>
+            <a:r>
+              <a:rPr lang="ja-JP" altLang="en-US" sz="3200"/>
+              <a:t>経験や勘に頼らず、定量的な分析によって戦略を考える事ができる</a:t>
+            </a:r>
+            <a:endParaRPr lang="en-US" altLang="ja-JP" sz="3200" dirty="0"/>
+          </a:p>
+          <a:p>
+            <a:pPr lvl="1"/>
+            <a:r>
+              <a:rPr lang="ja-JP" altLang="en-US" sz="3200"/>
+              <a:t>戦略や施策の効果を検証できる</a:t>
+            </a:r>
+            <a:endParaRPr lang="en-US" altLang="ja-JP" sz="3200" dirty="0"/>
+          </a:p>
+          <a:p>
+            <a:pPr lvl="1"/>
+            <a:r>
+              <a:rPr lang="ja-JP" altLang="en-US" sz="3200"/>
+              <a:t>データから意思決定のための気づきを得る事ができる</a:t>
+            </a:r>
+            <a:endParaRPr lang="en-US" altLang="ja-JP" dirty="0"/>
+          </a:p>
+          <a:p>
+            <a:endParaRPr lang="en-US" altLang="ja-JP" sz="4000" dirty="0"/>
           </a:p>
         </p:txBody>
       </p:sp>
@@ -17617,6 +17692,178 @@
               <a:rPr kumimoji="1" lang="ja-JP" altLang="en-US" smtClean="0"/>
               <a:pPr/>
               <a:t>23</a:t>
+            </a:fld>
+            <a:endParaRPr kumimoji="1" lang="ja-JP" altLang="en-US"/>
+          </a:p>
+        </p:txBody>
+      </p:sp>
+      <p:sp>
+        <p:nvSpPr>
+          <p:cNvPr id="14" name="Footer Placeholder 13">
+            <a:extLst>
+              <a:ext uri="{FF2B5EF4-FFF2-40B4-BE49-F238E27FC236}">
+                <a16:creationId xmlns:a16="http://schemas.microsoft.com/office/drawing/2014/main" id="{6848FA93-3DF9-3B45-9537-C5287D7DA562}"/>
+              </a:ext>
+            </a:extLst>
+          </p:cNvPr>
+          <p:cNvSpPr>
+            <a:spLocks noGrp="1"/>
+          </p:cNvSpPr>
+          <p:nvPr>
+            <p:ph type="ftr" sz="quarter" idx="11"/>
+          </p:nvPr>
+        </p:nvSpPr>
+        <p:spPr>
+          <a:xfrm>
+            <a:off x="10680700" y="9621838"/>
+            <a:ext cx="6172200" cy="547687"/>
+          </a:xfrm>
+        </p:spPr>
+        <p:txBody>
+          <a:bodyPr/>
+          <a:lstStyle/>
+          <a:p>
+            <a:r>
+              <a:rPr kumimoji="1" lang="en-US" altLang="ja-JP"/>
+              <a:t>@Takato Matsumoto, 2020</a:t>
+            </a:r>
+            <a:endParaRPr kumimoji="1" lang="ja-JP" altLang="en-US" dirty="0"/>
+          </a:p>
+        </p:txBody>
+      </p:sp>
+    </p:spTree>
+    <p:extLst>
+      <p:ext uri="{BB962C8B-B14F-4D97-AF65-F5344CB8AC3E}">
+        <p14:creationId xmlns:p14="http://schemas.microsoft.com/office/powerpoint/2010/main" val="2418133671"/>
+      </p:ext>
+    </p:extLst>
+  </p:cSld>
+  <p:clrMapOvr>
+    <a:masterClrMapping/>
+  </p:clrMapOvr>
+</p:sld>
+</file>
+
+<file path=ppt/slides/slide24.xml><?xml version="1.0" encoding="utf-8"?>
+<p:sld xmlns:a="http://schemas.openxmlformats.org/drawingml/2006/main" xmlns:r="http://schemas.openxmlformats.org/officeDocument/2006/relationships" xmlns:p="http://schemas.openxmlformats.org/presentationml/2006/main">
+  <p:cSld>
+    <p:spTree>
+      <p:nvGrpSpPr>
+        <p:cNvPr id="1" name=""/>
+        <p:cNvGrpSpPr/>
+        <p:nvPr/>
+      </p:nvGrpSpPr>
+      <p:grpSpPr>
+        <a:xfrm>
+          <a:off x="0" y="0"/>
+          <a:ext cx="0" cy="0"/>
+          <a:chOff x="0" y="0"/>
+          <a:chExt cx="0" cy="0"/>
+        </a:xfrm>
+      </p:grpSpPr>
+      <p:sp>
+        <p:nvSpPr>
+          <p:cNvPr id="9" name="タイトル 8"/>
+          <p:cNvSpPr>
+            <a:spLocks noGrp="1"/>
+          </p:cNvSpPr>
+          <p:nvPr>
+            <p:ph type="title"/>
+          </p:nvPr>
+        </p:nvSpPr>
+        <p:spPr/>
+        <p:txBody>
+          <a:bodyPr>
+            <a:normAutofit/>
+          </a:bodyPr>
+          <a:lstStyle/>
+          <a:p>
+            <a:r>
+              <a:rPr kumimoji="1" lang="ja-JP" altLang="en-US"/>
+              <a:t>データ分析の目的、必要性</a:t>
+            </a:r>
+            <a:endParaRPr kumimoji="1" lang="ja-JP" altLang="en-US" dirty="0"/>
+          </a:p>
+        </p:txBody>
+      </p:sp>
+      <p:sp>
+        <p:nvSpPr>
+          <p:cNvPr id="15" name="テキスト プレースホルダー 9">
+            <a:extLst>
+              <a:ext uri="{FF2B5EF4-FFF2-40B4-BE49-F238E27FC236}">
+                <a16:creationId xmlns:a16="http://schemas.microsoft.com/office/drawing/2014/main" id="{98F5EB82-97F4-BE48-8A01-5935D01BB0CD}"/>
+              </a:ext>
+            </a:extLst>
+          </p:cNvPr>
+          <p:cNvSpPr>
+            <a:spLocks noGrp="1"/>
+          </p:cNvSpPr>
+          <p:nvPr>
+            <p:ph type="body" sz="quarter" idx="12"/>
+          </p:nvPr>
+        </p:nvSpPr>
+        <p:spPr>
+          <a:xfrm>
+            <a:off x="1080750" y="115855"/>
+            <a:ext cx="16534150" cy="5918258"/>
+          </a:xfrm>
+        </p:spPr>
+        <p:txBody>
+          <a:bodyPr>
+            <a:normAutofit/>
+          </a:bodyPr>
+          <a:lstStyle/>
+          <a:p>
+            <a:endParaRPr lang="en-US" altLang="ja-JP" sz="4000" dirty="0"/>
+          </a:p>
+          <a:p>
+            <a:r>
+              <a:rPr lang="ja-JP" altLang="en-US" sz="4000"/>
+              <a:t>ウォルマートの例</a:t>
+            </a:r>
+            <a:endParaRPr lang="en-US" altLang="ja-JP" sz="4000" dirty="0"/>
+          </a:p>
+          <a:p>
+            <a:pPr lvl="1"/>
+            <a:r>
+              <a:rPr lang="ja-JP" altLang="en-US" sz="3200"/>
+              <a:t>ハリケーンの前にストロベリーポップタルトが多く売れる</a:t>
+            </a:r>
+            <a:r>
+              <a:rPr lang="en-US" sz="3200" dirty="0">
+                <a:hlinkClick r:id="rId2"/>
+              </a:rPr>
+              <a:t>https://www.nytimes.com/2004/11/14/business/yourmoney/what-walmart-knows-about-customers-habits.html</a:t>
+            </a:r>
+            <a:endParaRPr lang="en-US" altLang="ja-JP" sz="3200" dirty="0"/>
+          </a:p>
+        </p:txBody>
+      </p:sp>
+      <p:sp>
+        <p:nvSpPr>
+          <p:cNvPr id="13" name="Slide Number Placeholder 12">
+            <a:extLst>
+              <a:ext uri="{FF2B5EF4-FFF2-40B4-BE49-F238E27FC236}">
+                <a16:creationId xmlns:a16="http://schemas.microsoft.com/office/drawing/2014/main" id="{ACBC7515-E64F-8F4C-B7BA-458E3BC7E0CA}"/>
+              </a:ext>
+            </a:extLst>
+          </p:cNvPr>
+          <p:cNvSpPr>
+            <a:spLocks noGrp="1"/>
+          </p:cNvSpPr>
+          <p:nvPr>
+            <p:ph type="sldNum" sz="quarter" idx="10"/>
+          </p:nvPr>
+        </p:nvSpPr>
+        <p:spPr/>
+        <p:txBody>
+          <a:bodyPr/>
+          <a:lstStyle/>
+          <a:p>
+            <a:fld id="{D28C7C6D-0F52-4FBA-8358-35C6083C2133}" type="slidenum">
+              <a:rPr kumimoji="1" lang="ja-JP" altLang="en-US" smtClean="0"/>
+              <a:pPr/>
+              <a:t>24</a:t>
             </a:fld>
             <a:endParaRPr kumimoji="1" lang="ja-JP" altLang="en-US"/>
           </a:p>
@@ -17833,7 +18080,7 @@
       </p:grpSpPr>
       <p:sp>
         <p:nvSpPr>
-          <p:cNvPr id="5" name="タイトル 4"/>
+          <p:cNvPr id="9" name="タイトル 8"/>
           <p:cNvSpPr>
             <a:spLocks noGrp="1"/>
           </p:cNvSpPr>
@@ -17841,7 +18088,40 @@
             <p:ph type="title"/>
           </p:nvPr>
         </p:nvSpPr>
-        <p:spPr/>
+        <p:spPr>
+          <a:xfrm>
+            <a:off x="927100" y="471404"/>
+            <a:ext cx="16687800" cy="1077996"/>
+          </a:xfrm>
+        </p:spPr>
+        <p:txBody>
+          <a:bodyPr/>
+          <a:lstStyle/>
+          <a:p>
+            <a:r>
+              <a:rPr lang="ja-JP" altLang="en-US"/>
+              <a:t>質問について</a:t>
+            </a:r>
+            <a:endParaRPr kumimoji="1" lang="ja-JP" altLang="en-US" dirty="0"/>
+          </a:p>
+        </p:txBody>
+      </p:sp>
+      <p:sp>
+        <p:nvSpPr>
+          <p:cNvPr id="10" name="テキスト プレースホルダー 9"/>
+          <p:cNvSpPr>
+            <a:spLocks noGrp="1"/>
+          </p:cNvSpPr>
+          <p:nvPr>
+            <p:ph type="body" sz="quarter" idx="12"/>
+          </p:nvPr>
+        </p:nvSpPr>
+        <p:spPr>
+          <a:xfrm>
+            <a:off x="6396786" y="1967320"/>
+            <a:ext cx="11923868" cy="8072438"/>
+          </a:xfrm>
+        </p:spPr>
         <p:txBody>
           <a:bodyPr>
             <a:normAutofit/>
@@ -17849,88 +18129,111 @@
           <a:lstStyle/>
           <a:p>
             <a:r>
-              <a:rPr kumimoji="1" lang="ja-JP" altLang="en-US" sz="6600" dirty="0"/>
-              <a:t>コンテンツ</a:t>
-            </a:r>
-          </a:p>
-        </p:txBody>
-      </p:sp>
-      <p:sp>
-        <p:nvSpPr>
-          <p:cNvPr id="6" name="テキスト プレースホルダー 5"/>
-          <p:cNvSpPr>
-            <a:spLocks noGrp="1"/>
-          </p:cNvSpPr>
-          <p:nvPr>
-            <p:ph type="body" sz="quarter" idx="12"/>
-          </p:nvPr>
-        </p:nvSpPr>
-        <p:spPr>
-          <a:xfrm>
-            <a:off x="7709647" y="1783556"/>
-            <a:ext cx="10578353" cy="6718300"/>
-          </a:xfrm>
-        </p:spPr>
-        <p:txBody>
-          <a:bodyPr>
-            <a:normAutofit/>
-          </a:bodyPr>
-          <a:lstStyle/>
-          <a:p>
-            <a:r>
-              <a:rPr lang="ja" altLang="en-US" sz="4200" dirty="0"/>
-              <a:t>自己紹介</a:t>
-            </a:r>
-            <a:endParaRPr lang="en-US" altLang="ja" sz="4200" dirty="0"/>
-          </a:p>
-          <a:p>
-            <a:r>
-              <a:rPr lang="ja-JP" altLang="en-US" sz="4200"/>
-              <a:t>データ</a:t>
-            </a:r>
-            <a:r>
-              <a:rPr lang="ja" altLang="en-US" sz="4200" dirty="0"/>
-              <a:t>アントレプレナーフェロープログラム</a:t>
-            </a:r>
-            <a:endParaRPr lang="en-US" altLang="ja-JP" sz="4200" dirty="0"/>
-          </a:p>
-          <a:p>
-            <a:r>
-              <a:rPr kumimoji="1" lang="ja" altLang="en-US" sz="4200" dirty="0"/>
-              <a:t>データアントレプレナー</a:t>
-            </a:r>
-            <a:r>
-              <a:rPr kumimoji="1" lang="ja-JP" altLang="en-US" sz="4200"/>
-              <a:t>実践論</a:t>
-            </a:r>
-            <a:endParaRPr kumimoji="1" lang="en-US" altLang="ja-JP" sz="4200" dirty="0"/>
-          </a:p>
-          <a:p>
-            <a:r>
-              <a:rPr kumimoji="1" lang="ja" altLang="en-US" sz="4200" dirty="0"/>
-              <a:t>データサイエンティスト</a:t>
-            </a:r>
-            <a:r>
-              <a:rPr kumimoji="1" lang="ja-JP" altLang="en-US" sz="4200"/>
-              <a:t>特論</a:t>
-            </a:r>
-            <a:endParaRPr kumimoji="1" lang="en-US" altLang="ja-JP" sz="4200" dirty="0"/>
-          </a:p>
-          <a:p>
-            <a:r>
-              <a:rPr lang="ja-JP" altLang="en-US" sz="4400"/>
-              <a:t>データ分析の目的、必要性</a:t>
-            </a:r>
-            <a:endParaRPr kumimoji="1" lang="en-US" altLang="ja-JP" sz="4200" dirty="0"/>
-          </a:p>
-        </p:txBody>
-      </p:sp>
-      <p:sp>
-        <p:nvSpPr>
-          <p:cNvPr id="4" name="Slide Number Placeholder 3">
+              <a:rPr lang="en-US" altLang="ja-JP" sz="5400" dirty="0" err="1"/>
+              <a:t>sil.do</a:t>
+            </a:r>
+            <a:r>
+              <a:rPr lang="ja-JP" altLang="en-US" sz="5400"/>
+              <a:t>で</a:t>
+            </a:r>
+            <a:r>
+              <a:rPr lang="ja" altLang="en-US" sz="5400" dirty="0"/>
+              <a:t>受け付けます</a:t>
+            </a:r>
+            <a:r>
+              <a:rPr lang="en-US" sz="5400" dirty="0">
+                <a:hlinkClick r:id="rId2"/>
+              </a:rPr>
+              <a:t>https://www.sli.do/</a:t>
+            </a:r>
+            <a:endParaRPr lang="en-US" sz="5400" dirty="0"/>
+          </a:p>
+          <a:p>
+            <a:r>
+              <a:rPr lang="en-US" altLang="zh-TW" sz="5400" dirty="0"/>
+              <a:t>Event code</a:t>
+            </a:r>
+            <a:br>
+              <a:rPr lang="en-US" altLang="zh-TW" sz="5400" dirty="0"/>
+            </a:br>
+            <a:r>
+              <a:rPr lang="en-US" altLang="ja" sz="5400" dirty="0">
+                <a:solidFill>
+                  <a:schemeClr val="accent2"/>
+                </a:solidFill>
+              </a:rPr>
+              <a:t># SA202</a:t>
+            </a:r>
+            <a:endParaRPr lang="en-US" altLang="ja-JP" sz="5400" dirty="0"/>
+          </a:p>
+          <a:p>
+            <a:r>
+              <a:rPr lang="ja-JP" altLang="en-US" sz="5400"/>
+              <a:t>ミーティングツールで質問が可能で</a:t>
+            </a:r>
+            <a:br>
+              <a:rPr lang="en-US" altLang="ja-JP" sz="5400" dirty="0"/>
+            </a:br>
+            <a:r>
+              <a:rPr lang="ja-JP" altLang="en-US" sz="5400"/>
+              <a:t>あればそちらでも大丈夫です</a:t>
+            </a:r>
+            <a:endParaRPr lang="en-US" altLang="ja-JP" sz="5400" dirty="0"/>
+          </a:p>
+          <a:p>
+            <a:pPr marL="557146" lvl="1" indent="0">
+              <a:buNone/>
+            </a:pPr>
+            <a:endParaRPr lang="en-US" altLang="ja" sz="5400" dirty="0">
+              <a:solidFill>
+                <a:schemeClr val="accent2"/>
+              </a:solidFill>
+            </a:endParaRPr>
+          </a:p>
+        </p:txBody>
+      </p:sp>
+      <p:pic>
+        <p:nvPicPr>
+          <p:cNvPr id="28" name="Picture 27">
             <a:extLst>
               <a:ext uri="{FF2B5EF4-FFF2-40B4-BE49-F238E27FC236}">
-                <a16:creationId xmlns:a16="http://schemas.microsoft.com/office/drawing/2014/main" id="{245B8BF2-989B-F944-AA36-2C3B20207F75}"/>
+                <a16:creationId xmlns:a16="http://schemas.microsoft.com/office/drawing/2014/main" id="{F4CEDB55-ADAA-614C-80CF-4FA821C24C85}"/>
+              </a:ext>
+            </a:extLst>
+          </p:cNvPr>
+          <p:cNvPicPr>
+            <a:picLocks noChangeAspect="1"/>
+          </p:cNvPicPr>
+          <p:nvPr/>
+        </p:nvPicPr>
+        <p:blipFill>
+          <a:blip r:embed="rId3">
+            <a:extLst>
+              <a:ext uri="{28A0092B-C50C-407E-A947-70E740481C1C}">
+                <a14:useLocalDpi xmlns:a14="http://schemas.microsoft.com/office/drawing/2010/main" val="0"/>
+              </a:ext>
+            </a:extLst>
+          </a:blip>
+          <a:stretch>
+            <a:fillRect/>
+          </a:stretch>
+        </p:blipFill>
+        <p:spPr>
+          <a:xfrm>
+            <a:off x="0" y="2143436"/>
+            <a:ext cx="6511884" cy="6511884"/>
+          </a:xfrm>
+          <a:prstGeom prst="rect">
+            <a:avLst/>
+          </a:prstGeom>
+        </p:spPr>
+      </p:pic>
+      <p:sp>
+        <p:nvSpPr>
+          <p:cNvPr id="31" name="Slide Number Placeholder 30">
+            <a:extLst>
+              <a:ext uri="{FF2B5EF4-FFF2-40B4-BE49-F238E27FC236}">
+                <a16:creationId xmlns:a16="http://schemas.microsoft.com/office/drawing/2014/main" id="{4B1988FE-E66C-024F-90E3-2BEDDB78EC11}"/>
               </a:ext>
             </a:extLst>
           </p:cNvPr>
@@ -17957,10 +18260,10 @@
       </p:sp>
       <p:sp>
         <p:nvSpPr>
-          <p:cNvPr id="8" name="Footer Placeholder 7">
+          <p:cNvPr id="32" name="Footer Placeholder 31">
             <a:extLst>
               <a:ext uri="{FF2B5EF4-FFF2-40B4-BE49-F238E27FC236}">
-                <a16:creationId xmlns:a16="http://schemas.microsoft.com/office/drawing/2014/main" id="{8F4850EF-3532-CD49-B997-A17BAB434D51}"/>
+                <a16:creationId xmlns:a16="http://schemas.microsoft.com/office/drawing/2014/main" id="{D89C7E2B-21AF-4F42-AB76-00E7E4D31AC3}"/>
               </a:ext>
             </a:extLst>
           </p:cNvPr>
@@ -17987,7 +18290,7 @@
     </p:spTree>
     <p:extLst>
       <p:ext uri="{BB962C8B-B14F-4D97-AF65-F5344CB8AC3E}">
-        <p14:creationId xmlns:p14="http://schemas.microsoft.com/office/powerpoint/2010/main" val="8144270"/>
+        <p14:creationId xmlns:p14="http://schemas.microsoft.com/office/powerpoint/2010/main" val="3440826650"/>
       </p:ext>
     </p:extLst>
   </p:cSld>
@@ -18061,18 +18364,10 @@
           <a:lstStyle/>
           <a:p>
             <a:r>
-              <a:rPr lang="ja" altLang="en-US" sz="4200" dirty="0">
-                <a:solidFill>
-                  <a:schemeClr val="accent1"/>
-                </a:solidFill>
-              </a:rPr>
+              <a:rPr lang="ja" altLang="en-US" sz="4200" dirty="0"/>
               <a:t>自己紹介</a:t>
             </a:r>
-            <a:endParaRPr lang="en-US" altLang="ja" sz="4200" dirty="0">
-              <a:solidFill>
-                <a:schemeClr val="accent1"/>
-              </a:solidFill>
-            </a:endParaRPr>
+            <a:endParaRPr lang="en-US" altLang="ja" sz="4200" dirty="0"/>
           </a:p>
           <a:p>
             <a:r>
@@ -18121,7 +18416,7 @@
           <p:cNvPr id="4" name="Slide Number Placeholder 3">
             <a:extLst>
               <a:ext uri="{FF2B5EF4-FFF2-40B4-BE49-F238E27FC236}">
-                <a16:creationId xmlns:a16="http://schemas.microsoft.com/office/drawing/2014/main" id="{D40EB0AC-24F2-064F-9D7F-06C75FE03B43}"/>
+                <a16:creationId xmlns:a16="http://schemas.microsoft.com/office/drawing/2014/main" id="{245B8BF2-989B-F944-AA36-2C3B20207F75}"/>
               </a:ext>
             </a:extLst>
           </p:cNvPr>
@@ -18148,10 +18443,10 @@
       </p:sp>
       <p:sp>
         <p:nvSpPr>
-          <p:cNvPr id="7" name="Footer Placeholder 6">
+          <p:cNvPr id="8" name="Footer Placeholder 7">
             <a:extLst>
               <a:ext uri="{FF2B5EF4-FFF2-40B4-BE49-F238E27FC236}">
-                <a16:creationId xmlns:a16="http://schemas.microsoft.com/office/drawing/2014/main" id="{8AFFA6CF-86CF-8F46-B696-09D69815B0C4}"/>
+                <a16:creationId xmlns:a16="http://schemas.microsoft.com/office/drawing/2014/main" id="{8F4850EF-3532-CD49-B997-A17BAB434D51}"/>
               </a:ext>
             </a:extLst>
           </p:cNvPr>
@@ -18178,7 +18473,7 @@
     </p:spTree>
     <p:extLst>
       <p:ext uri="{BB962C8B-B14F-4D97-AF65-F5344CB8AC3E}">
-        <p14:creationId xmlns:p14="http://schemas.microsoft.com/office/powerpoint/2010/main" val="1702842519"/>
+        <p14:creationId xmlns:p14="http://schemas.microsoft.com/office/powerpoint/2010/main" val="8144270"/>
       </p:ext>
     </p:extLst>
   </p:cSld>
@@ -18207,6 +18502,197 @@
       </p:grpSpPr>
       <p:sp>
         <p:nvSpPr>
+          <p:cNvPr id="5" name="タイトル 4"/>
+          <p:cNvSpPr>
+            <a:spLocks noGrp="1"/>
+          </p:cNvSpPr>
+          <p:nvPr>
+            <p:ph type="title"/>
+          </p:nvPr>
+        </p:nvSpPr>
+        <p:spPr/>
+        <p:txBody>
+          <a:bodyPr>
+            <a:normAutofit/>
+          </a:bodyPr>
+          <a:lstStyle/>
+          <a:p>
+            <a:r>
+              <a:rPr kumimoji="1" lang="ja-JP" altLang="en-US" sz="6600" dirty="0"/>
+              <a:t>コンテンツ</a:t>
+            </a:r>
+          </a:p>
+        </p:txBody>
+      </p:sp>
+      <p:sp>
+        <p:nvSpPr>
+          <p:cNvPr id="6" name="テキスト プレースホルダー 5"/>
+          <p:cNvSpPr>
+            <a:spLocks noGrp="1"/>
+          </p:cNvSpPr>
+          <p:nvPr>
+            <p:ph type="body" sz="quarter" idx="12"/>
+          </p:nvPr>
+        </p:nvSpPr>
+        <p:spPr>
+          <a:xfrm>
+            <a:off x="7709647" y="1783556"/>
+            <a:ext cx="10578353" cy="6718300"/>
+          </a:xfrm>
+        </p:spPr>
+        <p:txBody>
+          <a:bodyPr>
+            <a:normAutofit/>
+          </a:bodyPr>
+          <a:lstStyle/>
+          <a:p>
+            <a:r>
+              <a:rPr lang="ja" altLang="en-US" sz="4200" dirty="0">
+                <a:solidFill>
+                  <a:schemeClr val="accent1"/>
+                </a:solidFill>
+              </a:rPr>
+              <a:t>自己紹介</a:t>
+            </a:r>
+            <a:endParaRPr lang="en-US" altLang="ja" sz="4200" dirty="0">
+              <a:solidFill>
+                <a:schemeClr val="accent1"/>
+              </a:solidFill>
+            </a:endParaRPr>
+          </a:p>
+          <a:p>
+            <a:r>
+              <a:rPr lang="ja-JP" altLang="en-US" sz="4200"/>
+              <a:t>データ</a:t>
+            </a:r>
+            <a:r>
+              <a:rPr lang="ja" altLang="en-US" sz="4200" dirty="0"/>
+              <a:t>アントレプレナーフェロープログラム</a:t>
+            </a:r>
+            <a:endParaRPr lang="en-US" altLang="ja-JP" sz="4200" dirty="0"/>
+          </a:p>
+          <a:p>
+            <a:r>
+              <a:rPr kumimoji="1" lang="ja" altLang="en-US" sz="4200" dirty="0"/>
+              <a:t>データアントレプレナー</a:t>
+            </a:r>
+            <a:r>
+              <a:rPr kumimoji="1" lang="ja-JP" altLang="en-US" sz="4200"/>
+              <a:t>実践論</a:t>
+            </a:r>
+            <a:endParaRPr kumimoji="1" lang="en-US" altLang="ja-JP" sz="4200" dirty="0"/>
+          </a:p>
+          <a:p>
+            <a:r>
+              <a:rPr kumimoji="1" lang="ja" altLang="en-US" sz="4200" dirty="0"/>
+              <a:t>データサイエンティスト</a:t>
+            </a:r>
+            <a:r>
+              <a:rPr kumimoji="1" lang="ja-JP" altLang="en-US" sz="4200"/>
+              <a:t>特論</a:t>
+            </a:r>
+            <a:endParaRPr kumimoji="1" lang="en-US" altLang="ja-JP" sz="4200" dirty="0"/>
+          </a:p>
+          <a:p>
+            <a:r>
+              <a:rPr lang="ja-JP" altLang="en-US" sz="4400"/>
+              <a:t>データ分析の目的、必要性</a:t>
+            </a:r>
+            <a:endParaRPr kumimoji="1" lang="en-US" altLang="ja-JP" sz="4200" dirty="0"/>
+          </a:p>
+        </p:txBody>
+      </p:sp>
+      <p:sp>
+        <p:nvSpPr>
+          <p:cNvPr id="4" name="Slide Number Placeholder 3">
+            <a:extLst>
+              <a:ext uri="{FF2B5EF4-FFF2-40B4-BE49-F238E27FC236}">
+                <a16:creationId xmlns:a16="http://schemas.microsoft.com/office/drawing/2014/main" id="{D40EB0AC-24F2-064F-9D7F-06C75FE03B43}"/>
+              </a:ext>
+            </a:extLst>
+          </p:cNvPr>
+          <p:cNvSpPr>
+            <a:spLocks noGrp="1"/>
+          </p:cNvSpPr>
+          <p:nvPr>
+            <p:ph type="sldNum" sz="quarter" idx="10"/>
+          </p:nvPr>
+        </p:nvSpPr>
+        <p:spPr/>
+        <p:txBody>
+          <a:bodyPr/>
+          <a:lstStyle/>
+          <a:p>
+            <a:fld id="{D28C7C6D-0F52-4FBA-8358-35C6083C2133}" type="slidenum">
+              <a:rPr kumimoji="1" lang="ja-JP" altLang="en-US" smtClean="0"/>
+              <a:pPr/>
+              <a:t>5</a:t>
+            </a:fld>
+            <a:endParaRPr kumimoji="1" lang="ja-JP" altLang="en-US"/>
+          </a:p>
+        </p:txBody>
+      </p:sp>
+      <p:sp>
+        <p:nvSpPr>
+          <p:cNvPr id="7" name="Footer Placeholder 6">
+            <a:extLst>
+              <a:ext uri="{FF2B5EF4-FFF2-40B4-BE49-F238E27FC236}">
+                <a16:creationId xmlns:a16="http://schemas.microsoft.com/office/drawing/2014/main" id="{8AFFA6CF-86CF-8F46-B696-09D69815B0C4}"/>
+              </a:ext>
+            </a:extLst>
+          </p:cNvPr>
+          <p:cNvSpPr>
+            <a:spLocks noGrp="1"/>
+          </p:cNvSpPr>
+          <p:nvPr>
+            <p:ph type="ftr" sz="quarter" idx="11"/>
+          </p:nvPr>
+        </p:nvSpPr>
+        <p:spPr/>
+        <p:txBody>
+          <a:bodyPr/>
+          <a:lstStyle/>
+          <a:p>
+            <a:r>
+              <a:rPr kumimoji="1" lang="en-US" altLang="ja-JP"/>
+              <a:t>@Takato Matsumoto, 2020</a:t>
+            </a:r>
+            <a:endParaRPr kumimoji="1" lang="ja-JP" altLang="en-US" dirty="0"/>
+          </a:p>
+        </p:txBody>
+      </p:sp>
+    </p:spTree>
+    <p:extLst>
+      <p:ext uri="{BB962C8B-B14F-4D97-AF65-F5344CB8AC3E}">
+        <p14:creationId xmlns:p14="http://schemas.microsoft.com/office/powerpoint/2010/main" val="1702842519"/>
+      </p:ext>
+    </p:extLst>
+  </p:cSld>
+  <p:clrMapOvr>
+    <a:masterClrMapping/>
+  </p:clrMapOvr>
+</p:sld>
+</file>
+
+<file path=ppt/slides/slide6.xml><?xml version="1.0" encoding="utf-8"?>
+<p:sld xmlns:a="http://schemas.openxmlformats.org/drawingml/2006/main" xmlns:r="http://schemas.openxmlformats.org/officeDocument/2006/relationships" xmlns:p="http://schemas.openxmlformats.org/presentationml/2006/main">
+  <p:cSld>
+    <p:spTree>
+      <p:nvGrpSpPr>
+        <p:cNvPr id="1" name=""/>
+        <p:cNvGrpSpPr/>
+        <p:nvPr/>
+      </p:nvGrpSpPr>
+      <p:grpSpPr>
+        <a:xfrm>
+          <a:off x="0" y="0"/>
+          <a:ext cx="0" cy="0"/>
+          <a:chOff x="0" y="0"/>
+          <a:chExt cx="0" cy="0"/>
+        </a:xfrm>
+      </p:grpSpPr>
+      <p:sp>
+        <p:nvSpPr>
           <p:cNvPr id="6" name="タイトル 5"/>
           <p:cNvSpPr>
             <a:spLocks noGrp="1"/>
@@ -18264,7 +18750,7 @@
             <a:fld id="{D28C7C6D-0F52-4FBA-8358-35C6083C2133}" type="slidenum">
               <a:rPr kumimoji="1" lang="ja-JP" altLang="en-US" smtClean="0"/>
               <a:pPr/>
-              <a:t>5</a:t>
+              <a:t>6</a:t>
             </a:fld>
             <a:endParaRPr kumimoji="1" lang="ja-JP" altLang="en-US"/>
           </a:p>
@@ -18488,7 +18974,7 @@
 </p:sld>
 </file>
 
-<file path=ppt/slides/slide6.xml><?xml version="1.0" encoding="utf-8"?>
+<file path=ppt/slides/slide7.xml><?xml version="1.0" encoding="utf-8"?>
 <p:sld xmlns:a="http://schemas.openxmlformats.org/drawingml/2006/main" xmlns:r="http://schemas.openxmlformats.org/officeDocument/2006/relationships" xmlns:p="http://schemas.openxmlformats.org/presentationml/2006/main">
   <p:cSld>
     <p:spTree>
@@ -18846,7 +19332,7 @@
             <a:fld id="{D28C7C6D-0F52-4FBA-8358-35C6083C2133}" type="slidenum">
               <a:rPr kumimoji="1" lang="ja-JP" altLang="en-US" smtClean="0"/>
               <a:pPr/>
-              <a:t>6</a:t>
+              <a:t>7</a:t>
             </a:fld>
             <a:endParaRPr kumimoji="1" lang="ja-JP" altLang="en-US"/>
           </a:p>
@@ -18885,201 +19371,6 @@
     <p:extLst>
       <p:ext uri="{BB962C8B-B14F-4D97-AF65-F5344CB8AC3E}">
         <p14:creationId xmlns:p14="http://schemas.microsoft.com/office/powerpoint/2010/main" val="3535425263"/>
-      </p:ext>
-    </p:extLst>
-  </p:cSld>
-  <p:clrMapOvr>
-    <a:masterClrMapping/>
-  </p:clrMapOvr>
-</p:sld>
-</file>
-
-<file path=ppt/slides/slide7.xml><?xml version="1.0" encoding="utf-8"?>
-<p:sld xmlns:a="http://schemas.openxmlformats.org/drawingml/2006/main" xmlns:r="http://schemas.openxmlformats.org/officeDocument/2006/relationships" xmlns:p="http://schemas.openxmlformats.org/presentationml/2006/main">
-  <p:cSld>
-    <p:spTree>
-      <p:nvGrpSpPr>
-        <p:cNvPr id="1" name=""/>
-        <p:cNvGrpSpPr/>
-        <p:nvPr/>
-      </p:nvGrpSpPr>
-      <p:grpSpPr>
-        <a:xfrm>
-          <a:off x="0" y="0"/>
-          <a:ext cx="0" cy="0"/>
-          <a:chOff x="0" y="0"/>
-          <a:chExt cx="0" cy="0"/>
-        </a:xfrm>
-      </p:grpSpPr>
-      <p:sp>
-        <p:nvSpPr>
-          <p:cNvPr id="5" name="タイトル 4"/>
-          <p:cNvSpPr>
-            <a:spLocks noGrp="1"/>
-          </p:cNvSpPr>
-          <p:nvPr>
-            <p:ph type="title"/>
-          </p:nvPr>
-        </p:nvSpPr>
-        <p:spPr/>
-        <p:txBody>
-          <a:bodyPr>
-            <a:normAutofit/>
-          </a:bodyPr>
-          <a:lstStyle/>
-          <a:p>
-            <a:r>
-              <a:rPr kumimoji="1" lang="ja-JP" altLang="en-US" sz="6600" dirty="0"/>
-              <a:t>コンテンツ</a:t>
-            </a:r>
-          </a:p>
-        </p:txBody>
-      </p:sp>
-      <p:sp>
-        <p:nvSpPr>
-          <p:cNvPr id="6" name="テキスト プレースホルダー 5"/>
-          <p:cNvSpPr>
-            <a:spLocks noGrp="1"/>
-          </p:cNvSpPr>
-          <p:nvPr>
-            <p:ph type="body" sz="quarter" idx="12"/>
-          </p:nvPr>
-        </p:nvSpPr>
-        <p:spPr>
-          <a:xfrm>
-            <a:off x="7709647" y="1783556"/>
-            <a:ext cx="10578353" cy="6718300"/>
-          </a:xfrm>
-        </p:spPr>
-        <p:txBody>
-          <a:bodyPr>
-            <a:normAutofit/>
-          </a:bodyPr>
-          <a:lstStyle/>
-          <a:p>
-            <a:r>
-              <a:rPr lang="ja" altLang="en-US" sz="4200" dirty="0"/>
-              <a:t>自己紹介</a:t>
-            </a:r>
-            <a:endParaRPr lang="en-US" altLang="ja" sz="4200" dirty="0"/>
-          </a:p>
-          <a:p>
-            <a:r>
-              <a:rPr lang="ja-JP" altLang="en-US" sz="4200">
-                <a:solidFill>
-                  <a:schemeClr val="accent1"/>
-                </a:solidFill>
-              </a:rPr>
-              <a:t>データ</a:t>
-            </a:r>
-            <a:r>
-              <a:rPr lang="ja" altLang="en-US" sz="4200" dirty="0">
-                <a:solidFill>
-                  <a:schemeClr val="accent1"/>
-                </a:solidFill>
-              </a:rPr>
-              <a:t>アントレプレナーフェロープログラム</a:t>
-            </a:r>
-            <a:endParaRPr lang="en-US" altLang="ja-JP" sz="4200" dirty="0">
-              <a:solidFill>
-                <a:schemeClr val="accent1"/>
-              </a:solidFill>
-            </a:endParaRPr>
-          </a:p>
-          <a:p>
-            <a:r>
-              <a:rPr kumimoji="1" lang="ja" altLang="en-US" sz="4200" dirty="0"/>
-              <a:t>データアントレプレナー</a:t>
-            </a:r>
-            <a:r>
-              <a:rPr kumimoji="1" lang="ja-JP" altLang="en-US" sz="4200"/>
-              <a:t>実践論</a:t>
-            </a:r>
-            <a:endParaRPr kumimoji="1" lang="en-US" altLang="ja-JP" sz="4200" dirty="0"/>
-          </a:p>
-          <a:p>
-            <a:r>
-              <a:rPr kumimoji="1" lang="ja" altLang="en-US" sz="4200" dirty="0"/>
-              <a:t>データサイエンティスト</a:t>
-            </a:r>
-            <a:r>
-              <a:rPr kumimoji="1" lang="ja-JP" altLang="en-US" sz="4200"/>
-              <a:t>特論</a:t>
-            </a:r>
-            <a:endParaRPr kumimoji="1" lang="en-US" altLang="ja-JP" sz="4200" dirty="0"/>
-          </a:p>
-          <a:p>
-            <a:r>
-              <a:rPr lang="ja-JP" altLang="en-US" sz="4400"/>
-              <a:t>データ分析の目的、必要性</a:t>
-            </a:r>
-            <a:endParaRPr lang="en-US" altLang="ja-JP" sz="4200" dirty="0"/>
-          </a:p>
-        </p:txBody>
-      </p:sp>
-      <p:sp>
-        <p:nvSpPr>
-          <p:cNvPr id="4" name="Slide Number Placeholder 3">
-            <a:extLst>
-              <a:ext uri="{FF2B5EF4-FFF2-40B4-BE49-F238E27FC236}">
-                <a16:creationId xmlns:a16="http://schemas.microsoft.com/office/drawing/2014/main" id="{D3E7FA87-2E39-7E4B-BE93-51F96F69162C}"/>
-              </a:ext>
-            </a:extLst>
-          </p:cNvPr>
-          <p:cNvSpPr>
-            <a:spLocks noGrp="1"/>
-          </p:cNvSpPr>
-          <p:nvPr>
-            <p:ph type="sldNum" sz="quarter" idx="10"/>
-          </p:nvPr>
-        </p:nvSpPr>
-        <p:spPr/>
-        <p:txBody>
-          <a:bodyPr/>
-          <a:lstStyle/>
-          <a:p>
-            <a:fld id="{D28C7C6D-0F52-4FBA-8358-35C6083C2133}" type="slidenum">
-              <a:rPr kumimoji="1" lang="ja-JP" altLang="en-US" smtClean="0"/>
-              <a:pPr/>
-              <a:t>7</a:t>
-            </a:fld>
-            <a:endParaRPr kumimoji="1" lang="ja-JP" altLang="en-US"/>
-          </a:p>
-        </p:txBody>
-      </p:sp>
-      <p:sp>
-        <p:nvSpPr>
-          <p:cNvPr id="7" name="Footer Placeholder 6">
-            <a:extLst>
-              <a:ext uri="{FF2B5EF4-FFF2-40B4-BE49-F238E27FC236}">
-                <a16:creationId xmlns:a16="http://schemas.microsoft.com/office/drawing/2014/main" id="{7B594C3E-0428-FD47-ABEC-E437828D8759}"/>
-              </a:ext>
-            </a:extLst>
-          </p:cNvPr>
-          <p:cNvSpPr>
-            <a:spLocks noGrp="1"/>
-          </p:cNvSpPr>
-          <p:nvPr>
-            <p:ph type="ftr" sz="quarter" idx="11"/>
-          </p:nvPr>
-        </p:nvSpPr>
-        <p:spPr/>
-        <p:txBody>
-          <a:bodyPr/>
-          <a:lstStyle/>
-          <a:p>
-            <a:r>
-              <a:rPr kumimoji="1" lang="en-US" altLang="ja-JP"/>
-              <a:t>@Takato Matsumoto, 2020</a:t>
-            </a:r>
-            <a:endParaRPr kumimoji="1" lang="ja-JP" altLang="en-US" dirty="0"/>
-          </a:p>
-        </p:txBody>
-      </p:sp>
-    </p:spTree>
-    <p:extLst>
-      <p:ext uri="{BB962C8B-B14F-4D97-AF65-F5344CB8AC3E}">
-        <p14:creationId xmlns:p14="http://schemas.microsoft.com/office/powerpoint/2010/main" val="2284241854"/>
       </p:ext>
     </p:extLst>
   </p:cSld>
@@ -19108,158 +19399,119 @@
       </p:grpSpPr>
       <p:sp>
         <p:nvSpPr>
-          <p:cNvPr id="7" name="テキスト プレースホルダー 6"/>
-          <p:cNvSpPr>
-            <a:spLocks noGrp="1"/>
-          </p:cNvSpPr>
-          <p:nvPr>
-            <p:ph type="body" sz="quarter" idx="14"/>
-          </p:nvPr>
-        </p:nvSpPr>
-        <p:spPr>
-          <a:xfrm>
-            <a:off x="9340948" y="1856206"/>
-            <a:ext cx="8054746" cy="3142846"/>
-          </a:xfrm>
-        </p:spPr>
-        <p:txBody>
-          <a:bodyPr/>
-          <a:lstStyle/>
-          <a:p>
-            <a:r>
-              <a:rPr lang="ja" altLang="en-US" sz="5400" dirty="0"/>
-              <a:t>データアントレプレナー</a:t>
-            </a:r>
-            <a:endParaRPr lang="en-US" altLang="ja" sz="5400" dirty="0"/>
-          </a:p>
-          <a:p>
-            <a:r>
-              <a:rPr lang="ja" altLang="en-US" sz="5400" dirty="0"/>
-              <a:t>フェロープログラム</a:t>
-            </a:r>
-            <a:endParaRPr lang="ja-JP" altLang="en-US" sz="5400" dirty="0"/>
-          </a:p>
-        </p:txBody>
-      </p:sp>
-      <p:sp>
-        <p:nvSpPr>
-          <p:cNvPr id="8" name="テキスト プレースホルダー 7"/>
-          <p:cNvSpPr>
-            <a:spLocks noGrp="1"/>
-          </p:cNvSpPr>
-          <p:nvPr>
-            <p:ph type="body" sz="quarter" idx="15"/>
-          </p:nvPr>
-        </p:nvSpPr>
-        <p:spPr>
-          <a:xfrm>
-            <a:off x="9340948" y="5266345"/>
-            <a:ext cx="8054746" cy="3807314"/>
-          </a:xfrm>
-        </p:spPr>
+          <p:cNvPr id="5" name="タイトル 4"/>
+          <p:cNvSpPr>
+            <a:spLocks noGrp="1"/>
+          </p:cNvSpPr>
+          <p:nvPr>
+            <p:ph type="title"/>
+          </p:nvPr>
+        </p:nvSpPr>
+        <p:spPr/>
         <p:txBody>
           <a:bodyPr>
-            <a:normAutofit fontScale="92500"/>
+            <a:normAutofit/>
           </a:bodyPr>
           <a:lstStyle/>
           <a:p>
             <a:r>
-              <a:rPr lang="ja-JP" altLang="en-US" sz="4000"/>
+              <a:rPr kumimoji="1" lang="ja-JP" altLang="en-US" sz="6600" dirty="0"/>
+              <a:t>コンテンツ</a:t>
+            </a:r>
+          </a:p>
+        </p:txBody>
+      </p:sp>
+      <p:sp>
+        <p:nvSpPr>
+          <p:cNvPr id="6" name="テキスト プレースホルダー 5"/>
+          <p:cNvSpPr>
+            <a:spLocks noGrp="1"/>
+          </p:cNvSpPr>
+          <p:nvPr>
+            <p:ph type="body" sz="quarter" idx="12"/>
+          </p:nvPr>
+        </p:nvSpPr>
+        <p:spPr>
+          <a:xfrm>
+            <a:off x="7709647" y="1783556"/>
+            <a:ext cx="10578353" cy="6718300"/>
+          </a:xfrm>
+        </p:spPr>
+        <p:txBody>
+          <a:bodyPr>
+            <a:normAutofit/>
+          </a:bodyPr>
+          <a:lstStyle/>
+          <a:p>
+            <a:r>
+              <a:rPr lang="ja" altLang="en-US" sz="4200" dirty="0"/>
+              <a:t>自己紹介</a:t>
+            </a:r>
+            <a:endParaRPr lang="en-US" altLang="ja" sz="4200" dirty="0"/>
+          </a:p>
+          <a:p>
+            <a:r>
+              <a:rPr lang="ja-JP" altLang="en-US" sz="4200">
+                <a:solidFill>
+                  <a:schemeClr val="accent1"/>
+                </a:solidFill>
+              </a:rPr>
               <a:t>データ</a:t>
             </a:r>
             <a:r>
-              <a:rPr lang="ja" altLang="en-US" sz="4000" dirty="0"/>
-              <a:t>人材育成プログラム</a:t>
-            </a:r>
-            <a:endParaRPr lang="en-US" altLang="ja" sz="4000" dirty="0"/>
-          </a:p>
-          <a:p>
-            <a:pPr lvl="1"/>
-            <a:r>
-              <a:rPr lang="ja-JP" altLang="en-US" sz="3600"/>
-              <a:t>電通大で</a:t>
-            </a:r>
-            <a:r>
-              <a:rPr lang="ja" altLang="en-US" sz="3600" dirty="0"/>
-              <a:t>開催されて</a:t>
-            </a:r>
-            <a:r>
-              <a:rPr lang="ja-JP" altLang="en-US" sz="3600"/>
-              <a:t>いる</a:t>
-            </a:r>
-            <a:endParaRPr lang="en-US" altLang="ja-JP" sz="3600" dirty="0"/>
-          </a:p>
-          <a:p>
-            <a:r>
-              <a:rPr lang="ja-JP" altLang="en-US" sz="4000"/>
-              <a:t>学べること</a:t>
-            </a:r>
-            <a:endParaRPr lang="en-US" altLang="ja-JP" sz="4000" dirty="0"/>
-          </a:p>
-          <a:p>
-            <a:pPr lvl="1"/>
-            <a:r>
-              <a:rPr lang="ja-JP" altLang="en-US" sz="3600"/>
-              <a:t>データを活用した</a:t>
-            </a:r>
-            <a:r>
-              <a:rPr lang="ja" altLang="en-US" sz="3600" dirty="0"/>
-              <a:t>ビジネス</a:t>
-            </a:r>
-            <a:r>
-              <a:rPr lang="ja-JP" altLang="en-US" sz="3600"/>
-              <a:t>理論</a:t>
-            </a:r>
-            <a:r>
-              <a:rPr lang="ja" altLang="en-US" sz="3600" dirty="0"/>
-              <a:t>，</a:t>
-            </a:r>
-            <a:r>
-              <a:rPr lang="ja-JP" altLang="en-US" sz="3600"/>
-              <a:t>政策</a:t>
-            </a:r>
-            <a:endParaRPr lang="en-US" altLang="ja-JP" sz="3600" dirty="0"/>
-          </a:p>
-          <a:p>
-            <a:pPr lvl="1"/>
-            <a:r>
-              <a:rPr lang="ja" altLang="en-US" sz="3600" dirty="0"/>
-              <a:t>データ</a:t>
-            </a:r>
-            <a:r>
-              <a:rPr lang="ja-JP" altLang="en-US" sz="3600"/>
-              <a:t>分析手法，実装技術など</a:t>
-            </a:r>
-            <a:endParaRPr lang="en-US" altLang="ja-JP" sz="5400" dirty="0"/>
-          </a:p>
-        </p:txBody>
-      </p:sp>
-      <p:sp>
-        <p:nvSpPr>
-          <p:cNvPr id="10" name="フッター プレースホルダー 9"/>
-          <p:cNvSpPr>
-            <a:spLocks noGrp="1"/>
-          </p:cNvSpPr>
-          <p:nvPr>
-            <p:ph type="ftr" sz="quarter" idx="11"/>
-          </p:nvPr>
-        </p:nvSpPr>
-        <p:spPr/>
-        <p:txBody>
-          <a:bodyPr/>
-          <a:lstStyle/>
-          <a:p>
-            <a:r>
-              <a:rPr kumimoji="1" lang="en-US" altLang="ja-JP"/>
-              <a:t>@Takato Matsumoto, 2020</a:t>
-            </a:r>
-            <a:endParaRPr kumimoji="1" lang="ja-JP" altLang="en-US" dirty="0"/>
-          </a:p>
-        </p:txBody>
-      </p:sp>
-      <p:sp>
-        <p:nvSpPr>
-          <p:cNvPr id="11" name="スライド番号プレースホルダー 10"/>
+              <a:rPr lang="ja" altLang="en-US" sz="4200" dirty="0">
+                <a:solidFill>
+                  <a:schemeClr val="accent1"/>
+                </a:solidFill>
+              </a:rPr>
+              <a:t>アントレプレナーフェロープログラム</a:t>
+            </a:r>
+            <a:endParaRPr lang="en-US" altLang="ja-JP" sz="4200" dirty="0">
+              <a:solidFill>
+                <a:schemeClr val="accent1"/>
+              </a:solidFill>
+            </a:endParaRPr>
+          </a:p>
+          <a:p>
+            <a:r>
+              <a:rPr kumimoji="1" lang="ja" altLang="en-US" sz="4200" dirty="0"/>
+              <a:t>データアントレプレナー</a:t>
+            </a:r>
+            <a:r>
+              <a:rPr kumimoji="1" lang="ja-JP" altLang="en-US" sz="4200"/>
+              <a:t>実践論</a:t>
+            </a:r>
+            <a:endParaRPr kumimoji="1" lang="en-US" altLang="ja-JP" sz="4200" dirty="0"/>
+          </a:p>
+          <a:p>
+            <a:r>
+              <a:rPr kumimoji="1" lang="ja" altLang="en-US" sz="4200" dirty="0"/>
+              <a:t>データサイエンティスト</a:t>
+            </a:r>
+            <a:r>
+              <a:rPr kumimoji="1" lang="ja-JP" altLang="en-US" sz="4200"/>
+              <a:t>特論</a:t>
+            </a:r>
+            <a:endParaRPr kumimoji="1" lang="en-US" altLang="ja-JP" sz="4200" dirty="0"/>
+          </a:p>
+          <a:p>
+            <a:r>
+              <a:rPr lang="ja-JP" altLang="en-US" sz="4400"/>
+              <a:t>データ分析の目的、必要性</a:t>
+            </a:r>
+            <a:endParaRPr lang="en-US" altLang="ja-JP" sz="4200" dirty="0"/>
+          </a:p>
+        </p:txBody>
+      </p:sp>
+      <p:sp>
+        <p:nvSpPr>
+          <p:cNvPr id="4" name="Slide Number Placeholder 3">
+            <a:extLst>
+              <a:ext uri="{FF2B5EF4-FFF2-40B4-BE49-F238E27FC236}">
+                <a16:creationId xmlns:a16="http://schemas.microsoft.com/office/drawing/2014/main" id="{D3E7FA87-2E39-7E4B-BE93-51F96F69162C}"/>
+              </a:ext>
+            </a:extLst>
+          </p:cNvPr>
           <p:cNvSpPr>
             <a:spLocks noGrp="1"/>
           </p:cNvSpPr>
@@ -19281,82 +19533,39 @@
           </a:p>
         </p:txBody>
       </p:sp>
-      <p:pic>
-        <p:nvPicPr>
-          <p:cNvPr id="16" name="Picture Placeholder 15">
+      <p:sp>
+        <p:nvSpPr>
+          <p:cNvPr id="7" name="Footer Placeholder 6">
             <a:extLst>
               <a:ext uri="{FF2B5EF4-FFF2-40B4-BE49-F238E27FC236}">
-                <a16:creationId xmlns:a16="http://schemas.microsoft.com/office/drawing/2014/main" id="{35C36191-2700-784D-8C53-5588D4E73F5B}"/>
+                <a16:creationId xmlns:a16="http://schemas.microsoft.com/office/drawing/2014/main" id="{7B594C3E-0428-FD47-ABEC-E437828D8759}"/>
               </a:ext>
             </a:extLst>
           </p:cNvPr>
-          <p:cNvPicPr>
-            <a:picLocks noGrp="1" noChangeAspect="1"/>
-          </p:cNvPicPr>
-          <p:nvPr>
-            <p:ph type="pic" sz="quarter" idx="12"/>
-          </p:nvPr>
-        </p:nvPicPr>
-        <p:blipFill rotWithShape="1">
-          <a:blip r:embed="rId2">
-            <a:extLst>
-              <a:ext uri="{28A0092B-C50C-407E-A947-70E740481C1C}">
-                <a14:useLocalDpi xmlns:a14="http://schemas.microsoft.com/office/drawing/2010/main" val="0"/>
-              </a:ext>
-            </a:extLst>
-          </a:blip>
-          <a:srcRect b="11548"/>
-          <a:stretch/>
-        </p:blipFill>
-        <p:spPr>
-          <a:xfrm>
-            <a:off x="0" y="0"/>
-            <a:ext cx="8197850" cy="10285413"/>
-          </a:xfrm>
-        </p:spPr>
-      </p:pic>
-      <p:sp>
-        <p:nvSpPr>
-          <p:cNvPr id="17" name="TextBox 16">
-            <a:extLst>
-              <a:ext uri="{FF2B5EF4-FFF2-40B4-BE49-F238E27FC236}">
-                <a16:creationId xmlns:a16="http://schemas.microsoft.com/office/drawing/2014/main" id="{28724D3E-BBA8-2148-B7C2-1475F22CA339}"/>
-              </a:ext>
-            </a:extLst>
-          </p:cNvPr>
-          <p:cNvSpPr txBox="1"/>
-          <p:nvPr/>
-        </p:nvSpPr>
-        <p:spPr>
-          <a:xfrm>
-            <a:off x="15959670" y="0"/>
-            <a:ext cx="2328330" cy="369332"/>
-          </a:xfrm>
-          <a:prstGeom prst="rect">
-            <a:avLst/>
-          </a:prstGeom>
-          <a:noFill/>
-        </p:spPr>
-        <p:txBody>
-          <a:bodyPr wrap="none" rtlCol="0">
-            <a:spAutoFit/>
-          </a:bodyPr>
+          <p:cNvSpPr>
+            <a:spLocks noGrp="1"/>
+          </p:cNvSpPr>
+          <p:nvPr>
+            <p:ph type="ftr" sz="quarter" idx="11"/>
+          </p:nvPr>
+        </p:nvSpPr>
+        <p:spPr/>
+        <p:txBody>
+          <a:bodyPr/>
           <a:lstStyle/>
           <a:p>
             <a:r>
-              <a:rPr lang="en-US" dirty="0">
-                <a:hlinkClick r:id="rId3"/>
-              </a:rPr>
-              <a:t>https://de.uec.ac.jp/</a:t>
-            </a:r>
-            <a:endParaRPr lang="en-US" dirty="0"/>
+              <a:rPr kumimoji="1" lang="en-US" altLang="ja-JP"/>
+              <a:t>@Takato Matsumoto, 2020</a:t>
+            </a:r>
+            <a:endParaRPr kumimoji="1" lang="ja-JP" altLang="en-US" dirty="0"/>
           </a:p>
         </p:txBody>
       </p:sp>
     </p:spTree>
     <p:extLst>
       <p:ext uri="{BB962C8B-B14F-4D97-AF65-F5344CB8AC3E}">
-        <p14:creationId xmlns:p14="http://schemas.microsoft.com/office/powerpoint/2010/main" val="754355083"/>
+        <p14:creationId xmlns:p14="http://schemas.microsoft.com/office/powerpoint/2010/main" val="2284241854"/>
       </p:ext>
     </p:extLst>
   </p:cSld>
@@ -19385,181 +19594,158 @@
       </p:grpSpPr>
       <p:sp>
         <p:nvSpPr>
-          <p:cNvPr id="9" name="タイトル 8"/>
-          <p:cNvSpPr>
-            <a:spLocks noGrp="1"/>
-          </p:cNvSpPr>
-          <p:nvPr>
-            <p:ph type="title"/>
-          </p:nvPr>
-        </p:nvSpPr>
-        <p:spPr/>
+          <p:cNvPr id="7" name="テキスト プレースホルダー 6"/>
+          <p:cNvSpPr>
+            <a:spLocks noGrp="1"/>
+          </p:cNvSpPr>
+          <p:nvPr>
+            <p:ph type="body" sz="quarter" idx="14"/>
+          </p:nvPr>
+        </p:nvSpPr>
+        <p:spPr>
+          <a:xfrm>
+            <a:off x="9340948" y="1856206"/>
+            <a:ext cx="8054746" cy="3142846"/>
+          </a:xfrm>
+        </p:spPr>
         <p:txBody>
           <a:bodyPr/>
           <a:lstStyle/>
           <a:p>
             <a:r>
-              <a:rPr kumimoji="1" lang="ja" altLang="en-US" dirty="0"/>
+              <a:rPr lang="ja" altLang="en-US" sz="5400" dirty="0"/>
               <a:t>データアントレプレナー</a:t>
             </a:r>
-            <a:r>
-              <a:rPr kumimoji="1" lang="ja-JP" altLang="en-US"/>
-              <a:t>フェロープログラム（</a:t>
-            </a:r>
-            <a:r>
-              <a:rPr kumimoji="1" lang="en-US" altLang="ja-JP" dirty="0" err="1"/>
-              <a:t>Defp</a:t>
-            </a:r>
-            <a:r>
-              <a:rPr kumimoji="1" lang="ja-JP" altLang="en-US"/>
-              <a:t>）</a:t>
-            </a:r>
-            <a:r>
-              <a:rPr kumimoji="1" lang="en-US" altLang="ja-JP" dirty="0"/>
-              <a:t> | </a:t>
-            </a:r>
-            <a:r>
-              <a:rPr lang="ja-JP" altLang="en-US"/>
-              <a:t>講義内容</a:t>
-            </a:r>
-            <a:endParaRPr kumimoji="1" lang="ja-JP" altLang="en-US" dirty="0"/>
-          </a:p>
-        </p:txBody>
-      </p:sp>
-      <p:sp>
-        <p:nvSpPr>
-          <p:cNvPr id="10" name="テキスト プレースホルダー 9"/>
-          <p:cNvSpPr>
-            <a:spLocks noGrp="1"/>
-          </p:cNvSpPr>
-          <p:nvPr>
-            <p:ph type="body" sz="quarter" idx="12"/>
-          </p:nvPr>
-        </p:nvSpPr>
-        <p:spPr>
-          <a:xfrm>
-            <a:off x="2670361" y="1420977"/>
-            <a:ext cx="13201277" cy="8600285"/>
+            <a:endParaRPr lang="en-US" altLang="ja" sz="5400" dirty="0"/>
+          </a:p>
+          <a:p>
+            <a:r>
+              <a:rPr lang="ja" altLang="en-US" sz="5400" dirty="0"/>
+              <a:t>フェロープログラム</a:t>
+            </a:r>
+            <a:endParaRPr lang="ja-JP" altLang="en-US" sz="5400" dirty="0"/>
+          </a:p>
+        </p:txBody>
+      </p:sp>
+      <p:sp>
+        <p:nvSpPr>
+          <p:cNvPr id="8" name="テキスト プレースホルダー 7"/>
+          <p:cNvSpPr>
+            <a:spLocks noGrp="1"/>
+          </p:cNvSpPr>
+          <p:nvPr>
+            <p:ph type="body" sz="quarter" idx="15"/>
+          </p:nvPr>
+        </p:nvSpPr>
+        <p:spPr>
+          <a:xfrm>
+            <a:off x="9340948" y="5266345"/>
+            <a:ext cx="8054746" cy="3807314"/>
           </a:xfrm>
         </p:spPr>
         <p:txBody>
           <a:bodyPr>
-            <a:normAutofit/>
+            <a:normAutofit fontScale="92500"/>
           </a:bodyPr>
           <a:lstStyle/>
           <a:p>
             <a:r>
-              <a:rPr lang="ja" altLang="en-US" sz="4400" dirty="0"/>
-              <a:t>データアントレプレナー</a:t>
-            </a:r>
-            <a:r>
-              <a:rPr lang="ja-JP" altLang="en-US" sz="4400"/>
-              <a:t>実践論</a:t>
-            </a:r>
-            <a:endParaRPr lang="en-US" altLang="ja-JP" sz="4400" dirty="0"/>
+              <a:rPr lang="ja-JP" altLang="en-US" sz="4000"/>
+              <a:t>データ</a:t>
+            </a:r>
+            <a:r>
+              <a:rPr lang="ja" altLang="en-US" sz="4000" dirty="0"/>
+              <a:t>人材育成プログラム</a:t>
+            </a:r>
+            <a:endParaRPr lang="en-US" altLang="ja" sz="4000" dirty="0"/>
           </a:p>
           <a:p>
             <a:pPr lvl="1"/>
             <a:r>
               <a:rPr lang="ja-JP" altLang="en-US" sz="3600"/>
-              <a:t>各企業が</a:t>
+              <a:t>電通大で</a:t>
             </a:r>
             <a:r>
               <a:rPr lang="ja" altLang="en-US" sz="3600" dirty="0"/>
-              <a:t>行なっている</a:t>
+              <a:t>開催されて</a:t>
             </a:r>
             <a:r>
               <a:rPr lang="ja-JP" altLang="en-US" sz="3600"/>
-              <a:t>データビジネスの実例を学ぶ</a:t>
+              <a:t>いる</a:t>
             </a:r>
             <a:endParaRPr lang="en-US" altLang="ja-JP" sz="3600" dirty="0"/>
           </a:p>
           <a:p>
+            <a:r>
+              <a:rPr lang="ja-JP" altLang="en-US" sz="4000"/>
+              <a:t>学べること</a:t>
+            </a:r>
+            <a:endParaRPr lang="en-US" altLang="ja-JP" sz="4000" dirty="0"/>
+          </a:p>
+          <a:p>
             <a:pPr lvl="1"/>
             <a:r>
               <a:rPr lang="ja-JP" altLang="en-US" sz="3600"/>
-              <a:t>最終コマで</a:t>
+              <a:t>データを活用した</a:t>
             </a:r>
             <a:r>
               <a:rPr lang="ja" altLang="en-US" sz="3600" dirty="0"/>
-              <a:t>ピッチコンテスト</a:t>
+              <a:t>ビジネス</a:t>
             </a:r>
             <a:r>
               <a:rPr lang="ja-JP" altLang="en-US" sz="3600"/>
-              <a:t>を行う</a:t>
+              <a:t>理論</a:t>
+            </a:r>
+            <a:r>
+              <a:rPr lang="ja" altLang="en-US" sz="3600" dirty="0"/>
+              <a:t>，</a:t>
+            </a:r>
+            <a:r>
+              <a:rPr lang="ja-JP" altLang="en-US" sz="3600"/>
+              <a:t>政策</a:t>
             </a:r>
             <a:endParaRPr lang="en-US" altLang="ja-JP" sz="3600" dirty="0"/>
           </a:p>
           <a:p>
-            <a:pPr lvl="2"/>
+            <a:pPr lvl="1"/>
+            <a:r>
+              <a:rPr lang="ja" altLang="en-US" sz="3600" dirty="0"/>
+              <a:t>データ</a:t>
+            </a:r>
             <a:r>
               <a:rPr lang="ja-JP" altLang="en-US" sz="3600"/>
-              <a:t>データを活用したビジネスプランを提言するコンテスト</a:t>
-            </a:r>
-            <a:endParaRPr lang="en-US" altLang="ja-JP" sz="3600" dirty="0"/>
-          </a:p>
-          <a:p>
-            <a:pPr lvl="2"/>
-            <a:endParaRPr lang="en-US" altLang="ja-JP" sz="3600" dirty="0"/>
-          </a:p>
-          <a:p>
-            <a:r>
-              <a:rPr lang="ja-JP" altLang="en-US" sz="4400"/>
-              <a:t>データサイエンティスト特論</a:t>
-            </a:r>
-            <a:endParaRPr lang="en-US" altLang="ja-JP" sz="4400" dirty="0"/>
-          </a:p>
-          <a:p>
-            <a:pPr lvl="1"/>
-            <a:r>
-              <a:rPr lang="ja" altLang="en-US" sz="3600" dirty="0"/>
-              <a:t>不動産データ</a:t>
-            </a:r>
-            <a:r>
-              <a:rPr lang="ja-JP" altLang="en-US" sz="3600"/>
-              <a:t>の分析，機械学習モデル（</a:t>
-            </a:r>
-            <a:r>
-              <a:rPr lang="en-US" altLang="ja-JP" sz="3600" dirty="0"/>
-              <a:t>AI</a:t>
-            </a:r>
-            <a:r>
-              <a:rPr lang="ja-JP" altLang="en-US" sz="3600"/>
-              <a:t>エンジン）の実装</a:t>
-            </a:r>
-            <a:endParaRPr lang="en-US" altLang="ja-JP" sz="3600" dirty="0"/>
-          </a:p>
-          <a:p>
-            <a:pPr lvl="2"/>
-            <a:r>
-              <a:rPr lang="ja-JP" altLang="en-US" sz="3600"/>
-              <a:t>物件価格</a:t>
-            </a:r>
-            <a:r>
-              <a:rPr lang="ja" altLang="en-US" sz="3600" dirty="0"/>
-              <a:t>予測モデルの</a:t>
-            </a:r>
-            <a:r>
-              <a:rPr lang="ja-JP" altLang="en-US" sz="3600"/>
-              <a:t>精度を競うコンペティションを行う</a:t>
-            </a:r>
-            <a:endParaRPr lang="en-US" altLang="ja-JP" sz="3600" dirty="0"/>
-          </a:p>
-          <a:p>
-            <a:pPr lvl="1"/>
-            <a:endParaRPr kumimoji="1" lang="en-US" altLang="ja" dirty="0"/>
-          </a:p>
-        </p:txBody>
-      </p:sp>
-      <p:sp>
-        <p:nvSpPr>
-          <p:cNvPr id="34" name="Slide Number Placeholder 33">
-            <a:extLst>
-              <a:ext uri="{FF2B5EF4-FFF2-40B4-BE49-F238E27FC236}">
-                <a16:creationId xmlns:a16="http://schemas.microsoft.com/office/drawing/2014/main" id="{9D5F9A3D-C521-1649-A724-230DE88284DF}"/>
-              </a:ext>
-            </a:extLst>
-          </p:cNvPr>
+              <a:t>分析手法，実装技術など</a:t>
+            </a:r>
+            <a:endParaRPr lang="en-US" altLang="ja-JP" sz="5400" dirty="0"/>
+          </a:p>
+        </p:txBody>
+      </p:sp>
+      <p:sp>
+        <p:nvSpPr>
+          <p:cNvPr id="10" name="フッター プレースホルダー 9"/>
+          <p:cNvSpPr>
+            <a:spLocks noGrp="1"/>
+          </p:cNvSpPr>
+          <p:nvPr>
+            <p:ph type="ftr" sz="quarter" idx="11"/>
+          </p:nvPr>
+        </p:nvSpPr>
+        <p:spPr/>
+        <p:txBody>
+          <a:bodyPr/>
+          <a:lstStyle/>
+          <a:p>
+            <a:r>
+              <a:rPr kumimoji="1" lang="en-US" altLang="ja-JP"/>
+              <a:t>@Takato Matsumoto, 2020</a:t>
+            </a:r>
+            <a:endParaRPr kumimoji="1" lang="ja-JP" altLang="en-US" dirty="0"/>
+          </a:p>
+        </p:txBody>
+      </p:sp>
+      <p:sp>
+        <p:nvSpPr>
+          <p:cNvPr id="11" name="スライド番号プレースホルダー 10"/>
           <p:cNvSpPr>
             <a:spLocks noGrp="1"/>
           </p:cNvSpPr>
@@ -19581,39 +19767,82 @@
           </a:p>
         </p:txBody>
       </p:sp>
-      <p:sp>
-        <p:nvSpPr>
-          <p:cNvPr id="35" name="Footer Placeholder 34">
+      <p:pic>
+        <p:nvPicPr>
+          <p:cNvPr id="16" name="Picture Placeholder 15">
             <a:extLst>
               <a:ext uri="{FF2B5EF4-FFF2-40B4-BE49-F238E27FC236}">
-                <a16:creationId xmlns:a16="http://schemas.microsoft.com/office/drawing/2014/main" id="{9CA800DD-9063-F844-BBC3-914B9C2CF664}"/>
+                <a16:creationId xmlns:a16="http://schemas.microsoft.com/office/drawing/2014/main" id="{35C36191-2700-784D-8C53-5588D4E73F5B}"/>
               </a:ext>
             </a:extLst>
           </p:cNvPr>
-          <p:cNvSpPr>
-            <a:spLocks noGrp="1"/>
-          </p:cNvSpPr>
-          <p:nvPr>
-            <p:ph type="ftr" sz="quarter" idx="11"/>
-          </p:nvPr>
-        </p:nvSpPr>
-        <p:spPr/>
-        <p:txBody>
-          <a:bodyPr/>
+          <p:cNvPicPr>
+            <a:picLocks noGrp="1" noChangeAspect="1"/>
+          </p:cNvPicPr>
+          <p:nvPr>
+            <p:ph type="pic" sz="quarter" idx="12"/>
+          </p:nvPr>
+        </p:nvPicPr>
+        <p:blipFill rotWithShape="1">
+          <a:blip r:embed="rId2">
+            <a:extLst>
+              <a:ext uri="{28A0092B-C50C-407E-A947-70E740481C1C}">
+                <a14:useLocalDpi xmlns:a14="http://schemas.microsoft.com/office/drawing/2010/main" val="0"/>
+              </a:ext>
+            </a:extLst>
+          </a:blip>
+          <a:srcRect b="11548"/>
+          <a:stretch/>
+        </p:blipFill>
+        <p:spPr>
+          <a:xfrm>
+            <a:off x="0" y="0"/>
+            <a:ext cx="8197850" cy="10285413"/>
+          </a:xfrm>
+        </p:spPr>
+      </p:pic>
+      <p:sp>
+        <p:nvSpPr>
+          <p:cNvPr id="17" name="TextBox 16">
+            <a:extLst>
+              <a:ext uri="{FF2B5EF4-FFF2-40B4-BE49-F238E27FC236}">
+                <a16:creationId xmlns:a16="http://schemas.microsoft.com/office/drawing/2014/main" id="{28724D3E-BBA8-2148-B7C2-1475F22CA339}"/>
+              </a:ext>
+            </a:extLst>
+          </p:cNvPr>
+          <p:cNvSpPr txBox="1"/>
+          <p:nvPr/>
+        </p:nvSpPr>
+        <p:spPr>
+          <a:xfrm>
+            <a:off x="15959670" y="0"/>
+            <a:ext cx="2328330" cy="369332"/>
+          </a:xfrm>
+          <a:prstGeom prst="rect">
+            <a:avLst/>
+          </a:prstGeom>
+          <a:noFill/>
+        </p:spPr>
+        <p:txBody>
+          <a:bodyPr wrap="none" rtlCol="0">
+            <a:spAutoFit/>
+          </a:bodyPr>
           <a:lstStyle/>
           <a:p>
             <a:r>
-              <a:rPr kumimoji="1" lang="en-US" altLang="ja-JP"/>
-              <a:t>@Takato Matsumoto, 2020</a:t>
-            </a:r>
-            <a:endParaRPr kumimoji="1" lang="ja-JP" altLang="en-US" dirty="0"/>
+              <a:rPr lang="en-US" dirty="0">
+                <a:hlinkClick r:id="rId3"/>
+              </a:rPr>
+              <a:t>https://de.uec.ac.jp/</a:t>
+            </a:r>
+            <a:endParaRPr lang="en-US" dirty="0"/>
           </a:p>
         </p:txBody>
       </p:sp>
     </p:spTree>
     <p:extLst>
       <p:ext uri="{BB962C8B-B14F-4D97-AF65-F5344CB8AC3E}">
-        <p14:creationId xmlns:p14="http://schemas.microsoft.com/office/powerpoint/2010/main" val="1863008372"/>
+        <p14:creationId xmlns:p14="http://schemas.microsoft.com/office/powerpoint/2010/main" val="754355083"/>
       </p:ext>
     </p:extLst>
   </p:cSld>
